--- a/EI_Basics.pptx
+++ b/EI_Basics.pptx
@@ -5,15 +5,16 @@
     <p:sldMasterId id="2147483720" r:id="rId1"/>
   </p:sldMasterIdLst>
   <p:notesMasterIdLst>
-    <p:notesMasterId r:id="rId8"/>
+    <p:notesMasterId r:id="rId9"/>
   </p:notesMasterIdLst>
   <p:sldIdLst>
     <p:sldId id="256" r:id="rId2"/>
-    <p:sldId id="263" r:id="rId3"/>
-    <p:sldId id="264" r:id="rId4"/>
-    <p:sldId id="265" r:id="rId5"/>
-    <p:sldId id="266" r:id="rId6"/>
-    <p:sldId id="267" r:id="rId7"/>
+    <p:sldId id="268" r:id="rId3"/>
+    <p:sldId id="263" r:id="rId4"/>
+    <p:sldId id="264" r:id="rId5"/>
+    <p:sldId id="265" r:id="rId6"/>
+    <p:sldId id="266" r:id="rId7"/>
+    <p:sldId id="267" r:id="rId8"/>
   </p:sldIdLst>
   <p:sldSz cx="5659438" cy="7543800"/>
   <p:notesSz cx="9144000" cy="6858000"/>
@@ -118,6 +119,7 @@
         <p14:section name="Default Section" id="{8601550C-35F2-4963-BE63-29ED9A90FE2D}">
           <p14:sldIdLst>
             <p14:sldId id="256"/>
+            <p14:sldId id="268"/>
             <p14:sldId id="263"/>
             <p14:sldId id="264"/>
             <p14:sldId id="265"/>
@@ -630,9 +632,10 @@
           <a:lstStyle/>
           <a:p>
             <a:r>
-              <a:rPr lang="hu-HU" dirty="0"/>
-              <a:t>SWOT</a:t>
+              <a:rPr lang="hu-HU" dirty="0" err="1"/>
+              <a:t>Empty</a:t>
             </a:r>
+            <a:endParaRPr lang="hu-HU" dirty="0"/>
           </a:p>
         </p:txBody>
       </p:sp>
@@ -662,7 +665,7 @@
     </p:spTree>
     <p:extLst>
       <p:ext uri="{BB962C8B-B14F-4D97-AF65-F5344CB8AC3E}">
-        <p14:creationId xmlns:p14="http://schemas.microsoft.com/office/powerpoint/2010/main" val="3770028401"/>
+        <p14:creationId xmlns:p14="http://schemas.microsoft.com/office/powerpoint/2010/main" val="697101382"/>
       </p:ext>
     </p:extLst>
   </p:cSld>
@@ -723,7 +726,7 @@
           <a:p>
             <a:r>
               <a:rPr lang="hu-HU" dirty="0"/>
-              <a:t>SWOT BW</a:t>
+              <a:t>SWOT</a:t>
             </a:r>
           </a:p>
         </p:txBody>
@@ -754,7 +757,7 @@
     </p:spTree>
     <p:extLst>
       <p:ext uri="{BB962C8B-B14F-4D97-AF65-F5344CB8AC3E}">
-        <p14:creationId xmlns:p14="http://schemas.microsoft.com/office/powerpoint/2010/main" val="3998321279"/>
+        <p14:creationId xmlns:p14="http://schemas.microsoft.com/office/powerpoint/2010/main" val="3770028401"/>
       </p:ext>
     </p:extLst>
   </p:cSld>
@@ -814,10 +817,9 @@
           <a:lstStyle/>
           <a:p>
             <a:r>
-              <a:rPr lang="hu-HU" dirty="0" err="1"/>
-              <a:t>KanBan</a:t>
+              <a:rPr lang="hu-HU" dirty="0"/>
+              <a:t>SWOT BW</a:t>
             </a:r>
-            <a:endParaRPr lang="hu-HU" dirty="0"/>
           </a:p>
         </p:txBody>
       </p:sp>
@@ -847,7 +849,7 @@
     </p:spTree>
     <p:extLst>
       <p:ext uri="{BB962C8B-B14F-4D97-AF65-F5344CB8AC3E}">
-        <p14:creationId xmlns:p14="http://schemas.microsoft.com/office/powerpoint/2010/main" val="3725205967"/>
+        <p14:creationId xmlns:p14="http://schemas.microsoft.com/office/powerpoint/2010/main" val="3998321279"/>
       </p:ext>
     </p:extLst>
   </p:cSld>
@@ -910,10 +912,7 @@
               <a:rPr lang="hu-HU" dirty="0" err="1"/>
               <a:t>KanBan</a:t>
             </a:r>
-            <a:r>
-              <a:rPr lang="hu-HU" dirty="0"/>
-              <a:t> BW</a:t>
-            </a:r>
+            <a:endParaRPr lang="hu-HU" dirty="0"/>
           </a:p>
         </p:txBody>
       </p:sp>
@@ -943,7 +942,7 @@
     </p:spTree>
     <p:extLst>
       <p:ext uri="{BB962C8B-B14F-4D97-AF65-F5344CB8AC3E}">
-        <p14:creationId xmlns:p14="http://schemas.microsoft.com/office/powerpoint/2010/main" val="3588114716"/>
+        <p14:creationId xmlns:p14="http://schemas.microsoft.com/office/powerpoint/2010/main" val="3725205967"/>
       </p:ext>
     </p:extLst>
   </p:cSld>
@@ -1004,6 +1003,102 @@
           <a:p>
             <a:r>
               <a:rPr lang="hu-HU" dirty="0" err="1"/>
+              <a:t>KanBan</a:t>
+            </a:r>
+            <a:r>
+              <a:rPr lang="hu-HU" dirty="0"/>
+              <a:t> BW</a:t>
+            </a:r>
+          </a:p>
+        </p:txBody>
+      </p:sp>
+      <p:sp>
+        <p:nvSpPr>
+          <p:cNvPr id="4" name="Slide Number Placeholder 3"/>
+          <p:cNvSpPr>
+            <a:spLocks noGrp="1"/>
+          </p:cNvSpPr>
+          <p:nvPr>
+            <p:ph type="sldNum" sz="quarter" idx="5"/>
+          </p:nvPr>
+        </p:nvSpPr>
+        <p:spPr/>
+        <p:txBody>
+          <a:bodyPr/>
+          <a:lstStyle/>
+          <a:p>
+            <a:fld id="{91BF0FD7-3BBC-48BF-9046-F1A751293F8C}" type="slidenum">
+              <a:rPr lang="hu-HU" smtClean="0"/>
+              <a:t>6</a:t>
+            </a:fld>
+            <a:endParaRPr lang="hu-HU"/>
+          </a:p>
+        </p:txBody>
+      </p:sp>
+    </p:spTree>
+    <p:extLst>
+      <p:ext uri="{BB962C8B-B14F-4D97-AF65-F5344CB8AC3E}">
+        <p14:creationId xmlns:p14="http://schemas.microsoft.com/office/powerpoint/2010/main" val="3588114716"/>
+      </p:ext>
+    </p:extLst>
+  </p:cSld>
+  <p:clrMapOvr>
+    <a:masterClrMapping/>
+  </p:clrMapOvr>
+</p:notes>
+</file>
+
+<file path=ppt/notesSlides/notesSlide7.xml><?xml version="1.0" encoding="utf-8"?>
+<p:notes xmlns:a="http://schemas.openxmlformats.org/drawingml/2006/main" xmlns:r="http://schemas.openxmlformats.org/officeDocument/2006/relationships" xmlns:p="http://schemas.openxmlformats.org/presentationml/2006/main">
+  <p:cSld>
+    <p:spTree>
+      <p:nvGrpSpPr>
+        <p:cNvPr id="1" name=""/>
+        <p:cNvGrpSpPr/>
+        <p:nvPr/>
+      </p:nvGrpSpPr>
+      <p:grpSpPr>
+        <a:xfrm>
+          <a:off x="0" y="0"/>
+          <a:ext cx="0" cy="0"/>
+          <a:chOff x="0" y="0"/>
+          <a:chExt cx="0" cy="0"/>
+        </a:xfrm>
+      </p:grpSpPr>
+      <p:sp>
+        <p:nvSpPr>
+          <p:cNvPr id="2" name="Slide Image Placeholder 1"/>
+          <p:cNvSpPr>
+            <a:spLocks noGrp="1" noRot="1" noChangeAspect="1"/>
+          </p:cNvSpPr>
+          <p:nvPr>
+            <p:ph type="sldImg"/>
+          </p:nvPr>
+        </p:nvSpPr>
+        <p:spPr>
+          <a:xfrm>
+            <a:off x="3703638" y="857250"/>
+            <a:ext cx="1736725" cy="2314575"/>
+          </a:xfrm>
+        </p:spPr>
+      </p:sp>
+      <p:sp>
+        <p:nvSpPr>
+          <p:cNvPr id="3" name="Notes Placeholder 2"/>
+          <p:cNvSpPr>
+            <a:spLocks noGrp="1"/>
+          </p:cNvSpPr>
+          <p:nvPr>
+            <p:ph type="body" idx="1"/>
+          </p:nvPr>
+        </p:nvSpPr>
+        <p:spPr/>
+        <p:txBody>
+          <a:bodyPr/>
+          <a:lstStyle/>
+          <a:p>
+            <a:r>
+              <a:rPr lang="hu-HU" dirty="0" err="1"/>
               <a:t>WhiteBoard</a:t>
             </a:r>
             <a:endParaRPr lang="hu-HU" dirty="0"/>
@@ -1027,7 +1122,7 @@
           <a:p>
             <a:fld id="{91BF0FD7-3BBC-48BF-9046-F1A751293F8C}" type="slidenum">
               <a:rPr lang="hu-HU" smtClean="0"/>
-              <a:t>6</a:t>
+              <a:t>7</a:t>
             </a:fld>
             <a:endParaRPr lang="hu-HU"/>
           </a:p>
@@ -4317,6 +4412,1077 @@
           <a:p>
             <a:r>
               <a:rPr lang="hu-HU" dirty="0"/>
+              <a:t>Heti feladatok</a:t>
+            </a:r>
+          </a:p>
+        </p:txBody>
+      </p:sp>
+      <p:graphicFrame>
+        <p:nvGraphicFramePr>
+          <p:cNvPr id="4" name="Table 4">
+            <a:extLst>
+              <a:ext uri="{FF2B5EF4-FFF2-40B4-BE49-F238E27FC236}">
+                <a16:creationId xmlns:a16="http://schemas.microsoft.com/office/drawing/2014/main" id="{179A48EE-BA02-4806-9F9B-6D912C81E640}"/>
+              </a:ext>
+            </a:extLst>
+          </p:cNvPr>
+          <p:cNvGraphicFramePr>
+            <a:graphicFrameLocks noGrp="1"/>
+          </p:cNvGraphicFramePr>
+          <p:nvPr>
+            <p:extLst>
+              <p:ext uri="{D42A27DB-BD31-4B8C-83A1-F6EECF244321}">
+                <p14:modId xmlns:p14="http://schemas.microsoft.com/office/powerpoint/2010/main" val="3936287110"/>
+              </p:ext>
+            </p:extLst>
+          </p:nvPr>
+        </p:nvGraphicFramePr>
+        <p:xfrm>
+          <a:off x="63023" y="582898"/>
+          <a:ext cx="5525925" cy="6911764"/>
+        </p:xfrm>
+        <a:graphic>
+          <a:graphicData uri="http://schemas.openxmlformats.org/drawingml/2006/table">
+            <a:tbl>
+              <a:tblPr firstRow="1" bandRow="1">
+                <a:tableStyleId>{5C22544A-7EE6-4342-B048-85BDC9FD1C3A}</a:tableStyleId>
+              </a:tblPr>
+              <a:tblGrid>
+                <a:gridCol w="2780831">
+                  <a:extLst>
+                    <a:ext uri="{9D8B030D-6E8A-4147-A177-3AD203B41FA5}">
+                      <a16:colId xmlns:a16="http://schemas.microsoft.com/office/drawing/2014/main" val="1278284831"/>
+                    </a:ext>
+                  </a:extLst>
+                </a:gridCol>
+                <a:gridCol w="210559">
+                  <a:extLst>
+                    <a:ext uri="{9D8B030D-6E8A-4147-A177-3AD203B41FA5}">
+                      <a16:colId xmlns:a16="http://schemas.microsoft.com/office/drawing/2014/main" val="2673907331"/>
+                    </a:ext>
+                  </a:extLst>
+                </a:gridCol>
+                <a:gridCol w="210559">
+                  <a:extLst>
+                    <a:ext uri="{9D8B030D-6E8A-4147-A177-3AD203B41FA5}">
+                      <a16:colId xmlns:a16="http://schemas.microsoft.com/office/drawing/2014/main" val="2396367388"/>
+                    </a:ext>
+                  </a:extLst>
+                </a:gridCol>
+                <a:gridCol w="241902">
+                  <a:extLst>
+                    <a:ext uri="{9D8B030D-6E8A-4147-A177-3AD203B41FA5}">
+                      <a16:colId xmlns:a16="http://schemas.microsoft.com/office/drawing/2014/main" val="1789665046"/>
+                    </a:ext>
+                  </a:extLst>
+                </a:gridCol>
+                <a:gridCol w="233261">
+                  <a:extLst>
+                    <a:ext uri="{9D8B030D-6E8A-4147-A177-3AD203B41FA5}">
+                      <a16:colId xmlns:a16="http://schemas.microsoft.com/office/drawing/2014/main" val="2620862330"/>
+                    </a:ext>
+                  </a:extLst>
+                </a:gridCol>
+                <a:gridCol w="250540">
+                  <a:extLst>
+                    <a:ext uri="{9D8B030D-6E8A-4147-A177-3AD203B41FA5}">
+                      <a16:colId xmlns:a16="http://schemas.microsoft.com/office/drawing/2014/main" val="1657865901"/>
+                    </a:ext>
+                  </a:extLst>
+                </a:gridCol>
+                <a:gridCol w="233261">
+                  <a:extLst>
+                    <a:ext uri="{9D8B030D-6E8A-4147-A177-3AD203B41FA5}">
+                      <a16:colId xmlns:a16="http://schemas.microsoft.com/office/drawing/2014/main" val="3727116168"/>
+                    </a:ext>
+                  </a:extLst>
+                </a:gridCol>
+                <a:gridCol w="241902">
+                  <a:extLst>
+                    <a:ext uri="{9D8B030D-6E8A-4147-A177-3AD203B41FA5}">
+                      <a16:colId xmlns:a16="http://schemas.microsoft.com/office/drawing/2014/main" val="3560251892"/>
+                    </a:ext>
+                  </a:extLst>
+                </a:gridCol>
+                <a:gridCol w="1123110">
+                  <a:extLst>
+                    <a:ext uri="{9D8B030D-6E8A-4147-A177-3AD203B41FA5}">
+                      <a16:colId xmlns:a16="http://schemas.microsoft.com/office/drawing/2014/main" val="3283273542"/>
+                    </a:ext>
+                  </a:extLst>
+                </a:gridCol>
+              </a:tblGrid>
+              <a:tr h="322579">
+                <a:tc>
+                  <a:txBody>
+                    <a:bodyPr/>
+                    <a:lstStyle/>
+                    <a:p>
+                      <a:pPr algn="ctr"/>
+                      <a:r>
+                        <a:rPr lang="hu-HU" dirty="0"/>
+                        <a:t>Feladat</a:t>
+                      </a:r>
+                    </a:p>
+                  </a:txBody>
+                  <a:tcPr>
+                    <a:lnL w="12700" cap="flat" cmpd="sng" algn="ctr">
+                      <a:solidFill>
+                        <a:schemeClr val="tx1"/>
+                      </a:solidFill>
+                      <a:prstDash val="solid"/>
+                      <a:round/>
+                      <a:headEnd type="none" w="med" len="med"/>
+                      <a:tailEnd type="none" w="med" len="med"/>
+                    </a:lnL>
+                    <a:lnR w="12700" cap="flat" cmpd="sng" algn="ctr">
+                      <a:solidFill>
+                        <a:schemeClr val="tx1"/>
+                      </a:solidFill>
+                      <a:prstDash val="solid"/>
+                      <a:round/>
+                      <a:headEnd type="none" w="med" len="med"/>
+                      <a:tailEnd type="none" w="med" len="med"/>
+                    </a:lnR>
+                    <a:lnT w="12700" cap="flat" cmpd="sng" algn="ctr">
+                      <a:solidFill>
+                        <a:schemeClr val="tx1"/>
+                      </a:solidFill>
+                      <a:prstDash val="solid"/>
+                      <a:round/>
+                      <a:headEnd type="none" w="med" len="med"/>
+                      <a:tailEnd type="none" w="med" len="med"/>
+                    </a:lnT>
+                    <a:lnB w="12700" cap="flat" cmpd="sng" algn="ctr">
+                      <a:solidFill>
+                        <a:schemeClr val="tx1"/>
+                      </a:solidFill>
+                      <a:prstDash val="solid"/>
+                      <a:round/>
+                      <a:headEnd type="none" w="med" len="med"/>
+                      <a:tailEnd type="none" w="med" len="med"/>
+                    </a:lnB>
+                  </a:tcPr>
+                </a:tc>
+                <a:tc>
+                  <a:txBody>
+                    <a:bodyPr/>
+                    <a:lstStyle/>
+                    <a:p>
+                      <a:pPr algn="ctr"/>
+                      <a:r>
+                        <a:rPr lang="hu-HU" dirty="0"/>
+                        <a:t>H</a:t>
+                      </a:r>
+                    </a:p>
+                  </a:txBody>
+                  <a:tcPr>
+                    <a:lnL w="12700" cap="flat" cmpd="sng" algn="ctr">
+                      <a:solidFill>
+                        <a:schemeClr val="tx1"/>
+                      </a:solidFill>
+                      <a:prstDash val="solid"/>
+                      <a:round/>
+                      <a:headEnd type="none" w="med" len="med"/>
+                      <a:tailEnd type="none" w="med" len="med"/>
+                    </a:lnL>
+                    <a:lnR w="12700" cap="flat" cmpd="sng" algn="ctr">
+                      <a:solidFill>
+                        <a:schemeClr val="tx1"/>
+                      </a:solidFill>
+                      <a:prstDash val="solid"/>
+                      <a:round/>
+                      <a:headEnd type="none" w="med" len="med"/>
+                      <a:tailEnd type="none" w="med" len="med"/>
+                    </a:lnR>
+                    <a:lnT w="12700" cap="flat" cmpd="sng" algn="ctr">
+                      <a:solidFill>
+                        <a:schemeClr val="tx1"/>
+                      </a:solidFill>
+                      <a:prstDash val="solid"/>
+                      <a:round/>
+                      <a:headEnd type="none" w="med" len="med"/>
+                      <a:tailEnd type="none" w="med" len="med"/>
+                    </a:lnT>
+                    <a:lnB w="12700" cap="flat" cmpd="sng" algn="ctr">
+                      <a:solidFill>
+                        <a:schemeClr val="tx1"/>
+                      </a:solidFill>
+                      <a:prstDash val="solid"/>
+                      <a:round/>
+                      <a:headEnd type="none" w="med" len="med"/>
+                      <a:tailEnd type="none" w="med" len="med"/>
+                    </a:lnB>
+                  </a:tcPr>
+                </a:tc>
+                <a:tc>
+                  <a:txBody>
+                    <a:bodyPr/>
+                    <a:lstStyle/>
+                    <a:p>
+                      <a:pPr algn="ctr"/>
+                      <a:r>
+                        <a:rPr lang="hu-HU" dirty="0"/>
+                        <a:t>K</a:t>
+                      </a:r>
+                    </a:p>
+                  </a:txBody>
+                  <a:tcPr>
+                    <a:lnL w="12700" cap="flat" cmpd="sng" algn="ctr">
+                      <a:solidFill>
+                        <a:schemeClr val="tx1"/>
+                      </a:solidFill>
+                      <a:prstDash val="solid"/>
+                      <a:round/>
+                      <a:headEnd type="none" w="med" len="med"/>
+                      <a:tailEnd type="none" w="med" len="med"/>
+                    </a:lnL>
+                    <a:lnR w="12700" cap="flat" cmpd="sng" algn="ctr">
+                      <a:solidFill>
+                        <a:schemeClr val="tx1"/>
+                      </a:solidFill>
+                      <a:prstDash val="solid"/>
+                      <a:round/>
+                      <a:headEnd type="none" w="med" len="med"/>
+                      <a:tailEnd type="none" w="med" len="med"/>
+                    </a:lnR>
+                    <a:lnT w="12700" cap="flat" cmpd="sng" algn="ctr">
+                      <a:solidFill>
+                        <a:schemeClr val="tx1"/>
+                      </a:solidFill>
+                      <a:prstDash val="solid"/>
+                      <a:round/>
+                      <a:headEnd type="none" w="med" len="med"/>
+                      <a:tailEnd type="none" w="med" len="med"/>
+                    </a:lnT>
+                    <a:lnB w="12700" cap="flat" cmpd="sng" algn="ctr">
+                      <a:solidFill>
+                        <a:schemeClr val="tx1"/>
+                      </a:solidFill>
+                      <a:prstDash val="solid"/>
+                      <a:round/>
+                      <a:headEnd type="none" w="med" len="med"/>
+                      <a:tailEnd type="none" w="med" len="med"/>
+                    </a:lnB>
+                  </a:tcPr>
+                </a:tc>
+                <a:tc>
+                  <a:txBody>
+                    <a:bodyPr/>
+                    <a:lstStyle/>
+                    <a:p>
+                      <a:pPr algn="ctr"/>
+                      <a:r>
+                        <a:rPr lang="hu-HU" dirty="0"/>
+                        <a:t>Sz</a:t>
+                      </a:r>
+                    </a:p>
+                  </a:txBody>
+                  <a:tcPr>
+                    <a:lnL w="12700" cap="flat" cmpd="sng" algn="ctr">
+                      <a:solidFill>
+                        <a:schemeClr val="tx1"/>
+                      </a:solidFill>
+                      <a:prstDash val="solid"/>
+                      <a:round/>
+                      <a:headEnd type="none" w="med" len="med"/>
+                      <a:tailEnd type="none" w="med" len="med"/>
+                    </a:lnL>
+                    <a:lnR w="12700" cap="flat" cmpd="sng" algn="ctr">
+                      <a:solidFill>
+                        <a:schemeClr val="tx1"/>
+                      </a:solidFill>
+                      <a:prstDash val="solid"/>
+                      <a:round/>
+                      <a:headEnd type="none" w="med" len="med"/>
+                      <a:tailEnd type="none" w="med" len="med"/>
+                    </a:lnR>
+                    <a:lnT w="12700" cap="flat" cmpd="sng" algn="ctr">
+                      <a:solidFill>
+                        <a:schemeClr val="tx1"/>
+                      </a:solidFill>
+                      <a:prstDash val="solid"/>
+                      <a:round/>
+                      <a:headEnd type="none" w="med" len="med"/>
+                      <a:tailEnd type="none" w="med" len="med"/>
+                    </a:lnT>
+                    <a:lnB w="12700" cap="flat" cmpd="sng" algn="ctr">
+                      <a:solidFill>
+                        <a:schemeClr val="tx1"/>
+                      </a:solidFill>
+                      <a:prstDash val="solid"/>
+                      <a:round/>
+                      <a:headEnd type="none" w="med" len="med"/>
+                      <a:tailEnd type="none" w="med" len="med"/>
+                    </a:lnB>
+                  </a:tcPr>
+                </a:tc>
+                <a:tc>
+                  <a:txBody>
+                    <a:bodyPr/>
+                    <a:lstStyle/>
+                    <a:p>
+                      <a:pPr algn="ctr"/>
+                      <a:r>
+                        <a:rPr lang="hu-HU" dirty="0"/>
+                        <a:t>Cs</a:t>
+                      </a:r>
+                    </a:p>
+                  </a:txBody>
+                  <a:tcPr>
+                    <a:lnL w="12700" cap="flat" cmpd="sng" algn="ctr">
+                      <a:solidFill>
+                        <a:schemeClr val="tx1"/>
+                      </a:solidFill>
+                      <a:prstDash val="solid"/>
+                      <a:round/>
+                      <a:headEnd type="none" w="med" len="med"/>
+                      <a:tailEnd type="none" w="med" len="med"/>
+                    </a:lnL>
+                    <a:lnR w="12700" cap="flat" cmpd="sng" algn="ctr">
+                      <a:solidFill>
+                        <a:schemeClr val="tx1"/>
+                      </a:solidFill>
+                      <a:prstDash val="solid"/>
+                      <a:round/>
+                      <a:headEnd type="none" w="med" len="med"/>
+                      <a:tailEnd type="none" w="med" len="med"/>
+                    </a:lnR>
+                    <a:lnT w="12700" cap="flat" cmpd="sng" algn="ctr">
+                      <a:solidFill>
+                        <a:schemeClr val="tx1"/>
+                      </a:solidFill>
+                      <a:prstDash val="solid"/>
+                      <a:round/>
+                      <a:headEnd type="none" w="med" len="med"/>
+                      <a:tailEnd type="none" w="med" len="med"/>
+                    </a:lnT>
+                    <a:lnB w="12700" cap="flat" cmpd="sng" algn="ctr">
+                      <a:solidFill>
+                        <a:schemeClr val="tx1"/>
+                      </a:solidFill>
+                      <a:prstDash val="solid"/>
+                      <a:round/>
+                      <a:headEnd type="none" w="med" len="med"/>
+                      <a:tailEnd type="none" w="med" len="med"/>
+                    </a:lnB>
+                  </a:tcPr>
+                </a:tc>
+                <a:tc>
+                  <a:txBody>
+                    <a:bodyPr/>
+                    <a:lstStyle/>
+                    <a:p>
+                      <a:pPr algn="ctr"/>
+                      <a:r>
+                        <a:rPr lang="hu-HU" dirty="0"/>
+                        <a:t>P</a:t>
+                      </a:r>
+                    </a:p>
+                  </a:txBody>
+                  <a:tcPr>
+                    <a:lnL w="12700" cap="flat" cmpd="sng" algn="ctr">
+                      <a:solidFill>
+                        <a:schemeClr val="tx1"/>
+                      </a:solidFill>
+                      <a:prstDash val="solid"/>
+                      <a:round/>
+                      <a:headEnd type="none" w="med" len="med"/>
+                      <a:tailEnd type="none" w="med" len="med"/>
+                    </a:lnL>
+                    <a:lnR w="12700" cap="flat" cmpd="sng" algn="ctr">
+                      <a:solidFill>
+                        <a:schemeClr val="tx1"/>
+                      </a:solidFill>
+                      <a:prstDash val="solid"/>
+                      <a:round/>
+                      <a:headEnd type="none" w="med" len="med"/>
+                      <a:tailEnd type="none" w="med" len="med"/>
+                    </a:lnR>
+                    <a:lnT w="12700" cap="flat" cmpd="sng" algn="ctr">
+                      <a:solidFill>
+                        <a:schemeClr val="tx1"/>
+                      </a:solidFill>
+                      <a:prstDash val="solid"/>
+                      <a:round/>
+                      <a:headEnd type="none" w="med" len="med"/>
+                      <a:tailEnd type="none" w="med" len="med"/>
+                    </a:lnT>
+                    <a:lnB w="12700" cap="flat" cmpd="sng" algn="ctr">
+                      <a:solidFill>
+                        <a:schemeClr val="tx1"/>
+                      </a:solidFill>
+                      <a:prstDash val="solid"/>
+                      <a:round/>
+                      <a:headEnd type="none" w="med" len="med"/>
+                      <a:tailEnd type="none" w="med" len="med"/>
+                    </a:lnB>
+                  </a:tcPr>
+                </a:tc>
+                <a:tc>
+                  <a:txBody>
+                    <a:bodyPr/>
+                    <a:lstStyle/>
+                    <a:p>
+                      <a:pPr algn="ctr"/>
+                      <a:r>
+                        <a:rPr lang="hu-HU" dirty="0"/>
+                        <a:t>Sz</a:t>
+                      </a:r>
+                    </a:p>
+                  </a:txBody>
+                  <a:tcPr>
+                    <a:lnL w="12700" cap="flat" cmpd="sng" algn="ctr">
+                      <a:solidFill>
+                        <a:schemeClr val="tx1"/>
+                      </a:solidFill>
+                      <a:prstDash val="solid"/>
+                      <a:round/>
+                      <a:headEnd type="none" w="med" len="med"/>
+                      <a:tailEnd type="none" w="med" len="med"/>
+                    </a:lnL>
+                    <a:lnR w="12700" cap="flat" cmpd="sng" algn="ctr">
+                      <a:solidFill>
+                        <a:schemeClr val="tx1"/>
+                      </a:solidFill>
+                      <a:prstDash val="solid"/>
+                      <a:round/>
+                      <a:headEnd type="none" w="med" len="med"/>
+                      <a:tailEnd type="none" w="med" len="med"/>
+                    </a:lnR>
+                    <a:lnT w="12700" cap="flat" cmpd="sng" algn="ctr">
+                      <a:solidFill>
+                        <a:schemeClr val="tx1"/>
+                      </a:solidFill>
+                      <a:prstDash val="solid"/>
+                      <a:round/>
+                      <a:headEnd type="none" w="med" len="med"/>
+                      <a:tailEnd type="none" w="med" len="med"/>
+                    </a:lnT>
+                    <a:lnB w="12700" cap="flat" cmpd="sng" algn="ctr">
+                      <a:solidFill>
+                        <a:schemeClr val="tx1"/>
+                      </a:solidFill>
+                      <a:prstDash val="solid"/>
+                      <a:round/>
+                      <a:headEnd type="none" w="med" len="med"/>
+                      <a:tailEnd type="none" w="med" len="med"/>
+                    </a:lnB>
+                  </a:tcPr>
+                </a:tc>
+                <a:tc>
+                  <a:txBody>
+                    <a:bodyPr/>
+                    <a:lstStyle/>
+                    <a:p>
+                      <a:pPr algn="ctr"/>
+                      <a:r>
+                        <a:rPr lang="hu-HU" dirty="0"/>
+                        <a:t>V</a:t>
+                      </a:r>
+                    </a:p>
+                  </a:txBody>
+                  <a:tcPr>
+                    <a:lnL w="12700" cap="flat" cmpd="sng" algn="ctr">
+                      <a:solidFill>
+                        <a:schemeClr val="tx1"/>
+                      </a:solidFill>
+                      <a:prstDash val="solid"/>
+                      <a:round/>
+                      <a:headEnd type="none" w="med" len="med"/>
+                      <a:tailEnd type="none" w="med" len="med"/>
+                    </a:lnL>
+                    <a:lnR w="12700" cap="flat" cmpd="sng" algn="ctr">
+                      <a:solidFill>
+                        <a:schemeClr val="tx1"/>
+                      </a:solidFill>
+                      <a:prstDash val="solid"/>
+                      <a:round/>
+                      <a:headEnd type="none" w="med" len="med"/>
+                      <a:tailEnd type="none" w="med" len="med"/>
+                    </a:lnR>
+                    <a:lnT w="12700" cap="flat" cmpd="sng" algn="ctr">
+                      <a:solidFill>
+                        <a:schemeClr val="tx1"/>
+                      </a:solidFill>
+                      <a:prstDash val="solid"/>
+                      <a:round/>
+                      <a:headEnd type="none" w="med" len="med"/>
+                      <a:tailEnd type="none" w="med" len="med"/>
+                    </a:lnT>
+                    <a:lnB w="12700" cap="flat" cmpd="sng" algn="ctr">
+                      <a:solidFill>
+                        <a:schemeClr val="tx1"/>
+                      </a:solidFill>
+                      <a:prstDash val="solid"/>
+                      <a:round/>
+                      <a:headEnd type="none" w="med" len="med"/>
+                      <a:tailEnd type="none" w="med" len="med"/>
+                    </a:lnB>
+                  </a:tcPr>
+                </a:tc>
+                <a:tc>
+                  <a:txBody>
+                    <a:bodyPr/>
+                    <a:lstStyle/>
+                    <a:p>
+                      <a:pPr algn="ctr"/>
+                      <a:r>
+                        <a:rPr lang="hu-HU" dirty="0" err="1"/>
+                        <a:t>Megj</a:t>
+                      </a:r>
+                      <a:endParaRPr lang="hu-HU" dirty="0"/>
+                    </a:p>
+                  </a:txBody>
+                  <a:tcPr>
+                    <a:lnL w="12700" cap="flat" cmpd="sng" algn="ctr">
+                      <a:solidFill>
+                        <a:schemeClr val="tx1"/>
+                      </a:solidFill>
+                      <a:prstDash val="solid"/>
+                      <a:round/>
+                      <a:headEnd type="none" w="med" len="med"/>
+                      <a:tailEnd type="none" w="med" len="med"/>
+                    </a:lnL>
+                    <a:lnR w="12700" cap="flat" cmpd="sng" algn="ctr">
+                      <a:solidFill>
+                        <a:schemeClr val="tx1"/>
+                      </a:solidFill>
+                      <a:prstDash val="solid"/>
+                      <a:round/>
+                      <a:headEnd type="none" w="med" len="med"/>
+                      <a:tailEnd type="none" w="med" len="med"/>
+                    </a:lnR>
+                    <a:lnT w="12700" cap="flat" cmpd="sng" algn="ctr">
+                      <a:solidFill>
+                        <a:schemeClr val="tx1"/>
+                      </a:solidFill>
+                      <a:prstDash val="solid"/>
+                      <a:round/>
+                      <a:headEnd type="none" w="med" len="med"/>
+                      <a:tailEnd type="none" w="med" len="med"/>
+                    </a:lnT>
+                    <a:lnB w="12700" cap="flat" cmpd="sng" algn="ctr">
+                      <a:solidFill>
+                        <a:schemeClr val="tx1"/>
+                      </a:solidFill>
+                      <a:prstDash val="solid"/>
+                      <a:round/>
+                      <a:headEnd type="none" w="med" len="med"/>
+                      <a:tailEnd type="none" w="med" len="med"/>
+                    </a:lnB>
+                  </a:tcPr>
+                </a:tc>
+                <a:extLst>
+                  <a:ext uri="{0D108BD9-81ED-4DB2-BD59-A6C34878D82A}">
+                    <a16:rowId xmlns:a16="http://schemas.microsoft.com/office/drawing/2014/main" val="4256960761"/>
+                  </a:ext>
+                </a:extLst>
+              </a:tr>
+              <a:tr h="6480726">
+                <a:tc>
+                  <a:txBody>
+                    <a:bodyPr/>
+                    <a:lstStyle/>
+                    <a:p>
+                      <a:endParaRPr lang="hu-HU" dirty="0"/>
+                    </a:p>
+                  </a:txBody>
+                  <a:tcPr>
+                    <a:lnL w="12700" cap="flat" cmpd="sng" algn="ctr">
+                      <a:solidFill>
+                        <a:schemeClr val="tx1"/>
+                      </a:solidFill>
+                      <a:prstDash val="solid"/>
+                      <a:round/>
+                      <a:headEnd type="none" w="med" len="med"/>
+                      <a:tailEnd type="none" w="med" len="med"/>
+                    </a:lnL>
+                    <a:lnR w="12700" cap="flat" cmpd="sng" algn="ctr">
+                      <a:solidFill>
+                        <a:schemeClr val="tx1"/>
+                      </a:solidFill>
+                      <a:prstDash val="solid"/>
+                      <a:round/>
+                      <a:headEnd type="none" w="med" len="med"/>
+                      <a:tailEnd type="none" w="med" len="med"/>
+                    </a:lnR>
+                    <a:lnT w="12700" cap="flat" cmpd="sng" algn="ctr">
+                      <a:solidFill>
+                        <a:schemeClr val="tx1"/>
+                      </a:solidFill>
+                      <a:prstDash val="solid"/>
+                      <a:round/>
+                      <a:headEnd type="none" w="med" len="med"/>
+                      <a:tailEnd type="none" w="med" len="med"/>
+                    </a:lnT>
+                    <a:lnB w="12700" cap="flat" cmpd="sng" algn="ctr">
+                      <a:solidFill>
+                        <a:schemeClr val="tx1"/>
+                      </a:solidFill>
+                      <a:prstDash val="solid"/>
+                      <a:round/>
+                      <a:headEnd type="none" w="med" len="med"/>
+                      <a:tailEnd type="none" w="med" len="med"/>
+                    </a:lnB>
+                    <a:noFill/>
+                  </a:tcPr>
+                </a:tc>
+                <a:tc>
+                  <a:txBody>
+                    <a:bodyPr/>
+                    <a:lstStyle/>
+                    <a:p>
+                      <a:endParaRPr lang="hu-HU" dirty="0"/>
+                    </a:p>
+                  </a:txBody>
+                  <a:tcPr>
+                    <a:lnL w="12700" cap="flat" cmpd="sng" algn="ctr">
+                      <a:solidFill>
+                        <a:schemeClr val="tx1"/>
+                      </a:solidFill>
+                      <a:prstDash val="solid"/>
+                      <a:round/>
+                      <a:headEnd type="none" w="med" len="med"/>
+                      <a:tailEnd type="none" w="med" len="med"/>
+                    </a:lnL>
+                    <a:lnR w="12700" cap="flat" cmpd="sng" algn="ctr">
+                      <a:solidFill>
+                        <a:schemeClr val="tx1"/>
+                      </a:solidFill>
+                      <a:prstDash val="solid"/>
+                      <a:round/>
+                      <a:headEnd type="none" w="med" len="med"/>
+                      <a:tailEnd type="none" w="med" len="med"/>
+                    </a:lnR>
+                    <a:lnT w="12700" cap="flat" cmpd="sng" algn="ctr">
+                      <a:solidFill>
+                        <a:schemeClr val="tx1"/>
+                      </a:solidFill>
+                      <a:prstDash val="solid"/>
+                      <a:round/>
+                      <a:headEnd type="none" w="med" len="med"/>
+                      <a:tailEnd type="none" w="med" len="med"/>
+                    </a:lnT>
+                    <a:lnB w="12700" cap="flat" cmpd="sng" algn="ctr">
+                      <a:solidFill>
+                        <a:schemeClr val="tx1"/>
+                      </a:solidFill>
+                      <a:prstDash val="solid"/>
+                      <a:round/>
+                      <a:headEnd type="none" w="med" len="med"/>
+                      <a:tailEnd type="none" w="med" len="med"/>
+                    </a:lnB>
+                    <a:noFill/>
+                  </a:tcPr>
+                </a:tc>
+                <a:tc>
+                  <a:txBody>
+                    <a:bodyPr/>
+                    <a:lstStyle/>
+                    <a:p>
+                      <a:endParaRPr lang="hu-HU" dirty="0"/>
+                    </a:p>
+                  </a:txBody>
+                  <a:tcPr>
+                    <a:lnL w="12700" cap="flat" cmpd="sng" algn="ctr">
+                      <a:solidFill>
+                        <a:schemeClr val="tx1"/>
+                      </a:solidFill>
+                      <a:prstDash val="solid"/>
+                      <a:round/>
+                      <a:headEnd type="none" w="med" len="med"/>
+                      <a:tailEnd type="none" w="med" len="med"/>
+                    </a:lnL>
+                    <a:lnR w="12700" cap="flat" cmpd="sng" algn="ctr">
+                      <a:solidFill>
+                        <a:schemeClr val="tx1"/>
+                      </a:solidFill>
+                      <a:prstDash val="solid"/>
+                      <a:round/>
+                      <a:headEnd type="none" w="med" len="med"/>
+                      <a:tailEnd type="none" w="med" len="med"/>
+                    </a:lnR>
+                    <a:lnT w="12700" cap="flat" cmpd="sng" algn="ctr">
+                      <a:solidFill>
+                        <a:schemeClr val="tx1"/>
+                      </a:solidFill>
+                      <a:prstDash val="solid"/>
+                      <a:round/>
+                      <a:headEnd type="none" w="med" len="med"/>
+                      <a:tailEnd type="none" w="med" len="med"/>
+                    </a:lnT>
+                    <a:lnB w="12700" cap="flat" cmpd="sng" algn="ctr">
+                      <a:solidFill>
+                        <a:schemeClr val="tx1"/>
+                      </a:solidFill>
+                      <a:prstDash val="solid"/>
+                      <a:round/>
+                      <a:headEnd type="none" w="med" len="med"/>
+                      <a:tailEnd type="none" w="med" len="med"/>
+                    </a:lnB>
+                    <a:noFill/>
+                  </a:tcPr>
+                </a:tc>
+                <a:tc>
+                  <a:txBody>
+                    <a:bodyPr/>
+                    <a:lstStyle/>
+                    <a:p>
+                      <a:endParaRPr lang="hu-HU" dirty="0"/>
+                    </a:p>
+                  </a:txBody>
+                  <a:tcPr>
+                    <a:lnL w="12700" cap="flat" cmpd="sng" algn="ctr">
+                      <a:solidFill>
+                        <a:schemeClr val="tx1"/>
+                      </a:solidFill>
+                      <a:prstDash val="solid"/>
+                      <a:round/>
+                      <a:headEnd type="none" w="med" len="med"/>
+                      <a:tailEnd type="none" w="med" len="med"/>
+                    </a:lnL>
+                    <a:lnR w="12700" cap="flat" cmpd="sng" algn="ctr">
+                      <a:solidFill>
+                        <a:schemeClr val="tx1"/>
+                      </a:solidFill>
+                      <a:prstDash val="solid"/>
+                      <a:round/>
+                      <a:headEnd type="none" w="med" len="med"/>
+                      <a:tailEnd type="none" w="med" len="med"/>
+                    </a:lnR>
+                    <a:lnT w="12700" cap="flat" cmpd="sng" algn="ctr">
+                      <a:solidFill>
+                        <a:schemeClr val="tx1"/>
+                      </a:solidFill>
+                      <a:prstDash val="solid"/>
+                      <a:round/>
+                      <a:headEnd type="none" w="med" len="med"/>
+                      <a:tailEnd type="none" w="med" len="med"/>
+                    </a:lnT>
+                    <a:lnB w="12700" cap="flat" cmpd="sng" algn="ctr">
+                      <a:solidFill>
+                        <a:schemeClr val="tx1"/>
+                      </a:solidFill>
+                      <a:prstDash val="solid"/>
+                      <a:round/>
+                      <a:headEnd type="none" w="med" len="med"/>
+                      <a:tailEnd type="none" w="med" len="med"/>
+                    </a:lnB>
+                    <a:noFill/>
+                  </a:tcPr>
+                </a:tc>
+                <a:tc>
+                  <a:txBody>
+                    <a:bodyPr/>
+                    <a:lstStyle/>
+                    <a:p>
+                      <a:endParaRPr lang="hu-HU" dirty="0"/>
+                    </a:p>
+                  </a:txBody>
+                  <a:tcPr>
+                    <a:lnL w="12700" cap="flat" cmpd="sng" algn="ctr">
+                      <a:solidFill>
+                        <a:schemeClr val="tx1"/>
+                      </a:solidFill>
+                      <a:prstDash val="solid"/>
+                      <a:round/>
+                      <a:headEnd type="none" w="med" len="med"/>
+                      <a:tailEnd type="none" w="med" len="med"/>
+                    </a:lnL>
+                    <a:lnR w="12700" cap="flat" cmpd="sng" algn="ctr">
+                      <a:solidFill>
+                        <a:schemeClr val="tx1"/>
+                      </a:solidFill>
+                      <a:prstDash val="solid"/>
+                      <a:round/>
+                      <a:headEnd type="none" w="med" len="med"/>
+                      <a:tailEnd type="none" w="med" len="med"/>
+                    </a:lnR>
+                    <a:lnT w="12700" cap="flat" cmpd="sng" algn="ctr">
+                      <a:solidFill>
+                        <a:schemeClr val="tx1"/>
+                      </a:solidFill>
+                      <a:prstDash val="solid"/>
+                      <a:round/>
+                      <a:headEnd type="none" w="med" len="med"/>
+                      <a:tailEnd type="none" w="med" len="med"/>
+                    </a:lnT>
+                    <a:lnB w="12700" cap="flat" cmpd="sng" algn="ctr">
+                      <a:solidFill>
+                        <a:schemeClr val="tx1"/>
+                      </a:solidFill>
+                      <a:prstDash val="solid"/>
+                      <a:round/>
+                      <a:headEnd type="none" w="med" len="med"/>
+                      <a:tailEnd type="none" w="med" len="med"/>
+                    </a:lnB>
+                    <a:noFill/>
+                  </a:tcPr>
+                </a:tc>
+                <a:tc>
+                  <a:txBody>
+                    <a:bodyPr/>
+                    <a:lstStyle/>
+                    <a:p>
+                      <a:endParaRPr lang="hu-HU"/>
+                    </a:p>
+                  </a:txBody>
+                  <a:tcPr>
+                    <a:lnL w="12700" cap="flat" cmpd="sng" algn="ctr">
+                      <a:solidFill>
+                        <a:schemeClr val="tx1"/>
+                      </a:solidFill>
+                      <a:prstDash val="solid"/>
+                      <a:round/>
+                      <a:headEnd type="none" w="med" len="med"/>
+                      <a:tailEnd type="none" w="med" len="med"/>
+                    </a:lnL>
+                    <a:lnR w="12700" cap="flat" cmpd="sng" algn="ctr">
+                      <a:solidFill>
+                        <a:schemeClr val="tx1"/>
+                      </a:solidFill>
+                      <a:prstDash val="solid"/>
+                      <a:round/>
+                      <a:headEnd type="none" w="med" len="med"/>
+                      <a:tailEnd type="none" w="med" len="med"/>
+                    </a:lnR>
+                    <a:lnT w="12700" cap="flat" cmpd="sng" algn="ctr">
+                      <a:solidFill>
+                        <a:schemeClr val="tx1"/>
+                      </a:solidFill>
+                      <a:prstDash val="solid"/>
+                      <a:round/>
+                      <a:headEnd type="none" w="med" len="med"/>
+                      <a:tailEnd type="none" w="med" len="med"/>
+                    </a:lnT>
+                    <a:lnB w="12700" cap="flat" cmpd="sng" algn="ctr">
+                      <a:solidFill>
+                        <a:schemeClr val="tx1"/>
+                      </a:solidFill>
+                      <a:prstDash val="solid"/>
+                      <a:round/>
+                      <a:headEnd type="none" w="med" len="med"/>
+                      <a:tailEnd type="none" w="med" len="med"/>
+                    </a:lnB>
+                    <a:noFill/>
+                  </a:tcPr>
+                </a:tc>
+                <a:tc>
+                  <a:txBody>
+                    <a:bodyPr/>
+                    <a:lstStyle/>
+                    <a:p>
+                      <a:endParaRPr lang="hu-HU" dirty="0"/>
+                    </a:p>
+                  </a:txBody>
+                  <a:tcPr>
+                    <a:lnL w="12700" cap="flat" cmpd="sng" algn="ctr">
+                      <a:solidFill>
+                        <a:schemeClr val="tx1"/>
+                      </a:solidFill>
+                      <a:prstDash val="solid"/>
+                      <a:round/>
+                      <a:headEnd type="none" w="med" len="med"/>
+                      <a:tailEnd type="none" w="med" len="med"/>
+                    </a:lnL>
+                    <a:lnR w="12700" cap="flat" cmpd="sng" algn="ctr">
+                      <a:solidFill>
+                        <a:schemeClr val="tx1"/>
+                      </a:solidFill>
+                      <a:prstDash val="solid"/>
+                      <a:round/>
+                      <a:headEnd type="none" w="med" len="med"/>
+                      <a:tailEnd type="none" w="med" len="med"/>
+                    </a:lnR>
+                    <a:lnT w="12700" cap="flat" cmpd="sng" algn="ctr">
+                      <a:solidFill>
+                        <a:schemeClr val="tx1"/>
+                      </a:solidFill>
+                      <a:prstDash val="solid"/>
+                      <a:round/>
+                      <a:headEnd type="none" w="med" len="med"/>
+                      <a:tailEnd type="none" w="med" len="med"/>
+                    </a:lnT>
+                    <a:lnB w="12700" cap="flat" cmpd="sng" algn="ctr">
+                      <a:solidFill>
+                        <a:schemeClr val="tx1"/>
+                      </a:solidFill>
+                      <a:prstDash val="solid"/>
+                      <a:round/>
+                      <a:headEnd type="none" w="med" len="med"/>
+                      <a:tailEnd type="none" w="med" len="med"/>
+                    </a:lnB>
+                    <a:noFill/>
+                  </a:tcPr>
+                </a:tc>
+                <a:tc>
+                  <a:txBody>
+                    <a:bodyPr/>
+                    <a:lstStyle/>
+                    <a:p>
+                      <a:endParaRPr lang="hu-HU" dirty="0"/>
+                    </a:p>
+                  </a:txBody>
+                  <a:tcPr>
+                    <a:lnL w="12700" cap="flat" cmpd="sng" algn="ctr">
+                      <a:solidFill>
+                        <a:schemeClr val="tx1"/>
+                      </a:solidFill>
+                      <a:prstDash val="solid"/>
+                      <a:round/>
+                      <a:headEnd type="none" w="med" len="med"/>
+                      <a:tailEnd type="none" w="med" len="med"/>
+                    </a:lnL>
+                    <a:lnR w="12700" cap="flat" cmpd="sng" algn="ctr">
+                      <a:solidFill>
+                        <a:schemeClr val="tx1"/>
+                      </a:solidFill>
+                      <a:prstDash val="solid"/>
+                      <a:round/>
+                      <a:headEnd type="none" w="med" len="med"/>
+                      <a:tailEnd type="none" w="med" len="med"/>
+                    </a:lnR>
+                    <a:lnT w="12700" cap="flat" cmpd="sng" algn="ctr">
+                      <a:solidFill>
+                        <a:schemeClr val="tx1"/>
+                      </a:solidFill>
+                      <a:prstDash val="solid"/>
+                      <a:round/>
+                      <a:headEnd type="none" w="med" len="med"/>
+                      <a:tailEnd type="none" w="med" len="med"/>
+                    </a:lnT>
+                    <a:lnB w="12700" cap="flat" cmpd="sng" algn="ctr">
+                      <a:solidFill>
+                        <a:schemeClr val="tx1"/>
+                      </a:solidFill>
+                      <a:prstDash val="solid"/>
+                      <a:round/>
+                      <a:headEnd type="none" w="med" len="med"/>
+                      <a:tailEnd type="none" w="med" len="med"/>
+                    </a:lnB>
+                    <a:noFill/>
+                  </a:tcPr>
+                </a:tc>
+                <a:tc>
+                  <a:txBody>
+                    <a:bodyPr/>
+                    <a:lstStyle/>
+                    <a:p>
+                      <a:endParaRPr lang="hu-HU" dirty="0"/>
+                    </a:p>
+                  </a:txBody>
+                  <a:tcPr>
+                    <a:lnL w="12700" cap="flat" cmpd="sng" algn="ctr">
+                      <a:solidFill>
+                        <a:schemeClr val="tx1"/>
+                      </a:solidFill>
+                      <a:prstDash val="solid"/>
+                      <a:round/>
+                      <a:headEnd type="none" w="med" len="med"/>
+                      <a:tailEnd type="none" w="med" len="med"/>
+                    </a:lnL>
+                    <a:lnR w="12700" cap="flat" cmpd="sng" algn="ctr">
+                      <a:solidFill>
+                        <a:schemeClr val="tx1"/>
+                      </a:solidFill>
+                      <a:prstDash val="solid"/>
+                      <a:round/>
+                      <a:headEnd type="none" w="med" len="med"/>
+                      <a:tailEnd type="none" w="med" len="med"/>
+                    </a:lnR>
+                    <a:lnT w="12700" cap="flat" cmpd="sng" algn="ctr">
+                      <a:solidFill>
+                        <a:schemeClr val="tx1"/>
+                      </a:solidFill>
+                      <a:prstDash val="solid"/>
+                      <a:round/>
+                      <a:headEnd type="none" w="med" len="med"/>
+                      <a:tailEnd type="none" w="med" len="med"/>
+                    </a:lnT>
+                    <a:lnB w="12700" cap="flat" cmpd="sng" algn="ctr">
+                      <a:solidFill>
+                        <a:schemeClr val="tx1"/>
+                      </a:solidFill>
+                      <a:prstDash val="solid"/>
+                      <a:round/>
+                      <a:headEnd type="none" w="med" len="med"/>
+                      <a:tailEnd type="none" w="med" len="med"/>
+                    </a:lnB>
+                    <a:noFill/>
+                  </a:tcPr>
+                </a:tc>
+                <a:extLst>
+                  <a:ext uri="{0D108BD9-81ED-4DB2-BD59-A6C34878D82A}">
+                    <a16:rowId xmlns:a16="http://schemas.microsoft.com/office/drawing/2014/main" val="2707876754"/>
+                  </a:ext>
+                </a:extLst>
+              </a:tr>
+            </a:tbl>
+          </a:graphicData>
+        </a:graphic>
+      </p:graphicFrame>
+    </p:spTree>
+    <p:extLst>
+      <p:ext uri="{BB962C8B-B14F-4D97-AF65-F5344CB8AC3E}">
+        <p14:creationId xmlns:p14="http://schemas.microsoft.com/office/powerpoint/2010/main" val="966204393"/>
+      </p:ext>
+    </p:extLst>
+  </p:cSld>
+  <p:clrMapOvr>
+    <a:masterClrMapping/>
+  </p:clrMapOvr>
+</p:sld>
+</file>
+
+<file path=ppt/slides/slide3.xml><?xml version="1.0" encoding="utf-8"?>
+<p:sld xmlns:a="http://schemas.openxmlformats.org/drawingml/2006/main" xmlns:r="http://schemas.openxmlformats.org/officeDocument/2006/relationships" xmlns:p="http://schemas.openxmlformats.org/presentationml/2006/main">
+  <p:cSld>
+    <p:spTree>
+      <p:nvGrpSpPr>
+        <p:cNvPr id="1" name=""/>
+        <p:cNvGrpSpPr/>
+        <p:nvPr/>
+      </p:nvGrpSpPr>
+      <p:grpSpPr>
+        <a:xfrm>
+          <a:off x="0" y="0"/>
+          <a:ext cx="0" cy="0"/>
+          <a:chOff x="0" y="0"/>
+          <a:chExt cx="0" cy="0"/>
+        </a:xfrm>
+      </p:grpSpPr>
+      <p:sp>
+        <p:nvSpPr>
+          <p:cNvPr id="2" name="Title 1">
+            <a:extLst>
+              <a:ext uri="{FF2B5EF4-FFF2-40B4-BE49-F238E27FC236}">
+                <a16:creationId xmlns:a16="http://schemas.microsoft.com/office/drawing/2014/main" id="{8994F8C8-26A8-AC0E-F6CC-BC9D61E02A34}"/>
+              </a:ext>
+            </a:extLst>
+          </p:cNvPr>
+          <p:cNvSpPr>
+            <a:spLocks noGrp="1"/>
+          </p:cNvSpPr>
+          <p:nvPr>
+            <p:ph type="title"/>
+          </p:nvPr>
+        </p:nvSpPr>
+        <p:spPr>
+          <a:xfrm>
+            <a:off x="519504" y="-48765"/>
+            <a:ext cx="4881265" cy="617034"/>
+          </a:xfrm>
+          <a:prstGeom prst="rect">
+            <a:avLst/>
+          </a:prstGeom>
+        </p:spPr>
+        <p:txBody>
+          <a:bodyPr/>
+          <a:lstStyle/>
+          <a:p>
+            <a:r>
+              <a:rPr lang="hu-HU" dirty="0"/>
               <a:t>SWOT</a:t>
             </a:r>
           </a:p>
@@ -4843,7 +6009,7 @@
 </p:sld>
 </file>
 
-<file path=ppt/slides/slide3.xml><?xml version="1.0" encoding="utf-8"?>
+<file path=ppt/slides/slide4.xml><?xml version="1.0" encoding="utf-8"?>
 <p:sld xmlns:a="http://schemas.openxmlformats.org/drawingml/2006/main" xmlns:r="http://schemas.openxmlformats.org/officeDocument/2006/relationships" xmlns:p="http://schemas.openxmlformats.org/presentationml/2006/main">
   <p:cSld>
     <p:spTree>
@@ -5407,7 +6573,7 @@
 </p:sld>
 </file>
 
-<file path=ppt/slides/slide4.xml><?xml version="1.0" encoding="utf-8"?>
+<file path=ppt/slides/slide5.xml><?xml version="1.0" encoding="utf-8"?>
 <p:sld xmlns:a="http://schemas.openxmlformats.org/drawingml/2006/main" xmlns:r="http://schemas.openxmlformats.org/officeDocument/2006/relationships" xmlns:p="http://schemas.openxmlformats.org/presentationml/2006/main">
   <p:cSld>
     <p:spTree>
@@ -5793,7 +6959,7 @@
 </p:sld>
 </file>
 
-<file path=ppt/slides/slide5.xml><?xml version="1.0" encoding="utf-8"?>
+<file path=ppt/slides/slide6.xml><?xml version="1.0" encoding="utf-8"?>
 <p:sld xmlns:a="http://schemas.openxmlformats.org/drawingml/2006/main" xmlns:r="http://schemas.openxmlformats.org/officeDocument/2006/relationships" xmlns:p="http://schemas.openxmlformats.org/presentationml/2006/main">
   <p:cSld>
     <p:spTree>
@@ -6174,7 +7340,7 @@
 </p:sld>
 </file>
 
-<file path=ppt/slides/slide6.xml><?xml version="1.0" encoding="utf-8"?>
+<file path=ppt/slides/slide7.xml><?xml version="1.0" encoding="utf-8"?>
 <p:sld xmlns:a="http://schemas.openxmlformats.org/drawingml/2006/main" xmlns:r="http://schemas.openxmlformats.org/officeDocument/2006/relationships" xmlns:p="http://schemas.openxmlformats.org/presentationml/2006/main">
   <p:cSld>
     <p:spTree>

--- a/EI_Basics.pptx
+++ b/EI_Basics.pptx
@@ -539,8 +539,8 @@
           <a:lstStyle/>
           <a:p>
             <a:r>
-              <a:rPr lang="hu-HU" dirty="0" err="1"/>
-              <a:t>Empty</a:t>
+              <a:rPr lang="hu-HU"/>
+              <a:t>Heti feladatok</a:t>
             </a:r>
             <a:endParaRPr lang="hu-HU" dirty="0"/>
           </a:p>

--- a/EI_Basics.pptx
+++ b/EI_Basics.pptx
@@ -4432,7 +4432,7 @@
           <p:nvPr>
             <p:extLst>
               <p:ext uri="{D42A27DB-BD31-4B8C-83A1-F6EECF244321}">
-                <p14:modId xmlns:p14="http://schemas.microsoft.com/office/powerpoint/2010/main" val="3936287110"/>
+                <p14:modId xmlns:p14="http://schemas.microsoft.com/office/powerpoint/2010/main" val="2110860301"/>
               </p:ext>
             </p:extLst>
           </p:nvPr>
@@ -4512,7 +4512,7 @@
                   </a:extLst>
                 </a:gridCol>
               </a:tblGrid>
-              <a:tr h="322579">
+              <a:tr h="269687">
                 <a:tc>
                   <a:txBody>
                     <a:bodyPr/>
@@ -4674,7 +4674,7 @@
                       <a:pPr algn="ctr"/>
                       <a:r>
                         <a:rPr lang="hu-HU" dirty="0"/>
-                        <a:t>Sz</a:t>
+                        <a:t>S</a:t>
                       </a:r>
                     </a:p>
                   </a:txBody>
@@ -4725,7 +4725,7 @@
                       <a:pPr algn="ctr"/>
                       <a:r>
                         <a:rPr lang="hu-HU" dirty="0"/>
-                        <a:t>Cs</a:t>
+                        <a:t>C</a:t>
                       </a:r>
                     </a:p>
                   </a:txBody>
@@ -4827,7 +4827,7 @@
                       <a:pPr algn="ctr"/>
                       <a:r>
                         <a:rPr lang="hu-HU" dirty="0"/>
-                        <a:t>Sz</a:t>
+                        <a:t>S</a:t>
                       </a:r>
                     </a:p>
                   </a:txBody>
@@ -4979,7 +4979,7 @@
                   </a:ext>
                 </a:extLst>
               </a:tr>
-              <a:tr h="6480726">
+              <a:tr h="6642077">
                 <a:tc>
                   <a:txBody>
                     <a:bodyPr/>

--- a/EI_Basics.pptx
+++ b/EI_Basics.pptx
@@ -5,16 +5,18 @@
     <p:sldMasterId id="2147483720" r:id="rId1"/>
   </p:sldMasterIdLst>
   <p:notesMasterIdLst>
-    <p:notesMasterId r:id="rId9"/>
+    <p:notesMasterId r:id="rId11"/>
   </p:notesMasterIdLst>
   <p:sldIdLst>
     <p:sldId id="256" r:id="rId2"/>
     <p:sldId id="268" r:id="rId3"/>
-    <p:sldId id="263" r:id="rId4"/>
-    <p:sldId id="264" r:id="rId5"/>
-    <p:sldId id="265" r:id="rId6"/>
-    <p:sldId id="266" r:id="rId7"/>
-    <p:sldId id="267" r:id="rId8"/>
+    <p:sldId id="269" r:id="rId4"/>
+    <p:sldId id="271" r:id="rId5"/>
+    <p:sldId id="263" r:id="rId6"/>
+    <p:sldId id="264" r:id="rId7"/>
+    <p:sldId id="265" r:id="rId8"/>
+    <p:sldId id="266" r:id="rId9"/>
+    <p:sldId id="267" r:id="rId10"/>
   </p:sldIdLst>
   <p:sldSz cx="5659438" cy="7543800"/>
   <p:notesSz cx="9144000" cy="6858000"/>
@@ -120,6 +122,8 @@
           <p14:sldIdLst>
             <p14:sldId id="256"/>
             <p14:sldId id="268"/>
+            <p14:sldId id="269"/>
+            <p14:sldId id="271"/>
             <p14:sldId id="263"/>
             <p14:sldId id="264"/>
             <p14:sldId id="265"/>
@@ -221,7 +225,7 @@
           <a:p>
             <a:fld id="{9764E535-D103-420C-A3C8-BED39E8AE0DF}" type="datetimeFigureOut">
               <a:rPr lang="hu-HU" smtClean="0"/>
-              <a:t>2022. 12. 29.</a:t>
+              <a:t>2022. 12. 31.</a:t>
             </a:fld>
             <a:endParaRPr lang="hu-HU"/>
           </a:p>
@@ -725,9 +729,10 @@
           <a:lstStyle/>
           <a:p>
             <a:r>
-              <a:rPr lang="hu-HU" dirty="0"/>
-              <a:t>SWOT</a:t>
+              <a:rPr lang="hu-HU" dirty="0" err="1"/>
+              <a:t>Empty</a:t>
             </a:r>
+            <a:endParaRPr lang="hu-HU" dirty="0"/>
           </a:p>
         </p:txBody>
       </p:sp>
@@ -757,7 +762,7 @@
     </p:spTree>
     <p:extLst>
       <p:ext uri="{BB962C8B-B14F-4D97-AF65-F5344CB8AC3E}">
-        <p14:creationId xmlns:p14="http://schemas.microsoft.com/office/powerpoint/2010/main" val="3770028401"/>
+        <p14:creationId xmlns:p14="http://schemas.microsoft.com/office/powerpoint/2010/main" val="1194197745"/>
       </p:ext>
     </p:extLst>
   </p:cSld>
@@ -817,9 +822,10 @@
           <a:lstStyle/>
           <a:p>
             <a:r>
-              <a:rPr lang="hu-HU" dirty="0"/>
-              <a:t>SWOT BW</a:t>
+              <a:rPr lang="hu-HU" dirty="0" err="1"/>
+              <a:t>Empty</a:t>
             </a:r>
+            <a:endParaRPr lang="hu-HU" dirty="0"/>
           </a:p>
         </p:txBody>
       </p:sp>
@@ -849,7 +855,7 @@
     </p:spTree>
     <p:extLst>
       <p:ext uri="{BB962C8B-B14F-4D97-AF65-F5344CB8AC3E}">
-        <p14:creationId xmlns:p14="http://schemas.microsoft.com/office/powerpoint/2010/main" val="3998321279"/>
+        <p14:creationId xmlns:p14="http://schemas.microsoft.com/office/powerpoint/2010/main" val="1722036524"/>
       </p:ext>
     </p:extLst>
   </p:cSld>
@@ -909,10 +915,9 @@
           <a:lstStyle/>
           <a:p>
             <a:r>
-              <a:rPr lang="hu-HU" dirty="0" err="1"/>
-              <a:t>KanBan</a:t>
+              <a:rPr lang="hu-HU" dirty="0"/>
+              <a:t>SWOT</a:t>
             </a:r>
-            <a:endParaRPr lang="hu-HU" dirty="0"/>
           </a:p>
         </p:txBody>
       </p:sp>
@@ -942,7 +947,7 @@
     </p:spTree>
     <p:extLst>
       <p:ext uri="{BB962C8B-B14F-4D97-AF65-F5344CB8AC3E}">
-        <p14:creationId xmlns:p14="http://schemas.microsoft.com/office/powerpoint/2010/main" val="3725205967"/>
+        <p14:creationId xmlns:p14="http://schemas.microsoft.com/office/powerpoint/2010/main" val="3770028401"/>
       </p:ext>
     </p:extLst>
   </p:cSld>
@@ -1002,12 +1007,8 @@
           <a:lstStyle/>
           <a:p>
             <a:r>
-              <a:rPr lang="hu-HU" dirty="0" err="1"/>
-              <a:t>KanBan</a:t>
-            </a:r>
-            <a:r>
               <a:rPr lang="hu-HU" dirty="0"/>
-              <a:t> BW</a:t>
+              <a:t>SWOT BW</a:t>
             </a:r>
           </a:p>
         </p:txBody>
@@ -1038,7 +1039,7 @@
     </p:spTree>
     <p:extLst>
       <p:ext uri="{BB962C8B-B14F-4D97-AF65-F5344CB8AC3E}">
-        <p14:creationId xmlns:p14="http://schemas.microsoft.com/office/powerpoint/2010/main" val="3588114716"/>
+        <p14:creationId xmlns:p14="http://schemas.microsoft.com/office/powerpoint/2010/main" val="3998321279"/>
       </p:ext>
     </p:extLst>
   </p:cSld>
@@ -1099,7 +1100,7 @@
           <a:p>
             <a:r>
               <a:rPr lang="hu-HU" dirty="0" err="1"/>
-              <a:t>WhiteBoard</a:t>
+              <a:t>KanBan</a:t>
             </a:r>
             <a:endParaRPr lang="hu-HU" dirty="0"/>
           </a:p>
@@ -1123,6 +1124,195 @@
             <a:fld id="{91BF0FD7-3BBC-48BF-9046-F1A751293F8C}" type="slidenum">
               <a:rPr lang="hu-HU" smtClean="0"/>
               <a:t>7</a:t>
+            </a:fld>
+            <a:endParaRPr lang="hu-HU"/>
+          </a:p>
+        </p:txBody>
+      </p:sp>
+    </p:spTree>
+    <p:extLst>
+      <p:ext uri="{BB962C8B-B14F-4D97-AF65-F5344CB8AC3E}">
+        <p14:creationId xmlns:p14="http://schemas.microsoft.com/office/powerpoint/2010/main" val="3725205967"/>
+      </p:ext>
+    </p:extLst>
+  </p:cSld>
+  <p:clrMapOvr>
+    <a:masterClrMapping/>
+  </p:clrMapOvr>
+</p:notes>
+</file>
+
+<file path=ppt/notesSlides/notesSlide8.xml><?xml version="1.0" encoding="utf-8"?>
+<p:notes xmlns:a="http://schemas.openxmlformats.org/drawingml/2006/main" xmlns:r="http://schemas.openxmlformats.org/officeDocument/2006/relationships" xmlns:p="http://schemas.openxmlformats.org/presentationml/2006/main">
+  <p:cSld>
+    <p:spTree>
+      <p:nvGrpSpPr>
+        <p:cNvPr id="1" name=""/>
+        <p:cNvGrpSpPr/>
+        <p:nvPr/>
+      </p:nvGrpSpPr>
+      <p:grpSpPr>
+        <a:xfrm>
+          <a:off x="0" y="0"/>
+          <a:ext cx="0" cy="0"/>
+          <a:chOff x="0" y="0"/>
+          <a:chExt cx="0" cy="0"/>
+        </a:xfrm>
+      </p:grpSpPr>
+      <p:sp>
+        <p:nvSpPr>
+          <p:cNvPr id="2" name="Slide Image Placeholder 1"/>
+          <p:cNvSpPr>
+            <a:spLocks noGrp="1" noRot="1" noChangeAspect="1"/>
+          </p:cNvSpPr>
+          <p:nvPr>
+            <p:ph type="sldImg"/>
+          </p:nvPr>
+        </p:nvSpPr>
+        <p:spPr>
+          <a:xfrm>
+            <a:off x="3703638" y="857250"/>
+            <a:ext cx="1736725" cy="2314575"/>
+          </a:xfrm>
+        </p:spPr>
+      </p:sp>
+      <p:sp>
+        <p:nvSpPr>
+          <p:cNvPr id="3" name="Notes Placeholder 2"/>
+          <p:cNvSpPr>
+            <a:spLocks noGrp="1"/>
+          </p:cNvSpPr>
+          <p:nvPr>
+            <p:ph type="body" idx="1"/>
+          </p:nvPr>
+        </p:nvSpPr>
+        <p:spPr/>
+        <p:txBody>
+          <a:bodyPr/>
+          <a:lstStyle/>
+          <a:p>
+            <a:r>
+              <a:rPr lang="hu-HU" dirty="0" err="1"/>
+              <a:t>KanBan</a:t>
+            </a:r>
+            <a:r>
+              <a:rPr lang="hu-HU" dirty="0"/>
+              <a:t> BW</a:t>
+            </a:r>
+          </a:p>
+        </p:txBody>
+      </p:sp>
+      <p:sp>
+        <p:nvSpPr>
+          <p:cNvPr id="4" name="Slide Number Placeholder 3"/>
+          <p:cNvSpPr>
+            <a:spLocks noGrp="1"/>
+          </p:cNvSpPr>
+          <p:nvPr>
+            <p:ph type="sldNum" sz="quarter" idx="5"/>
+          </p:nvPr>
+        </p:nvSpPr>
+        <p:spPr/>
+        <p:txBody>
+          <a:bodyPr/>
+          <a:lstStyle/>
+          <a:p>
+            <a:fld id="{91BF0FD7-3BBC-48BF-9046-F1A751293F8C}" type="slidenum">
+              <a:rPr lang="hu-HU" smtClean="0"/>
+              <a:t>8</a:t>
+            </a:fld>
+            <a:endParaRPr lang="hu-HU"/>
+          </a:p>
+        </p:txBody>
+      </p:sp>
+    </p:spTree>
+    <p:extLst>
+      <p:ext uri="{BB962C8B-B14F-4D97-AF65-F5344CB8AC3E}">
+        <p14:creationId xmlns:p14="http://schemas.microsoft.com/office/powerpoint/2010/main" val="3588114716"/>
+      </p:ext>
+    </p:extLst>
+  </p:cSld>
+  <p:clrMapOvr>
+    <a:masterClrMapping/>
+  </p:clrMapOvr>
+</p:notes>
+</file>
+
+<file path=ppt/notesSlides/notesSlide9.xml><?xml version="1.0" encoding="utf-8"?>
+<p:notes xmlns:a="http://schemas.openxmlformats.org/drawingml/2006/main" xmlns:r="http://schemas.openxmlformats.org/officeDocument/2006/relationships" xmlns:p="http://schemas.openxmlformats.org/presentationml/2006/main">
+  <p:cSld>
+    <p:spTree>
+      <p:nvGrpSpPr>
+        <p:cNvPr id="1" name=""/>
+        <p:cNvGrpSpPr/>
+        <p:nvPr/>
+      </p:nvGrpSpPr>
+      <p:grpSpPr>
+        <a:xfrm>
+          <a:off x="0" y="0"/>
+          <a:ext cx="0" cy="0"/>
+          <a:chOff x="0" y="0"/>
+          <a:chExt cx="0" cy="0"/>
+        </a:xfrm>
+      </p:grpSpPr>
+      <p:sp>
+        <p:nvSpPr>
+          <p:cNvPr id="2" name="Slide Image Placeholder 1"/>
+          <p:cNvSpPr>
+            <a:spLocks noGrp="1" noRot="1" noChangeAspect="1"/>
+          </p:cNvSpPr>
+          <p:nvPr>
+            <p:ph type="sldImg"/>
+          </p:nvPr>
+        </p:nvSpPr>
+        <p:spPr>
+          <a:xfrm>
+            <a:off x="3703638" y="857250"/>
+            <a:ext cx="1736725" cy="2314575"/>
+          </a:xfrm>
+        </p:spPr>
+      </p:sp>
+      <p:sp>
+        <p:nvSpPr>
+          <p:cNvPr id="3" name="Notes Placeholder 2"/>
+          <p:cNvSpPr>
+            <a:spLocks noGrp="1"/>
+          </p:cNvSpPr>
+          <p:nvPr>
+            <p:ph type="body" idx="1"/>
+          </p:nvPr>
+        </p:nvSpPr>
+        <p:spPr/>
+        <p:txBody>
+          <a:bodyPr/>
+          <a:lstStyle/>
+          <a:p>
+            <a:r>
+              <a:rPr lang="hu-HU" dirty="0" err="1"/>
+              <a:t>WhiteBoard</a:t>
+            </a:r>
+            <a:endParaRPr lang="hu-HU" dirty="0"/>
+          </a:p>
+        </p:txBody>
+      </p:sp>
+      <p:sp>
+        <p:nvSpPr>
+          <p:cNvPr id="4" name="Slide Number Placeholder 3"/>
+          <p:cNvSpPr>
+            <a:spLocks noGrp="1"/>
+          </p:cNvSpPr>
+          <p:nvPr>
+            <p:ph type="sldNum" sz="quarter" idx="5"/>
+          </p:nvPr>
+        </p:nvSpPr>
+        <p:spPr/>
+        <p:txBody>
+          <a:bodyPr/>
+          <a:lstStyle/>
+          <a:p>
+            <a:fld id="{91BF0FD7-3BBC-48BF-9046-F1A751293F8C}" type="slidenum">
+              <a:rPr lang="hu-HU" smtClean="0"/>
+              <a:t>9</a:t>
             </a:fld>
             <a:endParaRPr lang="hu-HU"/>
           </a:p>
@@ -1272,7 +1462,7 @@
           <a:p>
             <a:fld id="{489BD6FE-51DD-461E-8822-A356448EC8B6}" type="datetimeFigureOut">
               <a:rPr lang="hu-HU" smtClean="0"/>
-              <a:t>2022. 12. 29.</a:t>
+              <a:t>2022. 12. 31.</a:t>
             </a:fld>
             <a:endParaRPr lang="hu-HU"/>
           </a:p>
@@ -1529,7 +1719,7 @@
           <a:p>
             <a:fld id="{489BD6FE-51DD-461E-8822-A356448EC8B6}" type="datetimeFigureOut">
               <a:rPr lang="hu-HU" smtClean="0"/>
-              <a:t>2022. 12. 29.</a:t>
+              <a:t>2022. 12. 31.</a:t>
             </a:fld>
             <a:endParaRPr lang="hu-HU"/>
           </a:p>
@@ -1712,7 +1902,7 @@
           <a:p>
             <a:fld id="{489BD6FE-51DD-461E-8822-A356448EC8B6}" type="datetimeFigureOut">
               <a:rPr lang="hu-HU" smtClean="0"/>
-              <a:t>2022. 12. 29.</a:t>
+              <a:t>2022. 12. 31.</a:t>
             </a:fld>
             <a:endParaRPr lang="hu-HU"/>
           </a:p>
@@ -1900,7 +2090,7 @@
           <a:p>
             <a:fld id="{489BD6FE-51DD-461E-8822-A356448EC8B6}" type="datetimeFigureOut">
               <a:rPr lang="hu-HU" smtClean="0"/>
-              <a:t>2022. 12. 29.</a:t>
+              <a:t>2022. 12. 31.</a:t>
             </a:fld>
             <a:endParaRPr lang="hu-HU"/>
           </a:p>
@@ -2226,7 +2416,7 @@
           <a:p>
             <a:fld id="{489BD6FE-51DD-461E-8822-A356448EC8B6}" type="datetimeFigureOut">
               <a:rPr lang="hu-HU" smtClean="0"/>
-              <a:t>2022. 12. 29.</a:t>
+              <a:t>2022. 12. 31.</a:t>
             </a:fld>
             <a:endParaRPr lang="hu-HU"/>
           </a:p>
@@ -2466,7 +2656,7 @@
           <a:p>
             <a:fld id="{489BD6FE-51DD-461E-8822-A356448EC8B6}" type="datetimeFigureOut">
               <a:rPr lang="hu-HU" smtClean="0"/>
-              <a:t>2022. 12. 29.</a:t>
+              <a:t>2022. 12. 31.</a:t>
             </a:fld>
             <a:endParaRPr lang="hu-HU"/>
           </a:p>
@@ -2836,7 +3026,7 @@
           <a:p>
             <a:fld id="{489BD6FE-51DD-461E-8822-A356448EC8B6}" type="datetimeFigureOut">
               <a:rPr lang="hu-HU" smtClean="0"/>
-              <a:t>2022. 12. 29.</a:t>
+              <a:t>2022. 12. 31.</a:t>
             </a:fld>
             <a:endParaRPr lang="hu-HU"/>
           </a:p>
@@ -2962,7 +3152,7 @@
           <a:p>
             <a:fld id="{489BD6FE-51DD-461E-8822-A356448EC8B6}" type="datetimeFigureOut">
               <a:rPr lang="hu-HU" smtClean="0"/>
-              <a:t>2022. 12. 29.</a:t>
+              <a:t>2022. 12. 31.</a:t>
             </a:fld>
             <a:endParaRPr lang="hu-HU"/>
           </a:p>
@@ -3057,7 +3247,7 @@
           <a:p>
             <a:fld id="{489BD6FE-51DD-461E-8822-A356448EC8B6}" type="datetimeFigureOut">
               <a:rPr lang="hu-HU" smtClean="0"/>
-              <a:t>2022. 12. 29.</a:t>
+              <a:t>2022. 12. 31.</a:t>
             </a:fld>
             <a:endParaRPr lang="hu-HU"/>
           </a:p>
@@ -3337,7 +3527,7 @@
           <a:p>
             <a:fld id="{489BD6FE-51DD-461E-8822-A356448EC8B6}" type="datetimeFigureOut">
               <a:rPr lang="hu-HU" smtClean="0"/>
-              <a:t>2022. 12. 29.</a:t>
+              <a:t>2022. 12. 31.</a:t>
             </a:fld>
             <a:endParaRPr lang="hu-HU"/>
           </a:p>
@@ -3597,7 +3787,7 @@
           <a:p>
             <a:fld id="{489BD6FE-51DD-461E-8822-A356448EC8B6}" type="datetimeFigureOut">
               <a:rPr lang="hu-HU" smtClean="0"/>
-              <a:t>2022. 12. 29.</a:t>
+              <a:t>2022. 12. 31.</a:t>
             </a:fld>
             <a:endParaRPr lang="hu-HU"/>
           </a:p>
@@ -3809,7 +3999,7 @@
           <a:p>
             <a:fld id="{489BD6FE-51DD-461E-8822-A356448EC8B6}" type="datetimeFigureOut">
               <a:rPr lang="hu-HU" smtClean="0"/>
-              <a:t>2022. 12. 29.</a:t>
+              <a:t>2022. 12. 31.</a:t>
             </a:fld>
             <a:endParaRPr lang="hu-HU"/>
           </a:p>
@@ -5483,6 +5673,3455 @@
           <a:p>
             <a:r>
               <a:rPr lang="hu-HU" dirty="0"/>
+              <a:t>Heti feladatok</a:t>
+            </a:r>
+          </a:p>
+        </p:txBody>
+      </p:sp>
+      <p:graphicFrame>
+        <p:nvGraphicFramePr>
+          <p:cNvPr id="4" name="Table 4">
+            <a:extLst>
+              <a:ext uri="{FF2B5EF4-FFF2-40B4-BE49-F238E27FC236}">
+                <a16:creationId xmlns:a16="http://schemas.microsoft.com/office/drawing/2014/main" id="{179A48EE-BA02-4806-9F9B-6D912C81E640}"/>
+              </a:ext>
+            </a:extLst>
+          </p:cNvPr>
+          <p:cNvGraphicFramePr>
+            <a:graphicFrameLocks noGrp="1"/>
+          </p:cNvGraphicFramePr>
+          <p:nvPr>
+            <p:extLst>
+              <p:ext uri="{D42A27DB-BD31-4B8C-83A1-F6EECF244321}">
+                <p14:modId xmlns:p14="http://schemas.microsoft.com/office/powerpoint/2010/main" val="1114598348"/>
+              </p:ext>
+            </p:extLst>
+          </p:nvPr>
+        </p:nvGraphicFramePr>
+        <p:xfrm>
+          <a:off x="63023" y="582898"/>
+          <a:ext cx="5546462" cy="6911764"/>
+        </p:xfrm>
+        <a:graphic>
+          <a:graphicData uri="http://schemas.openxmlformats.org/drawingml/2006/table">
+            <a:tbl>
+              <a:tblPr firstRow="1" bandRow="1">
+                <a:tableStyleId>{5C22544A-7EE6-4342-B048-85BDC9FD1C3A}</a:tableStyleId>
+              </a:tblPr>
+              <a:tblGrid>
+                <a:gridCol w="208280">
+                  <a:extLst>
+                    <a:ext uri="{9D8B030D-6E8A-4147-A177-3AD203B41FA5}">
+                      <a16:colId xmlns:a16="http://schemas.microsoft.com/office/drawing/2014/main" val="32090127"/>
+                    </a:ext>
+                  </a:extLst>
+                </a:gridCol>
+                <a:gridCol w="3196271">
+                  <a:extLst>
+                    <a:ext uri="{9D8B030D-6E8A-4147-A177-3AD203B41FA5}">
+                      <a16:colId xmlns:a16="http://schemas.microsoft.com/office/drawing/2014/main" val="1278284831"/>
+                    </a:ext>
+                  </a:extLst>
+                </a:gridCol>
+                <a:gridCol w="208280">
+                  <a:extLst>
+                    <a:ext uri="{9D8B030D-6E8A-4147-A177-3AD203B41FA5}">
+                      <a16:colId xmlns:a16="http://schemas.microsoft.com/office/drawing/2014/main" val="2673907331"/>
+                    </a:ext>
+                  </a:extLst>
+                </a:gridCol>
+                <a:gridCol w="208280">
+                  <a:extLst>
+                    <a:ext uri="{9D8B030D-6E8A-4147-A177-3AD203B41FA5}">
+                      <a16:colId xmlns:a16="http://schemas.microsoft.com/office/drawing/2014/main" val="2396367388"/>
+                    </a:ext>
+                  </a:extLst>
+                </a:gridCol>
+                <a:gridCol w="208280">
+                  <a:extLst>
+                    <a:ext uri="{9D8B030D-6E8A-4147-A177-3AD203B41FA5}">
+                      <a16:colId xmlns:a16="http://schemas.microsoft.com/office/drawing/2014/main" val="1789665046"/>
+                    </a:ext>
+                  </a:extLst>
+                </a:gridCol>
+                <a:gridCol w="208280">
+                  <a:extLst>
+                    <a:ext uri="{9D8B030D-6E8A-4147-A177-3AD203B41FA5}">
+                      <a16:colId xmlns:a16="http://schemas.microsoft.com/office/drawing/2014/main" val="2620862330"/>
+                    </a:ext>
+                  </a:extLst>
+                </a:gridCol>
+                <a:gridCol w="208280">
+                  <a:extLst>
+                    <a:ext uri="{9D8B030D-6E8A-4147-A177-3AD203B41FA5}">
+                      <a16:colId xmlns:a16="http://schemas.microsoft.com/office/drawing/2014/main" val="1657865901"/>
+                    </a:ext>
+                  </a:extLst>
+                </a:gridCol>
+                <a:gridCol w="208280">
+                  <a:extLst>
+                    <a:ext uri="{9D8B030D-6E8A-4147-A177-3AD203B41FA5}">
+                      <a16:colId xmlns:a16="http://schemas.microsoft.com/office/drawing/2014/main" val="3727116168"/>
+                    </a:ext>
+                  </a:extLst>
+                </a:gridCol>
+                <a:gridCol w="208280">
+                  <a:extLst>
+                    <a:ext uri="{9D8B030D-6E8A-4147-A177-3AD203B41FA5}">
+                      <a16:colId xmlns:a16="http://schemas.microsoft.com/office/drawing/2014/main" val="3560251892"/>
+                    </a:ext>
+                  </a:extLst>
+                </a:gridCol>
+                <a:gridCol w="683951">
+                  <a:extLst>
+                    <a:ext uri="{9D8B030D-6E8A-4147-A177-3AD203B41FA5}">
+                      <a16:colId xmlns:a16="http://schemas.microsoft.com/office/drawing/2014/main" val="3283273542"/>
+                    </a:ext>
+                  </a:extLst>
+                </a:gridCol>
+              </a:tblGrid>
+              <a:tr h="269687">
+                <a:tc>
+                  <a:txBody>
+                    <a:bodyPr/>
+                    <a:lstStyle/>
+                    <a:p>
+                      <a:pPr algn="ctr"/>
+                      <a:endParaRPr lang="hu-HU" dirty="0"/>
+                    </a:p>
+                  </a:txBody>
+                  <a:tcPr>
+                    <a:lnL w="12700" cap="flat" cmpd="sng" algn="ctr">
+                      <a:solidFill>
+                        <a:schemeClr val="tx1"/>
+                      </a:solidFill>
+                      <a:prstDash val="solid"/>
+                      <a:round/>
+                      <a:headEnd type="none" w="med" len="med"/>
+                      <a:tailEnd type="none" w="med" len="med"/>
+                    </a:lnL>
+                    <a:lnR w="12700" cap="flat" cmpd="sng" algn="ctr">
+                      <a:solidFill>
+                        <a:schemeClr val="tx1"/>
+                      </a:solidFill>
+                      <a:prstDash val="solid"/>
+                      <a:round/>
+                      <a:headEnd type="none" w="med" len="med"/>
+                      <a:tailEnd type="none" w="med" len="med"/>
+                    </a:lnR>
+                    <a:lnT w="12700" cap="flat" cmpd="sng" algn="ctr">
+                      <a:solidFill>
+                        <a:schemeClr val="tx1"/>
+                      </a:solidFill>
+                      <a:prstDash val="solid"/>
+                      <a:round/>
+                      <a:headEnd type="none" w="med" len="med"/>
+                      <a:tailEnd type="none" w="med" len="med"/>
+                    </a:lnT>
+                    <a:lnB w="12700" cap="flat" cmpd="sng" algn="ctr">
+                      <a:solidFill>
+                        <a:schemeClr val="tx1"/>
+                      </a:solidFill>
+                      <a:prstDash val="solid"/>
+                      <a:round/>
+                      <a:headEnd type="none" w="med" len="med"/>
+                      <a:tailEnd type="none" w="med" len="med"/>
+                    </a:lnB>
+                  </a:tcPr>
+                </a:tc>
+                <a:tc>
+                  <a:txBody>
+                    <a:bodyPr/>
+                    <a:lstStyle/>
+                    <a:p>
+                      <a:pPr algn="ctr"/>
+                      <a:r>
+                        <a:rPr lang="hu-HU" dirty="0"/>
+                        <a:t>Feladat</a:t>
+                      </a:r>
+                    </a:p>
+                  </a:txBody>
+                  <a:tcPr>
+                    <a:lnL w="12700" cap="flat" cmpd="sng" algn="ctr">
+                      <a:solidFill>
+                        <a:schemeClr val="tx1"/>
+                      </a:solidFill>
+                      <a:prstDash val="solid"/>
+                      <a:round/>
+                      <a:headEnd type="none" w="med" len="med"/>
+                      <a:tailEnd type="none" w="med" len="med"/>
+                    </a:lnL>
+                    <a:lnR w="12700" cap="flat" cmpd="sng" algn="ctr">
+                      <a:solidFill>
+                        <a:schemeClr val="tx1"/>
+                      </a:solidFill>
+                      <a:prstDash val="solid"/>
+                      <a:round/>
+                      <a:headEnd type="none" w="med" len="med"/>
+                      <a:tailEnd type="none" w="med" len="med"/>
+                    </a:lnR>
+                    <a:lnT w="12700" cap="flat" cmpd="sng" algn="ctr">
+                      <a:solidFill>
+                        <a:schemeClr val="tx1"/>
+                      </a:solidFill>
+                      <a:prstDash val="solid"/>
+                      <a:round/>
+                      <a:headEnd type="none" w="med" len="med"/>
+                      <a:tailEnd type="none" w="med" len="med"/>
+                    </a:lnT>
+                    <a:lnB w="12700" cap="flat" cmpd="sng" algn="ctr">
+                      <a:solidFill>
+                        <a:schemeClr val="tx1"/>
+                      </a:solidFill>
+                      <a:prstDash val="solid"/>
+                      <a:round/>
+                      <a:headEnd type="none" w="med" len="med"/>
+                      <a:tailEnd type="none" w="med" len="med"/>
+                    </a:lnB>
+                  </a:tcPr>
+                </a:tc>
+                <a:tc>
+                  <a:txBody>
+                    <a:bodyPr/>
+                    <a:lstStyle/>
+                    <a:p>
+                      <a:pPr algn="ctr"/>
+                      <a:r>
+                        <a:rPr lang="hu-HU" dirty="0"/>
+                        <a:t>H</a:t>
+                      </a:r>
+                    </a:p>
+                  </a:txBody>
+                  <a:tcPr>
+                    <a:lnL w="12700" cap="flat" cmpd="sng" algn="ctr">
+                      <a:solidFill>
+                        <a:schemeClr val="tx1"/>
+                      </a:solidFill>
+                      <a:prstDash val="solid"/>
+                      <a:round/>
+                      <a:headEnd type="none" w="med" len="med"/>
+                      <a:tailEnd type="none" w="med" len="med"/>
+                    </a:lnL>
+                    <a:lnR w="12700" cap="flat" cmpd="sng" algn="ctr">
+                      <a:solidFill>
+                        <a:schemeClr val="tx1"/>
+                      </a:solidFill>
+                      <a:prstDash val="solid"/>
+                      <a:round/>
+                      <a:headEnd type="none" w="med" len="med"/>
+                      <a:tailEnd type="none" w="med" len="med"/>
+                    </a:lnR>
+                    <a:lnT w="12700" cap="flat" cmpd="sng" algn="ctr">
+                      <a:solidFill>
+                        <a:schemeClr val="tx1"/>
+                      </a:solidFill>
+                      <a:prstDash val="solid"/>
+                      <a:round/>
+                      <a:headEnd type="none" w="med" len="med"/>
+                      <a:tailEnd type="none" w="med" len="med"/>
+                    </a:lnT>
+                    <a:lnB w="12700" cap="flat" cmpd="sng" algn="ctr">
+                      <a:solidFill>
+                        <a:schemeClr val="tx1"/>
+                      </a:solidFill>
+                      <a:prstDash val="solid"/>
+                      <a:round/>
+                      <a:headEnd type="none" w="med" len="med"/>
+                      <a:tailEnd type="none" w="med" len="med"/>
+                    </a:lnB>
+                  </a:tcPr>
+                </a:tc>
+                <a:tc>
+                  <a:txBody>
+                    <a:bodyPr/>
+                    <a:lstStyle/>
+                    <a:p>
+                      <a:pPr algn="ctr"/>
+                      <a:r>
+                        <a:rPr lang="hu-HU" dirty="0"/>
+                        <a:t>K</a:t>
+                      </a:r>
+                    </a:p>
+                  </a:txBody>
+                  <a:tcPr>
+                    <a:lnL w="12700" cap="flat" cmpd="sng" algn="ctr">
+                      <a:solidFill>
+                        <a:schemeClr val="tx1"/>
+                      </a:solidFill>
+                      <a:prstDash val="solid"/>
+                      <a:round/>
+                      <a:headEnd type="none" w="med" len="med"/>
+                      <a:tailEnd type="none" w="med" len="med"/>
+                    </a:lnL>
+                    <a:lnR w="12700" cap="flat" cmpd="sng" algn="ctr">
+                      <a:solidFill>
+                        <a:schemeClr val="tx1"/>
+                      </a:solidFill>
+                      <a:prstDash val="solid"/>
+                      <a:round/>
+                      <a:headEnd type="none" w="med" len="med"/>
+                      <a:tailEnd type="none" w="med" len="med"/>
+                    </a:lnR>
+                    <a:lnT w="12700" cap="flat" cmpd="sng" algn="ctr">
+                      <a:solidFill>
+                        <a:schemeClr val="tx1"/>
+                      </a:solidFill>
+                      <a:prstDash val="solid"/>
+                      <a:round/>
+                      <a:headEnd type="none" w="med" len="med"/>
+                      <a:tailEnd type="none" w="med" len="med"/>
+                    </a:lnT>
+                    <a:lnB w="12700" cap="flat" cmpd="sng" algn="ctr">
+                      <a:solidFill>
+                        <a:schemeClr val="tx1"/>
+                      </a:solidFill>
+                      <a:prstDash val="solid"/>
+                      <a:round/>
+                      <a:headEnd type="none" w="med" len="med"/>
+                      <a:tailEnd type="none" w="med" len="med"/>
+                    </a:lnB>
+                  </a:tcPr>
+                </a:tc>
+                <a:tc>
+                  <a:txBody>
+                    <a:bodyPr/>
+                    <a:lstStyle/>
+                    <a:p>
+                      <a:pPr algn="ctr"/>
+                      <a:r>
+                        <a:rPr lang="hu-HU" dirty="0"/>
+                        <a:t>S</a:t>
+                      </a:r>
+                    </a:p>
+                  </a:txBody>
+                  <a:tcPr>
+                    <a:lnL w="12700" cap="flat" cmpd="sng" algn="ctr">
+                      <a:solidFill>
+                        <a:schemeClr val="tx1"/>
+                      </a:solidFill>
+                      <a:prstDash val="solid"/>
+                      <a:round/>
+                      <a:headEnd type="none" w="med" len="med"/>
+                      <a:tailEnd type="none" w="med" len="med"/>
+                    </a:lnL>
+                    <a:lnR w="12700" cap="flat" cmpd="sng" algn="ctr">
+                      <a:solidFill>
+                        <a:schemeClr val="tx1"/>
+                      </a:solidFill>
+                      <a:prstDash val="solid"/>
+                      <a:round/>
+                      <a:headEnd type="none" w="med" len="med"/>
+                      <a:tailEnd type="none" w="med" len="med"/>
+                    </a:lnR>
+                    <a:lnT w="12700" cap="flat" cmpd="sng" algn="ctr">
+                      <a:solidFill>
+                        <a:schemeClr val="tx1"/>
+                      </a:solidFill>
+                      <a:prstDash val="solid"/>
+                      <a:round/>
+                      <a:headEnd type="none" w="med" len="med"/>
+                      <a:tailEnd type="none" w="med" len="med"/>
+                    </a:lnT>
+                    <a:lnB w="12700" cap="flat" cmpd="sng" algn="ctr">
+                      <a:solidFill>
+                        <a:schemeClr val="tx1"/>
+                      </a:solidFill>
+                      <a:prstDash val="solid"/>
+                      <a:round/>
+                      <a:headEnd type="none" w="med" len="med"/>
+                      <a:tailEnd type="none" w="med" len="med"/>
+                    </a:lnB>
+                  </a:tcPr>
+                </a:tc>
+                <a:tc>
+                  <a:txBody>
+                    <a:bodyPr/>
+                    <a:lstStyle/>
+                    <a:p>
+                      <a:pPr algn="ctr"/>
+                      <a:r>
+                        <a:rPr lang="hu-HU" dirty="0"/>
+                        <a:t>C</a:t>
+                      </a:r>
+                    </a:p>
+                  </a:txBody>
+                  <a:tcPr>
+                    <a:lnL w="12700" cap="flat" cmpd="sng" algn="ctr">
+                      <a:solidFill>
+                        <a:schemeClr val="tx1"/>
+                      </a:solidFill>
+                      <a:prstDash val="solid"/>
+                      <a:round/>
+                      <a:headEnd type="none" w="med" len="med"/>
+                      <a:tailEnd type="none" w="med" len="med"/>
+                    </a:lnL>
+                    <a:lnR w="12700" cap="flat" cmpd="sng" algn="ctr">
+                      <a:solidFill>
+                        <a:schemeClr val="tx1"/>
+                      </a:solidFill>
+                      <a:prstDash val="solid"/>
+                      <a:round/>
+                      <a:headEnd type="none" w="med" len="med"/>
+                      <a:tailEnd type="none" w="med" len="med"/>
+                    </a:lnR>
+                    <a:lnT w="12700" cap="flat" cmpd="sng" algn="ctr">
+                      <a:solidFill>
+                        <a:schemeClr val="tx1"/>
+                      </a:solidFill>
+                      <a:prstDash val="solid"/>
+                      <a:round/>
+                      <a:headEnd type="none" w="med" len="med"/>
+                      <a:tailEnd type="none" w="med" len="med"/>
+                    </a:lnT>
+                    <a:lnB w="12700" cap="flat" cmpd="sng" algn="ctr">
+                      <a:solidFill>
+                        <a:schemeClr val="tx1"/>
+                      </a:solidFill>
+                      <a:prstDash val="solid"/>
+                      <a:round/>
+                      <a:headEnd type="none" w="med" len="med"/>
+                      <a:tailEnd type="none" w="med" len="med"/>
+                    </a:lnB>
+                  </a:tcPr>
+                </a:tc>
+                <a:tc>
+                  <a:txBody>
+                    <a:bodyPr/>
+                    <a:lstStyle/>
+                    <a:p>
+                      <a:pPr algn="ctr"/>
+                      <a:r>
+                        <a:rPr lang="hu-HU" dirty="0"/>
+                        <a:t>P</a:t>
+                      </a:r>
+                    </a:p>
+                  </a:txBody>
+                  <a:tcPr>
+                    <a:lnL w="12700" cap="flat" cmpd="sng" algn="ctr">
+                      <a:solidFill>
+                        <a:schemeClr val="tx1"/>
+                      </a:solidFill>
+                      <a:prstDash val="solid"/>
+                      <a:round/>
+                      <a:headEnd type="none" w="med" len="med"/>
+                      <a:tailEnd type="none" w="med" len="med"/>
+                    </a:lnL>
+                    <a:lnR w="12700" cap="flat" cmpd="sng" algn="ctr">
+                      <a:solidFill>
+                        <a:schemeClr val="tx1"/>
+                      </a:solidFill>
+                      <a:prstDash val="solid"/>
+                      <a:round/>
+                      <a:headEnd type="none" w="med" len="med"/>
+                      <a:tailEnd type="none" w="med" len="med"/>
+                    </a:lnR>
+                    <a:lnT w="12700" cap="flat" cmpd="sng" algn="ctr">
+                      <a:solidFill>
+                        <a:schemeClr val="tx1"/>
+                      </a:solidFill>
+                      <a:prstDash val="solid"/>
+                      <a:round/>
+                      <a:headEnd type="none" w="med" len="med"/>
+                      <a:tailEnd type="none" w="med" len="med"/>
+                    </a:lnT>
+                    <a:lnB w="12700" cap="flat" cmpd="sng" algn="ctr">
+                      <a:solidFill>
+                        <a:schemeClr val="tx1"/>
+                      </a:solidFill>
+                      <a:prstDash val="solid"/>
+                      <a:round/>
+                      <a:headEnd type="none" w="med" len="med"/>
+                      <a:tailEnd type="none" w="med" len="med"/>
+                    </a:lnB>
+                  </a:tcPr>
+                </a:tc>
+                <a:tc>
+                  <a:txBody>
+                    <a:bodyPr/>
+                    <a:lstStyle/>
+                    <a:p>
+                      <a:pPr algn="ctr"/>
+                      <a:r>
+                        <a:rPr lang="hu-HU" dirty="0"/>
+                        <a:t>S</a:t>
+                      </a:r>
+                    </a:p>
+                  </a:txBody>
+                  <a:tcPr>
+                    <a:lnL w="12700" cap="flat" cmpd="sng" algn="ctr">
+                      <a:solidFill>
+                        <a:schemeClr val="tx1"/>
+                      </a:solidFill>
+                      <a:prstDash val="solid"/>
+                      <a:round/>
+                      <a:headEnd type="none" w="med" len="med"/>
+                      <a:tailEnd type="none" w="med" len="med"/>
+                    </a:lnL>
+                    <a:lnR w="12700" cap="flat" cmpd="sng" algn="ctr">
+                      <a:solidFill>
+                        <a:schemeClr val="tx1"/>
+                      </a:solidFill>
+                      <a:prstDash val="solid"/>
+                      <a:round/>
+                      <a:headEnd type="none" w="med" len="med"/>
+                      <a:tailEnd type="none" w="med" len="med"/>
+                    </a:lnR>
+                    <a:lnT w="12700" cap="flat" cmpd="sng" algn="ctr">
+                      <a:solidFill>
+                        <a:schemeClr val="tx1"/>
+                      </a:solidFill>
+                      <a:prstDash val="solid"/>
+                      <a:round/>
+                      <a:headEnd type="none" w="med" len="med"/>
+                      <a:tailEnd type="none" w="med" len="med"/>
+                    </a:lnT>
+                    <a:lnB w="12700" cap="flat" cmpd="sng" algn="ctr">
+                      <a:solidFill>
+                        <a:schemeClr val="tx1"/>
+                      </a:solidFill>
+                      <a:prstDash val="solid"/>
+                      <a:round/>
+                      <a:headEnd type="none" w="med" len="med"/>
+                      <a:tailEnd type="none" w="med" len="med"/>
+                    </a:lnB>
+                  </a:tcPr>
+                </a:tc>
+                <a:tc>
+                  <a:txBody>
+                    <a:bodyPr/>
+                    <a:lstStyle/>
+                    <a:p>
+                      <a:pPr algn="ctr"/>
+                      <a:r>
+                        <a:rPr lang="hu-HU" dirty="0"/>
+                        <a:t>V</a:t>
+                      </a:r>
+                    </a:p>
+                  </a:txBody>
+                  <a:tcPr>
+                    <a:lnL w="12700" cap="flat" cmpd="sng" algn="ctr">
+                      <a:solidFill>
+                        <a:schemeClr val="tx1"/>
+                      </a:solidFill>
+                      <a:prstDash val="solid"/>
+                      <a:round/>
+                      <a:headEnd type="none" w="med" len="med"/>
+                      <a:tailEnd type="none" w="med" len="med"/>
+                    </a:lnL>
+                    <a:lnR w="12700" cap="flat" cmpd="sng" algn="ctr">
+                      <a:solidFill>
+                        <a:schemeClr val="tx1"/>
+                      </a:solidFill>
+                      <a:prstDash val="solid"/>
+                      <a:round/>
+                      <a:headEnd type="none" w="med" len="med"/>
+                      <a:tailEnd type="none" w="med" len="med"/>
+                    </a:lnR>
+                    <a:lnT w="12700" cap="flat" cmpd="sng" algn="ctr">
+                      <a:solidFill>
+                        <a:schemeClr val="tx1"/>
+                      </a:solidFill>
+                      <a:prstDash val="solid"/>
+                      <a:round/>
+                      <a:headEnd type="none" w="med" len="med"/>
+                      <a:tailEnd type="none" w="med" len="med"/>
+                    </a:lnT>
+                    <a:lnB w="12700" cap="flat" cmpd="sng" algn="ctr">
+                      <a:solidFill>
+                        <a:schemeClr val="tx1"/>
+                      </a:solidFill>
+                      <a:prstDash val="solid"/>
+                      <a:round/>
+                      <a:headEnd type="none" w="med" len="med"/>
+                      <a:tailEnd type="none" w="med" len="med"/>
+                    </a:lnB>
+                  </a:tcPr>
+                </a:tc>
+                <a:tc>
+                  <a:txBody>
+                    <a:bodyPr/>
+                    <a:lstStyle/>
+                    <a:p>
+                      <a:pPr algn="ctr"/>
+                      <a:r>
+                        <a:rPr lang="hu-HU" dirty="0" err="1"/>
+                        <a:t>Megj</a:t>
+                      </a:r>
+                      <a:endParaRPr lang="hu-HU" dirty="0"/>
+                    </a:p>
+                  </a:txBody>
+                  <a:tcPr>
+                    <a:lnL w="12700" cap="flat" cmpd="sng" algn="ctr">
+                      <a:solidFill>
+                        <a:schemeClr val="tx1"/>
+                      </a:solidFill>
+                      <a:prstDash val="solid"/>
+                      <a:round/>
+                      <a:headEnd type="none" w="med" len="med"/>
+                      <a:tailEnd type="none" w="med" len="med"/>
+                    </a:lnL>
+                    <a:lnR w="12700" cap="flat" cmpd="sng" algn="ctr">
+                      <a:solidFill>
+                        <a:schemeClr val="tx1"/>
+                      </a:solidFill>
+                      <a:prstDash val="solid"/>
+                      <a:round/>
+                      <a:headEnd type="none" w="med" len="med"/>
+                      <a:tailEnd type="none" w="med" len="med"/>
+                    </a:lnR>
+                    <a:lnT w="12700" cap="flat" cmpd="sng" algn="ctr">
+                      <a:solidFill>
+                        <a:schemeClr val="tx1"/>
+                      </a:solidFill>
+                      <a:prstDash val="solid"/>
+                      <a:round/>
+                      <a:headEnd type="none" w="med" len="med"/>
+                      <a:tailEnd type="none" w="med" len="med"/>
+                    </a:lnT>
+                    <a:lnB w="12700" cap="flat" cmpd="sng" algn="ctr">
+                      <a:solidFill>
+                        <a:schemeClr val="tx1"/>
+                      </a:solidFill>
+                      <a:prstDash val="solid"/>
+                      <a:round/>
+                      <a:headEnd type="none" w="med" len="med"/>
+                      <a:tailEnd type="none" w="med" len="med"/>
+                    </a:lnB>
+                  </a:tcPr>
+                </a:tc>
+                <a:extLst>
+                  <a:ext uri="{0D108BD9-81ED-4DB2-BD59-A6C34878D82A}">
+                    <a16:rowId xmlns:a16="http://schemas.microsoft.com/office/drawing/2014/main" val="4256960761"/>
+                  </a:ext>
+                </a:extLst>
+              </a:tr>
+              <a:tr h="6642077">
+                <a:tc>
+                  <a:txBody>
+                    <a:bodyPr/>
+                    <a:lstStyle/>
+                    <a:p>
+                      <a:endParaRPr lang="hu-HU" dirty="0"/>
+                    </a:p>
+                  </a:txBody>
+                  <a:tcPr>
+                    <a:lnL w="12700" cap="flat" cmpd="sng" algn="ctr">
+                      <a:solidFill>
+                        <a:schemeClr val="tx1"/>
+                      </a:solidFill>
+                      <a:prstDash val="solid"/>
+                      <a:round/>
+                      <a:headEnd type="none" w="med" len="med"/>
+                      <a:tailEnd type="none" w="med" len="med"/>
+                    </a:lnL>
+                    <a:lnR w="12700" cap="flat" cmpd="sng" algn="ctr">
+                      <a:solidFill>
+                        <a:schemeClr val="tx1"/>
+                      </a:solidFill>
+                      <a:prstDash val="solid"/>
+                      <a:round/>
+                      <a:headEnd type="none" w="med" len="med"/>
+                      <a:tailEnd type="none" w="med" len="med"/>
+                    </a:lnR>
+                    <a:lnT w="12700" cap="flat" cmpd="sng" algn="ctr">
+                      <a:solidFill>
+                        <a:schemeClr val="tx1"/>
+                      </a:solidFill>
+                      <a:prstDash val="solid"/>
+                      <a:round/>
+                      <a:headEnd type="none" w="med" len="med"/>
+                      <a:tailEnd type="none" w="med" len="med"/>
+                    </a:lnT>
+                    <a:lnB w="12700" cap="flat" cmpd="sng" algn="ctr">
+                      <a:solidFill>
+                        <a:schemeClr val="tx1"/>
+                      </a:solidFill>
+                      <a:prstDash val="solid"/>
+                      <a:round/>
+                      <a:headEnd type="none" w="med" len="med"/>
+                      <a:tailEnd type="none" w="med" len="med"/>
+                    </a:lnB>
+                    <a:noFill/>
+                  </a:tcPr>
+                </a:tc>
+                <a:tc>
+                  <a:txBody>
+                    <a:bodyPr/>
+                    <a:lstStyle/>
+                    <a:p>
+                      <a:endParaRPr lang="hu-HU" dirty="0"/>
+                    </a:p>
+                  </a:txBody>
+                  <a:tcPr>
+                    <a:lnL w="12700" cap="flat" cmpd="sng" algn="ctr">
+                      <a:solidFill>
+                        <a:schemeClr val="tx1"/>
+                      </a:solidFill>
+                      <a:prstDash val="solid"/>
+                      <a:round/>
+                      <a:headEnd type="none" w="med" len="med"/>
+                      <a:tailEnd type="none" w="med" len="med"/>
+                    </a:lnL>
+                    <a:lnR w="12700" cap="flat" cmpd="sng" algn="ctr">
+                      <a:solidFill>
+                        <a:schemeClr val="tx1"/>
+                      </a:solidFill>
+                      <a:prstDash val="solid"/>
+                      <a:round/>
+                      <a:headEnd type="none" w="med" len="med"/>
+                      <a:tailEnd type="none" w="med" len="med"/>
+                    </a:lnR>
+                    <a:lnT w="12700" cap="flat" cmpd="sng" algn="ctr">
+                      <a:solidFill>
+                        <a:schemeClr val="tx1"/>
+                      </a:solidFill>
+                      <a:prstDash val="solid"/>
+                      <a:round/>
+                      <a:headEnd type="none" w="med" len="med"/>
+                      <a:tailEnd type="none" w="med" len="med"/>
+                    </a:lnT>
+                    <a:lnB w="12700" cap="flat" cmpd="sng" algn="ctr">
+                      <a:solidFill>
+                        <a:schemeClr val="tx1"/>
+                      </a:solidFill>
+                      <a:prstDash val="solid"/>
+                      <a:round/>
+                      <a:headEnd type="none" w="med" len="med"/>
+                      <a:tailEnd type="none" w="med" len="med"/>
+                    </a:lnB>
+                    <a:noFill/>
+                  </a:tcPr>
+                </a:tc>
+                <a:tc>
+                  <a:txBody>
+                    <a:bodyPr/>
+                    <a:lstStyle/>
+                    <a:p>
+                      <a:endParaRPr lang="hu-HU" dirty="0"/>
+                    </a:p>
+                  </a:txBody>
+                  <a:tcPr>
+                    <a:lnL w="12700" cap="flat" cmpd="sng" algn="ctr">
+                      <a:solidFill>
+                        <a:schemeClr val="tx1"/>
+                      </a:solidFill>
+                      <a:prstDash val="solid"/>
+                      <a:round/>
+                      <a:headEnd type="none" w="med" len="med"/>
+                      <a:tailEnd type="none" w="med" len="med"/>
+                    </a:lnL>
+                    <a:lnR w="12700" cap="flat" cmpd="sng" algn="ctr">
+                      <a:solidFill>
+                        <a:schemeClr val="tx1"/>
+                      </a:solidFill>
+                      <a:prstDash val="solid"/>
+                      <a:round/>
+                      <a:headEnd type="none" w="med" len="med"/>
+                      <a:tailEnd type="none" w="med" len="med"/>
+                    </a:lnR>
+                    <a:lnT w="12700" cap="flat" cmpd="sng" algn="ctr">
+                      <a:solidFill>
+                        <a:schemeClr val="tx1"/>
+                      </a:solidFill>
+                      <a:prstDash val="solid"/>
+                      <a:round/>
+                      <a:headEnd type="none" w="med" len="med"/>
+                      <a:tailEnd type="none" w="med" len="med"/>
+                    </a:lnT>
+                    <a:lnB w="12700" cap="flat" cmpd="sng" algn="ctr">
+                      <a:solidFill>
+                        <a:schemeClr val="tx1"/>
+                      </a:solidFill>
+                      <a:prstDash val="solid"/>
+                      <a:round/>
+                      <a:headEnd type="none" w="med" len="med"/>
+                      <a:tailEnd type="none" w="med" len="med"/>
+                    </a:lnB>
+                    <a:noFill/>
+                  </a:tcPr>
+                </a:tc>
+                <a:tc>
+                  <a:txBody>
+                    <a:bodyPr/>
+                    <a:lstStyle/>
+                    <a:p>
+                      <a:endParaRPr lang="hu-HU" dirty="0"/>
+                    </a:p>
+                  </a:txBody>
+                  <a:tcPr>
+                    <a:lnL w="12700" cap="flat" cmpd="sng" algn="ctr">
+                      <a:solidFill>
+                        <a:schemeClr val="tx1"/>
+                      </a:solidFill>
+                      <a:prstDash val="solid"/>
+                      <a:round/>
+                      <a:headEnd type="none" w="med" len="med"/>
+                      <a:tailEnd type="none" w="med" len="med"/>
+                    </a:lnL>
+                    <a:lnR w="12700" cap="flat" cmpd="sng" algn="ctr">
+                      <a:solidFill>
+                        <a:schemeClr val="tx1"/>
+                      </a:solidFill>
+                      <a:prstDash val="solid"/>
+                      <a:round/>
+                      <a:headEnd type="none" w="med" len="med"/>
+                      <a:tailEnd type="none" w="med" len="med"/>
+                    </a:lnR>
+                    <a:lnT w="12700" cap="flat" cmpd="sng" algn="ctr">
+                      <a:solidFill>
+                        <a:schemeClr val="tx1"/>
+                      </a:solidFill>
+                      <a:prstDash val="solid"/>
+                      <a:round/>
+                      <a:headEnd type="none" w="med" len="med"/>
+                      <a:tailEnd type="none" w="med" len="med"/>
+                    </a:lnT>
+                    <a:lnB w="12700" cap="flat" cmpd="sng" algn="ctr">
+                      <a:solidFill>
+                        <a:schemeClr val="tx1"/>
+                      </a:solidFill>
+                      <a:prstDash val="solid"/>
+                      <a:round/>
+                      <a:headEnd type="none" w="med" len="med"/>
+                      <a:tailEnd type="none" w="med" len="med"/>
+                    </a:lnB>
+                    <a:noFill/>
+                  </a:tcPr>
+                </a:tc>
+                <a:tc>
+                  <a:txBody>
+                    <a:bodyPr/>
+                    <a:lstStyle/>
+                    <a:p>
+                      <a:endParaRPr lang="hu-HU" dirty="0"/>
+                    </a:p>
+                  </a:txBody>
+                  <a:tcPr>
+                    <a:lnL w="12700" cap="flat" cmpd="sng" algn="ctr">
+                      <a:solidFill>
+                        <a:schemeClr val="tx1"/>
+                      </a:solidFill>
+                      <a:prstDash val="solid"/>
+                      <a:round/>
+                      <a:headEnd type="none" w="med" len="med"/>
+                      <a:tailEnd type="none" w="med" len="med"/>
+                    </a:lnL>
+                    <a:lnR w="12700" cap="flat" cmpd="sng" algn="ctr">
+                      <a:solidFill>
+                        <a:schemeClr val="tx1"/>
+                      </a:solidFill>
+                      <a:prstDash val="solid"/>
+                      <a:round/>
+                      <a:headEnd type="none" w="med" len="med"/>
+                      <a:tailEnd type="none" w="med" len="med"/>
+                    </a:lnR>
+                    <a:lnT w="12700" cap="flat" cmpd="sng" algn="ctr">
+                      <a:solidFill>
+                        <a:schemeClr val="tx1"/>
+                      </a:solidFill>
+                      <a:prstDash val="solid"/>
+                      <a:round/>
+                      <a:headEnd type="none" w="med" len="med"/>
+                      <a:tailEnd type="none" w="med" len="med"/>
+                    </a:lnT>
+                    <a:lnB w="12700" cap="flat" cmpd="sng" algn="ctr">
+                      <a:solidFill>
+                        <a:schemeClr val="tx1"/>
+                      </a:solidFill>
+                      <a:prstDash val="solid"/>
+                      <a:round/>
+                      <a:headEnd type="none" w="med" len="med"/>
+                      <a:tailEnd type="none" w="med" len="med"/>
+                    </a:lnB>
+                    <a:noFill/>
+                  </a:tcPr>
+                </a:tc>
+                <a:tc>
+                  <a:txBody>
+                    <a:bodyPr/>
+                    <a:lstStyle/>
+                    <a:p>
+                      <a:endParaRPr lang="hu-HU" dirty="0"/>
+                    </a:p>
+                  </a:txBody>
+                  <a:tcPr>
+                    <a:lnL w="12700" cap="flat" cmpd="sng" algn="ctr">
+                      <a:solidFill>
+                        <a:schemeClr val="tx1"/>
+                      </a:solidFill>
+                      <a:prstDash val="solid"/>
+                      <a:round/>
+                      <a:headEnd type="none" w="med" len="med"/>
+                      <a:tailEnd type="none" w="med" len="med"/>
+                    </a:lnL>
+                    <a:lnR w="12700" cap="flat" cmpd="sng" algn="ctr">
+                      <a:solidFill>
+                        <a:schemeClr val="tx1"/>
+                      </a:solidFill>
+                      <a:prstDash val="solid"/>
+                      <a:round/>
+                      <a:headEnd type="none" w="med" len="med"/>
+                      <a:tailEnd type="none" w="med" len="med"/>
+                    </a:lnR>
+                    <a:lnT w="12700" cap="flat" cmpd="sng" algn="ctr">
+                      <a:solidFill>
+                        <a:schemeClr val="tx1"/>
+                      </a:solidFill>
+                      <a:prstDash val="solid"/>
+                      <a:round/>
+                      <a:headEnd type="none" w="med" len="med"/>
+                      <a:tailEnd type="none" w="med" len="med"/>
+                    </a:lnT>
+                    <a:lnB w="12700" cap="flat" cmpd="sng" algn="ctr">
+                      <a:solidFill>
+                        <a:schemeClr val="tx1"/>
+                      </a:solidFill>
+                      <a:prstDash val="solid"/>
+                      <a:round/>
+                      <a:headEnd type="none" w="med" len="med"/>
+                      <a:tailEnd type="none" w="med" len="med"/>
+                    </a:lnB>
+                    <a:noFill/>
+                  </a:tcPr>
+                </a:tc>
+                <a:tc>
+                  <a:txBody>
+                    <a:bodyPr/>
+                    <a:lstStyle/>
+                    <a:p>
+                      <a:endParaRPr lang="hu-HU"/>
+                    </a:p>
+                  </a:txBody>
+                  <a:tcPr>
+                    <a:lnL w="12700" cap="flat" cmpd="sng" algn="ctr">
+                      <a:solidFill>
+                        <a:schemeClr val="tx1"/>
+                      </a:solidFill>
+                      <a:prstDash val="solid"/>
+                      <a:round/>
+                      <a:headEnd type="none" w="med" len="med"/>
+                      <a:tailEnd type="none" w="med" len="med"/>
+                    </a:lnL>
+                    <a:lnR w="12700" cap="flat" cmpd="sng" algn="ctr">
+                      <a:solidFill>
+                        <a:schemeClr val="tx1"/>
+                      </a:solidFill>
+                      <a:prstDash val="solid"/>
+                      <a:round/>
+                      <a:headEnd type="none" w="med" len="med"/>
+                      <a:tailEnd type="none" w="med" len="med"/>
+                    </a:lnR>
+                    <a:lnT w="12700" cap="flat" cmpd="sng" algn="ctr">
+                      <a:solidFill>
+                        <a:schemeClr val="tx1"/>
+                      </a:solidFill>
+                      <a:prstDash val="solid"/>
+                      <a:round/>
+                      <a:headEnd type="none" w="med" len="med"/>
+                      <a:tailEnd type="none" w="med" len="med"/>
+                    </a:lnT>
+                    <a:lnB w="12700" cap="flat" cmpd="sng" algn="ctr">
+                      <a:solidFill>
+                        <a:schemeClr val="tx1"/>
+                      </a:solidFill>
+                      <a:prstDash val="solid"/>
+                      <a:round/>
+                      <a:headEnd type="none" w="med" len="med"/>
+                      <a:tailEnd type="none" w="med" len="med"/>
+                    </a:lnB>
+                    <a:noFill/>
+                  </a:tcPr>
+                </a:tc>
+                <a:tc>
+                  <a:txBody>
+                    <a:bodyPr/>
+                    <a:lstStyle/>
+                    <a:p>
+                      <a:endParaRPr lang="hu-HU" dirty="0"/>
+                    </a:p>
+                  </a:txBody>
+                  <a:tcPr>
+                    <a:lnL w="12700" cap="flat" cmpd="sng" algn="ctr">
+                      <a:solidFill>
+                        <a:schemeClr val="tx1"/>
+                      </a:solidFill>
+                      <a:prstDash val="solid"/>
+                      <a:round/>
+                      <a:headEnd type="none" w="med" len="med"/>
+                      <a:tailEnd type="none" w="med" len="med"/>
+                    </a:lnL>
+                    <a:lnR w="12700" cap="flat" cmpd="sng" algn="ctr">
+                      <a:solidFill>
+                        <a:schemeClr val="tx1"/>
+                      </a:solidFill>
+                      <a:prstDash val="solid"/>
+                      <a:round/>
+                      <a:headEnd type="none" w="med" len="med"/>
+                      <a:tailEnd type="none" w="med" len="med"/>
+                    </a:lnR>
+                    <a:lnT w="12700" cap="flat" cmpd="sng" algn="ctr">
+                      <a:solidFill>
+                        <a:schemeClr val="tx1"/>
+                      </a:solidFill>
+                      <a:prstDash val="solid"/>
+                      <a:round/>
+                      <a:headEnd type="none" w="med" len="med"/>
+                      <a:tailEnd type="none" w="med" len="med"/>
+                    </a:lnT>
+                    <a:lnB w="12700" cap="flat" cmpd="sng" algn="ctr">
+                      <a:solidFill>
+                        <a:schemeClr val="tx1"/>
+                      </a:solidFill>
+                      <a:prstDash val="solid"/>
+                      <a:round/>
+                      <a:headEnd type="none" w="med" len="med"/>
+                      <a:tailEnd type="none" w="med" len="med"/>
+                    </a:lnB>
+                    <a:noFill/>
+                  </a:tcPr>
+                </a:tc>
+                <a:tc>
+                  <a:txBody>
+                    <a:bodyPr/>
+                    <a:lstStyle/>
+                    <a:p>
+                      <a:endParaRPr lang="hu-HU" dirty="0"/>
+                    </a:p>
+                  </a:txBody>
+                  <a:tcPr>
+                    <a:lnL w="12700" cap="flat" cmpd="sng" algn="ctr">
+                      <a:solidFill>
+                        <a:schemeClr val="tx1"/>
+                      </a:solidFill>
+                      <a:prstDash val="solid"/>
+                      <a:round/>
+                      <a:headEnd type="none" w="med" len="med"/>
+                      <a:tailEnd type="none" w="med" len="med"/>
+                    </a:lnL>
+                    <a:lnR w="12700" cap="flat" cmpd="sng" algn="ctr">
+                      <a:solidFill>
+                        <a:schemeClr val="tx1"/>
+                      </a:solidFill>
+                      <a:prstDash val="solid"/>
+                      <a:round/>
+                      <a:headEnd type="none" w="med" len="med"/>
+                      <a:tailEnd type="none" w="med" len="med"/>
+                    </a:lnR>
+                    <a:lnT w="12700" cap="flat" cmpd="sng" algn="ctr">
+                      <a:solidFill>
+                        <a:schemeClr val="tx1"/>
+                      </a:solidFill>
+                      <a:prstDash val="solid"/>
+                      <a:round/>
+                      <a:headEnd type="none" w="med" len="med"/>
+                      <a:tailEnd type="none" w="med" len="med"/>
+                    </a:lnT>
+                    <a:lnB w="12700" cap="flat" cmpd="sng" algn="ctr">
+                      <a:solidFill>
+                        <a:schemeClr val="tx1"/>
+                      </a:solidFill>
+                      <a:prstDash val="solid"/>
+                      <a:round/>
+                      <a:headEnd type="none" w="med" len="med"/>
+                      <a:tailEnd type="none" w="med" len="med"/>
+                    </a:lnB>
+                    <a:noFill/>
+                  </a:tcPr>
+                </a:tc>
+                <a:tc>
+                  <a:txBody>
+                    <a:bodyPr/>
+                    <a:lstStyle/>
+                    <a:p>
+                      <a:endParaRPr lang="hu-HU" dirty="0"/>
+                    </a:p>
+                  </a:txBody>
+                  <a:tcPr>
+                    <a:lnL w="12700" cap="flat" cmpd="sng" algn="ctr">
+                      <a:solidFill>
+                        <a:schemeClr val="tx1"/>
+                      </a:solidFill>
+                      <a:prstDash val="solid"/>
+                      <a:round/>
+                      <a:headEnd type="none" w="med" len="med"/>
+                      <a:tailEnd type="none" w="med" len="med"/>
+                    </a:lnL>
+                    <a:lnR w="12700" cap="flat" cmpd="sng" algn="ctr">
+                      <a:solidFill>
+                        <a:schemeClr val="tx1"/>
+                      </a:solidFill>
+                      <a:prstDash val="solid"/>
+                      <a:round/>
+                      <a:headEnd type="none" w="med" len="med"/>
+                      <a:tailEnd type="none" w="med" len="med"/>
+                    </a:lnR>
+                    <a:lnT w="12700" cap="flat" cmpd="sng" algn="ctr">
+                      <a:solidFill>
+                        <a:schemeClr val="tx1"/>
+                      </a:solidFill>
+                      <a:prstDash val="solid"/>
+                      <a:round/>
+                      <a:headEnd type="none" w="med" len="med"/>
+                      <a:tailEnd type="none" w="med" len="med"/>
+                    </a:lnT>
+                    <a:lnB w="12700" cap="flat" cmpd="sng" algn="ctr">
+                      <a:solidFill>
+                        <a:schemeClr val="tx1"/>
+                      </a:solidFill>
+                      <a:prstDash val="solid"/>
+                      <a:round/>
+                      <a:headEnd type="none" w="med" len="med"/>
+                      <a:tailEnd type="none" w="med" len="med"/>
+                    </a:lnB>
+                    <a:noFill/>
+                  </a:tcPr>
+                </a:tc>
+                <a:extLst>
+                  <a:ext uri="{0D108BD9-81ED-4DB2-BD59-A6C34878D82A}">
+                    <a16:rowId xmlns:a16="http://schemas.microsoft.com/office/drawing/2014/main" val="2707876754"/>
+                  </a:ext>
+                </a:extLst>
+              </a:tr>
+            </a:tbl>
+          </a:graphicData>
+        </a:graphic>
+      </p:graphicFrame>
+    </p:spTree>
+    <p:extLst>
+      <p:ext uri="{BB962C8B-B14F-4D97-AF65-F5344CB8AC3E}">
+        <p14:creationId xmlns:p14="http://schemas.microsoft.com/office/powerpoint/2010/main" val="3395216044"/>
+      </p:ext>
+    </p:extLst>
+  </p:cSld>
+  <p:clrMapOvr>
+    <a:masterClrMapping/>
+  </p:clrMapOvr>
+</p:sld>
+</file>
+
+<file path=ppt/slides/slide4.xml><?xml version="1.0" encoding="utf-8"?>
+<p:sld xmlns:a="http://schemas.openxmlformats.org/drawingml/2006/main" xmlns:r="http://schemas.openxmlformats.org/officeDocument/2006/relationships" xmlns:p="http://schemas.openxmlformats.org/presentationml/2006/main">
+  <p:cSld>
+    <p:spTree>
+      <p:nvGrpSpPr>
+        <p:cNvPr id="1" name=""/>
+        <p:cNvGrpSpPr/>
+        <p:nvPr/>
+      </p:nvGrpSpPr>
+      <p:grpSpPr>
+        <a:xfrm>
+          <a:off x="0" y="0"/>
+          <a:ext cx="0" cy="0"/>
+          <a:chOff x="0" y="0"/>
+          <a:chExt cx="0" cy="0"/>
+        </a:xfrm>
+      </p:grpSpPr>
+      <p:graphicFrame>
+        <p:nvGraphicFramePr>
+          <p:cNvPr id="3" name="Table 4">
+            <a:extLst>
+              <a:ext uri="{FF2B5EF4-FFF2-40B4-BE49-F238E27FC236}">
+                <a16:creationId xmlns:a16="http://schemas.microsoft.com/office/drawing/2014/main" id="{3FE4EBEF-3611-0B84-70BA-E16F1BF258D3}"/>
+              </a:ext>
+            </a:extLst>
+          </p:cNvPr>
+          <p:cNvGraphicFramePr>
+            <a:graphicFrameLocks noGrp="1"/>
+          </p:cNvGraphicFramePr>
+          <p:nvPr>
+            <p:extLst>
+              <p:ext uri="{D42A27DB-BD31-4B8C-83A1-F6EECF244321}">
+                <p14:modId xmlns:p14="http://schemas.microsoft.com/office/powerpoint/2010/main" val="2869629746"/>
+              </p:ext>
+            </p:extLst>
+          </p:nvPr>
+        </p:nvGraphicFramePr>
+        <p:xfrm>
+          <a:off x="63023" y="831684"/>
+          <a:ext cx="5533392" cy="6675120"/>
+        </p:xfrm>
+        <a:graphic>
+          <a:graphicData uri="http://schemas.openxmlformats.org/drawingml/2006/table">
+            <a:tbl>
+              <a:tblPr firstRow="1" bandRow="1">
+                <a:tableStyleId>{5C22544A-7EE6-4342-B048-85BDC9FD1C3A}</a:tableStyleId>
+              </a:tblPr>
+              <a:tblGrid>
+                <a:gridCol w="5533392">
+                  <a:extLst>
+                    <a:ext uri="{9D8B030D-6E8A-4147-A177-3AD203B41FA5}">
+                      <a16:colId xmlns:a16="http://schemas.microsoft.com/office/drawing/2014/main" val="2107210172"/>
+                    </a:ext>
+                  </a:extLst>
+                </a:gridCol>
+              </a:tblGrid>
+              <a:tr h="370840">
+                <a:tc>
+                  <a:txBody>
+                    <a:bodyPr/>
+                    <a:lstStyle/>
+                    <a:p>
+                      <a:endParaRPr lang="en-HU" dirty="0"/>
+                    </a:p>
+                  </a:txBody>
+                  <a:tcPr>
+                    <a:lnL w="12700" cap="flat" cmpd="sng" algn="ctr">
+                      <a:solidFill>
+                        <a:schemeClr val="tx1"/>
+                      </a:solidFill>
+                      <a:prstDash val="solid"/>
+                      <a:round/>
+                      <a:headEnd type="none" w="med" len="med"/>
+                      <a:tailEnd type="none" w="med" len="med"/>
+                    </a:lnL>
+                    <a:lnR w="12700" cap="flat" cmpd="sng" algn="ctr">
+                      <a:solidFill>
+                        <a:schemeClr val="tx1"/>
+                      </a:solidFill>
+                      <a:prstDash val="solid"/>
+                      <a:round/>
+                      <a:headEnd type="none" w="med" len="med"/>
+                      <a:tailEnd type="none" w="med" len="med"/>
+                    </a:lnR>
+                    <a:lnT w="12700" cap="flat" cmpd="sng" algn="ctr">
+                      <a:solidFill>
+                        <a:schemeClr val="tx1"/>
+                      </a:solidFill>
+                      <a:prstDash val="solid"/>
+                      <a:round/>
+                      <a:headEnd type="none" w="med" len="med"/>
+                      <a:tailEnd type="none" w="med" len="med"/>
+                    </a:lnT>
+                    <a:lnB w="12700" cap="flat" cmpd="sng" algn="ctr">
+                      <a:solidFill>
+                        <a:schemeClr val="bg1">
+                          <a:lumMod val="75000"/>
+                        </a:schemeClr>
+                      </a:solidFill>
+                      <a:prstDash val="solid"/>
+                      <a:round/>
+                      <a:headEnd type="none" w="med" len="med"/>
+                      <a:tailEnd type="none" w="med" len="med"/>
+                    </a:lnB>
+                    <a:noFill/>
+                  </a:tcPr>
+                </a:tc>
+                <a:extLst>
+                  <a:ext uri="{0D108BD9-81ED-4DB2-BD59-A6C34878D82A}">
+                    <a16:rowId xmlns:a16="http://schemas.microsoft.com/office/drawing/2014/main" val="3702316336"/>
+                  </a:ext>
+                </a:extLst>
+              </a:tr>
+              <a:tr h="370840">
+                <a:tc>
+                  <a:txBody>
+                    <a:bodyPr/>
+                    <a:lstStyle/>
+                    <a:p>
+                      <a:endParaRPr lang="en-HU" dirty="0"/>
+                    </a:p>
+                  </a:txBody>
+                  <a:tcPr>
+                    <a:lnL w="12700" cap="flat" cmpd="sng" algn="ctr">
+                      <a:solidFill>
+                        <a:schemeClr val="tx1"/>
+                      </a:solidFill>
+                      <a:prstDash val="solid"/>
+                      <a:round/>
+                      <a:headEnd type="none" w="med" len="med"/>
+                      <a:tailEnd type="none" w="med" len="med"/>
+                    </a:lnL>
+                    <a:lnR w="12700" cap="flat" cmpd="sng" algn="ctr">
+                      <a:solidFill>
+                        <a:schemeClr val="tx1"/>
+                      </a:solidFill>
+                      <a:prstDash val="solid"/>
+                      <a:round/>
+                      <a:headEnd type="none" w="med" len="med"/>
+                      <a:tailEnd type="none" w="med" len="med"/>
+                    </a:lnR>
+                    <a:lnT w="12700" cap="flat" cmpd="sng" algn="ctr">
+                      <a:solidFill>
+                        <a:schemeClr val="bg1">
+                          <a:lumMod val="75000"/>
+                        </a:schemeClr>
+                      </a:solidFill>
+                      <a:prstDash val="solid"/>
+                      <a:round/>
+                      <a:headEnd type="none" w="med" len="med"/>
+                      <a:tailEnd type="none" w="med" len="med"/>
+                    </a:lnT>
+                    <a:lnB w="12700" cap="flat" cmpd="sng" algn="ctr">
+                      <a:solidFill>
+                        <a:schemeClr val="bg1">
+                          <a:lumMod val="75000"/>
+                        </a:schemeClr>
+                      </a:solidFill>
+                      <a:prstDash val="solid"/>
+                      <a:round/>
+                      <a:headEnd type="none" w="med" len="med"/>
+                      <a:tailEnd type="none" w="med" len="med"/>
+                    </a:lnB>
+                    <a:noFill/>
+                  </a:tcPr>
+                </a:tc>
+                <a:extLst>
+                  <a:ext uri="{0D108BD9-81ED-4DB2-BD59-A6C34878D82A}">
+                    <a16:rowId xmlns:a16="http://schemas.microsoft.com/office/drawing/2014/main" val="3986367903"/>
+                  </a:ext>
+                </a:extLst>
+              </a:tr>
+              <a:tr h="370840">
+                <a:tc>
+                  <a:txBody>
+                    <a:bodyPr/>
+                    <a:lstStyle/>
+                    <a:p>
+                      <a:endParaRPr lang="en-HU" dirty="0"/>
+                    </a:p>
+                  </a:txBody>
+                  <a:tcPr>
+                    <a:lnL w="12700" cap="flat" cmpd="sng" algn="ctr">
+                      <a:solidFill>
+                        <a:schemeClr val="tx1"/>
+                      </a:solidFill>
+                      <a:prstDash val="solid"/>
+                      <a:round/>
+                      <a:headEnd type="none" w="med" len="med"/>
+                      <a:tailEnd type="none" w="med" len="med"/>
+                    </a:lnL>
+                    <a:lnR w="12700" cap="flat" cmpd="sng" algn="ctr">
+                      <a:solidFill>
+                        <a:schemeClr val="tx1"/>
+                      </a:solidFill>
+                      <a:prstDash val="solid"/>
+                      <a:round/>
+                      <a:headEnd type="none" w="med" len="med"/>
+                      <a:tailEnd type="none" w="med" len="med"/>
+                    </a:lnR>
+                    <a:lnT w="12700" cap="flat" cmpd="sng" algn="ctr">
+                      <a:solidFill>
+                        <a:schemeClr val="bg1">
+                          <a:lumMod val="75000"/>
+                        </a:schemeClr>
+                      </a:solidFill>
+                      <a:prstDash val="solid"/>
+                      <a:round/>
+                      <a:headEnd type="none" w="med" len="med"/>
+                      <a:tailEnd type="none" w="med" len="med"/>
+                    </a:lnT>
+                    <a:lnB w="12700" cap="flat" cmpd="sng" algn="ctr">
+                      <a:solidFill>
+                        <a:schemeClr val="bg1">
+                          <a:lumMod val="75000"/>
+                        </a:schemeClr>
+                      </a:solidFill>
+                      <a:prstDash val="solid"/>
+                      <a:round/>
+                      <a:headEnd type="none" w="med" len="med"/>
+                      <a:tailEnd type="none" w="med" len="med"/>
+                    </a:lnB>
+                    <a:noFill/>
+                  </a:tcPr>
+                </a:tc>
+                <a:extLst>
+                  <a:ext uri="{0D108BD9-81ED-4DB2-BD59-A6C34878D82A}">
+                    <a16:rowId xmlns:a16="http://schemas.microsoft.com/office/drawing/2014/main" val="3727530409"/>
+                  </a:ext>
+                </a:extLst>
+              </a:tr>
+              <a:tr h="370840">
+                <a:tc>
+                  <a:txBody>
+                    <a:bodyPr/>
+                    <a:lstStyle/>
+                    <a:p>
+                      <a:endParaRPr lang="en-HU" dirty="0"/>
+                    </a:p>
+                  </a:txBody>
+                  <a:tcPr>
+                    <a:lnL w="12700" cap="flat" cmpd="sng" algn="ctr">
+                      <a:solidFill>
+                        <a:schemeClr val="tx1"/>
+                      </a:solidFill>
+                      <a:prstDash val="solid"/>
+                      <a:round/>
+                      <a:headEnd type="none" w="med" len="med"/>
+                      <a:tailEnd type="none" w="med" len="med"/>
+                    </a:lnL>
+                    <a:lnR w="12700" cap="flat" cmpd="sng" algn="ctr">
+                      <a:solidFill>
+                        <a:schemeClr val="tx1"/>
+                      </a:solidFill>
+                      <a:prstDash val="solid"/>
+                      <a:round/>
+                      <a:headEnd type="none" w="med" len="med"/>
+                      <a:tailEnd type="none" w="med" len="med"/>
+                    </a:lnR>
+                    <a:lnT w="12700" cap="flat" cmpd="sng" algn="ctr">
+                      <a:solidFill>
+                        <a:schemeClr val="bg1">
+                          <a:lumMod val="75000"/>
+                        </a:schemeClr>
+                      </a:solidFill>
+                      <a:prstDash val="solid"/>
+                      <a:round/>
+                      <a:headEnd type="none" w="med" len="med"/>
+                      <a:tailEnd type="none" w="med" len="med"/>
+                    </a:lnT>
+                    <a:lnB w="12700" cap="flat" cmpd="sng" algn="ctr">
+                      <a:solidFill>
+                        <a:schemeClr val="bg1">
+                          <a:lumMod val="75000"/>
+                        </a:schemeClr>
+                      </a:solidFill>
+                      <a:prstDash val="solid"/>
+                      <a:round/>
+                      <a:headEnd type="none" w="med" len="med"/>
+                      <a:tailEnd type="none" w="med" len="med"/>
+                    </a:lnB>
+                    <a:noFill/>
+                  </a:tcPr>
+                </a:tc>
+                <a:extLst>
+                  <a:ext uri="{0D108BD9-81ED-4DB2-BD59-A6C34878D82A}">
+                    <a16:rowId xmlns:a16="http://schemas.microsoft.com/office/drawing/2014/main" val="2594940614"/>
+                  </a:ext>
+                </a:extLst>
+              </a:tr>
+              <a:tr h="370840">
+                <a:tc>
+                  <a:txBody>
+                    <a:bodyPr/>
+                    <a:lstStyle/>
+                    <a:p>
+                      <a:endParaRPr lang="en-HU" dirty="0"/>
+                    </a:p>
+                  </a:txBody>
+                  <a:tcPr>
+                    <a:lnL w="12700" cap="flat" cmpd="sng" algn="ctr">
+                      <a:solidFill>
+                        <a:schemeClr val="tx1"/>
+                      </a:solidFill>
+                      <a:prstDash val="solid"/>
+                      <a:round/>
+                      <a:headEnd type="none" w="med" len="med"/>
+                      <a:tailEnd type="none" w="med" len="med"/>
+                    </a:lnL>
+                    <a:lnR w="12700" cap="flat" cmpd="sng" algn="ctr">
+                      <a:solidFill>
+                        <a:schemeClr val="tx1"/>
+                      </a:solidFill>
+                      <a:prstDash val="solid"/>
+                      <a:round/>
+                      <a:headEnd type="none" w="med" len="med"/>
+                      <a:tailEnd type="none" w="med" len="med"/>
+                    </a:lnR>
+                    <a:lnT w="12700" cap="flat" cmpd="sng" algn="ctr">
+                      <a:solidFill>
+                        <a:schemeClr val="bg1">
+                          <a:lumMod val="75000"/>
+                        </a:schemeClr>
+                      </a:solidFill>
+                      <a:prstDash val="solid"/>
+                      <a:round/>
+                      <a:headEnd type="none" w="med" len="med"/>
+                      <a:tailEnd type="none" w="med" len="med"/>
+                    </a:lnT>
+                    <a:lnB w="12700" cap="flat" cmpd="sng" algn="ctr">
+                      <a:solidFill>
+                        <a:schemeClr val="bg1">
+                          <a:lumMod val="75000"/>
+                        </a:schemeClr>
+                      </a:solidFill>
+                      <a:prstDash val="solid"/>
+                      <a:round/>
+                      <a:headEnd type="none" w="med" len="med"/>
+                      <a:tailEnd type="none" w="med" len="med"/>
+                    </a:lnB>
+                    <a:noFill/>
+                  </a:tcPr>
+                </a:tc>
+                <a:extLst>
+                  <a:ext uri="{0D108BD9-81ED-4DB2-BD59-A6C34878D82A}">
+                    <a16:rowId xmlns:a16="http://schemas.microsoft.com/office/drawing/2014/main" val="1086760024"/>
+                  </a:ext>
+                </a:extLst>
+              </a:tr>
+              <a:tr h="370840">
+                <a:tc>
+                  <a:txBody>
+                    <a:bodyPr/>
+                    <a:lstStyle/>
+                    <a:p>
+                      <a:endParaRPr lang="en-HU" dirty="0"/>
+                    </a:p>
+                  </a:txBody>
+                  <a:tcPr>
+                    <a:lnL w="12700" cap="flat" cmpd="sng" algn="ctr">
+                      <a:solidFill>
+                        <a:schemeClr val="tx1"/>
+                      </a:solidFill>
+                      <a:prstDash val="solid"/>
+                      <a:round/>
+                      <a:headEnd type="none" w="med" len="med"/>
+                      <a:tailEnd type="none" w="med" len="med"/>
+                    </a:lnL>
+                    <a:lnR w="12700" cap="flat" cmpd="sng" algn="ctr">
+                      <a:solidFill>
+                        <a:schemeClr val="tx1"/>
+                      </a:solidFill>
+                      <a:prstDash val="solid"/>
+                      <a:round/>
+                      <a:headEnd type="none" w="med" len="med"/>
+                      <a:tailEnd type="none" w="med" len="med"/>
+                    </a:lnR>
+                    <a:lnT w="12700" cap="flat" cmpd="sng" algn="ctr">
+                      <a:solidFill>
+                        <a:schemeClr val="bg1">
+                          <a:lumMod val="75000"/>
+                        </a:schemeClr>
+                      </a:solidFill>
+                      <a:prstDash val="solid"/>
+                      <a:round/>
+                      <a:headEnd type="none" w="med" len="med"/>
+                      <a:tailEnd type="none" w="med" len="med"/>
+                    </a:lnT>
+                    <a:lnB w="12700" cap="flat" cmpd="sng" algn="ctr">
+                      <a:solidFill>
+                        <a:schemeClr val="bg1">
+                          <a:lumMod val="75000"/>
+                        </a:schemeClr>
+                      </a:solidFill>
+                      <a:prstDash val="solid"/>
+                      <a:round/>
+                      <a:headEnd type="none" w="med" len="med"/>
+                      <a:tailEnd type="none" w="med" len="med"/>
+                    </a:lnB>
+                    <a:noFill/>
+                  </a:tcPr>
+                </a:tc>
+                <a:extLst>
+                  <a:ext uri="{0D108BD9-81ED-4DB2-BD59-A6C34878D82A}">
+                    <a16:rowId xmlns:a16="http://schemas.microsoft.com/office/drawing/2014/main" val="1624044092"/>
+                  </a:ext>
+                </a:extLst>
+              </a:tr>
+              <a:tr h="370840">
+                <a:tc>
+                  <a:txBody>
+                    <a:bodyPr/>
+                    <a:lstStyle/>
+                    <a:p>
+                      <a:endParaRPr lang="en-HU" dirty="0"/>
+                    </a:p>
+                  </a:txBody>
+                  <a:tcPr>
+                    <a:lnL w="12700" cap="flat" cmpd="sng" algn="ctr">
+                      <a:solidFill>
+                        <a:schemeClr val="tx1"/>
+                      </a:solidFill>
+                      <a:prstDash val="solid"/>
+                      <a:round/>
+                      <a:headEnd type="none" w="med" len="med"/>
+                      <a:tailEnd type="none" w="med" len="med"/>
+                    </a:lnL>
+                    <a:lnR w="12700" cap="flat" cmpd="sng" algn="ctr">
+                      <a:solidFill>
+                        <a:schemeClr val="tx1"/>
+                      </a:solidFill>
+                      <a:prstDash val="solid"/>
+                      <a:round/>
+                      <a:headEnd type="none" w="med" len="med"/>
+                      <a:tailEnd type="none" w="med" len="med"/>
+                    </a:lnR>
+                    <a:lnT w="12700" cap="flat" cmpd="sng" algn="ctr">
+                      <a:solidFill>
+                        <a:schemeClr val="bg1">
+                          <a:lumMod val="75000"/>
+                        </a:schemeClr>
+                      </a:solidFill>
+                      <a:prstDash val="solid"/>
+                      <a:round/>
+                      <a:headEnd type="none" w="med" len="med"/>
+                      <a:tailEnd type="none" w="med" len="med"/>
+                    </a:lnT>
+                    <a:lnB w="12700" cap="flat" cmpd="sng" algn="ctr">
+                      <a:solidFill>
+                        <a:schemeClr val="bg1">
+                          <a:lumMod val="75000"/>
+                        </a:schemeClr>
+                      </a:solidFill>
+                      <a:prstDash val="solid"/>
+                      <a:round/>
+                      <a:headEnd type="none" w="med" len="med"/>
+                      <a:tailEnd type="none" w="med" len="med"/>
+                    </a:lnB>
+                    <a:noFill/>
+                  </a:tcPr>
+                </a:tc>
+                <a:extLst>
+                  <a:ext uri="{0D108BD9-81ED-4DB2-BD59-A6C34878D82A}">
+                    <a16:rowId xmlns:a16="http://schemas.microsoft.com/office/drawing/2014/main" val="3157140824"/>
+                  </a:ext>
+                </a:extLst>
+              </a:tr>
+              <a:tr h="370840">
+                <a:tc>
+                  <a:txBody>
+                    <a:bodyPr/>
+                    <a:lstStyle/>
+                    <a:p>
+                      <a:endParaRPr lang="en-HU" dirty="0"/>
+                    </a:p>
+                  </a:txBody>
+                  <a:tcPr>
+                    <a:lnL w="12700" cap="flat" cmpd="sng" algn="ctr">
+                      <a:solidFill>
+                        <a:schemeClr val="tx1"/>
+                      </a:solidFill>
+                      <a:prstDash val="solid"/>
+                      <a:round/>
+                      <a:headEnd type="none" w="med" len="med"/>
+                      <a:tailEnd type="none" w="med" len="med"/>
+                    </a:lnL>
+                    <a:lnR w="12700" cap="flat" cmpd="sng" algn="ctr">
+                      <a:solidFill>
+                        <a:schemeClr val="tx1"/>
+                      </a:solidFill>
+                      <a:prstDash val="solid"/>
+                      <a:round/>
+                      <a:headEnd type="none" w="med" len="med"/>
+                      <a:tailEnd type="none" w="med" len="med"/>
+                    </a:lnR>
+                    <a:lnT w="12700" cap="flat" cmpd="sng" algn="ctr">
+                      <a:solidFill>
+                        <a:schemeClr val="bg1">
+                          <a:lumMod val="75000"/>
+                        </a:schemeClr>
+                      </a:solidFill>
+                      <a:prstDash val="solid"/>
+                      <a:round/>
+                      <a:headEnd type="none" w="med" len="med"/>
+                      <a:tailEnd type="none" w="med" len="med"/>
+                    </a:lnT>
+                    <a:lnB w="12700" cap="flat" cmpd="sng" algn="ctr">
+                      <a:solidFill>
+                        <a:schemeClr val="bg1">
+                          <a:lumMod val="75000"/>
+                        </a:schemeClr>
+                      </a:solidFill>
+                      <a:prstDash val="solid"/>
+                      <a:round/>
+                      <a:headEnd type="none" w="med" len="med"/>
+                      <a:tailEnd type="none" w="med" len="med"/>
+                    </a:lnB>
+                    <a:noFill/>
+                  </a:tcPr>
+                </a:tc>
+                <a:extLst>
+                  <a:ext uri="{0D108BD9-81ED-4DB2-BD59-A6C34878D82A}">
+                    <a16:rowId xmlns:a16="http://schemas.microsoft.com/office/drawing/2014/main" val="2571640125"/>
+                  </a:ext>
+                </a:extLst>
+              </a:tr>
+              <a:tr h="370840">
+                <a:tc>
+                  <a:txBody>
+                    <a:bodyPr/>
+                    <a:lstStyle/>
+                    <a:p>
+                      <a:endParaRPr lang="en-HU" dirty="0"/>
+                    </a:p>
+                  </a:txBody>
+                  <a:tcPr>
+                    <a:lnL w="12700" cap="flat" cmpd="sng" algn="ctr">
+                      <a:solidFill>
+                        <a:schemeClr val="tx1"/>
+                      </a:solidFill>
+                      <a:prstDash val="solid"/>
+                      <a:round/>
+                      <a:headEnd type="none" w="med" len="med"/>
+                      <a:tailEnd type="none" w="med" len="med"/>
+                    </a:lnL>
+                    <a:lnR w="12700" cap="flat" cmpd="sng" algn="ctr">
+                      <a:solidFill>
+                        <a:schemeClr val="tx1"/>
+                      </a:solidFill>
+                      <a:prstDash val="solid"/>
+                      <a:round/>
+                      <a:headEnd type="none" w="med" len="med"/>
+                      <a:tailEnd type="none" w="med" len="med"/>
+                    </a:lnR>
+                    <a:lnT w="12700" cap="flat" cmpd="sng" algn="ctr">
+                      <a:solidFill>
+                        <a:schemeClr val="bg1">
+                          <a:lumMod val="75000"/>
+                        </a:schemeClr>
+                      </a:solidFill>
+                      <a:prstDash val="solid"/>
+                      <a:round/>
+                      <a:headEnd type="none" w="med" len="med"/>
+                      <a:tailEnd type="none" w="med" len="med"/>
+                    </a:lnT>
+                    <a:lnB w="12700" cap="flat" cmpd="sng" algn="ctr">
+                      <a:solidFill>
+                        <a:schemeClr val="bg1">
+                          <a:lumMod val="75000"/>
+                        </a:schemeClr>
+                      </a:solidFill>
+                      <a:prstDash val="solid"/>
+                      <a:round/>
+                      <a:headEnd type="none" w="med" len="med"/>
+                      <a:tailEnd type="none" w="med" len="med"/>
+                    </a:lnB>
+                    <a:noFill/>
+                  </a:tcPr>
+                </a:tc>
+                <a:extLst>
+                  <a:ext uri="{0D108BD9-81ED-4DB2-BD59-A6C34878D82A}">
+                    <a16:rowId xmlns:a16="http://schemas.microsoft.com/office/drawing/2014/main" val="2581559733"/>
+                  </a:ext>
+                </a:extLst>
+              </a:tr>
+              <a:tr h="370840">
+                <a:tc>
+                  <a:txBody>
+                    <a:bodyPr/>
+                    <a:lstStyle/>
+                    <a:p>
+                      <a:endParaRPr lang="en-HU" dirty="0"/>
+                    </a:p>
+                  </a:txBody>
+                  <a:tcPr>
+                    <a:lnL w="12700" cap="flat" cmpd="sng" algn="ctr">
+                      <a:solidFill>
+                        <a:schemeClr val="tx1"/>
+                      </a:solidFill>
+                      <a:prstDash val="solid"/>
+                      <a:round/>
+                      <a:headEnd type="none" w="med" len="med"/>
+                      <a:tailEnd type="none" w="med" len="med"/>
+                    </a:lnL>
+                    <a:lnR w="12700" cap="flat" cmpd="sng" algn="ctr">
+                      <a:solidFill>
+                        <a:schemeClr val="tx1"/>
+                      </a:solidFill>
+                      <a:prstDash val="solid"/>
+                      <a:round/>
+                      <a:headEnd type="none" w="med" len="med"/>
+                      <a:tailEnd type="none" w="med" len="med"/>
+                    </a:lnR>
+                    <a:lnT w="12700" cap="flat" cmpd="sng" algn="ctr">
+                      <a:solidFill>
+                        <a:schemeClr val="bg1">
+                          <a:lumMod val="75000"/>
+                        </a:schemeClr>
+                      </a:solidFill>
+                      <a:prstDash val="solid"/>
+                      <a:round/>
+                      <a:headEnd type="none" w="med" len="med"/>
+                      <a:tailEnd type="none" w="med" len="med"/>
+                    </a:lnT>
+                    <a:lnB w="12700" cap="flat" cmpd="sng" algn="ctr">
+                      <a:solidFill>
+                        <a:schemeClr val="bg1">
+                          <a:lumMod val="75000"/>
+                        </a:schemeClr>
+                      </a:solidFill>
+                      <a:prstDash val="solid"/>
+                      <a:round/>
+                      <a:headEnd type="none" w="med" len="med"/>
+                      <a:tailEnd type="none" w="med" len="med"/>
+                    </a:lnB>
+                    <a:noFill/>
+                  </a:tcPr>
+                </a:tc>
+                <a:extLst>
+                  <a:ext uri="{0D108BD9-81ED-4DB2-BD59-A6C34878D82A}">
+                    <a16:rowId xmlns:a16="http://schemas.microsoft.com/office/drawing/2014/main" val="2782129052"/>
+                  </a:ext>
+                </a:extLst>
+              </a:tr>
+              <a:tr h="370840">
+                <a:tc>
+                  <a:txBody>
+                    <a:bodyPr/>
+                    <a:lstStyle/>
+                    <a:p>
+                      <a:endParaRPr lang="en-HU" dirty="0"/>
+                    </a:p>
+                  </a:txBody>
+                  <a:tcPr>
+                    <a:lnL w="12700" cap="flat" cmpd="sng" algn="ctr">
+                      <a:solidFill>
+                        <a:schemeClr val="tx1"/>
+                      </a:solidFill>
+                      <a:prstDash val="solid"/>
+                      <a:round/>
+                      <a:headEnd type="none" w="med" len="med"/>
+                      <a:tailEnd type="none" w="med" len="med"/>
+                    </a:lnL>
+                    <a:lnR w="12700" cap="flat" cmpd="sng" algn="ctr">
+                      <a:solidFill>
+                        <a:schemeClr val="tx1"/>
+                      </a:solidFill>
+                      <a:prstDash val="solid"/>
+                      <a:round/>
+                      <a:headEnd type="none" w="med" len="med"/>
+                      <a:tailEnd type="none" w="med" len="med"/>
+                    </a:lnR>
+                    <a:lnT w="12700" cap="flat" cmpd="sng" algn="ctr">
+                      <a:solidFill>
+                        <a:schemeClr val="bg1">
+                          <a:lumMod val="75000"/>
+                        </a:schemeClr>
+                      </a:solidFill>
+                      <a:prstDash val="solid"/>
+                      <a:round/>
+                      <a:headEnd type="none" w="med" len="med"/>
+                      <a:tailEnd type="none" w="med" len="med"/>
+                    </a:lnT>
+                    <a:lnB w="12700" cap="flat" cmpd="sng" algn="ctr">
+                      <a:solidFill>
+                        <a:schemeClr val="bg1">
+                          <a:lumMod val="75000"/>
+                        </a:schemeClr>
+                      </a:solidFill>
+                      <a:prstDash val="solid"/>
+                      <a:round/>
+                      <a:headEnd type="none" w="med" len="med"/>
+                      <a:tailEnd type="none" w="med" len="med"/>
+                    </a:lnB>
+                    <a:noFill/>
+                  </a:tcPr>
+                </a:tc>
+                <a:extLst>
+                  <a:ext uri="{0D108BD9-81ED-4DB2-BD59-A6C34878D82A}">
+                    <a16:rowId xmlns:a16="http://schemas.microsoft.com/office/drawing/2014/main" val="710579752"/>
+                  </a:ext>
+                </a:extLst>
+              </a:tr>
+              <a:tr h="370840">
+                <a:tc>
+                  <a:txBody>
+                    <a:bodyPr/>
+                    <a:lstStyle/>
+                    <a:p>
+                      <a:endParaRPr lang="en-HU" dirty="0"/>
+                    </a:p>
+                  </a:txBody>
+                  <a:tcPr>
+                    <a:lnL w="12700" cap="flat" cmpd="sng" algn="ctr">
+                      <a:solidFill>
+                        <a:schemeClr val="tx1"/>
+                      </a:solidFill>
+                      <a:prstDash val="solid"/>
+                      <a:round/>
+                      <a:headEnd type="none" w="med" len="med"/>
+                      <a:tailEnd type="none" w="med" len="med"/>
+                    </a:lnL>
+                    <a:lnR w="12700" cap="flat" cmpd="sng" algn="ctr">
+                      <a:solidFill>
+                        <a:schemeClr val="tx1"/>
+                      </a:solidFill>
+                      <a:prstDash val="solid"/>
+                      <a:round/>
+                      <a:headEnd type="none" w="med" len="med"/>
+                      <a:tailEnd type="none" w="med" len="med"/>
+                    </a:lnR>
+                    <a:lnT w="12700" cap="flat" cmpd="sng" algn="ctr">
+                      <a:solidFill>
+                        <a:schemeClr val="bg1">
+                          <a:lumMod val="75000"/>
+                        </a:schemeClr>
+                      </a:solidFill>
+                      <a:prstDash val="solid"/>
+                      <a:round/>
+                      <a:headEnd type="none" w="med" len="med"/>
+                      <a:tailEnd type="none" w="med" len="med"/>
+                    </a:lnT>
+                    <a:lnB w="12700" cap="flat" cmpd="sng" algn="ctr">
+                      <a:solidFill>
+                        <a:schemeClr val="bg1">
+                          <a:lumMod val="75000"/>
+                        </a:schemeClr>
+                      </a:solidFill>
+                      <a:prstDash val="solid"/>
+                      <a:round/>
+                      <a:headEnd type="none" w="med" len="med"/>
+                      <a:tailEnd type="none" w="med" len="med"/>
+                    </a:lnB>
+                    <a:noFill/>
+                  </a:tcPr>
+                </a:tc>
+                <a:extLst>
+                  <a:ext uri="{0D108BD9-81ED-4DB2-BD59-A6C34878D82A}">
+                    <a16:rowId xmlns:a16="http://schemas.microsoft.com/office/drawing/2014/main" val="3099968546"/>
+                  </a:ext>
+                </a:extLst>
+              </a:tr>
+              <a:tr h="370840">
+                <a:tc>
+                  <a:txBody>
+                    <a:bodyPr/>
+                    <a:lstStyle/>
+                    <a:p>
+                      <a:endParaRPr lang="en-HU" dirty="0"/>
+                    </a:p>
+                  </a:txBody>
+                  <a:tcPr>
+                    <a:lnL w="12700" cap="flat" cmpd="sng" algn="ctr">
+                      <a:solidFill>
+                        <a:schemeClr val="tx1"/>
+                      </a:solidFill>
+                      <a:prstDash val="solid"/>
+                      <a:round/>
+                      <a:headEnd type="none" w="med" len="med"/>
+                      <a:tailEnd type="none" w="med" len="med"/>
+                    </a:lnL>
+                    <a:lnR w="12700" cap="flat" cmpd="sng" algn="ctr">
+                      <a:solidFill>
+                        <a:schemeClr val="tx1"/>
+                      </a:solidFill>
+                      <a:prstDash val="solid"/>
+                      <a:round/>
+                      <a:headEnd type="none" w="med" len="med"/>
+                      <a:tailEnd type="none" w="med" len="med"/>
+                    </a:lnR>
+                    <a:lnT w="12700" cap="flat" cmpd="sng" algn="ctr">
+                      <a:solidFill>
+                        <a:schemeClr val="bg1">
+                          <a:lumMod val="75000"/>
+                        </a:schemeClr>
+                      </a:solidFill>
+                      <a:prstDash val="solid"/>
+                      <a:round/>
+                      <a:headEnd type="none" w="med" len="med"/>
+                      <a:tailEnd type="none" w="med" len="med"/>
+                    </a:lnT>
+                    <a:lnB w="12700" cap="flat" cmpd="sng" algn="ctr">
+                      <a:solidFill>
+                        <a:schemeClr val="bg1">
+                          <a:lumMod val="75000"/>
+                        </a:schemeClr>
+                      </a:solidFill>
+                      <a:prstDash val="solid"/>
+                      <a:round/>
+                      <a:headEnd type="none" w="med" len="med"/>
+                      <a:tailEnd type="none" w="med" len="med"/>
+                    </a:lnB>
+                    <a:noFill/>
+                  </a:tcPr>
+                </a:tc>
+                <a:extLst>
+                  <a:ext uri="{0D108BD9-81ED-4DB2-BD59-A6C34878D82A}">
+                    <a16:rowId xmlns:a16="http://schemas.microsoft.com/office/drawing/2014/main" val="3174035507"/>
+                  </a:ext>
+                </a:extLst>
+              </a:tr>
+              <a:tr h="370840">
+                <a:tc>
+                  <a:txBody>
+                    <a:bodyPr/>
+                    <a:lstStyle/>
+                    <a:p>
+                      <a:endParaRPr lang="en-HU" dirty="0"/>
+                    </a:p>
+                  </a:txBody>
+                  <a:tcPr>
+                    <a:lnL w="12700" cap="flat" cmpd="sng" algn="ctr">
+                      <a:solidFill>
+                        <a:schemeClr val="tx1"/>
+                      </a:solidFill>
+                      <a:prstDash val="solid"/>
+                      <a:round/>
+                      <a:headEnd type="none" w="med" len="med"/>
+                      <a:tailEnd type="none" w="med" len="med"/>
+                    </a:lnL>
+                    <a:lnR w="12700" cap="flat" cmpd="sng" algn="ctr">
+                      <a:solidFill>
+                        <a:schemeClr val="tx1"/>
+                      </a:solidFill>
+                      <a:prstDash val="solid"/>
+                      <a:round/>
+                      <a:headEnd type="none" w="med" len="med"/>
+                      <a:tailEnd type="none" w="med" len="med"/>
+                    </a:lnR>
+                    <a:lnT w="12700" cap="flat" cmpd="sng" algn="ctr">
+                      <a:solidFill>
+                        <a:schemeClr val="bg1">
+                          <a:lumMod val="75000"/>
+                        </a:schemeClr>
+                      </a:solidFill>
+                      <a:prstDash val="solid"/>
+                      <a:round/>
+                      <a:headEnd type="none" w="med" len="med"/>
+                      <a:tailEnd type="none" w="med" len="med"/>
+                    </a:lnT>
+                    <a:lnB w="12700" cap="flat" cmpd="sng" algn="ctr">
+                      <a:solidFill>
+                        <a:schemeClr val="bg1">
+                          <a:lumMod val="75000"/>
+                        </a:schemeClr>
+                      </a:solidFill>
+                      <a:prstDash val="solid"/>
+                      <a:round/>
+                      <a:headEnd type="none" w="med" len="med"/>
+                      <a:tailEnd type="none" w="med" len="med"/>
+                    </a:lnB>
+                    <a:noFill/>
+                  </a:tcPr>
+                </a:tc>
+                <a:extLst>
+                  <a:ext uri="{0D108BD9-81ED-4DB2-BD59-A6C34878D82A}">
+                    <a16:rowId xmlns:a16="http://schemas.microsoft.com/office/drawing/2014/main" val="3178519620"/>
+                  </a:ext>
+                </a:extLst>
+              </a:tr>
+              <a:tr h="370840">
+                <a:tc>
+                  <a:txBody>
+                    <a:bodyPr/>
+                    <a:lstStyle/>
+                    <a:p>
+                      <a:endParaRPr lang="en-HU" dirty="0"/>
+                    </a:p>
+                  </a:txBody>
+                  <a:tcPr>
+                    <a:lnL w="12700" cap="flat" cmpd="sng" algn="ctr">
+                      <a:solidFill>
+                        <a:schemeClr val="tx1"/>
+                      </a:solidFill>
+                      <a:prstDash val="solid"/>
+                      <a:round/>
+                      <a:headEnd type="none" w="med" len="med"/>
+                      <a:tailEnd type="none" w="med" len="med"/>
+                    </a:lnL>
+                    <a:lnR w="12700" cap="flat" cmpd="sng" algn="ctr">
+                      <a:solidFill>
+                        <a:schemeClr val="tx1"/>
+                      </a:solidFill>
+                      <a:prstDash val="solid"/>
+                      <a:round/>
+                      <a:headEnd type="none" w="med" len="med"/>
+                      <a:tailEnd type="none" w="med" len="med"/>
+                    </a:lnR>
+                    <a:lnT w="12700" cap="flat" cmpd="sng" algn="ctr">
+                      <a:solidFill>
+                        <a:schemeClr val="bg1">
+                          <a:lumMod val="75000"/>
+                        </a:schemeClr>
+                      </a:solidFill>
+                      <a:prstDash val="solid"/>
+                      <a:round/>
+                      <a:headEnd type="none" w="med" len="med"/>
+                      <a:tailEnd type="none" w="med" len="med"/>
+                    </a:lnT>
+                    <a:lnB w="12700" cap="flat" cmpd="sng" algn="ctr">
+                      <a:solidFill>
+                        <a:schemeClr val="bg1">
+                          <a:lumMod val="75000"/>
+                        </a:schemeClr>
+                      </a:solidFill>
+                      <a:prstDash val="solid"/>
+                      <a:round/>
+                      <a:headEnd type="none" w="med" len="med"/>
+                      <a:tailEnd type="none" w="med" len="med"/>
+                    </a:lnB>
+                    <a:noFill/>
+                  </a:tcPr>
+                </a:tc>
+                <a:extLst>
+                  <a:ext uri="{0D108BD9-81ED-4DB2-BD59-A6C34878D82A}">
+                    <a16:rowId xmlns:a16="http://schemas.microsoft.com/office/drawing/2014/main" val="92373101"/>
+                  </a:ext>
+                </a:extLst>
+              </a:tr>
+              <a:tr h="370840">
+                <a:tc>
+                  <a:txBody>
+                    <a:bodyPr/>
+                    <a:lstStyle/>
+                    <a:p>
+                      <a:endParaRPr lang="en-HU" dirty="0"/>
+                    </a:p>
+                  </a:txBody>
+                  <a:tcPr>
+                    <a:lnL w="12700" cap="flat" cmpd="sng" algn="ctr">
+                      <a:solidFill>
+                        <a:schemeClr val="tx1"/>
+                      </a:solidFill>
+                      <a:prstDash val="solid"/>
+                      <a:round/>
+                      <a:headEnd type="none" w="med" len="med"/>
+                      <a:tailEnd type="none" w="med" len="med"/>
+                    </a:lnL>
+                    <a:lnR w="12700" cap="flat" cmpd="sng" algn="ctr">
+                      <a:solidFill>
+                        <a:schemeClr val="tx1"/>
+                      </a:solidFill>
+                      <a:prstDash val="solid"/>
+                      <a:round/>
+                      <a:headEnd type="none" w="med" len="med"/>
+                      <a:tailEnd type="none" w="med" len="med"/>
+                    </a:lnR>
+                    <a:lnT w="12700" cap="flat" cmpd="sng" algn="ctr">
+                      <a:solidFill>
+                        <a:schemeClr val="bg1">
+                          <a:lumMod val="75000"/>
+                        </a:schemeClr>
+                      </a:solidFill>
+                      <a:prstDash val="solid"/>
+                      <a:round/>
+                      <a:headEnd type="none" w="med" len="med"/>
+                      <a:tailEnd type="none" w="med" len="med"/>
+                    </a:lnT>
+                    <a:lnB w="12700" cap="flat" cmpd="sng" algn="ctr">
+                      <a:solidFill>
+                        <a:schemeClr val="bg1">
+                          <a:lumMod val="75000"/>
+                        </a:schemeClr>
+                      </a:solidFill>
+                      <a:prstDash val="solid"/>
+                      <a:round/>
+                      <a:headEnd type="none" w="med" len="med"/>
+                      <a:tailEnd type="none" w="med" len="med"/>
+                    </a:lnB>
+                    <a:noFill/>
+                  </a:tcPr>
+                </a:tc>
+                <a:extLst>
+                  <a:ext uri="{0D108BD9-81ED-4DB2-BD59-A6C34878D82A}">
+                    <a16:rowId xmlns:a16="http://schemas.microsoft.com/office/drawing/2014/main" val="1357981405"/>
+                  </a:ext>
+                </a:extLst>
+              </a:tr>
+              <a:tr h="370840">
+                <a:tc>
+                  <a:txBody>
+                    <a:bodyPr/>
+                    <a:lstStyle/>
+                    <a:p>
+                      <a:endParaRPr lang="en-HU" dirty="0"/>
+                    </a:p>
+                  </a:txBody>
+                  <a:tcPr>
+                    <a:lnL w="12700" cap="flat" cmpd="sng" algn="ctr">
+                      <a:solidFill>
+                        <a:schemeClr val="tx1"/>
+                      </a:solidFill>
+                      <a:prstDash val="solid"/>
+                      <a:round/>
+                      <a:headEnd type="none" w="med" len="med"/>
+                      <a:tailEnd type="none" w="med" len="med"/>
+                    </a:lnL>
+                    <a:lnR w="12700" cap="flat" cmpd="sng" algn="ctr">
+                      <a:solidFill>
+                        <a:schemeClr val="tx1"/>
+                      </a:solidFill>
+                      <a:prstDash val="solid"/>
+                      <a:round/>
+                      <a:headEnd type="none" w="med" len="med"/>
+                      <a:tailEnd type="none" w="med" len="med"/>
+                    </a:lnR>
+                    <a:lnT w="12700" cap="flat" cmpd="sng" algn="ctr">
+                      <a:solidFill>
+                        <a:schemeClr val="bg1">
+                          <a:lumMod val="75000"/>
+                        </a:schemeClr>
+                      </a:solidFill>
+                      <a:prstDash val="solid"/>
+                      <a:round/>
+                      <a:headEnd type="none" w="med" len="med"/>
+                      <a:tailEnd type="none" w="med" len="med"/>
+                    </a:lnT>
+                    <a:lnB w="12700" cap="flat" cmpd="sng" algn="ctr">
+                      <a:solidFill>
+                        <a:schemeClr val="bg1">
+                          <a:lumMod val="75000"/>
+                        </a:schemeClr>
+                      </a:solidFill>
+                      <a:prstDash val="solid"/>
+                      <a:round/>
+                      <a:headEnd type="none" w="med" len="med"/>
+                      <a:tailEnd type="none" w="med" len="med"/>
+                    </a:lnB>
+                    <a:noFill/>
+                  </a:tcPr>
+                </a:tc>
+                <a:extLst>
+                  <a:ext uri="{0D108BD9-81ED-4DB2-BD59-A6C34878D82A}">
+                    <a16:rowId xmlns:a16="http://schemas.microsoft.com/office/drawing/2014/main" val="680728552"/>
+                  </a:ext>
+                </a:extLst>
+              </a:tr>
+              <a:tr h="370840">
+                <a:tc>
+                  <a:txBody>
+                    <a:bodyPr/>
+                    <a:lstStyle/>
+                    <a:p>
+                      <a:endParaRPr lang="en-HU" dirty="0"/>
+                    </a:p>
+                  </a:txBody>
+                  <a:tcPr>
+                    <a:lnL w="12700" cap="flat" cmpd="sng" algn="ctr">
+                      <a:solidFill>
+                        <a:schemeClr val="tx1"/>
+                      </a:solidFill>
+                      <a:prstDash val="solid"/>
+                      <a:round/>
+                      <a:headEnd type="none" w="med" len="med"/>
+                      <a:tailEnd type="none" w="med" len="med"/>
+                    </a:lnL>
+                    <a:lnR w="12700" cap="flat" cmpd="sng" algn="ctr">
+                      <a:solidFill>
+                        <a:schemeClr val="tx1"/>
+                      </a:solidFill>
+                      <a:prstDash val="solid"/>
+                      <a:round/>
+                      <a:headEnd type="none" w="med" len="med"/>
+                      <a:tailEnd type="none" w="med" len="med"/>
+                    </a:lnR>
+                    <a:lnT w="12700" cap="flat" cmpd="sng" algn="ctr">
+                      <a:solidFill>
+                        <a:schemeClr val="bg1">
+                          <a:lumMod val="75000"/>
+                        </a:schemeClr>
+                      </a:solidFill>
+                      <a:prstDash val="solid"/>
+                      <a:round/>
+                      <a:headEnd type="none" w="med" len="med"/>
+                      <a:tailEnd type="none" w="med" len="med"/>
+                    </a:lnT>
+                    <a:lnB w="12700" cap="flat" cmpd="sng" algn="ctr">
+                      <a:solidFill>
+                        <a:schemeClr val="tx1"/>
+                      </a:solidFill>
+                      <a:prstDash val="solid"/>
+                      <a:round/>
+                      <a:headEnd type="none" w="med" len="med"/>
+                      <a:tailEnd type="none" w="med" len="med"/>
+                    </a:lnB>
+                    <a:noFill/>
+                  </a:tcPr>
+                </a:tc>
+                <a:extLst>
+                  <a:ext uri="{0D108BD9-81ED-4DB2-BD59-A6C34878D82A}">
+                    <a16:rowId xmlns:a16="http://schemas.microsoft.com/office/drawing/2014/main" val="408820888"/>
+                  </a:ext>
+                </a:extLst>
+              </a:tr>
+            </a:tbl>
+          </a:graphicData>
+        </a:graphic>
+      </p:graphicFrame>
+      <p:sp>
+        <p:nvSpPr>
+          <p:cNvPr id="2" name="Title 1">
+            <a:extLst>
+              <a:ext uri="{FF2B5EF4-FFF2-40B4-BE49-F238E27FC236}">
+                <a16:creationId xmlns:a16="http://schemas.microsoft.com/office/drawing/2014/main" id="{8994F8C8-26A8-AC0E-F6CC-BC9D61E02A34}"/>
+              </a:ext>
+            </a:extLst>
+          </p:cNvPr>
+          <p:cNvSpPr>
+            <a:spLocks noGrp="1"/>
+          </p:cNvSpPr>
+          <p:nvPr>
+            <p:ph type="title"/>
+          </p:nvPr>
+        </p:nvSpPr>
+        <p:spPr>
+          <a:xfrm>
+            <a:off x="519504" y="-48765"/>
+            <a:ext cx="4881265" cy="617034"/>
+          </a:xfrm>
+          <a:prstGeom prst="rect">
+            <a:avLst/>
+          </a:prstGeom>
+        </p:spPr>
+        <p:txBody>
+          <a:bodyPr/>
+          <a:lstStyle/>
+          <a:p>
+            <a:r>
+              <a:rPr lang="hu-HU" dirty="0"/>
+              <a:t>Heti feladatok</a:t>
+            </a:r>
+          </a:p>
+        </p:txBody>
+      </p:sp>
+      <p:graphicFrame>
+        <p:nvGraphicFramePr>
+          <p:cNvPr id="4" name="Table 4">
+            <a:extLst>
+              <a:ext uri="{FF2B5EF4-FFF2-40B4-BE49-F238E27FC236}">
+                <a16:creationId xmlns:a16="http://schemas.microsoft.com/office/drawing/2014/main" id="{179A48EE-BA02-4806-9F9B-6D912C81E640}"/>
+              </a:ext>
+            </a:extLst>
+          </p:cNvPr>
+          <p:cNvGraphicFramePr>
+            <a:graphicFrameLocks noGrp="1"/>
+          </p:cNvGraphicFramePr>
+          <p:nvPr>
+            <p:extLst>
+              <p:ext uri="{D42A27DB-BD31-4B8C-83A1-F6EECF244321}">
+                <p14:modId xmlns:p14="http://schemas.microsoft.com/office/powerpoint/2010/main" val="178743630"/>
+              </p:ext>
+            </p:extLst>
+          </p:nvPr>
+        </p:nvGraphicFramePr>
+        <p:xfrm>
+          <a:off x="64094" y="582898"/>
+          <a:ext cx="5546462" cy="6911764"/>
+        </p:xfrm>
+        <a:graphic>
+          <a:graphicData uri="http://schemas.openxmlformats.org/drawingml/2006/table">
+            <a:tbl>
+              <a:tblPr firstRow="1" bandRow="1">
+                <a:tableStyleId>{5C22544A-7EE6-4342-B048-85BDC9FD1C3A}</a:tableStyleId>
+              </a:tblPr>
+              <a:tblGrid>
+                <a:gridCol w="208280">
+                  <a:extLst>
+                    <a:ext uri="{9D8B030D-6E8A-4147-A177-3AD203B41FA5}">
+                      <a16:colId xmlns:a16="http://schemas.microsoft.com/office/drawing/2014/main" val="32090127"/>
+                    </a:ext>
+                  </a:extLst>
+                </a:gridCol>
+                <a:gridCol w="3196271">
+                  <a:extLst>
+                    <a:ext uri="{9D8B030D-6E8A-4147-A177-3AD203B41FA5}">
+                      <a16:colId xmlns:a16="http://schemas.microsoft.com/office/drawing/2014/main" val="1278284831"/>
+                    </a:ext>
+                  </a:extLst>
+                </a:gridCol>
+                <a:gridCol w="208280">
+                  <a:extLst>
+                    <a:ext uri="{9D8B030D-6E8A-4147-A177-3AD203B41FA5}">
+                      <a16:colId xmlns:a16="http://schemas.microsoft.com/office/drawing/2014/main" val="2673907331"/>
+                    </a:ext>
+                  </a:extLst>
+                </a:gridCol>
+                <a:gridCol w="208280">
+                  <a:extLst>
+                    <a:ext uri="{9D8B030D-6E8A-4147-A177-3AD203B41FA5}">
+                      <a16:colId xmlns:a16="http://schemas.microsoft.com/office/drawing/2014/main" val="2396367388"/>
+                    </a:ext>
+                  </a:extLst>
+                </a:gridCol>
+                <a:gridCol w="208280">
+                  <a:extLst>
+                    <a:ext uri="{9D8B030D-6E8A-4147-A177-3AD203B41FA5}">
+                      <a16:colId xmlns:a16="http://schemas.microsoft.com/office/drawing/2014/main" val="1789665046"/>
+                    </a:ext>
+                  </a:extLst>
+                </a:gridCol>
+                <a:gridCol w="208280">
+                  <a:extLst>
+                    <a:ext uri="{9D8B030D-6E8A-4147-A177-3AD203B41FA5}">
+                      <a16:colId xmlns:a16="http://schemas.microsoft.com/office/drawing/2014/main" val="2620862330"/>
+                    </a:ext>
+                  </a:extLst>
+                </a:gridCol>
+                <a:gridCol w="208280">
+                  <a:extLst>
+                    <a:ext uri="{9D8B030D-6E8A-4147-A177-3AD203B41FA5}">
+                      <a16:colId xmlns:a16="http://schemas.microsoft.com/office/drawing/2014/main" val="1657865901"/>
+                    </a:ext>
+                  </a:extLst>
+                </a:gridCol>
+                <a:gridCol w="208280">
+                  <a:extLst>
+                    <a:ext uri="{9D8B030D-6E8A-4147-A177-3AD203B41FA5}">
+                      <a16:colId xmlns:a16="http://schemas.microsoft.com/office/drawing/2014/main" val="3727116168"/>
+                    </a:ext>
+                  </a:extLst>
+                </a:gridCol>
+                <a:gridCol w="208280">
+                  <a:extLst>
+                    <a:ext uri="{9D8B030D-6E8A-4147-A177-3AD203B41FA5}">
+                      <a16:colId xmlns:a16="http://schemas.microsoft.com/office/drawing/2014/main" val="3560251892"/>
+                    </a:ext>
+                  </a:extLst>
+                </a:gridCol>
+                <a:gridCol w="683951">
+                  <a:extLst>
+                    <a:ext uri="{9D8B030D-6E8A-4147-A177-3AD203B41FA5}">
+                      <a16:colId xmlns:a16="http://schemas.microsoft.com/office/drawing/2014/main" val="3283273542"/>
+                    </a:ext>
+                  </a:extLst>
+                </a:gridCol>
+              </a:tblGrid>
+              <a:tr h="269687">
+                <a:tc>
+                  <a:txBody>
+                    <a:bodyPr/>
+                    <a:lstStyle/>
+                    <a:p>
+                      <a:pPr algn="ctr"/>
+                      <a:endParaRPr lang="hu-HU" dirty="0"/>
+                    </a:p>
+                  </a:txBody>
+                  <a:tcPr>
+                    <a:lnL w="12700" cap="flat" cmpd="sng" algn="ctr">
+                      <a:solidFill>
+                        <a:schemeClr val="tx1"/>
+                      </a:solidFill>
+                      <a:prstDash val="solid"/>
+                      <a:round/>
+                      <a:headEnd type="none" w="med" len="med"/>
+                      <a:tailEnd type="none" w="med" len="med"/>
+                    </a:lnL>
+                    <a:lnR w="12700" cap="flat" cmpd="sng" algn="ctr">
+                      <a:solidFill>
+                        <a:schemeClr val="tx1"/>
+                      </a:solidFill>
+                      <a:prstDash val="solid"/>
+                      <a:round/>
+                      <a:headEnd type="none" w="med" len="med"/>
+                      <a:tailEnd type="none" w="med" len="med"/>
+                    </a:lnR>
+                    <a:lnT w="12700" cap="flat" cmpd="sng" algn="ctr">
+                      <a:solidFill>
+                        <a:schemeClr val="tx1"/>
+                      </a:solidFill>
+                      <a:prstDash val="solid"/>
+                      <a:round/>
+                      <a:headEnd type="none" w="med" len="med"/>
+                      <a:tailEnd type="none" w="med" len="med"/>
+                    </a:lnT>
+                    <a:lnB w="12700" cap="flat" cmpd="sng" algn="ctr">
+                      <a:solidFill>
+                        <a:schemeClr val="tx1"/>
+                      </a:solidFill>
+                      <a:prstDash val="solid"/>
+                      <a:round/>
+                      <a:headEnd type="none" w="med" len="med"/>
+                      <a:tailEnd type="none" w="med" len="med"/>
+                    </a:lnB>
+                  </a:tcPr>
+                </a:tc>
+                <a:tc>
+                  <a:txBody>
+                    <a:bodyPr/>
+                    <a:lstStyle/>
+                    <a:p>
+                      <a:pPr algn="ctr"/>
+                      <a:r>
+                        <a:rPr lang="hu-HU" dirty="0"/>
+                        <a:t>Feladat</a:t>
+                      </a:r>
+                    </a:p>
+                  </a:txBody>
+                  <a:tcPr>
+                    <a:lnL w="12700" cap="flat" cmpd="sng" algn="ctr">
+                      <a:solidFill>
+                        <a:schemeClr val="tx1"/>
+                      </a:solidFill>
+                      <a:prstDash val="solid"/>
+                      <a:round/>
+                      <a:headEnd type="none" w="med" len="med"/>
+                      <a:tailEnd type="none" w="med" len="med"/>
+                    </a:lnL>
+                    <a:lnR w="12700" cap="flat" cmpd="sng" algn="ctr">
+                      <a:solidFill>
+                        <a:schemeClr val="tx1"/>
+                      </a:solidFill>
+                      <a:prstDash val="solid"/>
+                      <a:round/>
+                      <a:headEnd type="none" w="med" len="med"/>
+                      <a:tailEnd type="none" w="med" len="med"/>
+                    </a:lnR>
+                    <a:lnT w="12700" cap="flat" cmpd="sng" algn="ctr">
+                      <a:solidFill>
+                        <a:schemeClr val="tx1"/>
+                      </a:solidFill>
+                      <a:prstDash val="solid"/>
+                      <a:round/>
+                      <a:headEnd type="none" w="med" len="med"/>
+                      <a:tailEnd type="none" w="med" len="med"/>
+                    </a:lnT>
+                    <a:lnB w="12700" cap="flat" cmpd="sng" algn="ctr">
+                      <a:solidFill>
+                        <a:schemeClr val="tx1"/>
+                      </a:solidFill>
+                      <a:prstDash val="solid"/>
+                      <a:round/>
+                      <a:headEnd type="none" w="med" len="med"/>
+                      <a:tailEnd type="none" w="med" len="med"/>
+                    </a:lnB>
+                  </a:tcPr>
+                </a:tc>
+                <a:tc>
+                  <a:txBody>
+                    <a:bodyPr/>
+                    <a:lstStyle/>
+                    <a:p>
+                      <a:pPr algn="ctr"/>
+                      <a:r>
+                        <a:rPr lang="hu-HU" dirty="0"/>
+                        <a:t>H</a:t>
+                      </a:r>
+                    </a:p>
+                  </a:txBody>
+                  <a:tcPr>
+                    <a:lnL w="12700" cap="flat" cmpd="sng" algn="ctr">
+                      <a:solidFill>
+                        <a:schemeClr val="tx1"/>
+                      </a:solidFill>
+                      <a:prstDash val="solid"/>
+                      <a:round/>
+                      <a:headEnd type="none" w="med" len="med"/>
+                      <a:tailEnd type="none" w="med" len="med"/>
+                    </a:lnL>
+                    <a:lnR w="12700" cap="flat" cmpd="sng" algn="ctr">
+                      <a:solidFill>
+                        <a:schemeClr val="tx1"/>
+                      </a:solidFill>
+                      <a:prstDash val="solid"/>
+                      <a:round/>
+                      <a:headEnd type="none" w="med" len="med"/>
+                      <a:tailEnd type="none" w="med" len="med"/>
+                    </a:lnR>
+                    <a:lnT w="12700" cap="flat" cmpd="sng" algn="ctr">
+                      <a:solidFill>
+                        <a:schemeClr val="tx1"/>
+                      </a:solidFill>
+                      <a:prstDash val="solid"/>
+                      <a:round/>
+                      <a:headEnd type="none" w="med" len="med"/>
+                      <a:tailEnd type="none" w="med" len="med"/>
+                    </a:lnT>
+                    <a:lnB w="12700" cap="flat" cmpd="sng" algn="ctr">
+                      <a:solidFill>
+                        <a:schemeClr val="tx1"/>
+                      </a:solidFill>
+                      <a:prstDash val="solid"/>
+                      <a:round/>
+                      <a:headEnd type="none" w="med" len="med"/>
+                      <a:tailEnd type="none" w="med" len="med"/>
+                    </a:lnB>
+                  </a:tcPr>
+                </a:tc>
+                <a:tc>
+                  <a:txBody>
+                    <a:bodyPr/>
+                    <a:lstStyle/>
+                    <a:p>
+                      <a:pPr algn="ctr"/>
+                      <a:r>
+                        <a:rPr lang="hu-HU" dirty="0"/>
+                        <a:t>K</a:t>
+                      </a:r>
+                    </a:p>
+                  </a:txBody>
+                  <a:tcPr>
+                    <a:lnL w="12700" cap="flat" cmpd="sng" algn="ctr">
+                      <a:solidFill>
+                        <a:schemeClr val="tx1"/>
+                      </a:solidFill>
+                      <a:prstDash val="solid"/>
+                      <a:round/>
+                      <a:headEnd type="none" w="med" len="med"/>
+                      <a:tailEnd type="none" w="med" len="med"/>
+                    </a:lnL>
+                    <a:lnR w="12700" cap="flat" cmpd="sng" algn="ctr">
+                      <a:solidFill>
+                        <a:schemeClr val="tx1"/>
+                      </a:solidFill>
+                      <a:prstDash val="solid"/>
+                      <a:round/>
+                      <a:headEnd type="none" w="med" len="med"/>
+                      <a:tailEnd type="none" w="med" len="med"/>
+                    </a:lnR>
+                    <a:lnT w="12700" cap="flat" cmpd="sng" algn="ctr">
+                      <a:solidFill>
+                        <a:schemeClr val="tx1"/>
+                      </a:solidFill>
+                      <a:prstDash val="solid"/>
+                      <a:round/>
+                      <a:headEnd type="none" w="med" len="med"/>
+                      <a:tailEnd type="none" w="med" len="med"/>
+                    </a:lnT>
+                    <a:lnB w="12700" cap="flat" cmpd="sng" algn="ctr">
+                      <a:solidFill>
+                        <a:schemeClr val="tx1"/>
+                      </a:solidFill>
+                      <a:prstDash val="solid"/>
+                      <a:round/>
+                      <a:headEnd type="none" w="med" len="med"/>
+                      <a:tailEnd type="none" w="med" len="med"/>
+                    </a:lnB>
+                  </a:tcPr>
+                </a:tc>
+                <a:tc>
+                  <a:txBody>
+                    <a:bodyPr/>
+                    <a:lstStyle/>
+                    <a:p>
+                      <a:pPr algn="ctr"/>
+                      <a:r>
+                        <a:rPr lang="hu-HU" dirty="0"/>
+                        <a:t>S</a:t>
+                      </a:r>
+                    </a:p>
+                  </a:txBody>
+                  <a:tcPr>
+                    <a:lnL w="12700" cap="flat" cmpd="sng" algn="ctr">
+                      <a:solidFill>
+                        <a:schemeClr val="tx1"/>
+                      </a:solidFill>
+                      <a:prstDash val="solid"/>
+                      <a:round/>
+                      <a:headEnd type="none" w="med" len="med"/>
+                      <a:tailEnd type="none" w="med" len="med"/>
+                    </a:lnL>
+                    <a:lnR w="12700" cap="flat" cmpd="sng" algn="ctr">
+                      <a:solidFill>
+                        <a:schemeClr val="tx1"/>
+                      </a:solidFill>
+                      <a:prstDash val="solid"/>
+                      <a:round/>
+                      <a:headEnd type="none" w="med" len="med"/>
+                      <a:tailEnd type="none" w="med" len="med"/>
+                    </a:lnR>
+                    <a:lnT w="12700" cap="flat" cmpd="sng" algn="ctr">
+                      <a:solidFill>
+                        <a:schemeClr val="tx1"/>
+                      </a:solidFill>
+                      <a:prstDash val="solid"/>
+                      <a:round/>
+                      <a:headEnd type="none" w="med" len="med"/>
+                      <a:tailEnd type="none" w="med" len="med"/>
+                    </a:lnT>
+                    <a:lnB w="12700" cap="flat" cmpd="sng" algn="ctr">
+                      <a:solidFill>
+                        <a:schemeClr val="tx1"/>
+                      </a:solidFill>
+                      <a:prstDash val="solid"/>
+                      <a:round/>
+                      <a:headEnd type="none" w="med" len="med"/>
+                      <a:tailEnd type="none" w="med" len="med"/>
+                    </a:lnB>
+                  </a:tcPr>
+                </a:tc>
+                <a:tc>
+                  <a:txBody>
+                    <a:bodyPr/>
+                    <a:lstStyle/>
+                    <a:p>
+                      <a:pPr algn="ctr"/>
+                      <a:r>
+                        <a:rPr lang="hu-HU" dirty="0"/>
+                        <a:t>C</a:t>
+                      </a:r>
+                    </a:p>
+                  </a:txBody>
+                  <a:tcPr>
+                    <a:lnL w="12700" cap="flat" cmpd="sng" algn="ctr">
+                      <a:solidFill>
+                        <a:schemeClr val="tx1"/>
+                      </a:solidFill>
+                      <a:prstDash val="solid"/>
+                      <a:round/>
+                      <a:headEnd type="none" w="med" len="med"/>
+                      <a:tailEnd type="none" w="med" len="med"/>
+                    </a:lnL>
+                    <a:lnR w="12700" cap="flat" cmpd="sng" algn="ctr">
+                      <a:solidFill>
+                        <a:schemeClr val="tx1"/>
+                      </a:solidFill>
+                      <a:prstDash val="solid"/>
+                      <a:round/>
+                      <a:headEnd type="none" w="med" len="med"/>
+                      <a:tailEnd type="none" w="med" len="med"/>
+                    </a:lnR>
+                    <a:lnT w="12700" cap="flat" cmpd="sng" algn="ctr">
+                      <a:solidFill>
+                        <a:schemeClr val="tx1"/>
+                      </a:solidFill>
+                      <a:prstDash val="solid"/>
+                      <a:round/>
+                      <a:headEnd type="none" w="med" len="med"/>
+                      <a:tailEnd type="none" w="med" len="med"/>
+                    </a:lnT>
+                    <a:lnB w="12700" cap="flat" cmpd="sng" algn="ctr">
+                      <a:solidFill>
+                        <a:schemeClr val="tx1"/>
+                      </a:solidFill>
+                      <a:prstDash val="solid"/>
+                      <a:round/>
+                      <a:headEnd type="none" w="med" len="med"/>
+                      <a:tailEnd type="none" w="med" len="med"/>
+                    </a:lnB>
+                  </a:tcPr>
+                </a:tc>
+                <a:tc>
+                  <a:txBody>
+                    <a:bodyPr/>
+                    <a:lstStyle/>
+                    <a:p>
+                      <a:pPr algn="ctr"/>
+                      <a:r>
+                        <a:rPr lang="hu-HU" dirty="0"/>
+                        <a:t>P</a:t>
+                      </a:r>
+                    </a:p>
+                  </a:txBody>
+                  <a:tcPr>
+                    <a:lnL w="12700" cap="flat" cmpd="sng" algn="ctr">
+                      <a:solidFill>
+                        <a:schemeClr val="tx1"/>
+                      </a:solidFill>
+                      <a:prstDash val="solid"/>
+                      <a:round/>
+                      <a:headEnd type="none" w="med" len="med"/>
+                      <a:tailEnd type="none" w="med" len="med"/>
+                    </a:lnL>
+                    <a:lnR w="12700" cap="flat" cmpd="sng" algn="ctr">
+                      <a:solidFill>
+                        <a:schemeClr val="tx1"/>
+                      </a:solidFill>
+                      <a:prstDash val="solid"/>
+                      <a:round/>
+                      <a:headEnd type="none" w="med" len="med"/>
+                      <a:tailEnd type="none" w="med" len="med"/>
+                    </a:lnR>
+                    <a:lnT w="12700" cap="flat" cmpd="sng" algn="ctr">
+                      <a:solidFill>
+                        <a:schemeClr val="tx1"/>
+                      </a:solidFill>
+                      <a:prstDash val="solid"/>
+                      <a:round/>
+                      <a:headEnd type="none" w="med" len="med"/>
+                      <a:tailEnd type="none" w="med" len="med"/>
+                    </a:lnT>
+                    <a:lnB w="12700" cap="flat" cmpd="sng" algn="ctr">
+                      <a:solidFill>
+                        <a:schemeClr val="tx1"/>
+                      </a:solidFill>
+                      <a:prstDash val="solid"/>
+                      <a:round/>
+                      <a:headEnd type="none" w="med" len="med"/>
+                      <a:tailEnd type="none" w="med" len="med"/>
+                    </a:lnB>
+                  </a:tcPr>
+                </a:tc>
+                <a:tc>
+                  <a:txBody>
+                    <a:bodyPr/>
+                    <a:lstStyle/>
+                    <a:p>
+                      <a:pPr algn="ctr"/>
+                      <a:r>
+                        <a:rPr lang="hu-HU" dirty="0"/>
+                        <a:t>S</a:t>
+                      </a:r>
+                    </a:p>
+                  </a:txBody>
+                  <a:tcPr>
+                    <a:lnL w="12700" cap="flat" cmpd="sng" algn="ctr">
+                      <a:solidFill>
+                        <a:schemeClr val="tx1"/>
+                      </a:solidFill>
+                      <a:prstDash val="solid"/>
+                      <a:round/>
+                      <a:headEnd type="none" w="med" len="med"/>
+                      <a:tailEnd type="none" w="med" len="med"/>
+                    </a:lnL>
+                    <a:lnR w="12700" cap="flat" cmpd="sng" algn="ctr">
+                      <a:solidFill>
+                        <a:schemeClr val="tx1"/>
+                      </a:solidFill>
+                      <a:prstDash val="solid"/>
+                      <a:round/>
+                      <a:headEnd type="none" w="med" len="med"/>
+                      <a:tailEnd type="none" w="med" len="med"/>
+                    </a:lnR>
+                    <a:lnT w="12700" cap="flat" cmpd="sng" algn="ctr">
+                      <a:solidFill>
+                        <a:schemeClr val="tx1"/>
+                      </a:solidFill>
+                      <a:prstDash val="solid"/>
+                      <a:round/>
+                      <a:headEnd type="none" w="med" len="med"/>
+                      <a:tailEnd type="none" w="med" len="med"/>
+                    </a:lnT>
+                    <a:lnB w="12700" cap="flat" cmpd="sng" algn="ctr">
+                      <a:solidFill>
+                        <a:schemeClr val="tx1"/>
+                      </a:solidFill>
+                      <a:prstDash val="solid"/>
+                      <a:round/>
+                      <a:headEnd type="none" w="med" len="med"/>
+                      <a:tailEnd type="none" w="med" len="med"/>
+                    </a:lnB>
+                  </a:tcPr>
+                </a:tc>
+                <a:tc>
+                  <a:txBody>
+                    <a:bodyPr/>
+                    <a:lstStyle/>
+                    <a:p>
+                      <a:pPr algn="ctr"/>
+                      <a:r>
+                        <a:rPr lang="hu-HU" dirty="0"/>
+                        <a:t>V</a:t>
+                      </a:r>
+                    </a:p>
+                  </a:txBody>
+                  <a:tcPr>
+                    <a:lnL w="12700" cap="flat" cmpd="sng" algn="ctr">
+                      <a:solidFill>
+                        <a:schemeClr val="tx1"/>
+                      </a:solidFill>
+                      <a:prstDash val="solid"/>
+                      <a:round/>
+                      <a:headEnd type="none" w="med" len="med"/>
+                      <a:tailEnd type="none" w="med" len="med"/>
+                    </a:lnL>
+                    <a:lnR w="12700" cap="flat" cmpd="sng" algn="ctr">
+                      <a:solidFill>
+                        <a:schemeClr val="tx1"/>
+                      </a:solidFill>
+                      <a:prstDash val="solid"/>
+                      <a:round/>
+                      <a:headEnd type="none" w="med" len="med"/>
+                      <a:tailEnd type="none" w="med" len="med"/>
+                    </a:lnR>
+                    <a:lnT w="12700" cap="flat" cmpd="sng" algn="ctr">
+                      <a:solidFill>
+                        <a:schemeClr val="tx1"/>
+                      </a:solidFill>
+                      <a:prstDash val="solid"/>
+                      <a:round/>
+                      <a:headEnd type="none" w="med" len="med"/>
+                      <a:tailEnd type="none" w="med" len="med"/>
+                    </a:lnT>
+                    <a:lnB w="12700" cap="flat" cmpd="sng" algn="ctr">
+                      <a:solidFill>
+                        <a:schemeClr val="tx1"/>
+                      </a:solidFill>
+                      <a:prstDash val="solid"/>
+                      <a:round/>
+                      <a:headEnd type="none" w="med" len="med"/>
+                      <a:tailEnd type="none" w="med" len="med"/>
+                    </a:lnB>
+                  </a:tcPr>
+                </a:tc>
+                <a:tc>
+                  <a:txBody>
+                    <a:bodyPr/>
+                    <a:lstStyle/>
+                    <a:p>
+                      <a:pPr algn="ctr"/>
+                      <a:r>
+                        <a:rPr lang="hu-HU" dirty="0" err="1"/>
+                        <a:t>Megj</a:t>
+                      </a:r>
+                      <a:endParaRPr lang="hu-HU" dirty="0"/>
+                    </a:p>
+                  </a:txBody>
+                  <a:tcPr>
+                    <a:lnL w="12700" cap="flat" cmpd="sng" algn="ctr">
+                      <a:solidFill>
+                        <a:schemeClr val="tx1"/>
+                      </a:solidFill>
+                      <a:prstDash val="solid"/>
+                      <a:round/>
+                      <a:headEnd type="none" w="med" len="med"/>
+                      <a:tailEnd type="none" w="med" len="med"/>
+                    </a:lnL>
+                    <a:lnR w="12700" cap="flat" cmpd="sng" algn="ctr">
+                      <a:solidFill>
+                        <a:schemeClr val="tx1"/>
+                      </a:solidFill>
+                      <a:prstDash val="solid"/>
+                      <a:round/>
+                      <a:headEnd type="none" w="med" len="med"/>
+                      <a:tailEnd type="none" w="med" len="med"/>
+                    </a:lnR>
+                    <a:lnT w="12700" cap="flat" cmpd="sng" algn="ctr">
+                      <a:solidFill>
+                        <a:schemeClr val="tx1"/>
+                      </a:solidFill>
+                      <a:prstDash val="solid"/>
+                      <a:round/>
+                      <a:headEnd type="none" w="med" len="med"/>
+                      <a:tailEnd type="none" w="med" len="med"/>
+                    </a:lnT>
+                    <a:lnB w="12700" cap="flat" cmpd="sng" algn="ctr">
+                      <a:solidFill>
+                        <a:schemeClr val="tx1"/>
+                      </a:solidFill>
+                      <a:prstDash val="solid"/>
+                      <a:round/>
+                      <a:headEnd type="none" w="med" len="med"/>
+                      <a:tailEnd type="none" w="med" len="med"/>
+                    </a:lnB>
+                  </a:tcPr>
+                </a:tc>
+                <a:extLst>
+                  <a:ext uri="{0D108BD9-81ED-4DB2-BD59-A6C34878D82A}">
+                    <a16:rowId xmlns:a16="http://schemas.microsoft.com/office/drawing/2014/main" val="4256960761"/>
+                  </a:ext>
+                </a:extLst>
+              </a:tr>
+              <a:tr h="6642077">
+                <a:tc>
+                  <a:txBody>
+                    <a:bodyPr/>
+                    <a:lstStyle/>
+                    <a:p>
+                      <a:endParaRPr lang="hu-HU" dirty="0"/>
+                    </a:p>
+                  </a:txBody>
+                  <a:tcPr>
+                    <a:lnL w="12700" cap="flat" cmpd="sng" algn="ctr">
+                      <a:solidFill>
+                        <a:schemeClr val="tx1"/>
+                      </a:solidFill>
+                      <a:prstDash val="solid"/>
+                      <a:round/>
+                      <a:headEnd type="none" w="med" len="med"/>
+                      <a:tailEnd type="none" w="med" len="med"/>
+                    </a:lnL>
+                    <a:lnR w="12700" cap="flat" cmpd="sng" algn="ctr">
+                      <a:solidFill>
+                        <a:schemeClr val="tx1"/>
+                      </a:solidFill>
+                      <a:prstDash val="solid"/>
+                      <a:round/>
+                      <a:headEnd type="none" w="med" len="med"/>
+                      <a:tailEnd type="none" w="med" len="med"/>
+                    </a:lnR>
+                    <a:lnT w="12700" cap="flat" cmpd="sng" algn="ctr">
+                      <a:solidFill>
+                        <a:schemeClr val="tx1"/>
+                      </a:solidFill>
+                      <a:prstDash val="solid"/>
+                      <a:round/>
+                      <a:headEnd type="none" w="med" len="med"/>
+                      <a:tailEnd type="none" w="med" len="med"/>
+                    </a:lnT>
+                    <a:lnB w="12700" cap="flat" cmpd="sng" algn="ctr">
+                      <a:solidFill>
+                        <a:schemeClr val="tx1"/>
+                      </a:solidFill>
+                      <a:prstDash val="solid"/>
+                      <a:round/>
+                      <a:headEnd type="none" w="med" len="med"/>
+                      <a:tailEnd type="none" w="med" len="med"/>
+                    </a:lnB>
+                    <a:noFill/>
+                  </a:tcPr>
+                </a:tc>
+                <a:tc>
+                  <a:txBody>
+                    <a:bodyPr/>
+                    <a:lstStyle/>
+                    <a:p>
+                      <a:endParaRPr lang="hu-HU" dirty="0"/>
+                    </a:p>
+                  </a:txBody>
+                  <a:tcPr>
+                    <a:lnL w="12700" cap="flat" cmpd="sng" algn="ctr">
+                      <a:solidFill>
+                        <a:schemeClr val="tx1"/>
+                      </a:solidFill>
+                      <a:prstDash val="solid"/>
+                      <a:round/>
+                      <a:headEnd type="none" w="med" len="med"/>
+                      <a:tailEnd type="none" w="med" len="med"/>
+                    </a:lnL>
+                    <a:lnR w="12700" cap="flat" cmpd="sng" algn="ctr">
+                      <a:solidFill>
+                        <a:schemeClr val="tx1"/>
+                      </a:solidFill>
+                      <a:prstDash val="solid"/>
+                      <a:round/>
+                      <a:headEnd type="none" w="med" len="med"/>
+                      <a:tailEnd type="none" w="med" len="med"/>
+                    </a:lnR>
+                    <a:lnT w="12700" cap="flat" cmpd="sng" algn="ctr">
+                      <a:solidFill>
+                        <a:schemeClr val="tx1"/>
+                      </a:solidFill>
+                      <a:prstDash val="solid"/>
+                      <a:round/>
+                      <a:headEnd type="none" w="med" len="med"/>
+                      <a:tailEnd type="none" w="med" len="med"/>
+                    </a:lnT>
+                    <a:lnB w="12700" cap="flat" cmpd="sng" algn="ctr">
+                      <a:solidFill>
+                        <a:schemeClr val="tx1"/>
+                      </a:solidFill>
+                      <a:prstDash val="solid"/>
+                      <a:round/>
+                      <a:headEnd type="none" w="med" len="med"/>
+                      <a:tailEnd type="none" w="med" len="med"/>
+                    </a:lnB>
+                    <a:noFill/>
+                  </a:tcPr>
+                </a:tc>
+                <a:tc>
+                  <a:txBody>
+                    <a:bodyPr/>
+                    <a:lstStyle/>
+                    <a:p>
+                      <a:endParaRPr lang="hu-HU" dirty="0"/>
+                    </a:p>
+                  </a:txBody>
+                  <a:tcPr>
+                    <a:lnL w="12700" cap="flat" cmpd="sng" algn="ctr">
+                      <a:solidFill>
+                        <a:schemeClr val="tx1"/>
+                      </a:solidFill>
+                      <a:prstDash val="solid"/>
+                      <a:round/>
+                      <a:headEnd type="none" w="med" len="med"/>
+                      <a:tailEnd type="none" w="med" len="med"/>
+                    </a:lnL>
+                    <a:lnR w="12700" cap="flat" cmpd="sng" algn="ctr">
+                      <a:solidFill>
+                        <a:schemeClr val="tx1"/>
+                      </a:solidFill>
+                      <a:prstDash val="solid"/>
+                      <a:round/>
+                      <a:headEnd type="none" w="med" len="med"/>
+                      <a:tailEnd type="none" w="med" len="med"/>
+                    </a:lnR>
+                    <a:lnT w="12700" cap="flat" cmpd="sng" algn="ctr">
+                      <a:solidFill>
+                        <a:schemeClr val="tx1"/>
+                      </a:solidFill>
+                      <a:prstDash val="solid"/>
+                      <a:round/>
+                      <a:headEnd type="none" w="med" len="med"/>
+                      <a:tailEnd type="none" w="med" len="med"/>
+                    </a:lnT>
+                    <a:lnB w="12700" cap="flat" cmpd="sng" algn="ctr">
+                      <a:solidFill>
+                        <a:schemeClr val="tx1"/>
+                      </a:solidFill>
+                      <a:prstDash val="solid"/>
+                      <a:round/>
+                      <a:headEnd type="none" w="med" len="med"/>
+                      <a:tailEnd type="none" w="med" len="med"/>
+                    </a:lnB>
+                    <a:noFill/>
+                  </a:tcPr>
+                </a:tc>
+                <a:tc>
+                  <a:txBody>
+                    <a:bodyPr/>
+                    <a:lstStyle/>
+                    <a:p>
+                      <a:endParaRPr lang="hu-HU" dirty="0"/>
+                    </a:p>
+                  </a:txBody>
+                  <a:tcPr>
+                    <a:lnL w="12700" cap="flat" cmpd="sng" algn="ctr">
+                      <a:solidFill>
+                        <a:schemeClr val="tx1"/>
+                      </a:solidFill>
+                      <a:prstDash val="solid"/>
+                      <a:round/>
+                      <a:headEnd type="none" w="med" len="med"/>
+                      <a:tailEnd type="none" w="med" len="med"/>
+                    </a:lnL>
+                    <a:lnR w="12700" cap="flat" cmpd="sng" algn="ctr">
+                      <a:solidFill>
+                        <a:schemeClr val="tx1"/>
+                      </a:solidFill>
+                      <a:prstDash val="solid"/>
+                      <a:round/>
+                      <a:headEnd type="none" w="med" len="med"/>
+                      <a:tailEnd type="none" w="med" len="med"/>
+                    </a:lnR>
+                    <a:lnT w="12700" cap="flat" cmpd="sng" algn="ctr">
+                      <a:solidFill>
+                        <a:schemeClr val="tx1"/>
+                      </a:solidFill>
+                      <a:prstDash val="solid"/>
+                      <a:round/>
+                      <a:headEnd type="none" w="med" len="med"/>
+                      <a:tailEnd type="none" w="med" len="med"/>
+                    </a:lnT>
+                    <a:lnB w="12700" cap="flat" cmpd="sng" algn="ctr">
+                      <a:solidFill>
+                        <a:schemeClr val="tx1"/>
+                      </a:solidFill>
+                      <a:prstDash val="solid"/>
+                      <a:round/>
+                      <a:headEnd type="none" w="med" len="med"/>
+                      <a:tailEnd type="none" w="med" len="med"/>
+                    </a:lnB>
+                    <a:noFill/>
+                  </a:tcPr>
+                </a:tc>
+                <a:tc>
+                  <a:txBody>
+                    <a:bodyPr/>
+                    <a:lstStyle/>
+                    <a:p>
+                      <a:endParaRPr lang="hu-HU" dirty="0"/>
+                    </a:p>
+                  </a:txBody>
+                  <a:tcPr>
+                    <a:lnL w="12700" cap="flat" cmpd="sng" algn="ctr">
+                      <a:solidFill>
+                        <a:schemeClr val="tx1"/>
+                      </a:solidFill>
+                      <a:prstDash val="solid"/>
+                      <a:round/>
+                      <a:headEnd type="none" w="med" len="med"/>
+                      <a:tailEnd type="none" w="med" len="med"/>
+                    </a:lnL>
+                    <a:lnR w="12700" cap="flat" cmpd="sng" algn="ctr">
+                      <a:solidFill>
+                        <a:schemeClr val="tx1"/>
+                      </a:solidFill>
+                      <a:prstDash val="solid"/>
+                      <a:round/>
+                      <a:headEnd type="none" w="med" len="med"/>
+                      <a:tailEnd type="none" w="med" len="med"/>
+                    </a:lnR>
+                    <a:lnT w="12700" cap="flat" cmpd="sng" algn="ctr">
+                      <a:solidFill>
+                        <a:schemeClr val="tx1"/>
+                      </a:solidFill>
+                      <a:prstDash val="solid"/>
+                      <a:round/>
+                      <a:headEnd type="none" w="med" len="med"/>
+                      <a:tailEnd type="none" w="med" len="med"/>
+                    </a:lnT>
+                    <a:lnB w="12700" cap="flat" cmpd="sng" algn="ctr">
+                      <a:solidFill>
+                        <a:schemeClr val="tx1"/>
+                      </a:solidFill>
+                      <a:prstDash val="solid"/>
+                      <a:round/>
+                      <a:headEnd type="none" w="med" len="med"/>
+                      <a:tailEnd type="none" w="med" len="med"/>
+                    </a:lnB>
+                    <a:noFill/>
+                  </a:tcPr>
+                </a:tc>
+                <a:tc>
+                  <a:txBody>
+                    <a:bodyPr/>
+                    <a:lstStyle/>
+                    <a:p>
+                      <a:endParaRPr lang="hu-HU" dirty="0"/>
+                    </a:p>
+                  </a:txBody>
+                  <a:tcPr>
+                    <a:lnL w="12700" cap="flat" cmpd="sng" algn="ctr">
+                      <a:solidFill>
+                        <a:schemeClr val="tx1"/>
+                      </a:solidFill>
+                      <a:prstDash val="solid"/>
+                      <a:round/>
+                      <a:headEnd type="none" w="med" len="med"/>
+                      <a:tailEnd type="none" w="med" len="med"/>
+                    </a:lnL>
+                    <a:lnR w="12700" cap="flat" cmpd="sng" algn="ctr">
+                      <a:solidFill>
+                        <a:schemeClr val="tx1"/>
+                      </a:solidFill>
+                      <a:prstDash val="solid"/>
+                      <a:round/>
+                      <a:headEnd type="none" w="med" len="med"/>
+                      <a:tailEnd type="none" w="med" len="med"/>
+                    </a:lnR>
+                    <a:lnT w="12700" cap="flat" cmpd="sng" algn="ctr">
+                      <a:solidFill>
+                        <a:schemeClr val="tx1"/>
+                      </a:solidFill>
+                      <a:prstDash val="solid"/>
+                      <a:round/>
+                      <a:headEnd type="none" w="med" len="med"/>
+                      <a:tailEnd type="none" w="med" len="med"/>
+                    </a:lnT>
+                    <a:lnB w="12700" cap="flat" cmpd="sng" algn="ctr">
+                      <a:solidFill>
+                        <a:schemeClr val="tx1"/>
+                      </a:solidFill>
+                      <a:prstDash val="solid"/>
+                      <a:round/>
+                      <a:headEnd type="none" w="med" len="med"/>
+                      <a:tailEnd type="none" w="med" len="med"/>
+                    </a:lnB>
+                    <a:noFill/>
+                  </a:tcPr>
+                </a:tc>
+                <a:tc>
+                  <a:txBody>
+                    <a:bodyPr/>
+                    <a:lstStyle/>
+                    <a:p>
+                      <a:endParaRPr lang="hu-HU"/>
+                    </a:p>
+                  </a:txBody>
+                  <a:tcPr>
+                    <a:lnL w="12700" cap="flat" cmpd="sng" algn="ctr">
+                      <a:solidFill>
+                        <a:schemeClr val="tx1"/>
+                      </a:solidFill>
+                      <a:prstDash val="solid"/>
+                      <a:round/>
+                      <a:headEnd type="none" w="med" len="med"/>
+                      <a:tailEnd type="none" w="med" len="med"/>
+                    </a:lnL>
+                    <a:lnR w="12700" cap="flat" cmpd="sng" algn="ctr">
+                      <a:solidFill>
+                        <a:schemeClr val="tx1"/>
+                      </a:solidFill>
+                      <a:prstDash val="solid"/>
+                      <a:round/>
+                      <a:headEnd type="none" w="med" len="med"/>
+                      <a:tailEnd type="none" w="med" len="med"/>
+                    </a:lnR>
+                    <a:lnT w="12700" cap="flat" cmpd="sng" algn="ctr">
+                      <a:solidFill>
+                        <a:schemeClr val="tx1"/>
+                      </a:solidFill>
+                      <a:prstDash val="solid"/>
+                      <a:round/>
+                      <a:headEnd type="none" w="med" len="med"/>
+                      <a:tailEnd type="none" w="med" len="med"/>
+                    </a:lnT>
+                    <a:lnB w="12700" cap="flat" cmpd="sng" algn="ctr">
+                      <a:solidFill>
+                        <a:schemeClr val="tx1"/>
+                      </a:solidFill>
+                      <a:prstDash val="solid"/>
+                      <a:round/>
+                      <a:headEnd type="none" w="med" len="med"/>
+                      <a:tailEnd type="none" w="med" len="med"/>
+                    </a:lnB>
+                    <a:noFill/>
+                  </a:tcPr>
+                </a:tc>
+                <a:tc>
+                  <a:txBody>
+                    <a:bodyPr/>
+                    <a:lstStyle/>
+                    <a:p>
+                      <a:endParaRPr lang="hu-HU" dirty="0"/>
+                    </a:p>
+                  </a:txBody>
+                  <a:tcPr>
+                    <a:lnL w="12700" cap="flat" cmpd="sng" algn="ctr">
+                      <a:solidFill>
+                        <a:schemeClr val="tx1"/>
+                      </a:solidFill>
+                      <a:prstDash val="solid"/>
+                      <a:round/>
+                      <a:headEnd type="none" w="med" len="med"/>
+                      <a:tailEnd type="none" w="med" len="med"/>
+                    </a:lnL>
+                    <a:lnR w="12700" cap="flat" cmpd="sng" algn="ctr">
+                      <a:solidFill>
+                        <a:schemeClr val="tx1"/>
+                      </a:solidFill>
+                      <a:prstDash val="solid"/>
+                      <a:round/>
+                      <a:headEnd type="none" w="med" len="med"/>
+                      <a:tailEnd type="none" w="med" len="med"/>
+                    </a:lnR>
+                    <a:lnT w="12700" cap="flat" cmpd="sng" algn="ctr">
+                      <a:solidFill>
+                        <a:schemeClr val="tx1"/>
+                      </a:solidFill>
+                      <a:prstDash val="solid"/>
+                      <a:round/>
+                      <a:headEnd type="none" w="med" len="med"/>
+                      <a:tailEnd type="none" w="med" len="med"/>
+                    </a:lnT>
+                    <a:lnB w="12700" cap="flat" cmpd="sng" algn="ctr">
+                      <a:solidFill>
+                        <a:schemeClr val="tx1"/>
+                      </a:solidFill>
+                      <a:prstDash val="solid"/>
+                      <a:round/>
+                      <a:headEnd type="none" w="med" len="med"/>
+                      <a:tailEnd type="none" w="med" len="med"/>
+                    </a:lnB>
+                    <a:noFill/>
+                  </a:tcPr>
+                </a:tc>
+                <a:tc>
+                  <a:txBody>
+                    <a:bodyPr/>
+                    <a:lstStyle/>
+                    <a:p>
+                      <a:endParaRPr lang="hu-HU" dirty="0"/>
+                    </a:p>
+                  </a:txBody>
+                  <a:tcPr>
+                    <a:lnL w="12700" cap="flat" cmpd="sng" algn="ctr">
+                      <a:solidFill>
+                        <a:schemeClr val="tx1"/>
+                      </a:solidFill>
+                      <a:prstDash val="solid"/>
+                      <a:round/>
+                      <a:headEnd type="none" w="med" len="med"/>
+                      <a:tailEnd type="none" w="med" len="med"/>
+                    </a:lnL>
+                    <a:lnR w="12700" cap="flat" cmpd="sng" algn="ctr">
+                      <a:solidFill>
+                        <a:schemeClr val="tx1"/>
+                      </a:solidFill>
+                      <a:prstDash val="solid"/>
+                      <a:round/>
+                      <a:headEnd type="none" w="med" len="med"/>
+                      <a:tailEnd type="none" w="med" len="med"/>
+                    </a:lnR>
+                    <a:lnT w="12700" cap="flat" cmpd="sng" algn="ctr">
+                      <a:solidFill>
+                        <a:schemeClr val="tx1"/>
+                      </a:solidFill>
+                      <a:prstDash val="solid"/>
+                      <a:round/>
+                      <a:headEnd type="none" w="med" len="med"/>
+                      <a:tailEnd type="none" w="med" len="med"/>
+                    </a:lnT>
+                    <a:lnB w="12700" cap="flat" cmpd="sng" algn="ctr">
+                      <a:solidFill>
+                        <a:schemeClr val="tx1"/>
+                      </a:solidFill>
+                      <a:prstDash val="solid"/>
+                      <a:round/>
+                      <a:headEnd type="none" w="med" len="med"/>
+                      <a:tailEnd type="none" w="med" len="med"/>
+                    </a:lnB>
+                    <a:noFill/>
+                  </a:tcPr>
+                </a:tc>
+                <a:tc>
+                  <a:txBody>
+                    <a:bodyPr/>
+                    <a:lstStyle/>
+                    <a:p>
+                      <a:endParaRPr lang="hu-HU" dirty="0"/>
+                    </a:p>
+                  </a:txBody>
+                  <a:tcPr>
+                    <a:lnL w="12700" cap="flat" cmpd="sng" algn="ctr">
+                      <a:solidFill>
+                        <a:schemeClr val="tx1"/>
+                      </a:solidFill>
+                      <a:prstDash val="solid"/>
+                      <a:round/>
+                      <a:headEnd type="none" w="med" len="med"/>
+                      <a:tailEnd type="none" w="med" len="med"/>
+                    </a:lnL>
+                    <a:lnR w="12700" cap="flat" cmpd="sng" algn="ctr">
+                      <a:solidFill>
+                        <a:schemeClr val="tx1"/>
+                      </a:solidFill>
+                      <a:prstDash val="solid"/>
+                      <a:round/>
+                      <a:headEnd type="none" w="med" len="med"/>
+                      <a:tailEnd type="none" w="med" len="med"/>
+                    </a:lnR>
+                    <a:lnT w="12700" cap="flat" cmpd="sng" algn="ctr">
+                      <a:solidFill>
+                        <a:schemeClr val="tx1"/>
+                      </a:solidFill>
+                      <a:prstDash val="solid"/>
+                      <a:round/>
+                      <a:headEnd type="none" w="med" len="med"/>
+                      <a:tailEnd type="none" w="med" len="med"/>
+                    </a:lnT>
+                    <a:lnB w="12700" cap="flat" cmpd="sng" algn="ctr">
+                      <a:solidFill>
+                        <a:schemeClr val="tx1"/>
+                      </a:solidFill>
+                      <a:prstDash val="solid"/>
+                      <a:round/>
+                      <a:headEnd type="none" w="med" len="med"/>
+                      <a:tailEnd type="none" w="med" len="med"/>
+                    </a:lnB>
+                    <a:noFill/>
+                  </a:tcPr>
+                </a:tc>
+                <a:extLst>
+                  <a:ext uri="{0D108BD9-81ED-4DB2-BD59-A6C34878D82A}">
+                    <a16:rowId xmlns:a16="http://schemas.microsoft.com/office/drawing/2014/main" val="2707876754"/>
+                  </a:ext>
+                </a:extLst>
+              </a:tr>
+            </a:tbl>
+          </a:graphicData>
+        </a:graphic>
+      </p:graphicFrame>
+    </p:spTree>
+    <p:extLst>
+      <p:ext uri="{BB962C8B-B14F-4D97-AF65-F5344CB8AC3E}">
+        <p14:creationId xmlns:p14="http://schemas.microsoft.com/office/powerpoint/2010/main" val="1833159047"/>
+      </p:ext>
+    </p:extLst>
+  </p:cSld>
+  <p:clrMapOvr>
+    <a:masterClrMapping/>
+  </p:clrMapOvr>
+</p:sld>
+</file>
+
+<file path=ppt/slides/slide5.xml><?xml version="1.0" encoding="utf-8"?>
+<p:sld xmlns:a="http://schemas.openxmlformats.org/drawingml/2006/main" xmlns:r="http://schemas.openxmlformats.org/officeDocument/2006/relationships" xmlns:p="http://schemas.openxmlformats.org/presentationml/2006/main">
+  <p:cSld>
+    <p:spTree>
+      <p:nvGrpSpPr>
+        <p:cNvPr id="1" name=""/>
+        <p:cNvGrpSpPr/>
+        <p:nvPr/>
+      </p:nvGrpSpPr>
+      <p:grpSpPr>
+        <a:xfrm>
+          <a:off x="0" y="0"/>
+          <a:ext cx="0" cy="0"/>
+          <a:chOff x="0" y="0"/>
+          <a:chExt cx="0" cy="0"/>
+        </a:xfrm>
+      </p:grpSpPr>
+      <p:sp>
+        <p:nvSpPr>
+          <p:cNvPr id="2" name="Title 1">
+            <a:extLst>
+              <a:ext uri="{FF2B5EF4-FFF2-40B4-BE49-F238E27FC236}">
+                <a16:creationId xmlns:a16="http://schemas.microsoft.com/office/drawing/2014/main" id="{8994F8C8-26A8-AC0E-F6CC-BC9D61E02A34}"/>
+              </a:ext>
+            </a:extLst>
+          </p:cNvPr>
+          <p:cNvSpPr>
+            <a:spLocks noGrp="1"/>
+          </p:cNvSpPr>
+          <p:nvPr>
+            <p:ph type="title"/>
+          </p:nvPr>
+        </p:nvSpPr>
+        <p:spPr>
+          <a:xfrm>
+            <a:off x="519504" y="-48765"/>
+            <a:ext cx="4881265" cy="617034"/>
+          </a:xfrm>
+          <a:prstGeom prst="rect">
+            <a:avLst/>
+          </a:prstGeom>
+        </p:spPr>
+        <p:txBody>
+          <a:bodyPr/>
+          <a:lstStyle/>
+          <a:p>
+            <a:r>
+              <a:rPr lang="hu-HU" dirty="0"/>
               <a:t>SWOT</a:t>
             </a:r>
           </a:p>
@@ -6009,7 +9648,7 @@
 </p:sld>
 </file>
 
-<file path=ppt/slides/slide4.xml><?xml version="1.0" encoding="utf-8"?>
+<file path=ppt/slides/slide6.xml><?xml version="1.0" encoding="utf-8"?>
 <p:sld xmlns:a="http://schemas.openxmlformats.org/drawingml/2006/main" xmlns:r="http://schemas.openxmlformats.org/officeDocument/2006/relationships" xmlns:p="http://schemas.openxmlformats.org/presentationml/2006/main">
   <p:cSld>
     <p:spTree>
@@ -6573,7 +10212,7 @@
 </p:sld>
 </file>
 
-<file path=ppt/slides/slide5.xml><?xml version="1.0" encoding="utf-8"?>
+<file path=ppt/slides/slide7.xml><?xml version="1.0" encoding="utf-8"?>
 <p:sld xmlns:a="http://schemas.openxmlformats.org/drawingml/2006/main" xmlns:r="http://schemas.openxmlformats.org/officeDocument/2006/relationships" xmlns:p="http://schemas.openxmlformats.org/presentationml/2006/main">
   <p:cSld>
     <p:spTree>
@@ -6959,7 +10598,7 @@
 </p:sld>
 </file>
 
-<file path=ppt/slides/slide6.xml><?xml version="1.0" encoding="utf-8"?>
+<file path=ppt/slides/slide8.xml><?xml version="1.0" encoding="utf-8"?>
 <p:sld xmlns:a="http://schemas.openxmlformats.org/drawingml/2006/main" xmlns:r="http://schemas.openxmlformats.org/officeDocument/2006/relationships" xmlns:p="http://schemas.openxmlformats.org/presentationml/2006/main">
   <p:cSld>
     <p:spTree>
@@ -7340,7 +10979,7 @@
 </p:sld>
 </file>
 
-<file path=ppt/slides/slide7.xml><?xml version="1.0" encoding="utf-8"?>
+<file path=ppt/slides/slide9.xml><?xml version="1.0" encoding="utf-8"?>
 <p:sld xmlns:a="http://schemas.openxmlformats.org/drawingml/2006/main" xmlns:r="http://schemas.openxmlformats.org/officeDocument/2006/relationships" xmlns:p="http://schemas.openxmlformats.org/presentationml/2006/main">
   <p:cSld>
     <p:spTree>

--- a/EI_Basics.pptx
+++ b/EI_Basics.pptx
@@ -5,16 +5,18 @@
     <p:sldMasterId id="2147483720" r:id="rId1"/>
   </p:sldMasterIdLst>
   <p:notesMasterIdLst>
-    <p:notesMasterId r:id="rId9"/>
+    <p:notesMasterId r:id="rId11"/>
   </p:notesMasterIdLst>
   <p:sldIdLst>
     <p:sldId id="256" r:id="rId2"/>
     <p:sldId id="268" r:id="rId3"/>
-    <p:sldId id="263" r:id="rId4"/>
-    <p:sldId id="264" r:id="rId5"/>
-    <p:sldId id="265" r:id="rId6"/>
-    <p:sldId id="266" r:id="rId7"/>
-    <p:sldId id="267" r:id="rId8"/>
+    <p:sldId id="269" r:id="rId4"/>
+    <p:sldId id="270" r:id="rId5"/>
+    <p:sldId id="263" r:id="rId6"/>
+    <p:sldId id="264" r:id="rId7"/>
+    <p:sldId id="265" r:id="rId8"/>
+    <p:sldId id="266" r:id="rId9"/>
+    <p:sldId id="267" r:id="rId10"/>
   </p:sldIdLst>
   <p:sldSz cx="5659438" cy="7543800"/>
   <p:notesSz cx="9144000" cy="6858000"/>
@@ -120,6 +122,8 @@
           <p14:sldIdLst>
             <p14:sldId id="256"/>
             <p14:sldId id="268"/>
+            <p14:sldId id="269"/>
+            <p14:sldId id="270"/>
             <p14:sldId id="263"/>
             <p14:sldId id="264"/>
             <p14:sldId id="265"/>
@@ -221,7 +225,7 @@
           <a:p>
             <a:fld id="{9764E535-D103-420C-A3C8-BED39E8AE0DF}" type="datetimeFigureOut">
               <a:rPr lang="hu-HU" smtClean="0"/>
-              <a:t>2022. 12. 29.</a:t>
+              <a:t>2023. 01. 03.</a:t>
             </a:fld>
             <a:endParaRPr lang="hu-HU"/>
           </a:p>
@@ -725,9 +729,10 @@
           <a:lstStyle/>
           <a:p>
             <a:r>
-              <a:rPr lang="hu-HU" dirty="0"/>
-              <a:t>SWOT</a:t>
+              <a:rPr lang="hu-HU" dirty="0" err="1"/>
+              <a:t>Empty</a:t>
             </a:r>
+            <a:endParaRPr lang="hu-HU" dirty="0"/>
           </a:p>
         </p:txBody>
       </p:sp>
@@ -757,7 +762,7 @@
     </p:spTree>
     <p:extLst>
       <p:ext uri="{BB962C8B-B14F-4D97-AF65-F5344CB8AC3E}">
-        <p14:creationId xmlns:p14="http://schemas.microsoft.com/office/powerpoint/2010/main" val="3770028401"/>
+        <p14:creationId xmlns:p14="http://schemas.microsoft.com/office/powerpoint/2010/main" val="2897438410"/>
       </p:ext>
     </p:extLst>
   </p:cSld>
@@ -817,9 +822,10 @@
           <a:lstStyle/>
           <a:p>
             <a:r>
-              <a:rPr lang="hu-HU" dirty="0"/>
-              <a:t>SWOT BW</a:t>
+              <a:rPr lang="hu-HU" dirty="0" err="1"/>
+              <a:t>Empty</a:t>
             </a:r>
+            <a:endParaRPr lang="hu-HU" dirty="0"/>
           </a:p>
         </p:txBody>
       </p:sp>
@@ -849,7 +855,7 @@
     </p:spTree>
     <p:extLst>
       <p:ext uri="{BB962C8B-B14F-4D97-AF65-F5344CB8AC3E}">
-        <p14:creationId xmlns:p14="http://schemas.microsoft.com/office/powerpoint/2010/main" val="3998321279"/>
+        <p14:creationId xmlns:p14="http://schemas.microsoft.com/office/powerpoint/2010/main" val="2526490101"/>
       </p:ext>
     </p:extLst>
   </p:cSld>
@@ -909,10 +915,9 @@
           <a:lstStyle/>
           <a:p>
             <a:r>
-              <a:rPr lang="hu-HU" dirty="0" err="1"/>
-              <a:t>KanBan</a:t>
+              <a:rPr lang="hu-HU" dirty="0"/>
+              <a:t>SWOT</a:t>
             </a:r>
-            <a:endParaRPr lang="hu-HU" dirty="0"/>
           </a:p>
         </p:txBody>
       </p:sp>
@@ -942,7 +947,7 @@
     </p:spTree>
     <p:extLst>
       <p:ext uri="{BB962C8B-B14F-4D97-AF65-F5344CB8AC3E}">
-        <p14:creationId xmlns:p14="http://schemas.microsoft.com/office/powerpoint/2010/main" val="3725205967"/>
+        <p14:creationId xmlns:p14="http://schemas.microsoft.com/office/powerpoint/2010/main" val="3770028401"/>
       </p:ext>
     </p:extLst>
   </p:cSld>
@@ -1002,12 +1007,8 @@
           <a:lstStyle/>
           <a:p>
             <a:r>
-              <a:rPr lang="hu-HU" dirty="0" err="1"/>
-              <a:t>KanBan</a:t>
-            </a:r>
-            <a:r>
               <a:rPr lang="hu-HU" dirty="0"/>
-              <a:t> BW</a:t>
+              <a:t>SWOT BW</a:t>
             </a:r>
           </a:p>
         </p:txBody>
@@ -1038,7 +1039,7 @@
     </p:spTree>
     <p:extLst>
       <p:ext uri="{BB962C8B-B14F-4D97-AF65-F5344CB8AC3E}">
-        <p14:creationId xmlns:p14="http://schemas.microsoft.com/office/powerpoint/2010/main" val="3588114716"/>
+        <p14:creationId xmlns:p14="http://schemas.microsoft.com/office/powerpoint/2010/main" val="3998321279"/>
       </p:ext>
     </p:extLst>
   </p:cSld>
@@ -1099,7 +1100,7 @@
           <a:p>
             <a:r>
               <a:rPr lang="hu-HU" dirty="0" err="1"/>
-              <a:t>WhiteBoard</a:t>
+              <a:t>KanBan</a:t>
             </a:r>
             <a:endParaRPr lang="hu-HU" dirty="0"/>
           </a:p>
@@ -1123,6 +1124,195 @@
             <a:fld id="{91BF0FD7-3BBC-48BF-9046-F1A751293F8C}" type="slidenum">
               <a:rPr lang="hu-HU" smtClean="0"/>
               <a:t>7</a:t>
+            </a:fld>
+            <a:endParaRPr lang="hu-HU"/>
+          </a:p>
+        </p:txBody>
+      </p:sp>
+    </p:spTree>
+    <p:extLst>
+      <p:ext uri="{BB962C8B-B14F-4D97-AF65-F5344CB8AC3E}">
+        <p14:creationId xmlns:p14="http://schemas.microsoft.com/office/powerpoint/2010/main" val="3725205967"/>
+      </p:ext>
+    </p:extLst>
+  </p:cSld>
+  <p:clrMapOvr>
+    <a:masterClrMapping/>
+  </p:clrMapOvr>
+</p:notes>
+</file>
+
+<file path=ppt/notesSlides/notesSlide8.xml><?xml version="1.0" encoding="utf-8"?>
+<p:notes xmlns:a="http://schemas.openxmlformats.org/drawingml/2006/main" xmlns:r="http://schemas.openxmlformats.org/officeDocument/2006/relationships" xmlns:p="http://schemas.openxmlformats.org/presentationml/2006/main">
+  <p:cSld>
+    <p:spTree>
+      <p:nvGrpSpPr>
+        <p:cNvPr id="1" name=""/>
+        <p:cNvGrpSpPr/>
+        <p:nvPr/>
+      </p:nvGrpSpPr>
+      <p:grpSpPr>
+        <a:xfrm>
+          <a:off x="0" y="0"/>
+          <a:ext cx="0" cy="0"/>
+          <a:chOff x="0" y="0"/>
+          <a:chExt cx="0" cy="0"/>
+        </a:xfrm>
+      </p:grpSpPr>
+      <p:sp>
+        <p:nvSpPr>
+          <p:cNvPr id="2" name="Slide Image Placeholder 1"/>
+          <p:cNvSpPr>
+            <a:spLocks noGrp="1" noRot="1" noChangeAspect="1"/>
+          </p:cNvSpPr>
+          <p:nvPr>
+            <p:ph type="sldImg"/>
+          </p:nvPr>
+        </p:nvSpPr>
+        <p:spPr>
+          <a:xfrm>
+            <a:off x="3703638" y="857250"/>
+            <a:ext cx="1736725" cy="2314575"/>
+          </a:xfrm>
+        </p:spPr>
+      </p:sp>
+      <p:sp>
+        <p:nvSpPr>
+          <p:cNvPr id="3" name="Notes Placeholder 2"/>
+          <p:cNvSpPr>
+            <a:spLocks noGrp="1"/>
+          </p:cNvSpPr>
+          <p:nvPr>
+            <p:ph type="body" idx="1"/>
+          </p:nvPr>
+        </p:nvSpPr>
+        <p:spPr/>
+        <p:txBody>
+          <a:bodyPr/>
+          <a:lstStyle/>
+          <a:p>
+            <a:r>
+              <a:rPr lang="hu-HU" dirty="0" err="1"/>
+              <a:t>KanBan</a:t>
+            </a:r>
+            <a:r>
+              <a:rPr lang="hu-HU" dirty="0"/>
+              <a:t> BW</a:t>
+            </a:r>
+          </a:p>
+        </p:txBody>
+      </p:sp>
+      <p:sp>
+        <p:nvSpPr>
+          <p:cNvPr id="4" name="Slide Number Placeholder 3"/>
+          <p:cNvSpPr>
+            <a:spLocks noGrp="1"/>
+          </p:cNvSpPr>
+          <p:nvPr>
+            <p:ph type="sldNum" sz="quarter" idx="5"/>
+          </p:nvPr>
+        </p:nvSpPr>
+        <p:spPr/>
+        <p:txBody>
+          <a:bodyPr/>
+          <a:lstStyle/>
+          <a:p>
+            <a:fld id="{91BF0FD7-3BBC-48BF-9046-F1A751293F8C}" type="slidenum">
+              <a:rPr lang="hu-HU" smtClean="0"/>
+              <a:t>8</a:t>
+            </a:fld>
+            <a:endParaRPr lang="hu-HU"/>
+          </a:p>
+        </p:txBody>
+      </p:sp>
+    </p:spTree>
+    <p:extLst>
+      <p:ext uri="{BB962C8B-B14F-4D97-AF65-F5344CB8AC3E}">
+        <p14:creationId xmlns:p14="http://schemas.microsoft.com/office/powerpoint/2010/main" val="3588114716"/>
+      </p:ext>
+    </p:extLst>
+  </p:cSld>
+  <p:clrMapOvr>
+    <a:masterClrMapping/>
+  </p:clrMapOvr>
+</p:notes>
+</file>
+
+<file path=ppt/notesSlides/notesSlide9.xml><?xml version="1.0" encoding="utf-8"?>
+<p:notes xmlns:a="http://schemas.openxmlformats.org/drawingml/2006/main" xmlns:r="http://schemas.openxmlformats.org/officeDocument/2006/relationships" xmlns:p="http://schemas.openxmlformats.org/presentationml/2006/main">
+  <p:cSld>
+    <p:spTree>
+      <p:nvGrpSpPr>
+        <p:cNvPr id="1" name=""/>
+        <p:cNvGrpSpPr/>
+        <p:nvPr/>
+      </p:nvGrpSpPr>
+      <p:grpSpPr>
+        <a:xfrm>
+          <a:off x="0" y="0"/>
+          <a:ext cx="0" cy="0"/>
+          <a:chOff x="0" y="0"/>
+          <a:chExt cx="0" cy="0"/>
+        </a:xfrm>
+      </p:grpSpPr>
+      <p:sp>
+        <p:nvSpPr>
+          <p:cNvPr id="2" name="Slide Image Placeholder 1"/>
+          <p:cNvSpPr>
+            <a:spLocks noGrp="1" noRot="1" noChangeAspect="1"/>
+          </p:cNvSpPr>
+          <p:nvPr>
+            <p:ph type="sldImg"/>
+          </p:nvPr>
+        </p:nvSpPr>
+        <p:spPr>
+          <a:xfrm>
+            <a:off x="3703638" y="857250"/>
+            <a:ext cx="1736725" cy="2314575"/>
+          </a:xfrm>
+        </p:spPr>
+      </p:sp>
+      <p:sp>
+        <p:nvSpPr>
+          <p:cNvPr id="3" name="Notes Placeholder 2"/>
+          <p:cNvSpPr>
+            <a:spLocks noGrp="1"/>
+          </p:cNvSpPr>
+          <p:nvPr>
+            <p:ph type="body" idx="1"/>
+          </p:nvPr>
+        </p:nvSpPr>
+        <p:spPr/>
+        <p:txBody>
+          <a:bodyPr/>
+          <a:lstStyle/>
+          <a:p>
+            <a:r>
+              <a:rPr lang="hu-HU" dirty="0" err="1"/>
+              <a:t>WhiteBoard</a:t>
+            </a:r>
+            <a:endParaRPr lang="hu-HU" dirty="0"/>
+          </a:p>
+        </p:txBody>
+      </p:sp>
+      <p:sp>
+        <p:nvSpPr>
+          <p:cNvPr id="4" name="Slide Number Placeholder 3"/>
+          <p:cNvSpPr>
+            <a:spLocks noGrp="1"/>
+          </p:cNvSpPr>
+          <p:nvPr>
+            <p:ph type="sldNum" sz="quarter" idx="5"/>
+          </p:nvPr>
+        </p:nvSpPr>
+        <p:spPr/>
+        <p:txBody>
+          <a:bodyPr/>
+          <a:lstStyle/>
+          <a:p>
+            <a:fld id="{91BF0FD7-3BBC-48BF-9046-F1A751293F8C}" type="slidenum">
+              <a:rPr lang="hu-HU" smtClean="0"/>
+              <a:t>9</a:t>
             </a:fld>
             <a:endParaRPr lang="hu-HU"/>
           </a:p>
@@ -1272,7 +1462,7 @@
           <a:p>
             <a:fld id="{489BD6FE-51DD-461E-8822-A356448EC8B6}" type="datetimeFigureOut">
               <a:rPr lang="hu-HU" smtClean="0"/>
-              <a:t>2022. 12. 29.</a:t>
+              <a:t>2023. 01. 03.</a:t>
             </a:fld>
             <a:endParaRPr lang="hu-HU"/>
           </a:p>
@@ -1529,7 +1719,7 @@
           <a:p>
             <a:fld id="{489BD6FE-51DD-461E-8822-A356448EC8B6}" type="datetimeFigureOut">
               <a:rPr lang="hu-HU" smtClean="0"/>
-              <a:t>2022. 12. 29.</a:t>
+              <a:t>2023. 01. 03.</a:t>
             </a:fld>
             <a:endParaRPr lang="hu-HU"/>
           </a:p>
@@ -1712,7 +1902,7 @@
           <a:p>
             <a:fld id="{489BD6FE-51DD-461E-8822-A356448EC8B6}" type="datetimeFigureOut">
               <a:rPr lang="hu-HU" smtClean="0"/>
-              <a:t>2022. 12. 29.</a:t>
+              <a:t>2023. 01. 03.</a:t>
             </a:fld>
             <a:endParaRPr lang="hu-HU"/>
           </a:p>
@@ -1900,7 +2090,7 @@
           <a:p>
             <a:fld id="{489BD6FE-51DD-461E-8822-A356448EC8B6}" type="datetimeFigureOut">
               <a:rPr lang="hu-HU" smtClean="0"/>
-              <a:t>2022. 12. 29.</a:t>
+              <a:t>2023. 01. 03.</a:t>
             </a:fld>
             <a:endParaRPr lang="hu-HU"/>
           </a:p>
@@ -2226,7 +2416,7 @@
           <a:p>
             <a:fld id="{489BD6FE-51DD-461E-8822-A356448EC8B6}" type="datetimeFigureOut">
               <a:rPr lang="hu-HU" smtClean="0"/>
-              <a:t>2022. 12. 29.</a:t>
+              <a:t>2023. 01. 03.</a:t>
             </a:fld>
             <a:endParaRPr lang="hu-HU"/>
           </a:p>
@@ -2466,7 +2656,7 @@
           <a:p>
             <a:fld id="{489BD6FE-51DD-461E-8822-A356448EC8B6}" type="datetimeFigureOut">
               <a:rPr lang="hu-HU" smtClean="0"/>
-              <a:t>2022. 12. 29.</a:t>
+              <a:t>2023. 01. 03.</a:t>
             </a:fld>
             <a:endParaRPr lang="hu-HU"/>
           </a:p>
@@ -2836,7 +3026,7 @@
           <a:p>
             <a:fld id="{489BD6FE-51DD-461E-8822-A356448EC8B6}" type="datetimeFigureOut">
               <a:rPr lang="hu-HU" smtClean="0"/>
-              <a:t>2022. 12. 29.</a:t>
+              <a:t>2023. 01. 03.</a:t>
             </a:fld>
             <a:endParaRPr lang="hu-HU"/>
           </a:p>
@@ -2962,7 +3152,7 @@
           <a:p>
             <a:fld id="{489BD6FE-51DD-461E-8822-A356448EC8B6}" type="datetimeFigureOut">
               <a:rPr lang="hu-HU" smtClean="0"/>
-              <a:t>2022. 12. 29.</a:t>
+              <a:t>2023. 01. 03.</a:t>
             </a:fld>
             <a:endParaRPr lang="hu-HU"/>
           </a:p>
@@ -3057,7 +3247,7 @@
           <a:p>
             <a:fld id="{489BD6FE-51DD-461E-8822-A356448EC8B6}" type="datetimeFigureOut">
               <a:rPr lang="hu-HU" smtClean="0"/>
-              <a:t>2022. 12. 29.</a:t>
+              <a:t>2023. 01. 03.</a:t>
             </a:fld>
             <a:endParaRPr lang="hu-HU"/>
           </a:p>
@@ -3337,7 +3527,7 @@
           <a:p>
             <a:fld id="{489BD6FE-51DD-461E-8822-A356448EC8B6}" type="datetimeFigureOut">
               <a:rPr lang="hu-HU" smtClean="0"/>
-              <a:t>2022. 12. 29.</a:t>
+              <a:t>2023. 01. 03.</a:t>
             </a:fld>
             <a:endParaRPr lang="hu-HU"/>
           </a:p>
@@ -3597,7 +3787,7 @@
           <a:p>
             <a:fld id="{489BD6FE-51DD-461E-8822-A356448EC8B6}" type="datetimeFigureOut">
               <a:rPr lang="hu-HU" smtClean="0"/>
-              <a:t>2022. 12. 29.</a:t>
+              <a:t>2023. 01. 03.</a:t>
             </a:fld>
             <a:endParaRPr lang="hu-HU"/>
           </a:p>
@@ -3809,7 +3999,7 @@
           <a:p>
             <a:fld id="{489BD6FE-51DD-461E-8822-A356448EC8B6}" type="datetimeFigureOut">
               <a:rPr lang="hu-HU" smtClean="0"/>
-              <a:t>2022. 12. 29.</a:t>
+              <a:t>2023. 01. 03.</a:t>
             </a:fld>
             <a:endParaRPr lang="hu-HU"/>
           </a:p>
@@ -5483,6 +5673,2461 @@
           <a:p>
             <a:r>
               <a:rPr lang="hu-HU" dirty="0"/>
+              <a:t>Heti feladatok</a:t>
+            </a:r>
+          </a:p>
+        </p:txBody>
+      </p:sp>
+      <p:graphicFrame>
+        <p:nvGraphicFramePr>
+          <p:cNvPr id="4" name="Table 4">
+            <a:extLst>
+              <a:ext uri="{FF2B5EF4-FFF2-40B4-BE49-F238E27FC236}">
+                <a16:creationId xmlns:a16="http://schemas.microsoft.com/office/drawing/2014/main" id="{179A48EE-BA02-4806-9F9B-6D912C81E640}"/>
+              </a:ext>
+            </a:extLst>
+          </p:cNvPr>
+          <p:cNvGraphicFramePr>
+            <a:graphicFrameLocks noGrp="1"/>
+          </p:cNvGraphicFramePr>
+          <p:nvPr>
+            <p:extLst>
+              <p:ext uri="{D42A27DB-BD31-4B8C-83A1-F6EECF244321}">
+                <p14:modId xmlns:p14="http://schemas.microsoft.com/office/powerpoint/2010/main" val="1949862328"/>
+              </p:ext>
+            </p:extLst>
+          </p:nvPr>
+        </p:nvGraphicFramePr>
+        <p:xfrm>
+          <a:off x="63023" y="582898"/>
+          <a:ext cx="5553403" cy="6911764"/>
+        </p:xfrm>
+        <a:graphic>
+          <a:graphicData uri="http://schemas.openxmlformats.org/drawingml/2006/table">
+            <a:tbl>
+              <a:tblPr firstRow="1" bandRow="1">
+                <a:tableStyleId>{5C22544A-7EE6-4342-B048-85BDC9FD1C3A}</a:tableStyleId>
+              </a:tblPr>
+              <a:tblGrid>
+                <a:gridCol w="208280">
+                  <a:extLst>
+                    <a:ext uri="{9D8B030D-6E8A-4147-A177-3AD203B41FA5}">
+                      <a16:colId xmlns:a16="http://schemas.microsoft.com/office/drawing/2014/main" val="2651184761"/>
+                    </a:ext>
+                  </a:extLst>
+                </a:gridCol>
+                <a:gridCol w="3201639">
+                  <a:extLst>
+                    <a:ext uri="{9D8B030D-6E8A-4147-A177-3AD203B41FA5}">
+                      <a16:colId xmlns:a16="http://schemas.microsoft.com/office/drawing/2014/main" val="1278284831"/>
+                    </a:ext>
+                  </a:extLst>
+                </a:gridCol>
+                <a:gridCol w="208280">
+                  <a:extLst>
+                    <a:ext uri="{9D8B030D-6E8A-4147-A177-3AD203B41FA5}">
+                      <a16:colId xmlns:a16="http://schemas.microsoft.com/office/drawing/2014/main" val="2673907331"/>
+                    </a:ext>
+                  </a:extLst>
+                </a:gridCol>
+                <a:gridCol w="208280">
+                  <a:extLst>
+                    <a:ext uri="{9D8B030D-6E8A-4147-A177-3AD203B41FA5}">
+                      <a16:colId xmlns:a16="http://schemas.microsoft.com/office/drawing/2014/main" val="2396367388"/>
+                    </a:ext>
+                  </a:extLst>
+                </a:gridCol>
+                <a:gridCol w="208280">
+                  <a:extLst>
+                    <a:ext uri="{9D8B030D-6E8A-4147-A177-3AD203B41FA5}">
+                      <a16:colId xmlns:a16="http://schemas.microsoft.com/office/drawing/2014/main" val="1789665046"/>
+                    </a:ext>
+                  </a:extLst>
+                </a:gridCol>
+                <a:gridCol w="208280">
+                  <a:extLst>
+                    <a:ext uri="{9D8B030D-6E8A-4147-A177-3AD203B41FA5}">
+                      <a16:colId xmlns:a16="http://schemas.microsoft.com/office/drawing/2014/main" val="2620862330"/>
+                    </a:ext>
+                  </a:extLst>
+                </a:gridCol>
+                <a:gridCol w="208280">
+                  <a:extLst>
+                    <a:ext uri="{9D8B030D-6E8A-4147-A177-3AD203B41FA5}">
+                      <a16:colId xmlns:a16="http://schemas.microsoft.com/office/drawing/2014/main" val="1657865901"/>
+                    </a:ext>
+                  </a:extLst>
+                </a:gridCol>
+                <a:gridCol w="208280">
+                  <a:extLst>
+                    <a:ext uri="{9D8B030D-6E8A-4147-A177-3AD203B41FA5}">
+                      <a16:colId xmlns:a16="http://schemas.microsoft.com/office/drawing/2014/main" val="3727116168"/>
+                    </a:ext>
+                  </a:extLst>
+                </a:gridCol>
+                <a:gridCol w="208280">
+                  <a:extLst>
+                    <a:ext uri="{9D8B030D-6E8A-4147-A177-3AD203B41FA5}">
+                      <a16:colId xmlns:a16="http://schemas.microsoft.com/office/drawing/2014/main" val="3560251892"/>
+                    </a:ext>
+                  </a:extLst>
+                </a:gridCol>
+                <a:gridCol w="685524">
+                  <a:extLst>
+                    <a:ext uri="{9D8B030D-6E8A-4147-A177-3AD203B41FA5}">
+                      <a16:colId xmlns:a16="http://schemas.microsoft.com/office/drawing/2014/main" val="3283273542"/>
+                    </a:ext>
+                  </a:extLst>
+                </a:gridCol>
+              </a:tblGrid>
+              <a:tr h="269687">
+                <a:tc>
+                  <a:txBody>
+                    <a:bodyPr/>
+                    <a:lstStyle/>
+                    <a:p>
+                      <a:pPr algn="ctr"/>
+                      <a:endParaRPr lang="hu-HU" dirty="0"/>
+                    </a:p>
+                  </a:txBody>
+                  <a:tcPr>
+                    <a:lnL w="12700" cap="flat" cmpd="sng" algn="ctr">
+                      <a:solidFill>
+                        <a:schemeClr val="tx1"/>
+                      </a:solidFill>
+                      <a:prstDash val="solid"/>
+                      <a:round/>
+                      <a:headEnd type="none" w="med" len="med"/>
+                      <a:tailEnd type="none" w="med" len="med"/>
+                    </a:lnL>
+                    <a:lnR w="12700" cap="flat" cmpd="sng" algn="ctr">
+                      <a:solidFill>
+                        <a:schemeClr val="tx1"/>
+                      </a:solidFill>
+                      <a:prstDash val="solid"/>
+                      <a:round/>
+                      <a:headEnd type="none" w="med" len="med"/>
+                      <a:tailEnd type="none" w="med" len="med"/>
+                    </a:lnR>
+                    <a:lnT w="12700" cap="flat" cmpd="sng" algn="ctr">
+                      <a:solidFill>
+                        <a:schemeClr val="tx1"/>
+                      </a:solidFill>
+                      <a:prstDash val="solid"/>
+                      <a:round/>
+                      <a:headEnd type="none" w="med" len="med"/>
+                      <a:tailEnd type="none" w="med" len="med"/>
+                    </a:lnT>
+                    <a:lnB w="12700" cap="flat" cmpd="sng" algn="ctr">
+                      <a:solidFill>
+                        <a:schemeClr val="tx1"/>
+                      </a:solidFill>
+                      <a:prstDash val="solid"/>
+                      <a:round/>
+                      <a:headEnd type="none" w="med" len="med"/>
+                      <a:tailEnd type="none" w="med" len="med"/>
+                    </a:lnB>
+                  </a:tcPr>
+                </a:tc>
+                <a:tc>
+                  <a:txBody>
+                    <a:bodyPr/>
+                    <a:lstStyle/>
+                    <a:p>
+                      <a:pPr algn="ctr"/>
+                      <a:r>
+                        <a:rPr lang="hu-HU" dirty="0"/>
+                        <a:t>Feladat</a:t>
+                      </a:r>
+                    </a:p>
+                  </a:txBody>
+                  <a:tcPr>
+                    <a:lnL w="12700" cap="flat" cmpd="sng" algn="ctr">
+                      <a:solidFill>
+                        <a:schemeClr val="tx1"/>
+                      </a:solidFill>
+                      <a:prstDash val="solid"/>
+                      <a:round/>
+                      <a:headEnd type="none" w="med" len="med"/>
+                      <a:tailEnd type="none" w="med" len="med"/>
+                    </a:lnL>
+                    <a:lnR w="12700" cap="flat" cmpd="sng" algn="ctr">
+                      <a:solidFill>
+                        <a:schemeClr val="tx1"/>
+                      </a:solidFill>
+                      <a:prstDash val="solid"/>
+                      <a:round/>
+                      <a:headEnd type="none" w="med" len="med"/>
+                      <a:tailEnd type="none" w="med" len="med"/>
+                    </a:lnR>
+                    <a:lnT w="12700" cap="flat" cmpd="sng" algn="ctr">
+                      <a:solidFill>
+                        <a:schemeClr val="tx1"/>
+                      </a:solidFill>
+                      <a:prstDash val="solid"/>
+                      <a:round/>
+                      <a:headEnd type="none" w="med" len="med"/>
+                      <a:tailEnd type="none" w="med" len="med"/>
+                    </a:lnT>
+                    <a:lnB w="12700" cap="flat" cmpd="sng" algn="ctr">
+                      <a:solidFill>
+                        <a:schemeClr val="tx1"/>
+                      </a:solidFill>
+                      <a:prstDash val="solid"/>
+                      <a:round/>
+                      <a:headEnd type="none" w="med" len="med"/>
+                      <a:tailEnd type="none" w="med" len="med"/>
+                    </a:lnB>
+                  </a:tcPr>
+                </a:tc>
+                <a:tc>
+                  <a:txBody>
+                    <a:bodyPr/>
+                    <a:lstStyle/>
+                    <a:p>
+                      <a:pPr algn="ctr"/>
+                      <a:r>
+                        <a:rPr lang="hu-HU" dirty="0"/>
+                        <a:t>H</a:t>
+                      </a:r>
+                    </a:p>
+                  </a:txBody>
+                  <a:tcPr>
+                    <a:lnL w="12700" cap="flat" cmpd="sng" algn="ctr">
+                      <a:solidFill>
+                        <a:schemeClr val="tx1"/>
+                      </a:solidFill>
+                      <a:prstDash val="solid"/>
+                      <a:round/>
+                      <a:headEnd type="none" w="med" len="med"/>
+                      <a:tailEnd type="none" w="med" len="med"/>
+                    </a:lnL>
+                    <a:lnR w="12700" cap="flat" cmpd="sng" algn="ctr">
+                      <a:solidFill>
+                        <a:schemeClr val="tx1"/>
+                      </a:solidFill>
+                      <a:prstDash val="solid"/>
+                      <a:round/>
+                      <a:headEnd type="none" w="med" len="med"/>
+                      <a:tailEnd type="none" w="med" len="med"/>
+                    </a:lnR>
+                    <a:lnT w="12700" cap="flat" cmpd="sng" algn="ctr">
+                      <a:solidFill>
+                        <a:schemeClr val="tx1"/>
+                      </a:solidFill>
+                      <a:prstDash val="solid"/>
+                      <a:round/>
+                      <a:headEnd type="none" w="med" len="med"/>
+                      <a:tailEnd type="none" w="med" len="med"/>
+                    </a:lnT>
+                    <a:lnB w="12700" cap="flat" cmpd="sng" algn="ctr">
+                      <a:solidFill>
+                        <a:schemeClr val="tx1"/>
+                      </a:solidFill>
+                      <a:prstDash val="solid"/>
+                      <a:round/>
+                      <a:headEnd type="none" w="med" len="med"/>
+                      <a:tailEnd type="none" w="med" len="med"/>
+                    </a:lnB>
+                  </a:tcPr>
+                </a:tc>
+                <a:tc>
+                  <a:txBody>
+                    <a:bodyPr/>
+                    <a:lstStyle/>
+                    <a:p>
+                      <a:pPr algn="ctr"/>
+                      <a:r>
+                        <a:rPr lang="hu-HU" dirty="0"/>
+                        <a:t>K</a:t>
+                      </a:r>
+                    </a:p>
+                  </a:txBody>
+                  <a:tcPr>
+                    <a:lnL w="12700" cap="flat" cmpd="sng" algn="ctr">
+                      <a:solidFill>
+                        <a:schemeClr val="tx1"/>
+                      </a:solidFill>
+                      <a:prstDash val="solid"/>
+                      <a:round/>
+                      <a:headEnd type="none" w="med" len="med"/>
+                      <a:tailEnd type="none" w="med" len="med"/>
+                    </a:lnL>
+                    <a:lnR w="12700" cap="flat" cmpd="sng" algn="ctr">
+                      <a:solidFill>
+                        <a:schemeClr val="tx1"/>
+                      </a:solidFill>
+                      <a:prstDash val="solid"/>
+                      <a:round/>
+                      <a:headEnd type="none" w="med" len="med"/>
+                      <a:tailEnd type="none" w="med" len="med"/>
+                    </a:lnR>
+                    <a:lnT w="12700" cap="flat" cmpd="sng" algn="ctr">
+                      <a:solidFill>
+                        <a:schemeClr val="tx1"/>
+                      </a:solidFill>
+                      <a:prstDash val="solid"/>
+                      <a:round/>
+                      <a:headEnd type="none" w="med" len="med"/>
+                      <a:tailEnd type="none" w="med" len="med"/>
+                    </a:lnT>
+                    <a:lnB w="12700" cap="flat" cmpd="sng" algn="ctr">
+                      <a:solidFill>
+                        <a:schemeClr val="tx1"/>
+                      </a:solidFill>
+                      <a:prstDash val="solid"/>
+                      <a:round/>
+                      <a:headEnd type="none" w="med" len="med"/>
+                      <a:tailEnd type="none" w="med" len="med"/>
+                    </a:lnB>
+                  </a:tcPr>
+                </a:tc>
+                <a:tc>
+                  <a:txBody>
+                    <a:bodyPr/>
+                    <a:lstStyle/>
+                    <a:p>
+                      <a:pPr algn="ctr"/>
+                      <a:r>
+                        <a:rPr lang="hu-HU" dirty="0"/>
+                        <a:t>S</a:t>
+                      </a:r>
+                    </a:p>
+                  </a:txBody>
+                  <a:tcPr>
+                    <a:lnL w="12700" cap="flat" cmpd="sng" algn="ctr">
+                      <a:solidFill>
+                        <a:schemeClr val="tx1"/>
+                      </a:solidFill>
+                      <a:prstDash val="solid"/>
+                      <a:round/>
+                      <a:headEnd type="none" w="med" len="med"/>
+                      <a:tailEnd type="none" w="med" len="med"/>
+                    </a:lnL>
+                    <a:lnR w="12700" cap="flat" cmpd="sng" algn="ctr">
+                      <a:solidFill>
+                        <a:schemeClr val="tx1"/>
+                      </a:solidFill>
+                      <a:prstDash val="solid"/>
+                      <a:round/>
+                      <a:headEnd type="none" w="med" len="med"/>
+                      <a:tailEnd type="none" w="med" len="med"/>
+                    </a:lnR>
+                    <a:lnT w="12700" cap="flat" cmpd="sng" algn="ctr">
+                      <a:solidFill>
+                        <a:schemeClr val="tx1"/>
+                      </a:solidFill>
+                      <a:prstDash val="solid"/>
+                      <a:round/>
+                      <a:headEnd type="none" w="med" len="med"/>
+                      <a:tailEnd type="none" w="med" len="med"/>
+                    </a:lnT>
+                    <a:lnB w="12700" cap="flat" cmpd="sng" algn="ctr">
+                      <a:solidFill>
+                        <a:schemeClr val="tx1"/>
+                      </a:solidFill>
+                      <a:prstDash val="solid"/>
+                      <a:round/>
+                      <a:headEnd type="none" w="med" len="med"/>
+                      <a:tailEnd type="none" w="med" len="med"/>
+                    </a:lnB>
+                  </a:tcPr>
+                </a:tc>
+                <a:tc>
+                  <a:txBody>
+                    <a:bodyPr/>
+                    <a:lstStyle/>
+                    <a:p>
+                      <a:pPr algn="ctr"/>
+                      <a:r>
+                        <a:rPr lang="hu-HU" dirty="0"/>
+                        <a:t>C</a:t>
+                      </a:r>
+                    </a:p>
+                  </a:txBody>
+                  <a:tcPr>
+                    <a:lnL w="12700" cap="flat" cmpd="sng" algn="ctr">
+                      <a:solidFill>
+                        <a:schemeClr val="tx1"/>
+                      </a:solidFill>
+                      <a:prstDash val="solid"/>
+                      <a:round/>
+                      <a:headEnd type="none" w="med" len="med"/>
+                      <a:tailEnd type="none" w="med" len="med"/>
+                    </a:lnL>
+                    <a:lnR w="12700" cap="flat" cmpd="sng" algn="ctr">
+                      <a:solidFill>
+                        <a:schemeClr val="tx1"/>
+                      </a:solidFill>
+                      <a:prstDash val="solid"/>
+                      <a:round/>
+                      <a:headEnd type="none" w="med" len="med"/>
+                      <a:tailEnd type="none" w="med" len="med"/>
+                    </a:lnR>
+                    <a:lnT w="12700" cap="flat" cmpd="sng" algn="ctr">
+                      <a:solidFill>
+                        <a:schemeClr val="tx1"/>
+                      </a:solidFill>
+                      <a:prstDash val="solid"/>
+                      <a:round/>
+                      <a:headEnd type="none" w="med" len="med"/>
+                      <a:tailEnd type="none" w="med" len="med"/>
+                    </a:lnT>
+                    <a:lnB w="12700" cap="flat" cmpd="sng" algn="ctr">
+                      <a:solidFill>
+                        <a:schemeClr val="tx1"/>
+                      </a:solidFill>
+                      <a:prstDash val="solid"/>
+                      <a:round/>
+                      <a:headEnd type="none" w="med" len="med"/>
+                      <a:tailEnd type="none" w="med" len="med"/>
+                    </a:lnB>
+                  </a:tcPr>
+                </a:tc>
+                <a:tc>
+                  <a:txBody>
+                    <a:bodyPr/>
+                    <a:lstStyle/>
+                    <a:p>
+                      <a:pPr algn="ctr"/>
+                      <a:r>
+                        <a:rPr lang="hu-HU" dirty="0"/>
+                        <a:t>P</a:t>
+                      </a:r>
+                    </a:p>
+                  </a:txBody>
+                  <a:tcPr>
+                    <a:lnL w="12700" cap="flat" cmpd="sng" algn="ctr">
+                      <a:solidFill>
+                        <a:schemeClr val="tx1"/>
+                      </a:solidFill>
+                      <a:prstDash val="solid"/>
+                      <a:round/>
+                      <a:headEnd type="none" w="med" len="med"/>
+                      <a:tailEnd type="none" w="med" len="med"/>
+                    </a:lnL>
+                    <a:lnR w="12700" cap="flat" cmpd="sng" algn="ctr">
+                      <a:solidFill>
+                        <a:schemeClr val="tx1"/>
+                      </a:solidFill>
+                      <a:prstDash val="solid"/>
+                      <a:round/>
+                      <a:headEnd type="none" w="med" len="med"/>
+                      <a:tailEnd type="none" w="med" len="med"/>
+                    </a:lnR>
+                    <a:lnT w="12700" cap="flat" cmpd="sng" algn="ctr">
+                      <a:solidFill>
+                        <a:schemeClr val="tx1"/>
+                      </a:solidFill>
+                      <a:prstDash val="solid"/>
+                      <a:round/>
+                      <a:headEnd type="none" w="med" len="med"/>
+                      <a:tailEnd type="none" w="med" len="med"/>
+                    </a:lnT>
+                    <a:lnB w="12700" cap="flat" cmpd="sng" algn="ctr">
+                      <a:solidFill>
+                        <a:schemeClr val="tx1"/>
+                      </a:solidFill>
+                      <a:prstDash val="solid"/>
+                      <a:round/>
+                      <a:headEnd type="none" w="med" len="med"/>
+                      <a:tailEnd type="none" w="med" len="med"/>
+                    </a:lnB>
+                  </a:tcPr>
+                </a:tc>
+                <a:tc>
+                  <a:txBody>
+                    <a:bodyPr/>
+                    <a:lstStyle/>
+                    <a:p>
+                      <a:pPr algn="ctr"/>
+                      <a:r>
+                        <a:rPr lang="hu-HU" dirty="0"/>
+                        <a:t>S</a:t>
+                      </a:r>
+                    </a:p>
+                  </a:txBody>
+                  <a:tcPr>
+                    <a:lnL w="12700" cap="flat" cmpd="sng" algn="ctr">
+                      <a:solidFill>
+                        <a:schemeClr val="tx1"/>
+                      </a:solidFill>
+                      <a:prstDash val="solid"/>
+                      <a:round/>
+                      <a:headEnd type="none" w="med" len="med"/>
+                      <a:tailEnd type="none" w="med" len="med"/>
+                    </a:lnL>
+                    <a:lnR w="12700" cap="flat" cmpd="sng" algn="ctr">
+                      <a:solidFill>
+                        <a:schemeClr val="tx1"/>
+                      </a:solidFill>
+                      <a:prstDash val="solid"/>
+                      <a:round/>
+                      <a:headEnd type="none" w="med" len="med"/>
+                      <a:tailEnd type="none" w="med" len="med"/>
+                    </a:lnR>
+                    <a:lnT w="12700" cap="flat" cmpd="sng" algn="ctr">
+                      <a:solidFill>
+                        <a:schemeClr val="tx1"/>
+                      </a:solidFill>
+                      <a:prstDash val="solid"/>
+                      <a:round/>
+                      <a:headEnd type="none" w="med" len="med"/>
+                      <a:tailEnd type="none" w="med" len="med"/>
+                    </a:lnT>
+                    <a:lnB w="12700" cap="flat" cmpd="sng" algn="ctr">
+                      <a:solidFill>
+                        <a:schemeClr val="tx1"/>
+                      </a:solidFill>
+                      <a:prstDash val="solid"/>
+                      <a:round/>
+                      <a:headEnd type="none" w="med" len="med"/>
+                      <a:tailEnd type="none" w="med" len="med"/>
+                    </a:lnB>
+                  </a:tcPr>
+                </a:tc>
+                <a:tc>
+                  <a:txBody>
+                    <a:bodyPr/>
+                    <a:lstStyle/>
+                    <a:p>
+                      <a:pPr algn="ctr"/>
+                      <a:r>
+                        <a:rPr lang="hu-HU" dirty="0"/>
+                        <a:t>V</a:t>
+                      </a:r>
+                    </a:p>
+                  </a:txBody>
+                  <a:tcPr>
+                    <a:lnL w="12700" cap="flat" cmpd="sng" algn="ctr">
+                      <a:solidFill>
+                        <a:schemeClr val="tx1"/>
+                      </a:solidFill>
+                      <a:prstDash val="solid"/>
+                      <a:round/>
+                      <a:headEnd type="none" w="med" len="med"/>
+                      <a:tailEnd type="none" w="med" len="med"/>
+                    </a:lnL>
+                    <a:lnR w="12700" cap="flat" cmpd="sng" algn="ctr">
+                      <a:solidFill>
+                        <a:schemeClr val="tx1"/>
+                      </a:solidFill>
+                      <a:prstDash val="solid"/>
+                      <a:round/>
+                      <a:headEnd type="none" w="med" len="med"/>
+                      <a:tailEnd type="none" w="med" len="med"/>
+                    </a:lnR>
+                    <a:lnT w="12700" cap="flat" cmpd="sng" algn="ctr">
+                      <a:solidFill>
+                        <a:schemeClr val="tx1"/>
+                      </a:solidFill>
+                      <a:prstDash val="solid"/>
+                      <a:round/>
+                      <a:headEnd type="none" w="med" len="med"/>
+                      <a:tailEnd type="none" w="med" len="med"/>
+                    </a:lnT>
+                    <a:lnB w="12700" cap="flat" cmpd="sng" algn="ctr">
+                      <a:solidFill>
+                        <a:schemeClr val="tx1"/>
+                      </a:solidFill>
+                      <a:prstDash val="solid"/>
+                      <a:round/>
+                      <a:headEnd type="none" w="med" len="med"/>
+                      <a:tailEnd type="none" w="med" len="med"/>
+                    </a:lnB>
+                  </a:tcPr>
+                </a:tc>
+                <a:tc>
+                  <a:txBody>
+                    <a:bodyPr/>
+                    <a:lstStyle/>
+                    <a:p>
+                      <a:pPr algn="ctr"/>
+                      <a:r>
+                        <a:rPr lang="hu-HU" dirty="0" err="1"/>
+                        <a:t>Megj</a:t>
+                      </a:r>
+                      <a:endParaRPr lang="hu-HU" dirty="0"/>
+                    </a:p>
+                  </a:txBody>
+                  <a:tcPr>
+                    <a:lnL w="12700" cap="flat" cmpd="sng" algn="ctr">
+                      <a:solidFill>
+                        <a:schemeClr val="tx1"/>
+                      </a:solidFill>
+                      <a:prstDash val="solid"/>
+                      <a:round/>
+                      <a:headEnd type="none" w="med" len="med"/>
+                      <a:tailEnd type="none" w="med" len="med"/>
+                    </a:lnL>
+                    <a:lnR w="12700" cap="flat" cmpd="sng" algn="ctr">
+                      <a:solidFill>
+                        <a:schemeClr val="tx1"/>
+                      </a:solidFill>
+                      <a:prstDash val="solid"/>
+                      <a:round/>
+                      <a:headEnd type="none" w="med" len="med"/>
+                      <a:tailEnd type="none" w="med" len="med"/>
+                    </a:lnR>
+                    <a:lnT w="12700" cap="flat" cmpd="sng" algn="ctr">
+                      <a:solidFill>
+                        <a:schemeClr val="tx1"/>
+                      </a:solidFill>
+                      <a:prstDash val="solid"/>
+                      <a:round/>
+                      <a:headEnd type="none" w="med" len="med"/>
+                      <a:tailEnd type="none" w="med" len="med"/>
+                    </a:lnT>
+                    <a:lnB w="12700" cap="flat" cmpd="sng" algn="ctr">
+                      <a:solidFill>
+                        <a:schemeClr val="tx1"/>
+                      </a:solidFill>
+                      <a:prstDash val="solid"/>
+                      <a:round/>
+                      <a:headEnd type="none" w="med" len="med"/>
+                      <a:tailEnd type="none" w="med" len="med"/>
+                    </a:lnB>
+                  </a:tcPr>
+                </a:tc>
+                <a:extLst>
+                  <a:ext uri="{0D108BD9-81ED-4DB2-BD59-A6C34878D82A}">
+                    <a16:rowId xmlns:a16="http://schemas.microsoft.com/office/drawing/2014/main" val="4256960761"/>
+                  </a:ext>
+                </a:extLst>
+              </a:tr>
+              <a:tr h="6642077">
+                <a:tc>
+                  <a:txBody>
+                    <a:bodyPr/>
+                    <a:lstStyle/>
+                    <a:p>
+                      <a:endParaRPr lang="hu-HU" dirty="0"/>
+                    </a:p>
+                  </a:txBody>
+                  <a:tcPr>
+                    <a:lnL w="12700" cap="flat" cmpd="sng" algn="ctr">
+                      <a:solidFill>
+                        <a:schemeClr val="tx1"/>
+                      </a:solidFill>
+                      <a:prstDash val="solid"/>
+                      <a:round/>
+                      <a:headEnd type="none" w="med" len="med"/>
+                      <a:tailEnd type="none" w="med" len="med"/>
+                    </a:lnL>
+                    <a:lnR w="12700" cap="flat" cmpd="sng" algn="ctr">
+                      <a:solidFill>
+                        <a:schemeClr val="tx1"/>
+                      </a:solidFill>
+                      <a:prstDash val="solid"/>
+                      <a:round/>
+                      <a:headEnd type="none" w="med" len="med"/>
+                      <a:tailEnd type="none" w="med" len="med"/>
+                    </a:lnR>
+                    <a:lnT w="12700" cap="flat" cmpd="sng" algn="ctr">
+                      <a:solidFill>
+                        <a:schemeClr val="tx1"/>
+                      </a:solidFill>
+                      <a:prstDash val="solid"/>
+                      <a:round/>
+                      <a:headEnd type="none" w="med" len="med"/>
+                      <a:tailEnd type="none" w="med" len="med"/>
+                    </a:lnT>
+                    <a:lnB w="12700" cap="flat" cmpd="sng" algn="ctr">
+                      <a:solidFill>
+                        <a:schemeClr val="tx1"/>
+                      </a:solidFill>
+                      <a:prstDash val="solid"/>
+                      <a:round/>
+                      <a:headEnd type="none" w="med" len="med"/>
+                      <a:tailEnd type="none" w="med" len="med"/>
+                    </a:lnB>
+                    <a:noFill/>
+                  </a:tcPr>
+                </a:tc>
+                <a:tc>
+                  <a:txBody>
+                    <a:bodyPr/>
+                    <a:lstStyle/>
+                    <a:p>
+                      <a:endParaRPr lang="hu-HU" dirty="0"/>
+                    </a:p>
+                  </a:txBody>
+                  <a:tcPr>
+                    <a:lnL w="12700" cap="flat" cmpd="sng" algn="ctr">
+                      <a:solidFill>
+                        <a:schemeClr val="tx1"/>
+                      </a:solidFill>
+                      <a:prstDash val="solid"/>
+                      <a:round/>
+                      <a:headEnd type="none" w="med" len="med"/>
+                      <a:tailEnd type="none" w="med" len="med"/>
+                    </a:lnL>
+                    <a:lnR w="12700" cap="flat" cmpd="sng" algn="ctr">
+                      <a:solidFill>
+                        <a:schemeClr val="tx1"/>
+                      </a:solidFill>
+                      <a:prstDash val="solid"/>
+                      <a:round/>
+                      <a:headEnd type="none" w="med" len="med"/>
+                      <a:tailEnd type="none" w="med" len="med"/>
+                    </a:lnR>
+                    <a:lnT w="12700" cap="flat" cmpd="sng" algn="ctr">
+                      <a:solidFill>
+                        <a:schemeClr val="tx1"/>
+                      </a:solidFill>
+                      <a:prstDash val="solid"/>
+                      <a:round/>
+                      <a:headEnd type="none" w="med" len="med"/>
+                      <a:tailEnd type="none" w="med" len="med"/>
+                    </a:lnT>
+                    <a:lnB w="12700" cap="flat" cmpd="sng" algn="ctr">
+                      <a:solidFill>
+                        <a:schemeClr val="tx1"/>
+                      </a:solidFill>
+                      <a:prstDash val="solid"/>
+                      <a:round/>
+                      <a:headEnd type="none" w="med" len="med"/>
+                      <a:tailEnd type="none" w="med" len="med"/>
+                    </a:lnB>
+                    <a:noFill/>
+                  </a:tcPr>
+                </a:tc>
+                <a:tc>
+                  <a:txBody>
+                    <a:bodyPr/>
+                    <a:lstStyle/>
+                    <a:p>
+                      <a:endParaRPr lang="hu-HU" dirty="0"/>
+                    </a:p>
+                  </a:txBody>
+                  <a:tcPr>
+                    <a:lnL w="12700" cap="flat" cmpd="sng" algn="ctr">
+                      <a:solidFill>
+                        <a:schemeClr val="tx1"/>
+                      </a:solidFill>
+                      <a:prstDash val="solid"/>
+                      <a:round/>
+                      <a:headEnd type="none" w="med" len="med"/>
+                      <a:tailEnd type="none" w="med" len="med"/>
+                    </a:lnL>
+                    <a:lnR w="12700" cap="flat" cmpd="sng" algn="ctr">
+                      <a:solidFill>
+                        <a:schemeClr val="tx1"/>
+                      </a:solidFill>
+                      <a:prstDash val="solid"/>
+                      <a:round/>
+                      <a:headEnd type="none" w="med" len="med"/>
+                      <a:tailEnd type="none" w="med" len="med"/>
+                    </a:lnR>
+                    <a:lnT w="12700" cap="flat" cmpd="sng" algn="ctr">
+                      <a:solidFill>
+                        <a:schemeClr val="tx1"/>
+                      </a:solidFill>
+                      <a:prstDash val="solid"/>
+                      <a:round/>
+                      <a:headEnd type="none" w="med" len="med"/>
+                      <a:tailEnd type="none" w="med" len="med"/>
+                    </a:lnT>
+                    <a:lnB w="12700" cap="flat" cmpd="sng" algn="ctr">
+                      <a:solidFill>
+                        <a:schemeClr val="tx1"/>
+                      </a:solidFill>
+                      <a:prstDash val="solid"/>
+                      <a:round/>
+                      <a:headEnd type="none" w="med" len="med"/>
+                      <a:tailEnd type="none" w="med" len="med"/>
+                    </a:lnB>
+                    <a:noFill/>
+                  </a:tcPr>
+                </a:tc>
+                <a:tc>
+                  <a:txBody>
+                    <a:bodyPr/>
+                    <a:lstStyle/>
+                    <a:p>
+                      <a:endParaRPr lang="hu-HU" dirty="0"/>
+                    </a:p>
+                  </a:txBody>
+                  <a:tcPr>
+                    <a:lnL w="12700" cap="flat" cmpd="sng" algn="ctr">
+                      <a:solidFill>
+                        <a:schemeClr val="tx1"/>
+                      </a:solidFill>
+                      <a:prstDash val="solid"/>
+                      <a:round/>
+                      <a:headEnd type="none" w="med" len="med"/>
+                      <a:tailEnd type="none" w="med" len="med"/>
+                    </a:lnL>
+                    <a:lnR w="12700" cap="flat" cmpd="sng" algn="ctr">
+                      <a:solidFill>
+                        <a:schemeClr val="tx1"/>
+                      </a:solidFill>
+                      <a:prstDash val="solid"/>
+                      <a:round/>
+                      <a:headEnd type="none" w="med" len="med"/>
+                      <a:tailEnd type="none" w="med" len="med"/>
+                    </a:lnR>
+                    <a:lnT w="12700" cap="flat" cmpd="sng" algn="ctr">
+                      <a:solidFill>
+                        <a:schemeClr val="tx1"/>
+                      </a:solidFill>
+                      <a:prstDash val="solid"/>
+                      <a:round/>
+                      <a:headEnd type="none" w="med" len="med"/>
+                      <a:tailEnd type="none" w="med" len="med"/>
+                    </a:lnT>
+                    <a:lnB w="12700" cap="flat" cmpd="sng" algn="ctr">
+                      <a:solidFill>
+                        <a:schemeClr val="tx1"/>
+                      </a:solidFill>
+                      <a:prstDash val="solid"/>
+                      <a:round/>
+                      <a:headEnd type="none" w="med" len="med"/>
+                      <a:tailEnd type="none" w="med" len="med"/>
+                    </a:lnB>
+                    <a:noFill/>
+                  </a:tcPr>
+                </a:tc>
+                <a:tc>
+                  <a:txBody>
+                    <a:bodyPr/>
+                    <a:lstStyle/>
+                    <a:p>
+                      <a:endParaRPr lang="hu-HU" dirty="0"/>
+                    </a:p>
+                  </a:txBody>
+                  <a:tcPr>
+                    <a:lnL w="12700" cap="flat" cmpd="sng" algn="ctr">
+                      <a:solidFill>
+                        <a:schemeClr val="tx1"/>
+                      </a:solidFill>
+                      <a:prstDash val="solid"/>
+                      <a:round/>
+                      <a:headEnd type="none" w="med" len="med"/>
+                      <a:tailEnd type="none" w="med" len="med"/>
+                    </a:lnL>
+                    <a:lnR w="12700" cap="flat" cmpd="sng" algn="ctr">
+                      <a:solidFill>
+                        <a:schemeClr val="tx1"/>
+                      </a:solidFill>
+                      <a:prstDash val="solid"/>
+                      <a:round/>
+                      <a:headEnd type="none" w="med" len="med"/>
+                      <a:tailEnd type="none" w="med" len="med"/>
+                    </a:lnR>
+                    <a:lnT w="12700" cap="flat" cmpd="sng" algn="ctr">
+                      <a:solidFill>
+                        <a:schemeClr val="tx1"/>
+                      </a:solidFill>
+                      <a:prstDash val="solid"/>
+                      <a:round/>
+                      <a:headEnd type="none" w="med" len="med"/>
+                      <a:tailEnd type="none" w="med" len="med"/>
+                    </a:lnT>
+                    <a:lnB w="12700" cap="flat" cmpd="sng" algn="ctr">
+                      <a:solidFill>
+                        <a:schemeClr val="tx1"/>
+                      </a:solidFill>
+                      <a:prstDash val="solid"/>
+                      <a:round/>
+                      <a:headEnd type="none" w="med" len="med"/>
+                      <a:tailEnd type="none" w="med" len="med"/>
+                    </a:lnB>
+                    <a:noFill/>
+                  </a:tcPr>
+                </a:tc>
+                <a:tc>
+                  <a:txBody>
+                    <a:bodyPr/>
+                    <a:lstStyle/>
+                    <a:p>
+                      <a:endParaRPr lang="hu-HU" dirty="0"/>
+                    </a:p>
+                  </a:txBody>
+                  <a:tcPr>
+                    <a:lnL w="12700" cap="flat" cmpd="sng" algn="ctr">
+                      <a:solidFill>
+                        <a:schemeClr val="tx1"/>
+                      </a:solidFill>
+                      <a:prstDash val="solid"/>
+                      <a:round/>
+                      <a:headEnd type="none" w="med" len="med"/>
+                      <a:tailEnd type="none" w="med" len="med"/>
+                    </a:lnL>
+                    <a:lnR w="12700" cap="flat" cmpd="sng" algn="ctr">
+                      <a:solidFill>
+                        <a:schemeClr val="tx1"/>
+                      </a:solidFill>
+                      <a:prstDash val="solid"/>
+                      <a:round/>
+                      <a:headEnd type="none" w="med" len="med"/>
+                      <a:tailEnd type="none" w="med" len="med"/>
+                    </a:lnR>
+                    <a:lnT w="12700" cap="flat" cmpd="sng" algn="ctr">
+                      <a:solidFill>
+                        <a:schemeClr val="tx1"/>
+                      </a:solidFill>
+                      <a:prstDash val="solid"/>
+                      <a:round/>
+                      <a:headEnd type="none" w="med" len="med"/>
+                      <a:tailEnd type="none" w="med" len="med"/>
+                    </a:lnT>
+                    <a:lnB w="12700" cap="flat" cmpd="sng" algn="ctr">
+                      <a:solidFill>
+                        <a:schemeClr val="tx1"/>
+                      </a:solidFill>
+                      <a:prstDash val="solid"/>
+                      <a:round/>
+                      <a:headEnd type="none" w="med" len="med"/>
+                      <a:tailEnd type="none" w="med" len="med"/>
+                    </a:lnB>
+                    <a:noFill/>
+                  </a:tcPr>
+                </a:tc>
+                <a:tc>
+                  <a:txBody>
+                    <a:bodyPr/>
+                    <a:lstStyle/>
+                    <a:p>
+                      <a:endParaRPr lang="hu-HU"/>
+                    </a:p>
+                  </a:txBody>
+                  <a:tcPr>
+                    <a:lnL w="12700" cap="flat" cmpd="sng" algn="ctr">
+                      <a:solidFill>
+                        <a:schemeClr val="tx1"/>
+                      </a:solidFill>
+                      <a:prstDash val="solid"/>
+                      <a:round/>
+                      <a:headEnd type="none" w="med" len="med"/>
+                      <a:tailEnd type="none" w="med" len="med"/>
+                    </a:lnL>
+                    <a:lnR w="12700" cap="flat" cmpd="sng" algn="ctr">
+                      <a:solidFill>
+                        <a:schemeClr val="tx1"/>
+                      </a:solidFill>
+                      <a:prstDash val="solid"/>
+                      <a:round/>
+                      <a:headEnd type="none" w="med" len="med"/>
+                      <a:tailEnd type="none" w="med" len="med"/>
+                    </a:lnR>
+                    <a:lnT w="12700" cap="flat" cmpd="sng" algn="ctr">
+                      <a:solidFill>
+                        <a:schemeClr val="tx1"/>
+                      </a:solidFill>
+                      <a:prstDash val="solid"/>
+                      <a:round/>
+                      <a:headEnd type="none" w="med" len="med"/>
+                      <a:tailEnd type="none" w="med" len="med"/>
+                    </a:lnT>
+                    <a:lnB w="12700" cap="flat" cmpd="sng" algn="ctr">
+                      <a:solidFill>
+                        <a:schemeClr val="tx1"/>
+                      </a:solidFill>
+                      <a:prstDash val="solid"/>
+                      <a:round/>
+                      <a:headEnd type="none" w="med" len="med"/>
+                      <a:tailEnd type="none" w="med" len="med"/>
+                    </a:lnB>
+                    <a:noFill/>
+                  </a:tcPr>
+                </a:tc>
+                <a:tc>
+                  <a:txBody>
+                    <a:bodyPr/>
+                    <a:lstStyle/>
+                    <a:p>
+                      <a:endParaRPr lang="hu-HU" dirty="0"/>
+                    </a:p>
+                  </a:txBody>
+                  <a:tcPr>
+                    <a:lnL w="12700" cap="flat" cmpd="sng" algn="ctr">
+                      <a:solidFill>
+                        <a:schemeClr val="tx1"/>
+                      </a:solidFill>
+                      <a:prstDash val="solid"/>
+                      <a:round/>
+                      <a:headEnd type="none" w="med" len="med"/>
+                      <a:tailEnd type="none" w="med" len="med"/>
+                    </a:lnL>
+                    <a:lnR w="12700" cap="flat" cmpd="sng" algn="ctr">
+                      <a:solidFill>
+                        <a:schemeClr val="tx1"/>
+                      </a:solidFill>
+                      <a:prstDash val="solid"/>
+                      <a:round/>
+                      <a:headEnd type="none" w="med" len="med"/>
+                      <a:tailEnd type="none" w="med" len="med"/>
+                    </a:lnR>
+                    <a:lnT w="12700" cap="flat" cmpd="sng" algn="ctr">
+                      <a:solidFill>
+                        <a:schemeClr val="tx1"/>
+                      </a:solidFill>
+                      <a:prstDash val="solid"/>
+                      <a:round/>
+                      <a:headEnd type="none" w="med" len="med"/>
+                      <a:tailEnd type="none" w="med" len="med"/>
+                    </a:lnT>
+                    <a:lnB w="12700" cap="flat" cmpd="sng" algn="ctr">
+                      <a:solidFill>
+                        <a:schemeClr val="tx1"/>
+                      </a:solidFill>
+                      <a:prstDash val="solid"/>
+                      <a:round/>
+                      <a:headEnd type="none" w="med" len="med"/>
+                      <a:tailEnd type="none" w="med" len="med"/>
+                    </a:lnB>
+                    <a:noFill/>
+                  </a:tcPr>
+                </a:tc>
+                <a:tc>
+                  <a:txBody>
+                    <a:bodyPr/>
+                    <a:lstStyle/>
+                    <a:p>
+                      <a:endParaRPr lang="hu-HU" dirty="0"/>
+                    </a:p>
+                  </a:txBody>
+                  <a:tcPr>
+                    <a:lnL w="12700" cap="flat" cmpd="sng" algn="ctr">
+                      <a:solidFill>
+                        <a:schemeClr val="tx1"/>
+                      </a:solidFill>
+                      <a:prstDash val="solid"/>
+                      <a:round/>
+                      <a:headEnd type="none" w="med" len="med"/>
+                      <a:tailEnd type="none" w="med" len="med"/>
+                    </a:lnL>
+                    <a:lnR w="12700" cap="flat" cmpd="sng" algn="ctr">
+                      <a:solidFill>
+                        <a:schemeClr val="tx1"/>
+                      </a:solidFill>
+                      <a:prstDash val="solid"/>
+                      <a:round/>
+                      <a:headEnd type="none" w="med" len="med"/>
+                      <a:tailEnd type="none" w="med" len="med"/>
+                    </a:lnR>
+                    <a:lnT w="12700" cap="flat" cmpd="sng" algn="ctr">
+                      <a:solidFill>
+                        <a:schemeClr val="tx1"/>
+                      </a:solidFill>
+                      <a:prstDash val="solid"/>
+                      <a:round/>
+                      <a:headEnd type="none" w="med" len="med"/>
+                      <a:tailEnd type="none" w="med" len="med"/>
+                    </a:lnT>
+                    <a:lnB w="12700" cap="flat" cmpd="sng" algn="ctr">
+                      <a:solidFill>
+                        <a:schemeClr val="tx1"/>
+                      </a:solidFill>
+                      <a:prstDash val="solid"/>
+                      <a:round/>
+                      <a:headEnd type="none" w="med" len="med"/>
+                      <a:tailEnd type="none" w="med" len="med"/>
+                    </a:lnB>
+                    <a:noFill/>
+                  </a:tcPr>
+                </a:tc>
+                <a:tc>
+                  <a:txBody>
+                    <a:bodyPr/>
+                    <a:lstStyle/>
+                    <a:p>
+                      <a:endParaRPr lang="hu-HU" dirty="0"/>
+                    </a:p>
+                  </a:txBody>
+                  <a:tcPr>
+                    <a:lnL w="12700" cap="flat" cmpd="sng" algn="ctr">
+                      <a:solidFill>
+                        <a:schemeClr val="tx1"/>
+                      </a:solidFill>
+                      <a:prstDash val="solid"/>
+                      <a:round/>
+                      <a:headEnd type="none" w="med" len="med"/>
+                      <a:tailEnd type="none" w="med" len="med"/>
+                    </a:lnL>
+                    <a:lnR w="12700" cap="flat" cmpd="sng" algn="ctr">
+                      <a:solidFill>
+                        <a:schemeClr val="tx1"/>
+                      </a:solidFill>
+                      <a:prstDash val="solid"/>
+                      <a:round/>
+                      <a:headEnd type="none" w="med" len="med"/>
+                      <a:tailEnd type="none" w="med" len="med"/>
+                    </a:lnR>
+                    <a:lnT w="12700" cap="flat" cmpd="sng" algn="ctr">
+                      <a:solidFill>
+                        <a:schemeClr val="tx1"/>
+                      </a:solidFill>
+                      <a:prstDash val="solid"/>
+                      <a:round/>
+                      <a:headEnd type="none" w="med" len="med"/>
+                      <a:tailEnd type="none" w="med" len="med"/>
+                    </a:lnT>
+                    <a:lnB w="12700" cap="flat" cmpd="sng" algn="ctr">
+                      <a:solidFill>
+                        <a:schemeClr val="tx1"/>
+                      </a:solidFill>
+                      <a:prstDash val="solid"/>
+                      <a:round/>
+                      <a:headEnd type="none" w="med" len="med"/>
+                      <a:tailEnd type="none" w="med" len="med"/>
+                    </a:lnB>
+                    <a:noFill/>
+                  </a:tcPr>
+                </a:tc>
+                <a:extLst>
+                  <a:ext uri="{0D108BD9-81ED-4DB2-BD59-A6C34878D82A}">
+                    <a16:rowId xmlns:a16="http://schemas.microsoft.com/office/drawing/2014/main" val="2707876754"/>
+                  </a:ext>
+                </a:extLst>
+              </a:tr>
+            </a:tbl>
+          </a:graphicData>
+        </a:graphic>
+      </p:graphicFrame>
+    </p:spTree>
+    <p:extLst>
+      <p:ext uri="{BB962C8B-B14F-4D97-AF65-F5344CB8AC3E}">
+        <p14:creationId xmlns:p14="http://schemas.microsoft.com/office/powerpoint/2010/main" val="585622228"/>
+      </p:ext>
+    </p:extLst>
+  </p:cSld>
+  <p:clrMapOvr>
+    <a:masterClrMapping/>
+  </p:clrMapOvr>
+</p:sld>
+</file>
+
+<file path=ppt/slides/slide4.xml><?xml version="1.0" encoding="utf-8"?>
+<p:sld xmlns:a="http://schemas.openxmlformats.org/drawingml/2006/main" xmlns:r="http://schemas.openxmlformats.org/officeDocument/2006/relationships" xmlns:p="http://schemas.openxmlformats.org/presentationml/2006/main">
+  <p:cSld>
+    <p:spTree>
+      <p:nvGrpSpPr>
+        <p:cNvPr id="1" name=""/>
+        <p:cNvGrpSpPr/>
+        <p:nvPr/>
+      </p:nvGrpSpPr>
+      <p:grpSpPr>
+        <a:xfrm>
+          <a:off x="0" y="0"/>
+          <a:ext cx="0" cy="0"/>
+          <a:chOff x="0" y="0"/>
+          <a:chExt cx="0" cy="0"/>
+        </a:xfrm>
+      </p:grpSpPr>
+      <p:sp>
+        <p:nvSpPr>
+          <p:cNvPr id="2" name="Title 1">
+            <a:extLst>
+              <a:ext uri="{FF2B5EF4-FFF2-40B4-BE49-F238E27FC236}">
+                <a16:creationId xmlns:a16="http://schemas.microsoft.com/office/drawing/2014/main" id="{8994F8C8-26A8-AC0E-F6CC-BC9D61E02A34}"/>
+              </a:ext>
+            </a:extLst>
+          </p:cNvPr>
+          <p:cNvSpPr>
+            <a:spLocks noGrp="1"/>
+          </p:cNvSpPr>
+          <p:nvPr>
+            <p:ph type="title"/>
+          </p:nvPr>
+        </p:nvSpPr>
+        <p:spPr>
+          <a:xfrm>
+            <a:off x="519504" y="-48765"/>
+            <a:ext cx="4881265" cy="617034"/>
+          </a:xfrm>
+          <a:prstGeom prst="rect">
+            <a:avLst/>
+          </a:prstGeom>
+        </p:spPr>
+        <p:txBody>
+          <a:bodyPr/>
+          <a:lstStyle/>
+          <a:p>
+            <a:r>
+              <a:rPr lang="hu-HU" dirty="0"/>
+              <a:t>Heti feladatok</a:t>
+            </a:r>
+          </a:p>
+        </p:txBody>
+      </p:sp>
+      <p:graphicFrame>
+        <p:nvGraphicFramePr>
+          <p:cNvPr id="4" name="Table 4">
+            <a:extLst>
+              <a:ext uri="{FF2B5EF4-FFF2-40B4-BE49-F238E27FC236}">
+                <a16:creationId xmlns:a16="http://schemas.microsoft.com/office/drawing/2014/main" id="{179A48EE-BA02-4806-9F9B-6D912C81E640}"/>
+              </a:ext>
+            </a:extLst>
+          </p:cNvPr>
+          <p:cNvGraphicFramePr>
+            <a:graphicFrameLocks noGrp="1"/>
+          </p:cNvGraphicFramePr>
+          <p:nvPr>
+            <p:extLst>
+              <p:ext uri="{D42A27DB-BD31-4B8C-83A1-F6EECF244321}">
+                <p14:modId xmlns:p14="http://schemas.microsoft.com/office/powerpoint/2010/main" val="1552177725"/>
+              </p:ext>
+            </p:extLst>
+          </p:nvPr>
+        </p:nvGraphicFramePr>
+        <p:xfrm>
+          <a:off x="25637" y="555477"/>
+          <a:ext cx="5581639" cy="6929667"/>
+        </p:xfrm>
+        <a:graphic>
+          <a:graphicData uri="http://schemas.openxmlformats.org/drawingml/2006/table">
+            <a:tbl>
+              <a:tblPr firstRow="1" bandRow="1">
+                <a:tableStyleId>{5C22544A-7EE6-4342-B048-85BDC9FD1C3A}</a:tableStyleId>
+              </a:tblPr>
+              <a:tblGrid>
+                <a:gridCol w="209685">
+                  <a:extLst>
+                    <a:ext uri="{9D8B030D-6E8A-4147-A177-3AD203B41FA5}">
+                      <a16:colId xmlns:a16="http://schemas.microsoft.com/office/drawing/2014/main" val="2651184761"/>
+                    </a:ext>
+                  </a:extLst>
+                </a:gridCol>
+                <a:gridCol w="209685">
+                  <a:extLst>
+                    <a:ext uri="{9D8B030D-6E8A-4147-A177-3AD203B41FA5}">
+                      <a16:colId xmlns:a16="http://schemas.microsoft.com/office/drawing/2014/main" val="2500824027"/>
+                    </a:ext>
+                  </a:extLst>
+                </a:gridCol>
+                <a:gridCol w="3042932">
+                  <a:extLst>
+                    <a:ext uri="{9D8B030D-6E8A-4147-A177-3AD203B41FA5}">
+                      <a16:colId xmlns:a16="http://schemas.microsoft.com/office/drawing/2014/main" val="1278284831"/>
+                    </a:ext>
+                  </a:extLst>
+                </a:gridCol>
+                <a:gridCol w="209685">
+                  <a:extLst>
+                    <a:ext uri="{9D8B030D-6E8A-4147-A177-3AD203B41FA5}">
+                      <a16:colId xmlns:a16="http://schemas.microsoft.com/office/drawing/2014/main" val="2673907331"/>
+                    </a:ext>
+                  </a:extLst>
+                </a:gridCol>
+                <a:gridCol w="209685">
+                  <a:extLst>
+                    <a:ext uri="{9D8B030D-6E8A-4147-A177-3AD203B41FA5}">
+                      <a16:colId xmlns:a16="http://schemas.microsoft.com/office/drawing/2014/main" val="2396367388"/>
+                    </a:ext>
+                  </a:extLst>
+                </a:gridCol>
+                <a:gridCol w="209685">
+                  <a:extLst>
+                    <a:ext uri="{9D8B030D-6E8A-4147-A177-3AD203B41FA5}">
+                      <a16:colId xmlns:a16="http://schemas.microsoft.com/office/drawing/2014/main" val="1789665046"/>
+                    </a:ext>
+                  </a:extLst>
+                </a:gridCol>
+                <a:gridCol w="209685">
+                  <a:extLst>
+                    <a:ext uri="{9D8B030D-6E8A-4147-A177-3AD203B41FA5}">
+                      <a16:colId xmlns:a16="http://schemas.microsoft.com/office/drawing/2014/main" val="2620862330"/>
+                    </a:ext>
+                  </a:extLst>
+                </a:gridCol>
+                <a:gridCol w="209685">
+                  <a:extLst>
+                    <a:ext uri="{9D8B030D-6E8A-4147-A177-3AD203B41FA5}">
+                      <a16:colId xmlns:a16="http://schemas.microsoft.com/office/drawing/2014/main" val="1657865901"/>
+                    </a:ext>
+                  </a:extLst>
+                </a:gridCol>
+                <a:gridCol w="209685">
+                  <a:extLst>
+                    <a:ext uri="{9D8B030D-6E8A-4147-A177-3AD203B41FA5}">
+                      <a16:colId xmlns:a16="http://schemas.microsoft.com/office/drawing/2014/main" val="3727116168"/>
+                    </a:ext>
+                  </a:extLst>
+                </a:gridCol>
+                <a:gridCol w="209685">
+                  <a:extLst>
+                    <a:ext uri="{9D8B030D-6E8A-4147-A177-3AD203B41FA5}">
+                      <a16:colId xmlns:a16="http://schemas.microsoft.com/office/drawing/2014/main" val="3560251892"/>
+                    </a:ext>
+                  </a:extLst>
+                </a:gridCol>
+                <a:gridCol w="651542">
+                  <a:extLst>
+                    <a:ext uri="{9D8B030D-6E8A-4147-A177-3AD203B41FA5}">
+                      <a16:colId xmlns:a16="http://schemas.microsoft.com/office/drawing/2014/main" val="3283273542"/>
+                    </a:ext>
+                  </a:extLst>
+                </a:gridCol>
+              </a:tblGrid>
+              <a:tr h="222190">
+                <a:tc>
+                  <a:txBody>
+                    <a:bodyPr/>
+                    <a:lstStyle/>
+                    <a:p>
+                      <a:pPr algn="ctr"/>
+                      <a:endParaRPr lang="hu-HU" dirty="0"/>
+                    </a:p>
+                  </a:txBody>
+                  <a:tcPr>
+                    <a:lnL w="12700" cap="flat" cmpd="sng" algn="ctr">
+                      <a:solidFill>
+                        <a:schemeClr val="tx1"/>
+                      </a:solidFill>
+                      <a:prstDash val="solid"/>
+                      <a:round/>
+                      <a:headEnd type="none" w="med" len="med"/>
+                      <a:tailEnd type="none" w="med" len="med"/>
+                    </a:lnL>
+                    <a:lnR w="12700" cap="flat" cmpd="sng" algn="ctr">
+                      <a:solidFill>
+                        <a:schemeClr val="tx1"/>
+                      </a:solidFill>
+                      <a:prstDash val="solid"/>
+                      <a:round/>
+                      <a:headEnd type="none" w="med" len="med"/>
+                      <a:tailEnd type="none" w="med" len="med"/>
+                    </a:lnR>
+                    <a:lnT w="12700" cap="flat" cmpd="sng" algn="ctr">
+                      <a:solidFill>
+                        <a:schemeClr val="tx1"/>
+                      </a:solidFill>
+                      <a:prstDash val="solid"/>
+                      <a:round/>
+                      <a:headEnd type="none" w="med" len="med"/>
+                      <a:tailEnd type="none" w="med" len="med"/>
+                    </a:lnT>
+                    <a:lnB w="12700" cap="flat" cmpd="sng" algn="ctr">
+                      <a:solidFill>
+                        <a:schemeClr val="tx1"/>
+                      </a:solidFill>
+                      <a:prstDash val="solid"/>
+                      <a:round/>
+                      <a:headEnd type="none" w="med" len="med"/>
+                      <a:tailEnd type="none" w="med" len="med"/>
+                    </a:lnB>
+                  </a:tcPr>
+                </a:tc>
+                <a:tc>
+                  <a:txBody>
+                    <a:bodyPr/>
+                    <a:lstStyle/>
+                    <a:p>
+                      <a:pPr algn="ctr"/>
+                      <a:r>
+                        <a:rPr lang="hu-HU"/>
+                        <a:t>E</a:t>
+                      </a:r>
+                      <a:endParaRPr lang="hu-HU" dirty="0"/>
+                    </a:p>
+                  </a:txBody>
+                  <a:tcPr>
+                    <a:lnL w="12700" cap="flat" cmpd="sng" algn="ctr">
+                      <a:solidFill>
+                        <a:schemeClr val="tx1"/>
+                      </a:solidFill>
+                      <a:prstDash val="solid"/>
+                      <a:round/>
+                      <a:headEnd type="none" w="med" len="med"/>
+                      <a:tailEnd type="none" w="med" len="med"/>
+                    </a:lnL>
+                    <a:lnR w="12700" cap="flat" cmpd="sng" algn="ctr">
+                      <a:solidFill>
+                        <a:schemeClr val="tx1"/>
+                      </a:solidFill>
+                      <a:prstDash val="solid"/>
+                      <a:round/>
+                      <a:headEnd type="none" w="med" len="med"/>
+                      <a:tailEnd type="none" w="med" len="med"/>
+                    </a:lnR>
+                    <a:lnT w="12700" cap="flat" cmpd="sng" algn="ctr">
+                      <a:solidFill>
+                        <a:schemeClr val="tx1"/>
+                      </a:solidFill>
+                      <a:prstDash val="solid"/>
+                      <a:round/>
+                      <a:headEnd type="none" w="med" len="med"/>
+                      <a:tailEnd type="none" w="med" len="med"/>
+                    </a:lnT>
+                    <a:lnB w="12700" cap="flat" cmpd="sng" algn="ctr">
+                      <a:solidFill>
+                        <a:schemeClr val="tx1"/>
+                      </a:solidFill>
+                      <a:prstDash val="solid"/>
+                      <a:round/>
+                      <a:headEnd type="none" w="med" len="med"/>
+                      <a:tailEnd type="none" w="med" len="med"/>
+                    </a:lnB>
+                  </a:tcPr>
+                </a:tc>
+                <a:tc>
+                  <a:txBody>
+                    <a:bodyPr/>
+                    <a:lstStyle/>
+                    <a:p>
+                      <a:pPr algn="ctr"/>
+                      <a:r>
+                        <a:rPr lang="hu-HU" dirty="0"/>
+                        <a:t>Feladat</a:t>
+                      </a:r>
+                    </a:p>
+                  </a:txBody>
+                  <a:tcPr>
+                    <a:lnL w="12700" cap="flat" cmpd="sng" algn="ctr">
+                      <a:solidFill>
+                        <a:schemeClr val="tx1"/>
+                      </a:solidFill>
+                      <a:prstDash val="solid"/>
+                      <a:round/>
+                      <a:headEnd type="none" w="med" len="med"/>
+                      <a:tailEnd type="none" w="med" len="med"/>
+                    </a:lnL>
+                    <a:lnR w="12700" cap="flat" cmpd="sng" algn="ctr">
+                      <a:solidFill>
+                        <a:schemeClr val="tx1"/>
+                      </a:solidFill>
+                      <a:prstDash val="solid"/>
+                      <a:round/>
+                      <a:headEnd type="none" w="med" len="med"/>
+                      <a:tailEnd type="none" w="med" len="med"/>
+                    </a:lnR>
+                    <a:lnT w="12700" cap="flat" cmpd="sng" algn="ctr">
+                      <a:solidFill>
+                        <a:schemeClr val="tx1"/>
+                      </a:solidFill>
+                      <a:prstDash val="solid"/>
+                      <a:round/>
+                      <a:headEnd type="none" w="med" len="med"/>
+                      <a:tailEnd type="none" w="med" len="med"/>
+                    </a:lnT>
+                    <a:lnB w="12700" cap="flat" cmpd="sng" algn="ctr">
+                      <a:solidFill>
+                        <a:schemeClr val="tx1"/>
+                      </a:solidFill>
+                      <a:prstDash val="solid"/>
+                      <a:round/>
+                      <a:headEnd type="none" w="med" len="med"/>
+                      <a:tailEnd type="none" w="med" len="med"/>
+                    </a:lnB>
+                  </a:tcPr>
+                </a:tc>
+                <a:tc>
+                  <a:txBody>
+                    <a:bodyPr/>
+                    <a:lstStyle/>
+                    <a:p>
+                      <a:pPr algn="ctr"/>
+                      <a:r>
+                        <a:rPr lang="hu-HU" dirty="0"/>
+                        <a:t>H</a:t>
+                      </a:r>
+                    </a:p>
+                  </a:txBody>
+                  <a:tcPr>
+                    <a:lnL w="12700" cap="flat" cmpd="sng" algn="ctr">
+                      <a:solidFill>
+                        <a:schemeClr val="tx1"/>
+                      </a:solidFill>
+                      <a:prstDash val="solid"/>
+                      <a:round/>
+                      <a:headEnd type="none" w="med" len="med"/>
+                      <a:tailEnd type="none" w="med" len="med"/>
+                    </a:lnL>
+                    <a:lnR w="12700" cap="flat" cmpd="sng" algn="ctr">
+                      <a:solidFill>
+                        <a:schemeClr val="tx1"/>
+                      </a:solidFill>
+                      <a:prstDash val="solid"/>
+                      <a:round/>
+                      <a:headEnd type="none" w="med" len="med"/>
+                      <a:tailEnd type="none" w="med" len="med"/>
+                    </a:lnR>
+                    <a:lnT w="12700" cap="flat" cmpd="sng" algn="ctr">
+                      <a:solidFill>
+                        <a:schemeClr val="tx1"/>
+                      </a:solidFill>
+                      <a:prstDash val="solid"/>
+                      <a:round/>
+                      <a:headEnd type="none" w="med" len="med"/>
+                      <a:tailEnd type="none" w="med" len="med"/>
+                    </a:lnT>
+                    <a:lnB w="12700" cap="flat" cmpd="sng" algn="ctr">
+                      <a:solidFill>
+                        <a:schemeClr val="tx1"/>
+                      </a:solidFill>
+                      <a:prstDash val="solid"/>
+                      <a:round/>
+                      <a:headEnd type="none" w="med" len="med"/>
+                      <a:tailEnd type="none" w="med" len="med"/>
+                    </a:lnB>
+                  </a:tcPr>
+                </a:tc>
+                <a:tc>
+                  <a:txBody>
+                    <a:bodyPr/>
+                    <a:lstStyle/>
+                    <a:p>
+                      <a:pPr algn="ctr"/>
+                      <a:r>
+                        <a:rPr lang="hu-HU" dirty="0"/>
+                        <a:t>K</a:t>
+                      </a:r>
+                    </a:p>
+                  </a:txBody>
+                  <a:tcPr>
+                    <a:lnL w="12700" cap="flat" cmpd="sng" algn="ctr">
+                      <a:solidFill>
+                        <a:schemeClr val="tx1"/>
+                      </a:solidFill>
+                      <a:prstDash val="solid"/>
+                      <a:round/>
+                      <a:headEnd type="none" w="med" len="med"/>
+                      <a:tailEnd type="none" w="med" len="med"/>
+                    </a:lnL>
+                    <a:lnR w="12700" cap="flat" cmpd="sng" algn="ctr">
+                      <a:solidFill>
+                        <a:schemeClr val="tx1"/>
+                      </a:solidFill>
+                      <a:prstDash val="solid"/>
+                      <a:round/>
+                      <a:headEnd type="none" w="med" len="med"/>
+                      <a:tailEnd type="none" w="med" len="med"/>
+                    </a:lnR>
+                    <a:lnT w="12700" cap="flat" cmpd="sng" algn="ctr">
+                      <a:solidFill>
+                        <a:schemeClr val="tx1"/>
+                      </a:solidFill>
+                      <a:prstDash val="solid"/>
+                      <a:round/>
+                      <a:headEnd type="none" w="med" len="med"/>
+                      <a:tailEnd type="none" w="med" len="med"/>
+                    </a:lnT>
+                    <a:lnB w="12700" cap="flat" cmpd="sng" algn="ctr">
+                      <a:solidFill>
+                        <a:schemeClr val="tx1"/>
+                      </a:solidFill>
+                      <a:prstDash val="solid"/>
+                      <a:round/>
+                      <a:headEnd type="none" w="med" len="med"/>
+                      <a:tailEnd type="none" w="med" len="med"/>
+                    </a:lnB>
+                  </a:tcPr>
+                </a:tc>
+                <a:tc>
+                  <a:txBody>
+                    <a:bodyPr/>
+                    <a:lstStyle/>
+                    <a:p>
+                      <a:pPr algn="ctr"/>
+                      <a:r>
+                        <a:rPr lang="hu-HU" dirty="0"/>
+                        <a:t>S</a:t>
+                      </a:r>
+                    </a:p>
+                  </a:txBody>
+                  <a:tcPr>
+                    <a:lnL w="12700" cap="flat" cmpd="sng" algn="ctr">
+                      <a:solidFill>
+                        <a:schemeClr val="tx1"/>
+                      </a:solidFill>
+                      <a:prstDash val="solid"/>
+                      <a:round/>
+                      <a:headEnd type="none" w="med" len="med"/>
+                      <a:tailEnd type="none" w="med" len="med"/>
+                    </a:lnL>
+                    <a:lnR w="12700" cap="flat" cmpd="sng" algn="ctr">
+                      <a:solidFill>
+                        <a:schemeClr val="tx1"/>
+                      </a:solidFill>
+                      <a:prstDash val="solid"/>
+                      <a:round/>
+                      <a:headEnd type="none" w="med" len="med"/>
+                      <a:tailEnd type="none" w="med" len="med"/>
+                    </a:lnR>
+                    <a:lnT w="12700" cap="flat" cmpd="sng" algn="ctr">
+                      <a:solidFill>
+                        <a:schemeClr val="tx1"/>
+                      </a:solidFill>
+                      <a:prstDash val="solid"/>
+                      <a:round/>
+                      <a:headEnd type="none" w="med" len="med"/>
+                      <a:tailEnd type="none" w="med" len="med"/>
+                    </a:lnT>
+                    <a:lnB w="12700" cap="flat" cmpd="sng" algn="ctr">
+                      <a:solidFill>
+                        <a:schemeClr val="tx1"/>
+                      </a:solidFill>
+                      <a:prstDash val="solid"/>
+                      <a:round/>
+                      <a:headEnd type="none" w="med" len="med"/>
+                      <a:tailEnd type="none" w="med" len="med"/>
+                    </a:lnB>
+                  </a:tcPr>
+                </a:tc>
+                <a:tc>
+                  <a:txBody>
+                    <a:bodyPr/>
+                    <a:lstStyle/>
+                    <a:p>
+                      <a:pPr algn="ctr"/>
+                      <a:r>
+                        <a:rPr lang="hu-HU" dirty="0"/>
+                        <a:t>C</a:t>
+                      </a:r>
+                    </a:p>
+                  </a:txBody>
+                  <a:tcPr>
+                    <a:lnL w="12700" cap="flat" cmpd="sng" algn="ctr">
+                      <a:solidFill>
+                        <a:schemeClr val="tx1"/>
+                      </a:solidFill>
+                      <a:prstDash val="solid"/>
+                      <a:round/>
+                      <a:headEnd type="none" w="med" len="med"/>
+                      <a:tailEnd type="none" w="med" len="med"/>
+                    </a:lnL>
+                    <a:lnR w="12700" cap="flat" cmpd="sng" algn="ctr">
+                      <a:solidFill>
+                        <a:schemeClr val="tx1"/>
+                      </a:solidFill>
+                      <a:prstDash val="solid"/>
+                      <a:round/>
+                      <a:headEnd type="none" w="med" len="med"/>
+                      <a:tailEnd type="none" w="med" len="med"/>
+                    </a:lnR>
+                    <a:lnT w="12700" cap="flat" cmpd="sng" algn="ctr">
+                      <a:solidFill>
+                        <a:schemeClr val="tx1"/>
+                      </a:solidFill>
+                      <a:prstDash val="solid"/>
+                      <a:round/>
+                      <a:headEnd type="none" w="med" len="med"/>
+                      <a:tailEnd type="none" w="med" len="med"/>
+                    </a:lnT>
+                    <a:lnB w="12700" cap="flat" cmpd="sng" algn="ctr">
+                      <a:solidFill>
+                        <a:schemeClr val="tx1"/>
+                      </a:solidFill>
+                      <a:prstDash val="solid"/>
+                      <a:round/>
+                      <a:headEnd type="none" w="med" len="med"/>
+                      <a:tailEnd type="none" w="med" len="med"/>
+                    </a:lnB>
+                  </a:tcPr>
+                </a:tc>
+                <a:tc>
+                  <a:txBody>
+                    <a:bodyPr/>
+                    <a:lstStyle/>
+                    <a:p>
+                      <a:pPr algn="ctr"/>
+                      <a:r>
+                        <a:rPr lang="hu-HU" dirty="0"/>
+                        <a:t>P</a:t>
+                      </a:r>
+                    </a:p>
+                  </a:txBody>
+                  <a:tcPr>
+                    <a:lnL w="12700" cap="flat" cmpd="sng" algn="ctr">
+                      <a:solidFill>
+                        <a:schemeClr val="tx1"/>
+                      </a:solidFill>
+                      <a:prstDash val="solid"/>
+                      <a:round/>
+                      <a:headEnd type="none" w="med" len="med"/>
+                      <a:tailEnd type="none" w="med" len="med"/>
+                    </a:lnL>
+                    <a:lnR w="12700" cap="flat" cmpd="sng" algn="ctr">
+                      <a:solidFill>
+                        <a:schemeClr val="tx1"/>
+                      </a:solidFill>
+                      <a:prstDash val="solid"/>
+                      <a:round/>
+                      <a:headEnd type="none" w="med" len="med"/>
+                      <a:tailEnd type="none" w="med" len="med"/>
+                    </a:lnR>
+                    <a:lnT w="12700" cap="flat" cmpd="sng" algn="ctr">
+                      <a:solidFill>
+                        <a:schemeClr val="tx1"/>
+                      </a:solidFill>
+                      <a:prstDash val="solid"/>
+                      <a:round/>
+                      <a:headEnd type="none" w="med" len="med"/>
+                      <a:tailEnd type="none" w="med" len="med"/>
+                    </a:lnT>
+                    <a:lnB w="12700" cap="flat" cmpd="sng" algn="ctr">
+                      <a:solidFill>
+                        <a:schemeClr val="tx1"/>
+                      </a:solidFill>
+                      <a:prstDash val="solid"/>
+                      <a:round/>
+                      <a:headEnd type="none" w="med" len="med"/>
+                      <a:tailEnd type="none" w="med" len="med"/>
+                    </a:lnB>
+                  </a:tcPr>
+                </a:tc>
+                <a:tc>
+                  <a:txBody>
+                    <a:bodyPr/>
+                    <a:lstStyle/>
+                    <a:p>
+                      <a:pPr algn="ctr"/>
+                      <a:r>
+                        <a:rPr lang="hu-HU" dirty="0"/>
+                        <a:t>S</a:t>
+                      </a:r>
+                    </a:p>
+                  </a:txBody>
+                  <a:tcPr>
+                    <a:lnL w="12700" cap="flat" cmpd="sng" algn="ctr">
+                      <a:solidFill>
+                        <a:schemeClr val="tx1"/>
+                      </a:solidFill>
+                      <a:prstDash val="solid"/>
+                      <a:round/>
+                      <a:headEnd type="none" w="med" len="med"/>
+                      <a:tailEnd type="none" w="med" len="med"/>
+                    </a:lnL>
+                    <a:lnR w="12700" cap="flat" cmpd="sng" algn="ctr">
+                      <a:solidFill>
+                        <a:schemeClr val="tx1"/>
+                      </a:solidFill>
+                      <a:prstDash val="solid"/>
+                      <a:round/>
+                      <a:headEnd type="none" w="med" len="med"/>
+                      <a:tailEnd type="none" w="med" len="med"/>
+                    </a:lnR>
+                    <a:lnT w="12700" cap="flat" cmpd="sng" algn="ctr">
+                      <a:solidFill>
+                        <a:schemeClr val="tx1"/>
+                      </a:solidFill>
+                      <a:prstDash val="solid"/>
+                      <a:round/>
+                      <a:headEnd type="none" w="med" len="med"/>
+                      <a:tailEnd type="none" w="med" len="med"/>
+                    </a:lnT>
+                    <a:lnB w="12700" cap="flat" cmpd="sng" algn="ctr">
+                      <a:solidFill>
+                        <a:schemeClr val="tx1"/>
+                      </a:solidFill>
+                      <a:prstDash val="solid"/>
+                      <a:round/>
+                      <a:headEnd type="none" w="med" len="med"/>
+                      <a:tailEnd type="none" w="med" len="med"/>
+                    </a:lnB>
+                  </a:tcPr>
+                </a:tc>
+                <a:tc>
+                  <a:txBody>
+                    <a:bodyPr/>
+                    <a:lstStyle/>
+                    <a:p>
+                      <a:pPr algn="ctr"/>
+                      <a:r>
+                        <a:rPr lang="hu-HU" dirty="0"/>
+                        <a:t>V</a:t>
+                      </a:r>
+                    </a:p>
+                  </a:txBody>
+                  <a:tcPr>
+                    <a:lnL w="12700" cap="flat" cmpd="sng" algn="ctr">
+                      <a:solidFill>
+                        <a:schemeClr val="tx1"/>
+                      </a:solidFill>
+                      <a:prstDash val="solid"/>
+                      <a:round/>
+                      <a:headEnd type="none" w="med" len="med"/>
+                      <a:tailEnd type="none" w="med" len="med"/>
+                    </a:lnL>
+                    <a:lnR w="12700" cap="flat" cmpd="sng" algn="ctr">
+                      <a:solidFill>
+                        <a:schemeClr val="tx1"/>
+                      </a:solidFill>
+                      <a:prstDash val="solid"/>
+                      <a:round/>
+                      <a:headEnd type="none" w="med" len="med"/>
+                      <a:tailEnd type="none" w="med" len="med"/>
+                    </a:lnR>
+                    <a:lnT w="12700" cap="flat" cmpd="sng" algn="ctr">
+                      <a:solidFill>
+                        <a:schemeClr val="tx1"/>
+                      </a:solidFill>
+                      <a:prstDash val="solid"/>
+                      <a:round/>
+                      <a:headEnd type="none" w="med" len="med"/>
+                      <a:tailEnd type="none" w="med" len="med"/>
+                    </a:lnT>
+                    <a:lnB w="12700" cap="flat" cmpd="sng" algn="ctr">
+                      <a:solidFill>
+                        <a:schemeClr val="tx1"/>
+                      </a:solidFill>
+                      <a:prstDash val="solid"/>
+                      <a:round/>
+                      <a:headEnd type="none" w="med" len="med"/>
+                      <a:tailEnd type="none" w="med" len="med"/>
+                    </a:lnB>
+                  </a:tcPr>
+                </a:tc>
+                <a:tc>
+                  <a:txBody>
+                    <a:bodyPr/>
+                    <a:lstStyle/>
+                    <a:p>
+                      <a:pPr algn="ctr"/>
+                      <a:r>
+                        <a:rPr lang="hu-HU" dirty="0" err="1"/>
+                        <a:t>Megj</a:t>
+                      </a:r>
+                      <a:endParaRPr lang="hu-HU" dirty="0"/>
+                    </a:p>
+                  </a:txBody>
+                  <a:tcPr>
+                    <a:lnL w="12700" cap="flat" cmpd="sng" algn="ctr">
+                      <a:solidFill>
+                        <a:schemeClr val="tx1"/>
+                      </a:solidFill>
+                      <a:prstDash val="solid"/>
+                      <a:round/>
+                      <a:headEnd type="none" w="med" len="med"/>
+                      <a:tailEnd type="none" w="med" len="med"/>
+                    </a:lnL>
+                    <a:lnR w="12700" cap="flat" cmpd="sng" algn="ctr">
+                      <a:solidFill>
+                        <a:schemeClr val="tx1"/>
+                      </a:solidFill>
+                      <a:prstDash val="solid"/>
+                      <a:round/>
+                      <a:headEnd type="none" w="med" len="med"/>
+                      <a:tailEnd type="none" w="med" len="med"/>
+                    </a:lnR>
+                    <a:lnT w="12700" cap="flat" cmpd="sng" algn="ctr">
+                      <a:solidFill>
+                        <a:schemeClr val="tx1"/>
+                      </a:solidFill>
+                      <a:prstDash val="solid"/>
+                      <a:round/>
+                      <a:headEnd type="none" w="med" len="med"/>
+                      <a:tailEnd type="none" w="med" len="med"/>
+                    </a:lnT>
+                    <a:lnB w="12700" cap="flat" cmpd="sng" algn="ctr">
+                      <a:solidFill>
+                        <a:schemeClr val="tx1"/>
+                      </a:solidFill>
+                      <a:prstDash val="solid"/>
+                      <a:round/>
+                      <a:headEnd type="none" w="med" len="med"/>
+                      <a:tailEnd type="none" w="med" len="med"/>
+                    </a:lnB>
+                  </a:tcPr>
+                </a:tc>
+                <a:extLst>
+                  <a:ext uri="{0D108BD9-81ED-4DB2-BD59-A6C34878D82A}">
+                    <a16:rowId xmlns:a16="http://schemas.microsoft.com/office/drawing/2014/main" val="4256960761"/>
+                  </a:ext>
+                </a:extLst>
+              </a:tr>
+              <a:tr h="6668428">
+                <a:tc>
+                  <a:txBody>
+                    <a:bodyPr/>
+                    <a:lstStyle/>
+                    <a:p>
+                      <a:endParaRPr lang="hu-HU" dirty="0"/>
+                    </a:p>
+                  </a:txBody>
+                  <a:tcPr>
+                    <a:lnL w="12700" cap="flat" cmpd="sng" algn="ctr">
+                      <a:solidFill>
+                        <a:schemeClr val="tx1"/>
+                      </a:solidFill>
+                      <a:prstDash val="solid"/>
+                      <a:round/>
+                      <a:headEnd type="none" w="med" len="med"/>
+                      <a:tailEnd type="none" w="med" len="med"/>
+                    </a:lnL>
+                    <a:lnR w="12700" cap="flat" cmpd="sng" algn="ctr">
+                      <a:solidFill>
+                        <a:schemeClr val="tx1"/>
+                      </a:solidFill>
+                      <a:prstDash val="solid"/>
+                      <a:round/>
+                      <a:headEnd type="none" w="med" len="med"/>
+                      <a:tailEnd type="none" w="med" len="med"/>
+                    </a:lnR>
+                    <a:lnT w="12700" cap="flat" cmpd="sng" algn="ctr">
+                      <a:solidFill>
+                        <a:schemeClr val="tx1"/>
+                      </a:solidFill>
+                      <a:prstDash val="solid"/>
+                      <a:round/>
+                      <a:headEnd type="none" w="med" len="med"/>
+                      <a:tailEnd type="none" w="med" len="med"/>
+                    </a:lnT>
+                    <a:lnB w="12700" cap="flat" cmpd="sng" algn="ctr">
+                      <a:solidFill>
+                        <a:schemeClr val="tx1"/>
+                      </a:solidFill>
+                      <a:prstDash val="solid"/>
+                      <a:round/>
+                      <a:headEnd type="none" w="med" len="med"/>
+                      <a:tailEnd type="none" w="med" len="med"/>
+                    </a:lnB>
+                    <a:noFill/>
+                  </a:tcPr>
+                </a:tc>
+                <a:tc>
+                  <a:txBody>
+                    <a:bodyPr/>
+                    <a:lstStyle/>
+                    <a:p>
+                      <a:endParaRPr lang="hu-HU" dirty="0"/>
+                    </a:p>
+                  </a:txBody>
+                  <a:tcPr>
+                    <a:lnL w="12700" cap="flat" cmpd="sng" algn="ctr">
+                      <a:solidFill>
+                        <a:schemeClr val="tx1"/>
+                      </a:solidFill>
+                      <a:prstDash val="solid"/>
+                      <a:round/>
+                      <a:headEnd type="none" w="med" len="med"/>
+                      <a:tailEnd type="none" w="med" len="med"/>
+                    </a:lnL>
+                    <a:lnR w="12700" cap="flat" cmpd="sng" algn="ctr">
+                      <a:solidFill>
+                        <a:schemeClr val="tx1"/>
+                      </a:solidFill>
+                      <a:prstDash val="solid"/>
+                      <a:round/>
+                      <a:headEnd type="none" w="med" len="med"/>
+                      <a:tailEnd type="none" w="med" len="med"/>
+                    </a:lnR>
+                    <a:lnT w="12700" cap="flat" cmpd="sng" algn="ctr">
+                      <a:solidFill>
+                        <a:schemeClr val="tx1"/>
+                      </a:solidFill>
+                      <a:prstDash val="solid"/>
+                      <a:round/>
+                      <a:headEnd type="none" w="med" len="med"/>
+                      <a:tailEnd type="none" w="med" len="med"/>
+                    </a:lnT>
+                    <a:lnB w="12700" cap="flat" cmpd="sng" algn="ctr">
+                      <a:solidFill>
+                        <a:schemeClr val="tx1"/>
+                      </a:solidFill>
+                      <a:prstDash val="solid"/>
+                      <a:round/>
+                      <a:headEnd type="none" w="med" len="med"/>
+                      <a:tailEnd type="none" w="med" len="med"/>
+                    </a:lnB>
+                    <a:noFill/>
+                  </a:tcPr>
+                </a:tc>
+                <a:tc>
+                  <a:txBody>
+                    <a:bodyPr/>
+                    <a:lstStyle/>
+                    <a:p>
+                      <a:endParaRPr lang="hu-HU" dirty="0"/>
+                    </a:p>
+                  </a:txBody>
+                  <a:tcPr>
+                    <a:lnL w="12700" cap="flat" cmpd="sng" algn="ctr">
+                      <a:solidFill>
+                        <a:schemeClr val="tx1"/>
+                      </a:solidFill>
+                      <a:prstDash val="solid"/>
+                      <a:round/>
+                      <a:headEnd type="none" w="med" len="med"/>
+                      <a:tailEnd type="none" w="med" len="med"/>
+                    </a:lnL>
+                    <a:lnR w="12700" cap="flat" cmpd="sng" algn="ctr">
+                      <a:solidFill>
+                        <a:schemeClr val="tx1"/>
+                      </a:solidFill>
+                      <a:prstDash val="solid"/>
+                      <a:round/>
+                      <a:headEnd type="none" w="med" len="med"/>
+                      <a:tailEnd type="none" w="med" len="med"/>
+                    </a:lnR>
+                    <a:lnT w="12700" cap="flat" cmpd="sng" algn="ctr">
+                      <a:solidFill>
+                        <a:schemeClr val="tx1"/>
+                      </a:solidFill>
+                      <a:prstDash val="solid"/>
+                      <a:round/>
+                      <a:headEnd type="none" w="med" len="med"/>
+                      <a:tailEnd type="none" w="med" len="med"/>
+                    </a:lnT>
+                    <a:lnB w="12700" cap="flat" cmpd="sng" algn="ctr">
+                      <a:solidFill>
+                        <a:schemeClr val="tx1"/>
+                      </a:solidFill>
+                      <a:prstDash val="solid"/>
+                      <a:round/>
+                      <a:headEnd type="none" w="med" len="med"/>
+                      <a:tailEnd type="none" w="med" len="med"/>
+                    </a:lnB>
+                    <a:noFill/>
+                  </a:tcPr>
+                </a:tc>
+                <a:tc>
+                  <a:txBody>
+                    <a:bodyPr/>
+                    <a:lstStyle/>
+                    <a:p>
+                      <a:endParaRPr lang="hu-HU" dirty="0"/>
+                    </a:p>
+                  </a:txBody>
+                  <a:tcPr>
+                    <a:lnL w="12700" cap="flat" cmpd="sng" algn="ctr">
+                      <a:solidFill>
+                        <a:schemeClr val="tx1"/>
+                      </a:solidFill>
+                      <a:prstDash val="solid"/>
+                      <a:round/>
+                      <a:headEnd type="none" w="med" len="med"/>
+                      <a:tailEnd type="none" w="med" len="med"/>
+                    </a:lnL>
+                    <a:lnR w="12700" cap="flat" cmpd="sng" algn="ctr">
+                      <a:solidFill>
+                        <a:schemeClr val="tx1"/>
+                      </a:solidFill>
+                      <a:prstDash val="solid"/>
+                      <a:round/>
+                      <a:headEnd type="none" w="med" len="med"/>
+                      <a:tailEnd type="none" w="med" len="med"/>
+                    </a:lnR>
+                    <a:lnT w="12700" cap="flat" cmpd="sng" algn="ctr">
+                      <a:solidFill>
+                        <a:schemeClr val="tx1"/>
+                      </a:solidFill>
+                      <a:prstDash val="solid"/>
+                      <a:round/>
+                      <a:headEnd type="none" w="med" len="med"/>
+                      <a:tailEnd type="none" w="med" len="med"/>
+                    </a:lnT>
+                    <a:lnB w="12700" cap="flat" cmpd="sng" algn="ctr">
+                      <a:solidFill>
+                        <a:schemeClr val="tx1"/>
+                      </a:solidFill>
+                      <a:prstDash val="solid"/>
+                      <a:round/>
+                      <a:headEnd type="none" w="med" len="med"/>
+                      <a:tailEnd type="none" w="med" len="med"/>
+                    </a:lnB>
+                    <a:noFill/>
+                  </a:tcPr>
+                </a:tc>
+                <a:tc>
+                  <a:txBody>
+                    <a:bodyPr/>
+                    <a:lstStyle/>
+                    <a:p>
+                      <a:endParaRPr lang="hu-HU" dirty="0"/>
+                    </a:p>
+                  </a:txBody>
+                  <a:tcPr>
+                    <a:lnL w="12700" cap="flat" cmpd="sng" algn="ctr">
+                      <a:solidFill>
+                        <a:schemeClr val="tx1"/>
+                      </a:solidFill>
+                      <a:prstDash val="solid"/>
+                      <a:round/>
+                      <a:headEnd type="none" w="med" len="med"/>
+                      <a:tailEnd type="none" w="med" len="med"/>
+                    </a:lnL>
+                    <a:lnR w="12700" cap="flat" cmpd="sng" algn="ctr">
+                      <a:solidFill>
+                        <a:schemeClr val="tx1"/>
+                      </a:solidFill>
+                      <a:prstDash val="solid"/>
+                      <a:round/>
+                      <a:headEnd type="none" w="med" len="med"/>
+                      <a:tailEnd type="none" w="med" len="med"/>
+                    </a:lnR>
+                    <a:lnT w="12700" cap="flat" cmpd="sng" algn="ctr">
+                      <a:solidFill>
+                        <a:schemeClr val="tx1"/>
+                      </a:solidFill>
+                      <a:prstDash val="solid"/>
+                      <a:round/>
+                      <a:headEnd type="none" w="med" len="med"/>
+                      <a:tailEnd type="none" w="med" len="med"/>
+                    </a:lnT>
+                    <a:lnB w="12700" cap="flat" cmpd="sng" algn="ctr">
+                      <a:solidFill>
+                        <a:schemeClr val="tx1"/>
+                      </a:solidFill>
+                      <a:prstDash val="solid"/>
+                      <a:round/>
+                      <a:headEnd type="none" w="med" len="med"/>
+                      <a:tailEnd type="none" w="med" len="med"/>
+                    </a:lnB>
+                    <a:noFill/>
+                  </a:tcPr>
+                </a:tc>
+                <a:tc>
+                  <a:txBody>
+                    <a:bodyPr/>
+                    <a:lstStyle/>
+                    <a:p>
+                      <a:endParaRPr lang="hu-HU" dirty="0"/>
+                    </a:p>
+                  </a:txBody>
+                  <a:tcPr>
+                    <a:lnL w="12700" cap="flat" cmpd="sng" algn="ctr">
+                      <a:solidFill>
+                        <a:schemeClr val="tx1"/>
+                      </a:solidFill>
+                      <a:prstDash val="solid"/>
+                      <a:round/>
+                      <a:headEnd type="none" w="med" len="med"/>
+                      <a:tailEnd type="none" w="med" len="med"/>
+                    </a:lnL>
+                    <a:lnR w="12700" cap="flat" cmpd="sng" algn="ctr">
+                      <a:solidFill>
+                        <a:schemeClr val="tx1"/>
+                      </a:solidFill>
+                      <a:prstDash val="solid"/>
+                      <a:round/>
+                      <a:headEnd type="none" w="med" len="med"/>
+                      <a:tailEnd type="none" w="med" len="med"/>
+                    </a:lnR>
+                    <a:lnT w="12700" cap="flat" cmpd="sng" algn="ctr">
+                      <a:solidFill>
+                        <a:schemeClr val="tx1"/>
+                      </a:solidFill>
+                      <a:prstDash val="solid"/>
+                      <a:round/>
+                      <a:headEnd type="none" w="med" len="med"/>
+                      <a:tailEnd type="none" w="med" len="med"/>
+                    </a:lnT>
+                    <a:lnB w="12700" cap="flat" cmpd="sng" algn="ctr">
+                      <a:solidFill>
+                        <a:schemeClr val="tx1"/>
+                      </a:solidFill>
+                      <a:prstDash val="solid"/>
+                      <a:round/>
+                      <a:headEnd type="none" w="med" len="med"/>
+                      <a:tailEnd type="none" w="med" len="med"/>
+                    </a:lnB>
+                    <a:noFill/>
+                  </a:tcPr>
+                </a:tc>
+                <a:tc>
+                  <a:txBody>
+                    <a:bodyPr/>
+                    <a:lstStyle/>
+                    <a:p>
+                      <a:endParaRPr lang="hu-HU" dirty="0"/>
+                    </a:p>
+                  </a:txBody>
+                  <a:tcPr>
+                    <a:lnL w="12700" cap="flat" cmpd="sng" algn="ctr">
+                      <a:solidFill>
+                        <a:schemeClr val="tx1"/>
+                      </a:solidFill>
+                      <a:prstDash val="solid"/>
+                      <a:round/>
+                      <a:headEnd type="none" w="med" len="med"/>
+                      <a:tailEnd type="none" w="med" len="med"/>
+                    </a:lnL>
+                    <a:lnR w="12700" cap="flat" cmpd="sng" algn="ctr">
+                      <a:solidFill>
+                        <a:schemeClr val="tx1"/>
+                      </a:solidFill>
+                      <a:prstDash val="solid"/>
+                      <a:round/>
+                      <a:headEnd type="none" w="med" len="med"/>
+                      <a:tailEnd type="none" w="med" len="med"/>
+                    </a:lnR>
+                    <a:lnT w="12700" cap="flat" cmpd="sng" algn="ctr">
+                      <a:solidFill>
+                        <a:schemeClr val="tx1"/>
+                      </a:solidFill>
+                      <a:prstDash val="solid"/>
+                      <a:round/>
+                      <a:headEnd type="none" w="med" len="med"/>
+                      <a:tailEnd type="none" w="med" len="med"/>
+                    </a:lnT>
+                    <a:lnB w="12700" cap="flat" cmpd="sng" algn="ctr">
+                      <a:solidFill>
+                        <a:schemeClr val="tx1"/>
+                      </a:solidFill>
+                      <a:prstDash val="solid"/>
+                      <a:round/>
+                      <a:headEnd type="none" w="med" len="med"/>
+                      <a:tailEnd type="none" w="med" len="med"/>
+                    </a:lnB>
+                    <a:noFill/>
+                  </a:tcPr>
+                </a:tc>
+                <a:tc>
+                  <a:txBody>
+                    <a:bodyPr/>
+                    <a:lstStyle/>
+                    <a:p>
+                      <a:endParaRPr lang="hu-HU"/>
+                    </a:p>
+                  </a:txBody>
+                  <a:tcPr>
+                    <a:lnL w="12700" cap="flat" cmpd="sng" algn="ctr">
+                      <a:solidFill>
+                        <a:schemeClr val="tx1"/>
+                      </a:solidFill>
+                      <a:prstDash val="solid"/>
+                      <a:round/>
+                      <a:headEnd type="none" w="med" len="med"/>
+                      <a:tailEnd type="none" w="med" len="med"/>
+                    </a:lnL>
+                    <a:lnR w="12700" cap="flat" cmpd="sng" algn="ctr">
+                      <a:solidFill>
+                        <a:schemeClr val="tx1"/>
+                      </a:solidFill>
+                      <a:prstDash val="solid"/>
+                      <a:round/>
+                      <a:headEnd type="none" w="med" len="med"/>
+                      <a:tailEnd type="none" w="med" len="med"/>
+                    </a:lnR>
+                    <a:lnT w="12700" cap="flat" cmpd="sng" algn="ctr">
+                      <a:solidFill>
+                        <a:schemeClr val="tx1"/>
+                      </a:solidFill>
+                      <a:prstDash val="solid"/>
+                      <a:round/>
+                      <a:headEnd type="none" w="med" len="med"/>
+                      <a:tailEnd type="none" w="med" len="med"/>
+                    </a:lnT>
+                    <a:lnB w="12700" cap="flat" cmpd="sng" algn="ctr">
+                      <a:solidFill>
+                        <a:schemeClr val="tx1"/>
+                      </a:solidFill>
+                      <a:prstDash val="solid"/>
+                      <a:round/>
+                      <a:headEnd type="none" w="med" len="med"/>
+                      <a:tailEnd type="none" w="med" len="med"/>
+                    </a:lnB>
+                    <a:noFill/>
+                  </a:tcPr>
+                </a:tc>
+                <a:tc>
+                  <a:txBody>
+                    <a:bodyPr/>
+                    <a:lstStyle/>
+                    <a:p>
+                      <a:endParaRPr lang="hu-HU" dirty="0"/>
+                    </a:p>
+                  </a:txBody>
+                  <a:tcPr>
+                    <a:lnL w="12700" cap="flat" cmpd="sng" algn="ctr">
+                      <a:solidFill>
+                        <a:schemeClr val="tx1"/>
+                      </a:solidFill>
+                      <a:prstDash val="solid"/>
+                      <a:round/>
+                      <a:headEnd type="none" w="med" len="med"/>
+                      <a:tailEnd type="none" w="med" len="med"/>
+                    </a:lnL>
+                    <a:lnR w="12700" cap="flat" cmpd="sng" algn="ctr">
+                      <a:solidFill>
+                        <a:schemeClr val="tx1"/>
+                      </a:solidFill>
+                      <a:prstDash val="solid"/>
+                      <a:round/>
+                      <a:headEnd type="none" w="med" len="med"/>
+                      <a:tailEnd type="none" w="med" len="med"/>
+                    </a:lnR>
+                    <a:lnT w="12700" cap="flat" cmpd="sng" algn="ctr">
+                      <a:solidFill>
+                        <a:schemeClr val="tx1"/>
+                      </a:solidFill>
+                      <a:prstDash val="solid"/>
+                      <a:round/>
+                      <a:headEnd type="none" w="med" len="med"/>
+                      <a:tailEnd type="none" w="med" len="med"/>
+                    </a:lnT>
+                    <a:lnB w="12700" cap="flat" cmpd="sng" algn="ctr">
+                      <a:solidFill>
+                        <a:schemeClr val="tx1"/>
+                      </a:solidFill>
+                      <a:prstDash val="solid"/>
+                      <a:round/>
+                      <a:headEnd type="none" w="med" len="med"/>
+                      <a:tailEnd type="none" w="med" len="med"/>
+                    </a:lnB>
+                    <a:noFill/>
+                  </a:tcPr>
+                </a:tc>
+                <a:tc>
+                  <a:txBody>
+                    <a:bodyPr/>
+                    <a:lstStyle/>
+                    <a:p>
+                      <a:endParaRPr lang="hu-HU" dirty="0"/>
+                    </a:p>
+                  </a:txBody>
+                  <a:tcPr>
+                    <a:lnL w="12700" cap="flat" cmpd="sng" algn="ctr">
+                      <a:solidFill>
+                        <a:schemeClr val="tx1"/>
+                      </a:solidFill>
+                      <a:prstDash val="solid"/>
+                      <a:round/>
+                      <a:headEnd type="none" w="med" len="med"/>
+                      <a:tailEnd type="none" w="med" len="med"/>
+                    </a:lnL>
+                    <a:lnR w="12700" cap="flat" cmpd="sng" algn="ctr">
+                      <a:solidFill>
+                        <a:schemeClr val="tx1"/>
+                      </a:solidFill>
+                      <a:prstDash val="solid"/>
+                      <a:round/>
+                      <a:headEnd type="none" w="med" len="med"/>
+                      <a:tailEnd type="none" w="med" len="med"/>
+                    </a:lnR>
+                    <a:lnT w="12700" cap="flat" cmpd="sng" algn="ctr">
+                      <a:solidFill>
+                        <a:schemeClr val="tx1"/>
+                      </a:solidFill>
+                      <a:prstDash val="solid"/>
+                      <a:round/>
+                      <a:headEnd type="none" w="med" len="med"/>
+                      <a:tailEnd type="none" w="med" len="med"/>
+                    </a:lnT>
+                    <a:lnB w="12700" cap="flat" cmpd="sng" algn="ctr">
+                      <a:solidFill>
+                        <a:schemeClr val="tx1"/>
+                      </a:solidFill>
+                      <a:prstDash val="solid"/>
+                      <a:round/>
+                      <a:headEnd type="none" w="med" len="med"/>
+                      <a:tailEnd type="none" w="med" len="med"/>
+                    </a:lnB>
+                    <a:noFill/>
+                  </a:tcPr>
+                </a:tc>
+                <a:tc>
+                  <a:txBody>
+                    <a:bodyPr/>
+                    <a:lstStyle/>
+                    <a:p>
+                      <a:endParaRPr lang="hu-HU" dirty="0"/>
+                    </a:p>
+                  </a:txBody>
+                  <a:tcPr>
+                    <a:lnL w="12700" cap="flat" cmpd="sng" algn="ctr">
+                      <a:solidFill>
+                        <a:schemeClr val="tx1"/>
+                      </a:solidFill>
+                      <a:prstDash val="solid"/>
+                      <a:round/>
+                      <a:headEnd type="none" w="med" len="med"/>
+                      <a:tailEnd type="none" w="med" len="med"/>
+                    </a:lnL>
+                    <a:lnR w="12700" cap="flat" cmpd="sng" algn="ctr">
+                      <a:solidFill>
+                        <a:schemeClr val="tx1"/>
+                      </a:solidFill>
+                      <a:prstDash val="solid"/>
+                      <a:round/>
+                      <a:headEnd type="none" w="med" len="med"/>
+                      <a:tailEnd type="none" w="med" len="med"/>
+                    </a:lnR>
+                    <a:lnT w="12700" cap="flat" cmpd="sng" algn="ctr">
+                      <a:solidFill>
+                        <a:schemeClr val="tx1"/>
+                      </a:solidFill>
+                      <a:prstDash val="solid"/>
+                      <a:round/>
+                      <a:headEnd type="none" w="med" len="med"/>
+                      <a:tailEnd type="none" w="med" len="med"/>
+                    </a:lnT>
+                    <a:lnB w="12700" cap="flat" cmpd="sng" algn="ctr">
+                      <a:solidFill>
+                        <a:schemeClr val="tx1"/>
+                      </a:solidFill>
+                      <a:prstDash val="solid"/>
+                      <a:round/>
+                      <a:headEnd type="none" w="med" len="med"/>
+                      <a:tailEnd type="none" w="med" len="med"/>
+                    </a:lnB>
+                    <a:noFill/>
+                  </a:tcPr>
+                </a:tc>
+                <a:extLst>
+                  <a:ext uri="{0D108BD9-81ED-4DB2-BD59-A6C34878D82A}">
+                    <a16:rowId xmlns:a16="http://schemas.microsoft.com/office/drawing/2014/main" val="2707876754"/>
+                  </a:ext>
+                </a:extLst>
+              </a:tr>
+            </a:tbl>
+          </a:graphicData>
+        </a:graphic>
+      </p:graphicFrame>
+    </p:spTree>
+    <p:extLst>
+      <p:ext uri="{BB962C8B-B14F-4D97-AF65-F5344CB8AC3E}">
+        <p14:creationId xmlns:p14="http://schemas.microsoft.com/office/powerpoint/2010/main" val="1829968587"/>
+      </p:ext>
+    </p:extLst>
+  </p:cSld>
+  <p:clrMapOvr>
+    <a:masterClrMapping/>
+  </p:clrMapOvr>
+</p:sld>
+</file>
+
+<file path=ppt/slides/slide5.xml><?xml version="1.0" encoding="utf-8"?>
+<p:sld xmlns:a="http://schemas.openxmlformats.org/drawingml/2006/main" xmlns:r="http://schemas.openxmlformats.org/officeDocument/2006/relationships" xmlns:p="http://schemas.openxmlformats.org/presentationml/2006/main">
+  <p:cSld>
+    <p:spTree>
+      <p:nvGrpSpPr>
+        <p:cNvPr id="1" name=""/>
+        <p:cNvGrpSpPr/>
+        <p:nvPr/>
+      </p:nvGrpSpPr>
+      <p:grpSpPr>
+        <a:xfrm>
+          <a:off x="0" y="0"/>
+          <a:ext cx="0" cy="0"/>
+          <a:chOff x="0" y="0"/>
+          <a:chExt cx="0" cy="0"/>
+        </a:xfrm>
+      </p:grpSpPr>
+      <p:sp>
+        <p:nvSpPr>
+          <p:cNvPr id="2" name="Title 1">
+            <a:extLst>
+              <a:ext uri="{FF2B5EF4-FFF2-40B4-BE49-F238E27FC236}">
+                <a16:creationId xmlns:a16="http://schemas.microsoft.com/office/drawing/2014/main" id="{8994F8C8-26A8-AC0E-F6CC-BC9D61E02A34}"/>
+              </a:ext>
+            </a:extLst>
+          </p:cNvPr>
+          <p:cNvSpPr>
+            <a:spLocks noGrp="1"/>
+          </p:cNvSpPr>
+          <p:nvPr>
+            <p:ph type="title"/>
+          </p:nvPr>
+        </p:nvSpPr>
+        <p:spPr>
+          <a:xfrm>
+            <a:off x="519504" y="-48765"/>
+            <a:ext cx="4881265" cy="617034"/>
+          </a:xfrm>
+          <a:prstGeom prst="rect">
+            <a:avLst/>
+          </a:prstGeom>
+        </p:spPr>
+        <p:txBody>
+          <a:bodyPr/>
+          <a:lstStyle/>
+          <a:p>
+            <a:r>
+              <a:rPr lang="hu-HU" dirty="0"/>
               <a:t>SWOT</a:t>
             </a:r>
           </a:p>
@@ -6009,7 +8654,7 @@
 </p:sld>
 </file>
 
-<file path=ppt/slides/slide4.xml><?xml version="1.0" encoding="utf-8"?>
+<file path=ppt/slides/slide6.xml><?xml version="1.0" encoding="utf-8"?>
 <p:sld xmlns:a="http://schemas.openxmlformats.org/drawingml/2006/main" xmlns:r="http://schemas.openxmlformats.org/officeDocument/2006/relationships" xmlns:p="http://schemas.openxmlformats.org/presentationml/2006/main">
   <p:cSld>
     <p:spTree>
@@ -6573,7 +9218,7 @@
 </p:sld>
 </file>
 
-<file path=ppt/slides/slide5.xml><?xml version="1.0" encoding="utf-8"?>
+<file path=ppt/slides/slide7.xml><?xml version="1.0" encoding="utf-8"?>
 <p:sld xmlns:a="http://schemas.openxmlformats.org/drawingml/2006/main" xmlns:r="http://schemas.openxmlformats.org/officeDocument/2006/relationships" xmlns:p="http://schemas.openxmlformats.org/presentationml/2006/main">
   <p:cSld>
     <p:spTree>
@@ -6959,7 +9604,7 @@
 </p:sld>
 </file>
 
-<file path=ppt/slides/slide6.xml><?xml version="1.0" encoding="utf-8"?>
+<file path=ppt/slides/slide8.xml><?xml version="1.0" encoding="utf-8"?>
 <p:sld xmlns:a="http://schemas.openxmlformats.org/drawingml/2006/main" xmlns:r="http://schemas.openxmlformats.org/officeDocument/2006/relationships" xmlns:p="http://schemas.openxmlformats.org/presentationml/2006/main">
   <p:cSld>
     <p:spTree>
@@ -7340,7 +9985,7 @@
 </p:sld>
 </file>
 
-<file path=ppt/slides/slide7.xml><?xml version="1.0" encoding="utf-8"?>
+<file path=ppt/slides/slide9.xml><?xml version="1.0" encoding="utf-8"?>
 <p:sld xmlns:a="http://schemas.openxmlformats.org/drawingml/2006/main" xmlns:r="http://schemas.openxmlformats.org/officeDocument/2006/relationships" xmlns:p="http://schemas.openxmlformats.org/presentationml/2006/main">
   <p:cSld>
     <p:spTree>

--- a/EI_Basics.pptx
+++ b/EI_Basics.pptx
@@ -5,18 +5,19 @@
     <p:sldMasterId id="2147483720" r:id="rId1"/>
   </p:sldMasterIdLst>
   <p:notesMasterIdLst>
-    <p:notesMasterId r:id="rId11"/>
+    <p:notesMasterId r:id="rId12"/>
   </p:notesMasterIdLst>
   <p:sldIdLst>
     <p:sldId id="256" r:id="rId2"/>
     <p:sldId id="268" r:id="rId3"/>
     <p:sldId id="269" r:id="rId4"/>
     <p:sldId id="270" r:id="rId5"/>
-    <p:sldId id="263" r:id="rId6"/>
-    <p:sldId id="264" r:id="rId7"/>
-    <p:sldId id="265" r:id="rId8"/>
-    <p:sldId id="266" r:id="rId9"/>
-    <p:sldId id="267" r:id="rId10"/>
+    <p:sldId id="271" r:id="rId6"/>
+    <p:sldId id="263" r:id="rId7"/>
+    <p:sldId id="264" r:id="rId8"/>
+    <p:sldId id="265" r:id="rId9"/>
+    <p:sldId id="266" r:id="rId10"/>
+    <p:sldId id="267" r:id="rId11"/>
   </p:sldIdLst>
   <p:sldSz cx="5659438" cy="7543800"/>
   <p:notesSz cx="9144000" cy="6858000"/>
@@ -124,6 +125,7 @@
             <p14:sldId id="268"/>
             <p14:sldId id="269"/>
             <p14:sldId id="270"/>
+            <p14:sldId id="271"/>
             <p14:sldId id="263"/>
             <p14:sldId id="264"/>
             <p14:sldId id="265"/>
@@ -586,6 +588,99 @@
 </p:notes>
 </file>
 
+<file path=ppt/notesSlides/notesSlide10.xml><?xml version="1.0" encoding="utf-8"?>
+<p:notes xmlns:a="http://schemas.openxmlformats.org/drawingml/2006/main" xmlns:r="http://schemas.openxmlformats.org/officeDocument/2006/relationships" xmlns:p="http://schemas.openxmlformats.org/presentationml/2006/main">
+  <p:cSld>
+    <p:spTree>
+      <p:nvGrpSpPr>
+        <p:cNvPr id="1" name=""/>
+        <p:cNvGrpSpPr/>
+        <p:nvPr/>
+      </p:nvGrpSpPr>
+      <p:grpSpPr>
+        <a:xfrm>
+          <a:off x="0" y="0"/>
+          <a:ext cx="0" cy="0"/>
+          <a:chOff x="0" y="0"/>
+          <a:chExt cx="0" cy="0"/>
+        </a:xfrm>
+      </p:grpSpPr>
+      <p:sp>
+        <p:nvSpPr>
+          <p:cNvPr id="2" name="Slide Image Placeholder 1"/>
+          <p:cNvSpPr>
+            <a:spLocks noGrp="1" noRot="1" noChangeAspect="1"/>
+          </p:cNvSpPr>
+          <p:nvPr>
+            <p:ph type="sldImg"/>
+          </p:nvPr>
+        </p:nvSpPr>
+        <p:spPr>
+          <a:xfrm>
+            <a:off x="3703638" y="857250"/>
+            <a:ext cx="1736725" cy="2314575"/>
+          </a:xfrm>
+        </p:spPr>
+      </p:sp>
+      <p:sp>
+        <p:nvSpPr>
+          <p:cNvPr id="3" name="Notes Placeholder 2"/>
+          <p:cNvSpPr>
+            <a:spLocks noGrp="1"/>
+          </p:cNvSpPr>
+          <p:nvPr>
+            <p:ph type="body" idx="1"/>
+          </p:nvPr>
+        </p:nvSpPr>
+        <p:spPr/>
+        <p:txBody>
+          <a:bodyPr/>
+          <a:lstStyle/>
+          <a:p>
+            <a:r>
+              <a:rPr lang="hu-HU" dirty="0" err="1"/>
+              <a:t>WhiteBoard</a:t>
+            </a:r>
+            <a:endParaRPr lang="hu-HU" dirty="0"/>
+          </a:p>
+        </p:txBody>
+      </p:sp>
+      <p:sp>
+        <p:nvSpPr>
+          <p:cNvPr id="4" name="Slide Number Placeholder 3"/>
+          <p:cNvSpPr>
+            <a:spLocks noGrp="1"/>
+          </p:cNvSpPr>
+          <p:nvPr>
+            <p:ph type="sldNum" sz="quarter" idx="5"/>
+          </p:nvPr>
+        </p:nvSpPr>
+        <p:spPr/>
+        <p:txBody>
+          <a:bodyPr/>
+          <a:lstStyle/>
+          <a:p>
+            <a:fld id="{91BF0FD7-3BBC-48BF-9046-F1A751293F8C}" type="slidenum">
+              <a:rPr lang="hu-HU" smtClean="0"/>
+              <a:t>10</a:t>
+            </a:fld>
+            <a:endParaRPr lang="hu-HU"/>
+          </a:p>
+        </p:txBody>
+      </p:sp>
+    </p:spTree>
+    <p:extLst>
+      <p:ext uri="{BB962C8B-B14F-4D97-AF65-F5344CB8AC3E}">
+        <p14:creationId xmlns:p14="http://schemas.microsoft.com/office/powerpoint/2010/main" val="2243938189"/>
+      </p:ext>
+    </p:extLst>
+  </p:cSld>
+  <p:clrMapOvr>
+    <a:masterClrMapping/>
+  </p:clrMapOvr>
+</p:notes>
+</file>
+
 <file path=ppt/notesSlides/notesSlide2.xml><?xml version="1.0" encoding="utf-8"?>
 <p:notes xmlns:a="http://schemas.openxmlformats.org/drawingml/2006/main" xmlns:r="http://schemas.openxmlformats.org/officeDocument/2006/relationships" xmlns:p="http://schemas.openxmlformats.org/presentationml/2006/main">
   <p:cSld>
@@ -915,9 +1010,10 @@
           <a:lstStyle/>
           <a:p>
             <a:r>
-              <a:rPr lang="hu-HU" dirty="0"/>
-              <a:t>SWOT</a:t>
+              <a:rPr lang="hu-HU" dirty="0" err="1"/>
+              <a:t>Empty</a:t>
             </a:r>
+            <a:endParaRPr lang="hu-HU" dirty="0"/>
           </a:p>
         </p:txBody>
       </p:sp>
@@ -947,7 +1043,7 @@
     </p:spTree>
     <p:extLst>
       <p:ext uri="{BB962C8B-B14F-4D97-AF65-F5344CB8AC3E}">
-        <p14:creationId xmlns:p14="http://schemas.microsoft.com/office/powerpoint/2010/main" val="3770028401"/>
+        <p14:creationId xmlns:p14="http://schemas.microsoft.com/office/powerpoint/2010/main" val="27289788"/>
       </p:ext>
     </p:extLst>
   </p:cSld>
@@ -1008,7 +1104,7 @@
           <a:p>
             <a:r>
               <a:rPr lang="hu-HU" dirty="0"/>
-              <a:t>SWOT BW</a:t>
+              <a:t>SWOT</a:t>
             </a:r>
           </a:p>
         </p:txBody>
@@ -1039,7 +1135,7 @@
     </p:spTree>
     <p:extLst>
       <p:ext uri="{BB962C8B-B14F-4D97-AF65-F5344CB8AC3E}">
-        <p14:creationId xmlns:p14="http://schemas.microsoft.com/office/powerpoint/2010/main" val="3998321279"/>
+        <p14:creationId xmlns:p14="http://schemas.microsoft.com/office/powerpoint/2010/main" val="3770028401"/>
       </p:ext>
     </p:extLst>
   </p:cSld>
@@ -1099,10 +1195,9 @@
           <a:lstStyle/>
           <a:p>
             <a:r>
-              <a:rPr lang="hu-HU" dirty="0" err="1"/>
-              <a:t>KanBan</a:t>
+              <a:rPr lang="hu-HU" dirty="0"/>
+              <a:t>SWOT BW</a:t>
             </a:r>
-            <a:endParaRPr lang="hu-HU" dirty="0"/>
           </a:p>
         </p:txBody>
       </p:sp>
@@ -1132,7 +1227,7 @@
     </p:spTree>
     <p:extLst>
       <p:ext uri="{BB962C8B-B14F-4D97-AF65-F5344CB8AC3E}">
-        <p14:creationId xmlns:p14="http://schemas.microsoft.com/office/powerpoint/2010/main" val="3725205967"/>
+        <p14:creationId xmlns:p14="http://schemas.microsoft.com/office/powerpoint/2010/main" val="3998321279"/>
       </p:ext>
     </p:extLst>
   </p:cSld>
@@ -1195,10 +1290,7 @@
               <a:rPr lang="hu-HU" dirty="0" err="1"/>
               <a:t>KanBan</a:t>
             </a:r>
-            <a:r>
-              <a:rPr lang="hu-HU" dirty="0"/>
-              <a:t> BW</a:t>
-            </a:r>
+            <a:endParaRPr lang="hu-HU" dirty="0"/>
           </a:p>
         </p:txBody>
       </p:sp>
@@ -1228,7 +1320,7 @@
     </p:spTree>
     <p:extLst>
       <p:ext uri="{BB962C8B-B14F-4D97-AF65-F5344CB8AC3E}">
-        <p14:creationId xmlns:p14="http://schemas.microsoft.com/office/powerpoint/2010/main" val="3588114716"/>
+        <p14:creationId xmlns:p14="http://schemas.microsoft.com/office/powerpoint/2010/main" val="3725205967"/>
       </p:ext>
     </p:extLst>
   </p:cSld>
@@ -1289,9 +1381,12 @@
           <a:p>
             <a:r>
               <a:rPr lang="hu-HU" dirty="0" err="1"/>
-              <a:t>WhiteBoard</a:t>
+              <a:t>KanBan</a:t>
             </a:r>
-            <a:endParaRPr lang="hu-HU" dirty="0"/>
+            <a:r>
+              <a:rPr lang="hu-HU" dirty="0"/>
+              <a:t> BW</a:t>
+            </a:r>
           </a:p>
         </p:txBody>
       </p:sp>
@@ -1321,7 +1416,7 @@
     </p:spTree>
     <p:extLst>
       <p:ext uri="{BB962C8B-B14F-4D97-AF65-F5344CB8AC3E}">
-        <p14:creationId xmlns:p14="http://schemas.microsoft.com/office/powerpoint/2010/main" val="2243938189"/>
+        <p14:creationId xmlns:p14="http://schemas.microsoft.com/office/powerpoint/2010/main" val="3588114716"/>
       </p:ext>
     </p:extLst>
   </p:cSld>
@@ -4554,6 +4649,535 @@
 </p:sld>
 </file>
 
+<file path=ppt/slides/slide10.xml><?xml version="1.0" encoding="utf-8"?>
+<p:sld xmlns:a="http://schemas.openxmlformats.org/drawingml/2006/main" xmlns:r="http://schemas.openxmlformats.org/officeDocument/2006/relationships" xmlns:p="http://schemas.openxmlformats.org/presentationml/2006/main">
+  <p:cSld>
+    <p:spTree>
+      <p:nvGrpSpPr>
+        <p:cNvPr id="1" name=""/>
+        <p:cNvGrpSpPr/>
+        <p:nvPr/>
+      </p:nvGrpSpPr>
+      <p:grpSpPr>
+        <a:xfrm>
+          <a:off x="0" y="0"/>
+          <a:ext cx="0" cy="0"/>
+          <a:chOff x="0" y="0"/>
+          <a:chExt cx="0" cy="0"/>
+        </a:xfrm>
+      </p:grpSpPr>
+      <p:sp>
+        <p:nvSpPr>
+          <p:cNvPr id="2" name="Title 1">
+            <a:extLst>
+              <a:ext uri="{FF2B5EF4-FFF2-40B4-BE49-F238E27FC236}">
+                <a16:creationId xmlns:a16="http://schemas.microsoft.com/office/drawing/2014/main" id="{8994F8C8-26A8-AC0E-F6CC-BC9D61E02A34}"/>
+              </a:ext>
+            </a:extLst>
+          </p:cNvPr>
+          <p:cNvSpPr>
+            <a:spLocks noGrp="1"/>
+          </p:cNvSpPr>
+          <p:nvPr>
+            <p:ph type="title"/>
+          </p:nvPr>
+        </p:nvSpPr>
+        <p:spPr>
+          <a:xfrm>
+            <a:off x="519504" y="-48765"/>
+            <a:ext cx="4881265" cy="617034"/>
+          </a:xfrm>
+          <a:prstGeom prst="rect">
+            <a:avLst/>
+          </a:prstGeom>
+        </p:spPr>
+        <p:txBody>
+          <a:bodyPr/>
+          <a:lstStyle/>
+          <a:p>
+            <a:endParaRPr lang="hu-HU" dirty="0"/>
+          </a:p>
+        </p:txBody>
+      </p:sp>
+      <p:graphicFrame>
+        <p:nvGraphicFramePr>
+          <p:cNvPr id="4" name="Table 6">
+            <a:extLst>
+              <a:ext uri="{FF2B5EF4-FFF2-40B4-BE49-F238E27FC236}">
+                <a16:creationId xmlns:a16="http://schemas.microsoft.com/office/drawing/2014/main" id="{5D80D367-5936-EC2D-0851-6D143797C533}"/>
+              </a:ext>
+            </a:extLst>
+          </p:cNvPr>
+          <p:cNvGraphicFramePr>
+            <a:graphicFrameLocks noGrp="1"/>
+          </p:cNvGraphicFramePr>
+          <p:nvPr>
+            <p:extLst>
+              <p:ext uri="{D42A27DB-BD31-4B8C-83A1-F6EECF244321}">
+                <p14:modId xmlns:p14="http://schemas.microsoft.com/office/powerpoint/2010/main" val="778660966"/>
+              </p:ext>
+            </p:extLst>
+          </p:nvPr>
+        </p:nvGraphicFramePr>
+        <p:xfrm>
+          <a:off x="38738" y="588944"/>
+          <a:ext cx="5581607" cy="6914284"/>
+        </p:xfrm>
+        <a:graphic>
+          <a:graphicData uri="http://schemas.openxmlformats.org/drawingml/2006/table">
+            <a:tbl>
+              <a:tblPr firstRow="1" bandRow="1">
+                <a:tableStyleId>{7E9639D4-E3E2-4D34-9284-5A2195B3D0D7}</a:tableStyleId>
+              </a:tblPr>
+              <a:tblGrid>
+                <a:gridCol w="286935">
+                  <a:extLst>
+                    <a:ext uri="{9D8B030D-6E8A-4147-A177-3AD203B41FA5}">
+                      <a16:colId xmlns:a16="http://schemas.microsoft.com/office/drawing/2014/main" val="3794467028"/>
+                    </a:ext>
+                  </a:extLst>
+                </a:gridCol>
+                <a:gridCol w="3187274">
+                  <a:extLst>
+                    <a:ext uri="{9D8B030D-6E8A-4147-A177-3AD203B41FA5}">
+                      <a16:colId xmlns:a16="http://schemas.microsoft.com/office/drawing/2014/main" val="428365829"/>
+                    </a:ext>
+                  </a:extLst>
+                </a:gridCol>
+                <a:gridCol w="780828">
+                  <a:extLst>
+                    <a:ext uri="{9D8B030D-6E8A-4147-A177-3AD203B41FA5}">
+                      <a16:colId xmlns:a16="http://schemas.microsoft.com/office/drawing/2014/main" val="2657353463"/>
+                    </a:ext>
+                  </a:extLst>
+                </a:gridCol>
+                <a:gridCol w="444990">
+                  <a:extLst>
+                    <a:ext uri="{9D8B030D-6E8A-4147-A177-3AD203B41FA5}">
+                      <a16:colId xmlns:a16="http://schemas.microsoft.com/office/drawing/2014/main" val="615630793"/>
+                    </a:ext>
+                  </a:extLst>
+                </a:gridCol>
+                <a:gridCol w="478572">
+                  <a:extLst>
+                    <a:ext uri="{9D8B030D-6E8A-4147-A177-3AD203B41FA5}">
+                      <a16:colId xmlns:a16="http://schemas.microsoft.com/office/drawing/2014/main" val="4068609821"/>
+                    </a:ext>
+                  </a:extLst>
+                </a:gridCol>
+                <a:gridCol w="403008">
+                  <a:extLst>
+                    <a:ext uri="{9D8B030D-6E8A-4147-A177-3AD203B41FA5}">
+                      <a16:colId xmlns:a16="http://schemas.microsoft.com/office/drawing/2014/main" val="169563680"/>
+                    </a:ext>
+                  </a:extLst>
+                </a:gridCol>
+              </a:tblGrid>
+              <a:tr h="310450">
+                <a:tc>
+                  <a:txBody>
+                    <a:bodyPr/>
+                    <a:lstStyle/>
+                    <a:p>
+                      <a:endParaRPr lang="hu-HU" sz="1200" b="1" dirty="0"/>
+                    </a:p>
+                  </a:txBody>
+                  <a:tcPr marL="120903" marR="120903" marT="60451" marB="60451">
+                    <a:lnR w="12700" cap="flat" cmpd="sng" algn="ctr">
+                      <a:solidFill>
+                        <a:schemeClr val="bg1"/>
+                      </a:solidFill>
+                      <a:prstDash val="solid"/>
+                      <a:round/>
+                      <a:headEnd type="none" w="med" len="med"/>
+                      <a:tailEnd type="none" w="med" len="med"/>
+                    </a:lnR>
+                    <a:solidFill>
+                      <a:srgbClr val="3F4346"/>
+                    </a:solidFill>
+                  </a:tcPr>
+                </a:tc>
+                <a:tc>
+                  <a:txBody>
+                    <a:bodyPr/>
+                    <a:lstStyle/>
+                    <a:p>
+                      <a:r>
+                        <a:rPr lang="hu-HU" sz="1200" b="1" dirty="0"/>
+                        <a:t>TOPIC</a:t>
+                      </a:r>
+                    </a:p>
+                  </a:txBody>
+                  <a:tcPr marL="120903" marR="120903" marT="60451" marB="60451">
+                    <a:lnL w="12700" cap="flat" cmpd="sng" algn="ctr">
+                      <a:solidFill>
+                        <a:schemeClr val="bg1"/>
+                      </a:solidFill>
+                      <a:prstDash val="solid"/>
+                      <a:round/>
+                      <a:headEnd type="none" w="med" len="med"/>
+                      <a:tailEnd type="none" w="med" len="med"/>
+                    </a:lnL>
+                    <a:lnR w="12700" cap="flat" cmpd="sng" algn="ctr">
+                      <a:solidFill>
+                        <a:schemeClr val="bg1"/>
+                      </a:solidFill>
+                      <a:prstDash val="solid"/>
+                      <a:round/>
+                      <a:headEnd type="none" w="med" len="med"/>
+                      <a:tailEnd type="none" w="med" len="med"/>
+                    </a:lnR>
+                    <a:lnT w="12700" cap="flat" cmpd="sng" algn="ctr">
+                      <a:solidFill>
+                        <a:schemeClr val="tx1"/>
+                      </a:solidFill>
+                      <a:prstDash val="solid"/>
+                      <a:round/>
+                      <a:headEnd type="none" w="med" len="med"/>
+                      <a:tailEnd type="none" w="med" len="med"/>
+                    </a:lnT>
+                    <a:lnB w="12700" cap="flat" cmpd="sng" algn="ctr">
+                      <a:solidFill>
+                        <a:schemeClr val="tx1"/>
+                      </a:solidFill>
+                      <a:prstDash val="solid"/>
+                      <a:round/>
+                      <a:headEnd type="none" w="med" len="med"/>
+                      <a:tailEnd type="none" w="med" len="med"/>
+                    </a:lnB>
+                    <a:solidFill>
+                      <a:srgbClr val="3F4346"/>
+                    </a:solidFill>
+                  </a:tcPr>
+                </a:tc>
+                <a:tc>
+                  <a:txBody>
+                    <a:bodyPr/>
+                    <a:lstStyle/>
+                    <a:p>
+                      <a:r>
+                        <a:rPr lang="hu-HU" sz="1200" b="1" dirty="0" err="1"/>
+                        <a:t>Due</a:t>
+                      </a:r>
+                      <a:endParaRPr lang="hu-HU" sz="1200" b="1" dirty="0"/>
+                    </a:p>
+                  </a:txBody>
+                  <a:tcPr marL="120903" marR="120903" marT="60451" marB="60451">
+                    <a:lnL w="12700" cap="flat" cmpd="sng" algn="ctr">
+                      <a:solidFill>
+                        <a:schemeClr val="bg1"/>
+                      </a:solidFill>
+                      <a:prstDash val="solid"/>
+                      <a:round/>
+                      <a:headEnd type="none" w="med" len="med"/>
+                      <a:tailEnd type="none" w="med" len="med"/>
+                    </a:lnL>
+                    <a:lnR w="12700" cap="flat" cmpd="sng" algn="ctr">
+                      <a:solidFill>
+                        <a:schemeClr val="bg1"/>
+                      </a:solidFill>
+                      <a:prstDash val="solid"/>
+                      <a:round/>
+                      <a:headEnd type="none" w="med" len="med"/>
+                      <a:tailEnd type="none" w="med" len="med"/>
+                    </a:lnR>
+                    <a:solidFill>
+                      <a:srgbClr val="3F4346"/>
+                    </a:solidFill>
+                  </a:tcPr>
+                </a:tc>
+                <a:tc>
+                  <a:txBody>
+                    <a:bodyPr/>
+                    <a:lstStyle/>
+                    <a:p>
+                      <a:r>
+                        <a:rPr lang="hu-HU" sz="1200" b="1" dirty="0"/>
+                        <a:t>AA</a:t>
+                      </a:r>
+                    </a:p>
+                  </a:txBody>
+                  <a:tcPr marL="120903" marR="120903" marT="60451" marB="60451">
+                    <a:lnL w="12700" cap="flat" cmpd="sng" algn="ctr">
+                      <a:solidFill>
+                        <a:schemeClr val="bg1"/>
+                      </a:solidFill>
+                      <a:prstDash val="solid"/>
+                      <a:round/>
+                      <a:headEnd type="none" w="med" len="med"/>
+                      <a:tailEnd type="none" w="med" len="med"/>
+                    </a:lnL>
+                    <a:lnR w="12700" cap="flat" cmpd="sng" algn="ctr">
+                      <a:solidFill>
+                        <a:schemeClr val="bg1"/>
+                      </a:solidFill>
+                      <a:prstDash val="solid"/>
+                      <a:round/>
+                      <a:headEnd type="none" w="med" len="med"/>
+                      <a:tailEnd type="none" w="med" len="med"/>
+                    </a:lnR>
+                    <a:solidFill>
+                      <a:srgbClr val="3F4346"/>
+                    </a:solidFill>
+                  </a:tcPr>
+                </a:tc>
+                <a:tc>
+                  <a:txBody>
+                    <a:bodyPr/>
+                    <a:lstStyle/>
+                    <a:p>
+                      <a:r>
+                        <a:rPr lang="hu-HU" sz="1200" b="1" dirty="0" err="1"/>
+                        <a:t>HSz</a:t>
+                      </a:r>
+                      <a:endParaRPr lang="hu-HU" sz="1200" b="1" dirty="0"/>
+                    </a:p>
+                  </a:txBody>
+                  <a:tcPr marL="120903" marR="120903" marT="60451" marB="60451">
+                    <a:lnL w="12700" cap="flat" cmpd="sng" algn="ctr">
+                      <a:solidFill>
+                        <a:schemeClr val="bg1"/>
+                      </a:solidFill>
+                      <a:prstDash val="solid"/>
+                      <a:round/>
+                      <a:headEnd type="none" w="med" len="med"/>
+                      <a:tailEnd type="none" w="med" len="med"/>
+                    </a:lnL>
+                    <a:lnR w="12700" cap="flat" cmpd="sng" algn="ctr">
+                      <a:solidFill>
+                        <a:schemeClr val="bg1"/>
+                      </a:solidFill>
+                      <a:prstDash val="solid"/>
+                      <a:round/>
+                      <a:headEnd type="none" w="med" len="med"/>
+                      <a:tailEnd type="none" w="med" len="med"/>
+                    </a:lnR>
+                    <a:solidFill>
+                      <a:srgbClr val="3F4346"/>
+                    </a:solidFill>
+                  </a:tcPr>
+                </a:tc>
+                <a:tc>
+                  <a:txBody>
+                    <a:bodyPr/>
+                    <a:lstStyle/>
+                    <a:p>
+                      <a:r>
+                        <a:rPr lang="hu-HU" sz="1200" b="1" dirty="0"/>
+                        <a:t>TL</a:t>
+                      </a:r>
+                    </a:p>
+                  </a:txBody>
+                  <a:tcPr marL="120903" marR="120903" marT="60451" marB="60451">
+                    <a:lnL w="12700" cap="flat" cmpd="sng" algn="ctr">
+                      <a:solidFill>
+                        <a:schemeClr val="bg1"/>
+                      </a:solidFill>
+                      <a:prstDash val="solid"/>
+                      <a:round/>
+                      <a:headEnd type="none" w="med" len="med"/>
+                      <a:tailEnd type="none" w="med" len="med"/>
+                    </a:lnL>
+                    <a:solidFill>
+                      <a:srgbClr val="3F4346"/>
+                    </a:solidFill>
+                  </a:tcPr>
+                </a:tc>
+                <a:extLst>
+                  <a:ext uri="{0D108BD9-81ED-4DB2-BD59-A6C34878D82A}">
+                    <a16:rowId xmlns:a16="http://schemas.microsoft.com/office/drawing/2014/main" val="4004125791"/>
+                  </a:ext>
+                </a:extLst>
+              </a:tr>
+              <a:tr h="6603834">
+                <a:tc>
+                  <a:txBody>
+                    <a:bodyPr/>
+                    <a:lstStyle/>
+                    <a:p>
+                      <a:endParaRPr lang="hu-HU" sz="1500" dirty="0"/>
+                    </a:p>
+                  </a:txBody>
+                  <a:tcPr marL="120903" marR="120903" marT="60451" marB="60451">
+                    <a:lnR w="12700" cap="flat" cmpd="sng" algn="ctr">
+                      <a:solidFill>
+                        <a:schemeClr val="tx1"/>
+                      </a:solidFill>
+                      <a:prstDash val="solid"/>
+                      <a:round/>
+                      <a:headEnd type="none" w="med" len="med"/>
+                      <a:tailEnd type="none" w="med" len="med"/>
+                    </a:lnR>
+                  </a:tcPr>
+                </a:tc>
+                <a:tc>
+                  <a:txBody>
+                    <a:bodyPr/>
+                    <a:lstStyle/>
+                    <a:p>
+                      <a:endParaRPr lang="hu-HU" sz="1500" dirty="0"/>
+                    </a:p>
+                  </a:txBody>
+                  <a:tcPr marL="120903" marR="120903" marT="60451" marB="60451">
+                    <a:lnL w="12700" cap="flat" cmpd="sng" algn="ctr">
+                      <a:solidFill>
+                        <a:schemeClr val="tx1"/>
+                      </a:solidFill>
+                      <a:prstDash val="solid"/>
+                      <a:round/>
+                      <a:headEnd type="none" w="med" len="med"/>
+                      <a:tailEnd type="none" w="med" len="med"/>
+                    </a:lnL>
+                    <a:lnR w="12700" cap="flat" cmpd="sng" algn="ctr">
+                      <a:solidFill>
+                        <a:schemeClr val="tx1"/>
+                      </a:solidFill>
+                      <a:prstDash val="solid"/>
+                      <a:round/>
+                      <a:headEnd type="none" w="med" len="med"/>
+                      <a:tailEnd type="none" w="med" len="med"/>
+                    </a:lnR>
+                    <a:lnT w="12700" cap="flat" cmpd="sng" algn="ctr">
+                      <a:solidFill>
+                        <a:schemeClr val="tx1"/>
+                      </a:solidFill>
+                      <a:prstDash val="solid"/>
+                      <a:round/>
+                      <a:headEnd type="none" w="med" len="med"/>
+                      <a:tailEnd type="none" w="med" len="med"/>
+                    </a:lnT>
+                  </a:tcPr>
+                </a:tc>
+                <a:tc>
+                  <a:txBody>
+                    <a:bodyPr/>
+                    <a:lstStyle/>
+                    <a:p>
+                      <a:endParaRPr lang="hu-HU" sz="1500" dirty="0"/>
+                    </a:p>
+                  </a:txBody>
+                  <a:tcPr marL="120903" marR="120903" marT="60451" marB="60451">
+                    <a:lnL w="12700" cap="flat" cmpd="sng" algn="ctr">
+                      <a:solidFill>
+                        <a:schemeClr val="tx1"/>
+                      </a:solidFill>
+                      <a:prstDash val="solid"/>
+                      <a:round/>
+                      <a:headEnd type="none" w="med" len="med"/>
+                      <a:tailEnd type="none" w="med" len="med"/>
+                    </a:lnL>
+                    <a:lnR w="12700" cap="flat" cmpd="sng" algn="ctr">
+                      <a:solidFill>
+                        <a:schemeClr val="tx1"/>
+                      </a:solidFill>
+                      <a:prstDash val="solid"/>
+                      <a:round/>
+                      <a:headEnd type="none" w="med" len="med"/>
+                      <a:tailEnd type="none" w="med" len="med"/>
+                    </a:lnR>
+                  </a:tcPr>
+                </a:tc>
+                <a:tc>
+                  <a:txBody>
+                    <a:bodyPr/>
+                    <a:lstStyle/>
+                    <a:p>
+                      <a:endParaRPr lang="hu-HU" sz="1500" dirty="0"/>
+                    </a:p>
+                  </a:txBody>
+                  <a:tcPr marL="120903" marR="120903" marT="60451" marB="60451">
+                    <a:lnL w="12700" cap="flat" cmpd="sng" algn="ctr">
+                      <a:solidFill>
+                        <a:schemeClr val="tx1"/>
+                      </a:solidFill>
+                      <a:prstDash val="solid"/>
+                      <a:round/>
+                      <a:headEnd type="none" w="med" len="med"/>
+                      <a:tailEnd type="none" w="med" len="med"/>
+                    </a:lnL>
+                    <a:lnR w="12700" cap="flat" cmpd="sng" algn="ctr">
+                      <a:solidFill>
+                        <a:schemeClr val="tx1"/>
+                      </a:solidFill>
+                      <a:prstDash val="solid"/>
+                      <a:round/>
+                      <a:headEnd type="none" w="med" len="med"/>
+                      <a:tailEnd type="none" w="med" len="med"/>
+                    </a:lnR>
+                  </a:tcPr>
+                </a:tc>
+                <a:tc>
+                  <a:txBody>
+                    <a:bodyPr/>
+                    <a:lstStyle/>
+                    <a:p>
+                      <a:endParaRPr lang="hu-HU" sz="1500" dirty="0"/>
+                    </a:p>
+                  </a:txBody>
+                  <a:tcPr marL="120903" marR="120903" marT="60451" marB="60451">
+                    <a:lnL w="12700" cap="flat" cmpd="sng" algn="ctr">
+                      <a:solidFill>
+                        <a:schemeClr val="tx1"/>
+                      </a:solidFill>
+                      <a:prstDash val="solid"/>
+                      <a:round/>
+                      <a:headEnd type="none" w="med" len="med"/>
+                      <a:tailEnd type="none" w="med" len="med"/>
+                    </a:lnL>
+                    <a:lnR w="12700" cap="flat" cmpd="sng" algn="ctr">
+                      <a:solidFill>
+                        <a:schemeClr val="tx1"/>
+                      </a:solidFill>
+                      <a:prstDash val="solid"/>
+                      <a:round/>
+                      <a:headEnd type="none" w="med" len="med"/>
+                      <a:tailEnd type="none" w="med" len="med"/>
+                    </a:lnR>
+                  </a:tcPr>
+                </a:tc>
+                <a:tc>
+                  <a:txBody>
+                    <a:bodyPr/>
+                    <a:lstStyle/>
+                    <a:p>
+                      <a:endParaRPr lang="hu-HU" sz="1500" dirty="0"/>
+                    </a:p>
+                  </a:txBody>
+                  <a:tcPr marL="120903" marR="120903" marT="60451" marB="60451">
+                    <a:lnL w="12700" cap="flat" cmpd="sng" algn="ctr">
+                      <a:solidFill>
+                        <a:schemeClr val="tx1"/>
+                      </a:solidFill>
+                      <a:prstDash val="solid"/>
+                      <a:round/>
+                      <a:headEnd type="none" w="med" len="med"/>
+                      <a:tailEnd type="none" w="med" len="med"/>
+                    </a:lnL>
+                  </a:tcPr>
+                </a:tc>
+                <a:extLst>
+                  <a:ext uri="{0D108BD9-81ED-4DB2-BD59-A6C34878D82A}">
+                    <a16:rowId xmlns:a16="http://schemas.microsoft.com/office/drawing/2014/main" val="1278891506"/>
+                  </a:ext>
+                </a:extLst>
+              </a:tr>
+            </a:tbl>
+          </a:graphicData>
+        </a:graphic>
+      </p:graphicFrame>
+    </p:spTree>
+    <p:extLst>
+      <p:ext uri="{BB962C8B-B14F-4D97-AF65-F5344CB8AC3E}">
+        <p14:creationId xmlns:p14="http://schemas.microsoft.com/office/powerpoint/2010/main" val="2976902371"/>
+      </p:ext>
+    </p:extLst>
+  </p:cSld>
+  <p:clrMapOvr>
+    <a:masterClrMapping/>
+  </p:clrMapOvr>
+</p:sld>
+</file>
+
 <file path=ppt/slides/slide2.xml><?xml version="1.0" encoding="utf-8"?>
 <p:sld xmlns:a="http://schemas.openxmlformats.org/drawingml/2006/main" xmlns:r="http://schemas.openxmlformats.org/officeDocument/2006/relationships" xmlns:p="http://schemas.openxmlformats.org/presentationml/2006/main">
   <p:cSld>
@@ -8128,6 +8752,1343 @@
           <a:p>
             <a:r>
               <a:rPr lang="hu-HU" dirty="0"/>
+              <a:t>Heti feladatok</a:t>
+            </a:r>
+          </a:p>
+        </p:txBody>
+      </p:sp>
+      <p:graphicFrame>
+        <p:nvGraphicFramePr>
+          <p:cNvPr id="4" name="Table 4">
+            <a:extLst>
+              <a:ext uri="{FF2B5EF4-FFF2-40B4-BE49-F238E27FC236}">
+                <a16:creationId xmlns:a16="http://schemas.microsoft.com/office/drawing/2014/main" id="{179A48EE-BA02-4806-9F9B-6D912C81E640}"/>
+              </a:ext>
+            </a:extLst>
+          </p:cNvPr>
+          <p:cNvGraphicFramePr>
+            <a:graphicFrameLocks noGrp="1"/>
+          </p:cNvGraphicFramePr>
+          <p:nvPr>
+            <p:extLst>
+              <p:ext uri="{D42A27DB-BD31-4B8C-83A1-F6EECF244321}">
+                <p14:modId xmlns:p14="http://schemas.microsoft.com/office/powerpoint/2010/main" val="73608283"/>
+              </p:ext>
+            </p:extLst>
+          </p:nvPr>
+        </p:nvGraphicFramePr>
+        <p:xfrm>
+          <a:off x="25637" y="555477"/>
+          <a:ext cx="5581639" cy="6929667"/>
+        </p:xfrm>
+        <a:graphic>
+          <a:graphicData uri="http://schemas.openxmlformats.org/drawingml/2006/table">
+            <a:tbl>
+              <a:tblPr firstRow="1" bandRow="1">
+                <a:tableStyleId>{5C22544A-7EE6-4342-B048-85BDC9FD1C3A}</a:tableStyleId>
+              </a:tblPr>
+              <a:tblGrid>
+                <a:gridCol w="209685">
+                  <a:extLst>
+                    <a:ext uri="{9D8B030D-6E8A-4147-A177-3AD203B41FA5}">
+                      <a16:colId xmlns:a16="http://schemas.microsoft.com/office/drawing/2014/main" val="2651184761"/>
+                    </a:ext>
+                  </a:extLst>
+                </a:gridCol>
+                <a:gridCol w="209685">
+                  <a:extLst>
+                    <a:ext uri="{9D8B030D-6E8A-4147-A177-3AD203B41FA5}">
+                      <a16:colId xmlns:a16="http://schemas.microsoft.com/office/drawing/2014/main" val="2500824027"/>
+                    </a:ext>
+                  </a:extLst>
+                </a:gridCol>
+                <a:gridCol w="3042932">
+                  <a:extLst>
+                    <a:ext uri="{9D8B030D-6E8A-4147-A177-3AD203B41FA5}">
+                      <a16:colId xmlns:a16="http://schemas.microsoft.com/office/drawing/2014/main" val="1278284831"/>
+                    </a:ext>
+                  </a:extLst>
+                </a:gridCol>
+                <a:gridCol w="209685">
+                  <a:extLst>
+                    <a:ext uri="{9D8B030D-6E8A-4147-A177-3AD203B41FA5}">
+                      <a16:colId xmlns:a16="http://schemas.microsoft.com/office/drawing/2014/main" val="2673907331"/>
+                    </a:ext>
+                  </a:extLst>
+                </a:gridCol>
+                <a:gridCol w="209685">
+                  <a:extLst>
+                    <a:ext uri="{9D8B030D-6E8A-4147-A177-3AD203B41FA5}">
+                      <a16:colId xmlns:a16="http://schemas.microsoft.com/office/drawing/2014/main" val="2396367388"/>
+                    </a:ext>
+                  </a:extLst>
+                </a:gridCol>
+                <a:gridCol w="209685">
+                  <a:extLst>
+                    <a:ext uri="{9D8B030D-6E8A-4147-A177-3AD203B41FA5}">
+                      <a16:colId xmlns:a16="http://schemas.microsoft.com/office/drawing/2014/main" val="1789665046"/>
+                    </a:ext>
+                  </a:extLst>
+                </a:gridCol>
+                <a:gridCol w="209685">
+                  <a:extLst>
+                    <a:ext uri="{9D8B030D-6E8A-4147-A177-3AD203B41FA5}">
+                      <a16:colId xmlns:a16="http://schemas.microsoft.com/office/drawing/2014/main" val="2620862330"/>
+                    </a:ext>
+                  </a:extLst>
+                </a:gridCol>
+                <a:gridCol w="209685">
+                  <a:extLst>
+                    <a:ext uri="{9D8B030D-6E8A-4147-A177-3AD203B41FA5}">
+                      <a16:colId xmlns:a16="http://schemas.microsoft.com/office/drawing/2014/main" val="1657865901"/>
+                    </a:ext>
+                  </a:extLst>
+                </a:gridCol>
+                <a:gridCol w="209685">
+                  <a:extLst>
+                    <a:ext uri="{9D8B030D-6E8A-4147-A177-3AD203B41FA5}">
+                      <a16:colId xmlns:a16="http://schemas.microsoft.com/office/drawing/2014/main" val="3727116168"/>
+                    </a:ext>
+                  </a:extLst>
+                </a:gridCol>
+                <a:gridCol w="209685">
+                  <a:extLst>
+                    <a:ext uri="{9D8B030D-6E8A-4147-A177-3AD203B41FA5}">
+                      <a16:colId xmlns:a16="http://schemas.microsoft.com/office/drawing/2014/main" val="3560251892"/>
+                    </a:ext>
+                  </a:extLst>
+                </a:gridCol>
+                <a:gridCol w="651542">
+                  <a:extLst>
+                    <a:ext uri="{9D8B030D-6E8A-4147-A177-3AD203B41FA5}">
+                      <a16:colId xmlns:a16="http://schemas.microsoft.com/office/drawing/2014/main" val="3283273542"/>
+                    </a:ext>
+                  </a:extLst>
+                </a:gridCol>
+              </a:tblGrid>
+              <a:tr h="222190">
+                <a:tc>
+                  <a:txBody>
+                    <a:bodyPr/>
+                    <a:lstStyle/>
+                    <a:p>
+                      <a:pPr algn="ctr"/>
+                      <a:endParaRPr lang="hu-HU" dirty="0"/>
+                    </a:p>
+                  </a:txBody>
+                  <a:tcPr>
+                    <a:lnL w="12700" cap="flat" cmpd="sng" algn="ctr">
+                      <a:solidFill>
+                        <a:schemeClr val="tx1"/>
+                      </a:solidFill>
+                      <a:prstDash val="solid"/>
+                      <a:round/>
+                      <a:headEnd type="none" w="med" len="med"/>
+                      <a:tailEnd type="none" w="med" len="med"/>
+                    </a:lnL>
+                    <a:lnR w="12700" cap="flat" cmpd="sng" algn="ctr">
+                      <a:solidFill>
+                        <a:schemeClr val="tx1"/>
+                      </a:solidFill>
+                      <a:prstDash val="solid"/>
+                      <a:round/>
+                      <a:headEnd type="none" w="med" len="med"/>
+                      <a:tailEnd type="none" w="med" len="med"/>
+                    </a:lnR>
+                    <a:lnT w="12700" cap="flat" cmpd="sng" algn="ctr">
+                      <a:solidFill>
+                        <a:schemeClr val="tx1"/>
+                      </a:solidFill>
+                      <a:prstDash val="solid"/>
+                      <a:round/>
+                      <a:headEnd type="none" w="med" len="med"/>
+                      <a:tailEnd type="none" w="med" len="med"/>
+                    </a:lnT>
+                    <a:lnB w="12700" cap="flat" cmpd="sng" algn="ctr">
+                      <a:solidFill>
+                        <a:schemeClr val="tx1"/>
+                      </a:solidFill>
+                      <a:prstDash val="solid"/>
+                      <a:round/>
+                      <a:headEnd type="none" w="med" len="med"/>
+                      <a:tailEnd type="none" w="med" len="med"/>
+                    </a:lnB>
+                  </a:tcPr>
+                </a:tc>
+                <a:tc>
+                  <a:txBody>
+                    <a:bodyPr/>
+                    <a:lstStyle/>
+                    <a:p>
+                      <a:pPr algn="ctr"/>
+                      <a:endParaRPr lang="hu-HU" dirty="0"/>
+                    </a:p>
+                  </a:txBody>
+                  <a:tcPr>
+                    <a:lnL w="12700" cap="flat" cmpd="sng" algn="ctr">
+                      <a:solidFill>
+                        <a:schemeClr val="tx1"/>
+                      </a:solidFill>
+                      <a:prstDash val="solid"/>
+                      <a:round/>
+                      <a:headEnd type="none" w="med" len="med"/>
+                      <a:tailEnd type="none" w="med" len="med"/>
+                    </a:lnL>
+                    <a:lnR w="12700" cap="flat" cmpd="sng" algn="ctr">
+                      <a:solidFill>
+                        <a:schemeClr val="tx1"/>
+                      </a:solidFill>
+                      <a:prstDash val="solid"/>
+                      <a:round/>
+                      <a:headEnd type="none" w="med" len="med"/>
+                      <a:tailEnd type="none" w="med" len="med"/>
+                    </a:lnR>
+                    <a:lnT w="12700" cap="flat" cmpd="sng" algn="ctr">
+                      <a:solidFill>
+                        <a:schemeClr val="tx1"/>
+                      </a:solidFill>
+                      <a:prstDash val="solid"/>
+                      <a:round/>
+                      <a:headEnd type="none" w="med" len="med"/>
+                      <a:tailEnd type="none" w="med" len="med"/>
+                    </a:lnT>
+                    <a:lnB w="12700" cap="flat" cmpd="sng" algn="ctr">
+                      <a:solidFill>
+                        <a:schemeClr val="tx1"/>
+                      </a:solidFill>
+                      <a:prstDash val="solid"/>
+                      <a:round/>
+                      <a:headEnd type="none" w="med" len="med"/>
+                      <a:tailEnd type="none" w="med" len="med"/>
+                    </a:lnB>
+                    <a:solidFill>
+                      <a:schemeClr val="bg1"/>
+                    </a:solidFill>
+                  </a:tcPr>
+                </a:tc>
+                <a:tc>
+                  <a:txBody>
+                    <a:bodyPr/>
+                    <a:lstStyle/>
+                    <a:p>
+                      <a:pPr algn="ctr"/>
+                      <a:r>
+                        <a:rPr lang="hu-HU" dirty="0"/>
+                        <a:t>Feladat</a:t>
+                      </a:r>
+                    </a:p>
+                  </a:txBody>
+                  <a:tcPr>
+                    <a:lnL w="12700" cap="flat" cmpd="sng" algn="ctr">
+                      <a:solidFill>
+                        <a:schemeClr val="tx1"/>
+                      </a:solidFill>
+                      <a:prstDash val="solid"/>
+                      <a:round/>
+                      <a:headEnd type="none" w="med" len="med"/>
+                      <a:tailEnd type="none" w="med" len="med"/>
+                    </a:lnL>
+                    <a:lnR w="12700" cap="flat" cmpd="sng" algn="ctr">
+                      <a:solidFill>
+                        <a:schemeClr val="tx1"/>
+                      </a:solidFill>
+                      <a:prstDash val="solid"/>
+                      <a:round/>
+                      <a:headEnd type="none" w="med" len="med"/>
+                      <a:tailEnd type="none" w="med" len="med"/>
+                    </a:lnR>
+                    <a:lnT w="12700" cap="flat" cmpd="sng" algn="ctr">
+                      <a:solidFill>
+                        <a:schemeClr val="tx1"/>
+                      </a:solidFill>
+                      <a:prstDash val="solid"/>
+                      <a:round/>
+                      <a:headEnd type="none" w="med" len="med"/>
+                      <a:tailEnd type="none" w="med" len="med"/>
+                    </a:lnT>
+                    <a:lnB w="12700" cap="flat" cmpd="sng" algn="ctr">
+                      <a:solidFill>
+                        <a:schemeClr val="tx1"/>
+                      </a:solidFill>
+                      <a:prstDash val="solid"/>
+                      <a:round/>
+                      <a:headEnd type="none" w="med" len="med"/>
+                      <a:tailEnd type="none" w="med" len="med"/>
+                    </a:lnB>
+                  </a:tcPr>
+                </a:tc>
+                <a:tc>
+                  <a:txBody>
+                    <a:bodyPr/>
+                    <a:lstStyle/>
+                    <a:p>
+                      <a:pPr algn="ctr"/>
+                      <a:r>
+                        <a:rPr lang="hu-HU" dirty="0"/>
+                        <a:t>H</a:t>
+                      </a:r>
+                    </a:p>
+                  </a:txBody>
+                  <a:tcPr>
+                    <a:lnL w="12700" cap="flat" cmpd="sng" algn="ctr">
+                      <a:solidFill>
+                        <a:schemeClr val="tx1"/>
+                      </a:solidFill>
+                      <a:prstDash val="solid"/>
+                      <a:round/>
+                      <a:headEnd type="none" w="med" len="med"/>
+                      <a:tailEnd type="none" w="med" len="med"/>
+                    </a:lnL>
+                    <a:lnR w="12700" cap="flat" cmpd="sng" algn="ctr">
+                      <a:solidFill>
+                        <a:schemeClr val="tx1"/>
+                      </a:solidFill>
+                      <a:prstDash val="solid"/>
+                      <a:round/>
+                      <a:headEnd type="none" w="med" len="med"/>
+                      <a:tailEnd type="none" w="med" len="med"/>
+                    </a:lnR>
+                    <a:lnT w="12700" cap="flat" cmpd="sng" algn="ctr">
+                      <a:solidFill>
+                        <a:schemeClr val="tx1"/>
+                      </a:solidFill>
+                      <a:prstDash val="solid"/>
+                      <a:round/>
+                      <a:headEnd type="none" w="med" len="med"/>
+                      <a:tailEnd type="none" w="med" len="med"/>
+                    </a:lnT>
+                    <a:lnB w="12700" cap="flat" cmpd="sng" algn="ctr">
+                      <a:solidFill>
+                        <a:schemeClr val="tx1"/>
+                      </a:solidFill>
+                      <a:prstDash val="solid"/>
+                      <a:round/>
+                      <a:headEnd type="none" w="med" len="med"/>
+                      <a:tailEnd type="none" w="med" len="med"/>
+                    </a:lnB>
+                  </a:tcPr>
+                </a:tc>
+                <a:tc>
+                  <a:txBody>
+                    <a:bodyPr/>
+                    <a:lstStyle/>
+                    <a:p>
+                      <a:pPr algn="ctr"/>
+                      <a:r>
+                        <a:rPr lang="hu-HU" dirty="0"/>
+                        <a:t>K</a:t>
+                      </a:r>
+                    </a:p>
+                  </a:txBody>
+                  <a:tcPr>
+                    <a:lnL w="12700" cap="flat" cmpd="sng" algn="ctr">
+                      <a:solidFill>
+                        <a:schemeClr val="tx1"/>
+                      </a:solidFill>
+                      <a:prstDash val="solid"/>
+                      <a:round/>
+                      <a:headEnd type="none" w="med" len="med"/>
+                      <a:tailEnd type="none" w="med" len="med"/>
+                    </a:lnL>
+                    <a:lnR w="12700" cap="flat" cmpd="sng" algn="ctr">
+                      <a:solidFill>
+                        <a:schemeClr val="tx1"/>
+                      </a:solidFill>
+                      <a:prstDash val="solid"/>
+                      <a:round/>
+                      <a:headEnd type="none" w="med" len="med"/>
+                      <a:tailEnd type="none" w="med" len="med"/>
+                    </a:lnR>
+                    <a:lnT w="12700" cap="flat" cmpd="sng" algn="ctr">
+                      <a:solidFill>
+                        <a:schemeClr val="tx1"/>
+                      </a:solidFill>
+                      <a:prstDash val="solid"/>
+                      <a:round/>
+                      <a:headEnd type="none" w="med" len="med"/>
+                      <a:tailEnd type="none" w="med" len="med"/>
+                    </a:lnT>
+                    <a:lnB w="12700" cap="flat" cmpd="sng" algn="ctr">
+                      <a:solidFill>
+                        <a:schemeClr val="tx1"/>
+                      </a:solidFill>
+                      <a:prstDash val="solid"/>
+                      <a:round/>
+                      <a:headEnd type="none" w="med" len="med"/>
+                      <a:tailEnd type="none" w="med" len="med"/>
+                    </a:lnB>
+                  </a:tcPr>
+                </a:tc>
+                <a:tc>
+                  <a:txBody>
+                    <a:bodyPr/>
+                    <a:lstStyle/>
+                    <a:p>
+                      <a:pPr algn="ctr"/>
+                      <a:r>
+                        <a:rPr lang="hu-HU" dirty="0"/>
+                        <a:t>S</a:t>
+                      </a:r>
+                    </a:p>
+                  </a:txBody>
+                  <a:tcPr>
+                    <a:lnL w="12700" cap="flat" cmpd="sng" algn="ctr">
+                      <a:solidFill>
+                        <a:schemeClr val="tx1"/>
+                      </a:solidFill>
+                      <a:prstDash val="solid"/>
+                      <a:round/>
+                      <a:headEnd type="none" w="med" len="med"/>
+                      <a:tailEnd type="none" w="med" len="med"/>
+                    </a:lnL>
+                    <a:lnR w="12700" cap="flat" cmpd="sng" algn="ctr">
+                      <a:solidFill>
+                        <a:schemeClr val="tx1"/>
+                      </a:solidFill>
+                      <a:prstDash val="solid"/>
+                      <a:round/>
+                      <a:headEnd type="none" w="med" len="med"/>
+                      <a:tailEnd type="none" w="med" len="med"/>
+                    </a:lnR>
+                    <a:lnT w="12700" cap="flat" cmpd="sng" algn="ctr">
+                      <a:solidFill>
+                        <a:schemeClr val="tx1"/>
+                      </a:solidFill>
+                      <a:prstDash val="solid"/>
+                      <a:round/>
+                      <a:headEnd type="none" w="med" len="med"/>
+                      <a:tailEnd type="none" w="med" len="med"/>
+                    </a:lnT>
+                    <a:lnB w="12700" cap="flat" cmpd="sng" algn="ctr">
+                      <a:solidFill>
+                        <a:schemeClr val="tx1"/>
+                      </a:solidFill>
+                      <a:prstDash val="solid"/>
+                      <a:round/>
+                      <a:headEnd type="none" w="med" len="med"/>
+                      <a:tailEnd type="none" w="med" len="med"/>
+                    </a:lnB>
+                  </a:tcPr>
+                </a:tc>
+                <a:tc>
+                  <a:txBody>
+                    <a:bodyPr/>
+                    <a:lstStyle/>
+                    <a:p>
+                      <a:pPr algn="ctr"/>
+                      <a:r>
+                        <a:rPr lang="hu-HU" dirty="0"/>
+                        <a:t>C</a:t>
+                      </a:r>
+                    </a:p>
+                  </a:txBody>
+                  <a:tcPr>
+                    <a:lnL w="12700" cap="flat" cmpd="sng" algn="ctr">
+                      <a:solidFill>
+                        <a:schemeClr val="tx1"/>
+                      </a:solidFill>
+                      <a:prstDash val="solid"/>
+                      <a:round/>
+                      <a:headEnd type="none" w="med" len="med"/>
+                      <a:tailEnd type="none" w="med" len="med"/>
+                    </a:lnL>
+                    <a:lnR w="12700" cap="flat" cmpd="sng" algn="ctr">
+                      <a:solidFill>
+                        <a:schemeClr val="tx1"/>
+                      </a:solidFill>
+                      <a:prstDash val="solid"/>
+                      <a:round/>
+                      <a:headEnd type="none" w="med" len="med"/>
+                      <a:tailEnd type="none" w="med" len="med"/>
+                    </a:lnR>
+                    <a:lnT w="12700" cap="flat" cmpd="sng" algn="ctr">
+                      <a:solidFill>
+                        <a:schemeClr val="tx1"/>
+                      </a:solidFill>
+                      <a:prstDash val="solid"/>
+                      <a:round/>
+                      <a:headEnd type="none" w="med" len="med"/>
+                      <a:tailEnd type="none" w="med" len="med"/>
+                    </a:lnT>
+                    <a:lnB w="12700" cap="flat" cmpd="sng" algn="ctr">
+                      <a:solidFill>
+                        <a:schemeClr val="tx1"/>
+                      </a:solidFill>
+                      <a:prstDash val="solid"/>
+                      <a:round/>
+                      <a:headEnd type="none" w="med" len="med"/>
+                      <a:tailEnd type="none" w="med" len="med"/>
+                    </a:lnB>
+                  </a:tcPr>
+                </a:tc>
+                <a:tc>
+                  <a:txBody>
+                    <a:bodyPr/>
+                    <a:lstStyle/>
+                    <a:p>
+                      <a:pPr algn="ctr"/>
+                      <a:r>
+                        <a:rPr lang="hu-HU" dirty="0"/>
+                        <a:t>P</a:t>
+                      </a:r>
+                    </a:p>
+                  </a:txBody>
+                  <a:tcPr>
+                    <a:lnL w="12700" cap="flat" cmpd="sng" algn="ctr">
+                      <a:solidFill>
+                        <a:schemeClr val="tx1"/>
+                      </a:solidFill>
+                      <a:prstDash val="solid"/>
+                      <a:round/>
+                      <a:headEnd type="none" w="med" len="med"/>
+                      <a:tailEnd type="none" w="med" len="med"/>
+                    </a:lnL>
+                    <a:lnR w="12700" cap="flat" cmpd="sng" algn="ctr">
+                      <a:solidFill>
+                        <a:schemeClr val="tx1"/>
+                      </a:solidFill>
+                      <a:prstDash val="solid"/>
+                      <a:round/>
+                      <a:headEnd type="none" w="med" len="med"/>
+                      <a:tailEnd type="none" w="med" len="med"/>
+                    </a:lnR>
+                    <a:lnT w="12700" cap="flat" cmpd="sng" algn="ctr">
+                      <a:solidFill>
+                        <a:schemeClr val="tx1"/>
+                      </a:solidFill>
+                      <a:prstDash val="solid"/>
+                      <a:round/>
+                      <a:headEnd type="none" w="med" len="med"/>
+                      <a:tailEnd type="none" w="med" len="med"/>
+                    </a:lnT>
+                    <a:lnB w="12700" cap="flat" cmpd="sng" algn="ctr">
+                      <a:solidFill>
+                        <a:schemeClr val="tx1"/>
+                      </a:solidFill>
+                      <a:prstDash val="solid"/>
+                      <a:round/>
+                      <a:headEnd type="none" w="med" len="med"/>
+                      <a:tailEnd type="none" w="med" len="med"/>
+                    </a:lnB>
+                  </a:tcPr>
+                </a:tc>
+                <a:tc>
+                  <a:txBody>
+                    <a:bodyPr/>
+                    <a:lstStyle/>
+                    <a:p>
+                      <a:pPr algn="ctr"/>
+                      <a:r>
+                        <a:rPr lang="hu-HU" dirty="0"/>
+                        <a:t>S</a:t>
+                      </a:r>
+                    </a:p>
+                  </a:txBody>
+                  <a:tcPr>
+                    <a:lnL w="12700" cap="flat" cmpd="sng" algn="ctr">
+                      <a:solidFill>
+                        <a:schemeClr val="tx1"/>
+                      </a:solidFill>
+                      <a:prstDash val="solid"/>
+                      <a:round/>
+                      <a:headEnd type="none" w="med" len="med"/>
+                      <a:tailEnd type="none" w="med" len="med"/>
+                    </a:lnL>
+                    <a:lnR w="12700" cap="flat" cmpd="sng" algn="ctr">
+                      <a:solidFill>
+                        <a:schemeClr val="tx1"/>
+                      </a:solidFill>
+                      <a:prstDash val="solid"/>
+                      <a:round/>
+                      <a:headEnd type="none" w="med" len="med"/>
+                      <a:tailEnd type="none" w="med" len="med"/>
+                    </a:lnR>
+                    <a:lnT w="12700" cap="flat" cmpd="sng" algn="ctr">
+                      <a:solidFill>
+                        <a:schemeClr val="tx1"/>
+                      </a:solidFill>
+                      <a:prstDash val="solid"/>
+                      <a:round/>
+                      <a:headEnd type="none" w="med" len="med"/>
+                      <a:tailEnd type="none" w="med" len="med"/>
+                    </a:lnT>
+                    <a:lnB w="12700" cap="flat" cmpd="sng" algn="ctr">
+                      <a:solidFill>
+                        <a:schemeClr val="tx1"/>
+                      </a:solidFill>
+                      <a:prstDash val="solid"/>
+                      <a:round/>
+                      <a:headEnd type="none" w="med" len="med"/>
+                      <a:tailEnd type="none" w="med" len="med"/>
+                    </a:lnB>
+                  </a:tcPr>
+                </a:tc>
+                <a:tc>
+                  <a:txBody>
+                    <a:bodyPr/>
+                    <a:lstStyle/>
+                    <a:p>
+                      <a:pPr algn="ctr"/>
+                      <a:r>
+                        <a:rPr lang="hu-HU" dirty="0"/>
+                        <a:t>V</a:t>
+                      </a:r>
+                    </a:p>
+                  </a:txBody>
+                  <a:tcPr>
+                    <a:lnL w="12700" cap="flat" cmpd="sng" algn="ctr">
+                      <a:solidFill>
+                        <a:schemeClr val="tx1"/>
+                      </a:solidFill>
+                      <a:prstDash val="solid"/>
+                      <a:round/>
+                      <a:headEnd type="none" w="med" len="med"/>
+                      <a:tailEnd type="none" w="med" len="med"/>
+                    </a:lnL>
+                    <a:lnR w="12700" cap="flat" cmpd="sng" algn="ctr">
+                      <a:solidFill>
+                        <a:schemeClr val="tx1"/>
+                      </a:solidFill>
+                      <a:prstDash val="solid"/>
+                      <a:round/>
+                      <a:headEnd type="none" w="med" len="med"/>
+                      <a:tailEnd type="none" w="med" len="med"/>
+                    </a:lnR>
+                    <a:lnT w="12700" cap="flat" cmpd="sng" algn="ctr">
+                      <a:solidFill>
+                        <a:schemeClr val="tx1"/>
+                      </a:solidFill>
+                      <a:prstDash val="solid"/>
+                      <a:round/>
+                      <a:headEnd type="none" w="med" len="med"/>
+                      <a:tailEnd type="none" w="med" len="med"/>
+                    </a:lnT>
+                    <a:lnB w="12700" cap="flat" cmpd="sng" algn="ctr">
+                      <a:solidFill>
+                        <a:schemeClr val="tx1"/>
+                      </a:solidFill>
+                      <a:prstDash val="solid"/>
+                      <a:round/>
+                      <a:headEnd type="none" w="med" len="med"/>
+                      <a:tailEnd type="none" w="med" len="med"/>
+                    </a:lnB>
+                  </a:tcPr>
+                </a:tc>
+                <a:tc>
+                  <a:txBody>
+                    <a:bodyPr/>
+                    <a:lstStyle/>
+                    <a:p>
+                      <a:pPr algn="ctr"/>
+                      <a:r>
+                        <a:rPr lang="hu-HU" dirty="0" err="1"/>
+                        <a:t>Megj</a:t>
+                      </a:r>
+                      <a:endParaRPr lang="hu-HU" dirty="0"/>
+                    </a:p>
+                  </a:txBody>
+                  <a:tcPr>
+                    <a:lnL w="12700" cap="flat" cmpd="sng" algn="ctr">
+                      <a:solidFill>
+                        <a:schemeClr val="tx1"/>
+                      </a:solidFill>
+                      <a:prstDash val="solid"/>
+                      <a:round/>
+                      <a:headEnd type="none" w="med" len="med"/>
+                      <a:tailEnd type="none" w="med" len="med"/>
+                    </a:lnL>
+                    <a:lnR w="12700" cap="flat" cmpd="sng" algn="ctr">
+                      <a:solidFill>
+                        <a:schemeClr val="tx1"/>
+                      </a:solidFill>
+                      <a:prstDash val="solid"/>
+                      <a:round/>
+                      <a:headEnd type="none" w="med" len="med"/>
+                      <a:tailEnd type="none" w="med" len="med"/>
+                    </a:lnR>
+                    <a:lnT w="12700" cap="flat" cmpd="sng" algn="ctr">
+                      <a:solidFill>
+                        <a:schemeClr val="tx1"/>
+                      </a:solidFill>
+                      <a:prstDash val="solid"/>
+                      <a:round/>
+                      <a:headEnd type="none" w="med" len="med"/>
+                      <a:tailEnd type="none" w="med" len="med"/>
+                    </a:lnT>
+                    <a:lnB w="12700" cap="flat" cmpd="sng" algn="ctr">
+                      <a:solidFill>
+                        <a:schemeClr val="tx1"/>
+                      </a:solidFill>
+                      <a:prstDash val="solid"/>
+                      <a:round/>
+                      <a:headEnd type="none" w="med" len="med"/>
+                      <a:tailEnd type="none" w="med" len="med"/>
+                    </a:lnB>
+                  </a:tcPr>
+                </a:tc>
+                <a:extLst>
+                  <a:ext uri="{0D108BD9-81ED-4DB2-BD59-A6C34878D82A}">
+                    <a16:rowId xmlns:a16="http://schemas.microsoft.com/office/drawing/2014/main" val="4256960761"/>
+                  </a:ext>
+                </a:extLst>
+              </a:tr>
+              <a:tr h="6668428">
+                <a:tc>
+                  <a:txBody>
+                    <a:bodyPr/>
+                    <a:lstStyle/>
+                    <a:p>
+                      <a:endParaRPr lang="hu-HU" dirty="0"/>
+                    </a:p>
+                  </a:txBody>
+                  <a:tcPr>
+                    <a:lnL w="12700" cap="flat" cmpd="sng" algn="ctr">
+                      <a:solidFill>
+                        <a:schemeClr val="tx1"/>
+                      </a:solidFill>
+                      <a:prstDash val="solid"/>
+                      <a:round/>
+                      <a:headEnd type="none" w="med" len="med"/>
+                      <a:tailEnd type="none" w="med" len="med"/>
+                    </a:lnL>
+                    <a:lnR w="12700" cap="flat" cmpd="sng" algn="ctr">
+                      <a:solidFill>
+                        <a:schemeClr val="tx1"/>
+                      </a:solidFill>
+                      <a:prstDash val="solid"/>
+                      <a:round/>
+                      <a:headEnd type="none" w="med" len="med"/>
+                      <a:tailEnd type="none" w="med" len="med"/>
+                    </a:lnR>
+                    <a:lnT w="12700" cap="flat" cmpd="sng" algn="ctr">
+                      <a:solidFill>
+                        <a:schemeClr val="tx1"/>
+                      </a:solidFill>
+                      <a:prstDash val="solid"/>
+                      <a:round/>
+                      <a:headEnd type="none" w="med" len="med"/>
+                      <a:tailEnd type="none" w="med" len="med"/>
+                    </a:lnT>
+                    <a:lnB w="12700" cap="flat" cmpd="sng" algn="ctr">
+                      <a:solidFill>
+                        <a:schemeClr val="tx1"/>
+                      </a:solidFill>
+                      <a:prstDash val="solid"/>
+                      <a:round/>
+                      <a:headEnd type="none" w="med" len="med"/>
+                      <a:tailEnd type="none" w="med" len="med"/>
+                    </a:lnB>
+                    <a:noFill/>
+                  </a:tcPr>
+                </a:tc>
+                <a:tc>
+                  <a:txBody>
+                    <a:bodyPr/>
+                    <a:lstStyle/>
+                    <a:p>
+                      <a:endParaRPr lang="hu-HU" dirty="0"/>
+                    </a:p>
+                  </a:txBody>
+                  <a:tcPr>
+                    <a:lnL w="12700" cap="flat" cmpd="sng" algn="ctr">
+                      <a:solidFill>
+                        <a:schemeClr val="tx1"/>
+                      </a:solidFill>
+                      <a:prstDash val="solid"/>
+                      <a:round/>
+                      <a:headEnd type="none" w="med" len="med"/>
+                      <a:tailEnd type="none" w="med" len="med"/>
+                    </a:lnL>
+                    <a:lnR w="12700" cap="flat" cmpd="sng" algn="ctr">
+                      <a:solidFill>
+                        <a:schemeClr val="tx1"/>
+                      </a:solidFill>
+                      <a:prstDash val="solid"/>
+                      <a:round/>
+                      <a:headEnd type="none" w="med" len="med"/>
+                      <a:tailEnd type="none" w="med" len="med"/>
+                    </a:lnR>
+                    <a:lnT w="12700" cap="flat" cmpd="sng" algn="ctr">
+                      <a:solidFill>
+                        <a:schemeClr val="tx1"/>
+                      </a:solidFill>
+                      <a:prstDash val="solid"/>
+                      <a:round/>
+                      <a:headEnd type="none" w="med" len="med"/>
+                      <a:tailEnd type="none" w="med" len="med"/>
+                    </a:lnT>
+                    <a:lnB w="12700" cap="flat" cmpd="sng" algn="ctr">
+                      <a:solidFill>
+                        <a:schemeClr val="tx1"/>
+                      </a:solidFill>
+                      <a:prstDash val="solid"/>
+                      <a:round/>
+                      <a:headEnd type="none" w="med" len="med"/>
+                      <a:tailEnd type="none" w="med" len="med"/>
+                    </a:lnB>
+                    <a:noFill/>
+                  </a:tcPr>
+                </a:tc>
+                <a:tc>
+                  <a:txBody>
+                    <a:bodyPr/>
+                    <a:lstStyle/>
+                    <a:p>
+                      <a:endParaRPr lang="hu-HU" dirty="0"/>
+                    </a:p>
+                  </a:txBody>
+                  <a:tcPr>
+                    <a:lnL w="12700" cap="flat" cmpd="sng" algn="ctr">
+                      <a:solidFill>
+                        <a:schemeClr val="tx1"/>
+                      </a:solidFill>
+                      <a:prstDash val="solid"/>
+                      <a:round/>
+                      <a:headEnd type="none" w="med" len="med"/>
+                      <a:tailEnd type="none" w="med" len="med"/>
+                    </a:lnL>
+                    <a:lnR w="12700" cap="flat" cmpd="sng" algn="ctr">
+                      <a:solidFill>
+                        <a:schemeClr val="tx1"/>
+                      </a:solidFill>
+                      <a:prstDash val="solid"/>
+                      <a:round/>
+                      <a:headEnd type="none" w="med" len="med"/>
+                      <a:tailEnd type="none" w="med" len="med"/>
+                    </a:lnR>
+                    <a:lnT w="12700" cap="flat" cmpd="sng" algn="ctr">
+                      <a:solidFill>
+                        <a:schemeClr val="tx1"/>
+                      </a:solidFill>
+                      <a:prstDash val="solid"/>
+                      <a:round/>
+                      <a:headEnd type="none" w="med" len="med"/>
+                      <a:tailEnd type="none" w="med" len="med"/>
+                    </a:lnT>
+                    <a:lnB w="12700" cap="flat" cmpd="sng" algn="ctr">
+                      <a:solidFill>
+                        <a:schemeClr val="tx1"/>
+                      </a:solidFill>
+                      <a:prstDash val="solid"/>
+                      <a:round/>
+                      <a:headEnd type="none" w="med" len="med"/>
+                      <a:tailEnd type="none" w="med" len="med"/>
+                    </a:lnB>
+                    <a:noFill/>
+                  </a:tcPr>
+                </a:tc>
+                <a:tc>
+                  <a:txBody>
+                    <a:bodyPr/>
+                    <a:lstStyle/>
+                    <a:p>
+                      <a:endParaRPr lang="hu-HU" dirty="0"/>
+                    </a:p>
+                  </a:txBody>
+                  <a:tcPr>
+                    <a:lnL w="12700" cap="flat" cmpd="sng" algn="ctr">
+                      <a:solidFill>
+                        <a:schemeClr val="tx1"/>
+                      </a:solidFill>
+                      <a:prstDash val="solid"/>
+                      <a:round/>
+                      <a:headEnd type="none" w="med" len="med"/>
+                      <a:tailEnd type="none" w="med" len="med"/>
+                    </a:lnL>
+                    <a:lnR w="12700" cap="flat" cmpd="sng" algn="ctr">
+                      <a:solidFill>
+                        <a:schemeClr val="tx1"/>
+                      </a:solidFill>
+                      <a:prstDash val="solid"/>
+                      <a:round/>
+                      <a:headEnd type="none" w="med" len="med"/>
+                      <a:tailEnd type="none" w="med" len="med"/>
+                    </a:lnR>
+                    <a:lnT w="12700" cap="flat" cmpd="sng" algn="ctr">
+                      <a:solidFill>
+                        <a:schemeClr val="tx1"/>
+                      </a:solidFill>
+                      <a:prstDash val="solid"/>
+                      <a:round/>
+                      <a:headEnd type="none" w="med" len="med"/>
+                      <a:tailEnd type="none" w="med" len="med"/>
+                    </a:lnT>
+                    <a:lnB w="12700" cap="flat" cmpd="sng" algn="ctr">
+                      <a:solidFill>
+                        <a:schemeClr val="tx1"/>
+                      </a:solidFill>
+                      <a:prstDash val="solid"/>
+                      <a:round/>
+                      <a:headEnd type="none" w="med" len="med"/>
+                      <a:tailEnd type="none" w="med" len="med"/>
+                    </a:lnB>
+                    <a:noFill/>
+                  </a:tcPr>
+                </a:tc>
+                <a:tc>
+                  <a:txBody>
+                    <a:bodyPr/>
+                    <a:lstStyle/>
+                    <a:p>
+                      <a:endParaRPr lang="hu-HU" dirty="0"/>
+                    </a:p>
+                  </a:txBody>
+                  <a:tcPr>
+                    <a:lnL w="12700" cap="flat" cmpd="sng" algn="ctr">
+                      <a:solidFill>
+                        <a:schemeClr val="tx1"/>
+                      </a:solidFill>
+                      <a:prstDash val="solid"/>
+                      <a:round/>
+                      <a:headEnd type="none" w="med" len="med"/>
+                      <a:tailEnd type="none" w="med" len="med"/>
+                    </a:lnL>
+                    <a:lnR w="12700" cap="flat" cmpd="sng" algn="ctr">
+                      <a:solidFill>
+                        <a:schemeClr val="tx1"/>
+                      </a:solidFill>
+                      <a:prstDash val="solid"/>
+                      <a:round/>
+                      <a:headEnd type="none" w="med" len="med"/>
+                      <a:tailEnd type="none" w="med" len="med"/>
+                    </a:lnR>
+                    <a:lnT w="12700" cap="flat" cmpd="sng" algn="ctr">
+                      <a:solidFill>
+                        <a:schemeClr val="tx1"/>
+                      </a:solidFill>
+                      <a:prstDash val="solid"/>
+                      <a:round/>
+                      <a:headEnd type="none" w="med" len="med"/>
+                      <a:tailEnd type="none" w="med" len="med"/>
+                    </a:lnT>
+                    <a:lnB w="12700" cap="flat" cmpd="sng" algn="ctr">
+                      <a:solidFill>
+                        <a:schemeClr val="tx1"/>
+                      </a:solidFill>
+                      <a:prstDash val="solid"/>
+                      <a:round/>
+                      <a:headEnd type="none" w="med" len="med"/>
+                      <a:tailEnd type="none" w="med" len="med"/>
+                    </a:lnB>
+                    <a:noFill/>
+                  </a:tcPr>
+                </a:tc>
+                <a:tc>
+                  <a:txBody>
+                    <a:bodyPr/>
+                    <a:lstStyle/>
+                    <a:p>
+                      <a:endParaRPr lang="hu-HU" dirty="0"/>
+                    </a:p>
+                  </a:txBody>
+                  <a:tcPr>
+                    <a:lnL w="12700" cap="flat" cmpd="sng" algn="ctr">
+                      <a:solidFill>
+                        <a:schemeClr val="tx1"/>
+                      </a:solidFill>
+                      <a:prstDash val="solid"/>
+                      <a:round/>
+                      <a:headEnd type="none" w="med" len="med"/>
+                      <a:tailEnd type="none" w="med" len="med"/>
+                    </a:lnL>
+                    <a:lnR w="12700" cap="flat" cmpd="sng" algn="ctr">
+                      <a:solidFill>
+                        <a:schemeClr val="tx1"/>
+                      </a:solidFill>
+                      <a:prstDash val="solid"/>
+                      <a:round/>
+                      <a:headEnd type="none" w="med" len="med"/>
+                      <a:tailEnd type="none" w="med" len="med"/>
+                    </a:lnR>
+                    <a:lnT w="12700" cap="flat" cmpd="sng" algn="ctr">
+                      <a:solidFill>
+                        <a:schemeClr val="tx1"/>
+                      </a:solidFill>
+                      <a:prstDash val="solid"/>
+                      <a:round/>
+                      <a:headEnd type="none" w="med" len="med"/>
+                      <a:tailEnd type="none" w="med" len="med"/>
+                    </a:lnT>
+                    <a:lnB w="12700" cap="flat" cmpd="sng" algn="ctr">
+                      <a:solidFill>
+                        <a:schemeClr val="tx1"/>
+                      </a:solidFill>
+                      <a:prstDash val="solid"/>
+                      <a:round/>
+                      <a:headEnd type="none" w="med" len="med"/>
+                      <a:tailEnd type="none" w="med" len="med"/>
+                    </a:lnB>
+                    <a:noFill/>
+                  </a:tcPr>
+                </a:tc>
+                <a:tc>
+                  <a:txBody>
+                    <a:bodyPr/>
+                    <a:lstStyle/>
+                    <a:p>
+                      <a:endParaRPr lang="hu-HU" dirty="0"/>
+                    </a:p>
+                  </a:txBody>
+                  <a:tcPr>
+                    <a:lnL w="12700" cap="flat" cmpd="sng" algn="ctr">
+                      <a:solidFill>
+                        <a:schemeClr val="tx1"/>
+                      </a:solidFill>
+                      <a:prstDash val="solid"/>
+                      <a:round/>
+                      <a:headEnd type="none" w="med" len="med"/>
+                      <a:tailEnd type="none" w="med" len="med"/>
+                    </a:lnL>
+                    <a:lnR w="12700" cap="flat" cmpd="sng" algn="ctr">
+                      <a:solidFill>
+                        <a:schemeClr val="tx1"/>
+                      </a:solidFill>
+                      <a:prstDash val="solid"/>
+                      <a:round/>
+                      <a:headEnd type="none" w="med" len="med"/>
+                      <a:tailEnd type="none" w="med" len="med"/>
+                    </a:lnR>
+                    <a:lnT w="12700" cap="flat" cmpd="sng" algn="ctr">
+                      <a:solidFill>
+                        <a:schemeClr val="tx1"/>
+                      </a:solidFill>
+                      <a:prstDash val="solid"/>
+                      <a:round/>
+                      <a:headEnd type="none" w="med" len="med"/>
+                      <a:tailEnd type="none" w="med" len="med"/>
+                    </a:lnT>
+                    <a:lnB w="12700" cap="flat" cmpd="sng" algn="ctr">
+                      <a:solidFill>
+                        <a:schemeClr val="tx1"/>
+                      </a:solidFill>
+                      <a:prstDash val="solid"/>
+                      <a:round/>
+                      <a:headEnd type="none" w="med" len="med"/>
+                      <a:tailEnd type="none" w="med" len="med"/>
+                    </a:lnB>
+                    <a:noFill/>
+                  </a:tcPr>
+                </a:tc>
+                <a:tc>
+                  <a:txBody>
+                    <a:bodyPr/>
+                    <a:lstStyle/>
+                    <a:p>
+                      <a:endParaRPr lang="hu-HU"/>
+                    </a:p>
+                  </a:txBody>
+                  <a:tcPr>
+                    <a:lnL w="12700" cap="flat" cmpd="sng" algn="ctr">
+                      <a:solidFill>
+                        <a:schemeClr val="tx1"/>
+                      </a:solidFill>
+                      <a:prstDash val="solid"/>
+                      <a:round/>
+                      <a:headEnd type="none" w="med" len="med"/>
+                      <a:tailEnd type="none" w="med" len="med"/>
+                    </a:lnL>
+                    <a:lnR w="12700" cap="flat" cmpd="sng" algn="ctr">
+                      <a:solidFill>
+                        <a:schemeClr val="tx1"/>
+                      </a:solidFill>
+                      <a:prstDash val="solid"/>
+                      <a:round/>
+                      <a:headEnd type="none" w="med" len="med"/>
+                      <a:tailEnd type="none" w="med" len="med"/>
+                    </a:lnR>
+                    <a:lnT w="12700" cap="flat" cmpd="sng" algn="ctr">
+                      <a:solidFill>
+                        <a:schemeClr val="tx1"/>
+                      </a:solidFill>
+                      <a:prstDash val="solid"/>
+                      <a:round/>
+                      <a:headEnd type="none" w="med" len="med"/>
+                      <a:tailEnd type="none" w="med" len="med"/>
+                    </a:lnT>
+                    <a:lnB w="12700" cap="flat" cmpd="sng" algn="ctr">
+                      <a:solidFill>
+                        <a:schemeClr val="tx1"/>
+                      </a:solidFill>
+                      <a:prstDash val="solid"/>
+                      <a:round/>
+                      <a:headEnd type="none" w="med" len="med"/>
+                      <a:tailEnd type="none" w="med" len="med"/>
+                    </a:lnB>
+                    <a:noFill/>
+                  </a:tcPr>
+                </a:tc>
+                <a:tc>
+                  <a:txBody>
+                    <a:bodyPr/>
+                    <a:lstStyle/>
+                    <a:p>
+                      <a:endParaRPr lang="hu-HU" dirty="0"/>
+                    </a:p>
+                  </a:txBody>
+                  <a:tcPr>
+                    <a:lnL w="12700" cap="flat" cmpd="sng" algn="ctr">
+                      <a:solidFill>
+                        <a:schemeClr val="tx1"/>
+                      </a:solidFill>
+                      <a:prstDash val="solid"/>
+                      <a:round/>
+                      <a:headEnd type="none" w="med" len="med"/>
+                      <a:tailEnd type="none" w="med" len="med"/>
+                    </a:lnL>
+                    <a:lnR w="12700" cap="flat" cmpd="sng" algn="ctr">
+                      <a:solidFill>
+                        <a:schemeClr val="tx1"/>
+                      </a:solidFill>
+                      <a:prstDash val="solid"/>
+                      <a:round/>
+                      <a:headEnd type="none" w="med" len="med"/>
+                      <a:tailEnd type="none" w="med" len="med"/>
+                    </a:lnR>
+                    <a:lnT w="12700" cap="flat" cmpd="sng" algn="ctr">
+                      <a:solidFill>
+                        <a:schemeClr val="tx1"/>
+                      </a:solidFill>
+                      <a:prstDash val="solid"/>
+                      <a:round/>
+                      <a:headEnd type="none" w="med" len="med"/>
+                      <a:tailEnd type="none" w="med" len="med"/>
+                    </a:lnT>
+                    <a:lnB w="12700" cap="flat" cmpd="sng" algn="ctr">
+                      <a:solidFill>
+                        <a:schemeClr val="tx1"/>
+                      </a:solidFill>
+                      <a:prstDash val="solid"/>
+                      <a:round/>
+                      <a:headEnd type="none" w="med" len="med"/>
+                      <a:tailEnd type="none" w="med" len="med"/>
+                    </a:lnB>
+                    <a:noFill/>
+                  </a:tcPr>
+                </a:tc>
+                <a:tc>
+                  <a:txBody>
+                    <a:bodyPr/>
+                    <a:lstStyle/>
+                    <a:p>
+                      <a:endParaRPr lang="hu-HU" dirty="0"/>
+                    </a:p>
+                  </a:txBody>
+                  <a:tcPr>
+                    <a:lnL w="12700" cap="flat" cmpd="sng" algn="ctr">
+                      <a:solidFill>
+                        <a:schemeClr val="tx1"/>
+                      </a:solidFill>
+                      <a:prstDash val="solid"/>
+                      <a:round/>
+                      <a:headEnd type="none" w="med" len="med"/>
+                      <a:tailEnd type="none" w="med" len="med"/>
+                    </a:lnL>
+                    <a:lnR w="12700" cap="flat" cmpd="sng" algn="ctr">
+                      <a:solidFill>
+                        <a:schemeClr val="tx1"/>
+                      </a:solidFill>
+                      <a:prstDash val="solid"/>
+                      <a:round/>
+                      <a:headEnd type="none" w="med" len="med"/>
+                      <a:tailEnd type="none" w="med" len="med"/>
+                    </a:lnR>
+                    <a:lnT w="12700" cap="flat" cmpd="sng" algn="ctr">
+                      <a:solidFill>
+                        <a:schemeClr val="tx1"/>
+                      </a:solidFill>
+                      <a:prstDash val="solid"/>
+                      <a:round/>
+                      <a:headEnd type="none" w="med" len="med"/>
+                      <a:tailEnd type="none" w="med" len="med"/>
+                    </a:lnT>
+                    <a:lnB w="12700" cap="flat" cmpd="sng" algn="ctr">
+                      <a:solidFill>
+                        <a:schemeClr val="tx1"/>
+                      </a:solidFill>
+                      <a:prstDash val="solid"/>
+                      <a:round/>
+                      <a:headEnd type="none" w="med" len="med"/>
+                      <a:tailEnd type="none" w="med" len="med"/>
+                    </a:lnB>
+                    <a:noFill/>
+                  </a:tcPr>
+                </a:tc>
+                <a:tc>
+                  <a:txBody>
+                    <a:bodyPr/>
+                    <a:lstStyle/>
+                    <a:p>
+                      <a:endParaRPr lang="hu-HU" dirty="0"/>
+                    </a:p>
+                  </a:txBody>
+                  <a:tcPr>
+                    <a:lnL w="12700" cap="flat" cmpd="sng" algn="ctr">
+                      <a:solidFill>
+                        <a:schemeClr val="tx1"/>
+                      </a:solidFill>
+                      <a:prstDash val="solid"/>
+                      <a:round/>
+                      <a:headEnd type="none" w="med" len="med"/>
+                      <a:tailEnd type="none" w="med" len="med"/>
+                    </a:lnL>
+                    <a:lnR w="12700" cap="flat" cmpd="sng" algn="ctr">
+                      <a:solidFill>
+                        <a:schemeClr val="tx1"/>
+                      </a:solidFill>
+                      <a:prstDash val="solid"/>
+                      <a:round/>
+                      <a:headEnd type="none" w="med" len="med"/>
+                      <a:tailEnd type="none" w="med" len="med"/>
+                    </a:lnR>
+                    <a:lnT w="12700" cap="flat" cmpd="sng" algn="ctr">
+                      <a:solidFill>
+                        <a:schemeClr val="tx1"/>
+                      </a:solidFill>
+                      <a:prstDash val="solid"/>
+                      <a:round/>
+                      <a:headEnd type="none" w="med" len="med"/>
+                      <a:tailEnd type="none" w="med" len="med"/>
+                    </a:lnT>
+                    <a:lnB w="12700" cap="flat" cmpd="sng" algn="ctr">
+                      <a:solidFill>
+                        <a:schemeClr val="tx1"/>
+                      </a:solidFill>
+                      <a:prstDash val="solid"/>
+                      <a:round/>
+                      <a:headEnd type="none" w="med" len="med"/>
+                      <a:tailEnd type="none" w="med" len="med"/>
+                    </a:lnB>
+                    <a:noFill/>
+                  </a:tcPr>
+                </a:tc>
+                <a:extLst>
+                  <a:ext uri="{0D108BD9-81ED-4DB2-BD59-A6C34878D82A}">
+                    <a16:rowId xmlns:a16="http://schemas.microsoft.com/office/drawing/2014/main" val="2707876754"/>
+                  </a:ext>
+                </a:extLst>
+              </a:tr>
+            </a:tbl>
+          </a:graphicData>
+        </a:graphic>
+      </p:graphicFrame>
+      <p:pic>
+        <p:nvPicPr>
+          <p:cNvPr id="1026" name="Picture 2" descr="No photo description available.">
+            <a:extLst>
+              <a:ext uri="{FF2B5EF4-FFF2-40B4-BE49-F238E27FC236}">
+                <a16:creationId xmlns:a16="http://schemas.microsoft.com/office/drawing/2014/main" id="{41A24FC9-1BCC-3ABE-AAFC-50D90C4F7892}"/>
+              </a:ext>
+            </a:extLst>
+          </p:cNvPr>
+          <p:cNvPicPr>
+            <a:picLocks noChangeAspect="1" noChangeArrowheads="1"/>
+          </p:cNvPicPr>
+          <p:nvPr/>
+        </p:nvPicPr>
+        <p:blipFill>
+          <a:blip r:embed="rId3">
+            <a:clrChange>
+              <a:clrFrom>
+                <a:srgbClr val="FFFFFF"/>
+              </a:clrFrom>
+              <a:clrTo>
+                <a:srgbClr val="FFFFFF">
+                  <a:alpha val="0"/>
+                </a:srgbClr>
+              </a:clrTo>
+            </a:clrChange>
+            <a:extLst>
+              <a:ext uri="{28A0092B-C50C-407E-A947-70E740481C1C}">
+                <a14:useLocalDpi xmlns:a14="http://schemas.microsoft.com/office/drawing/2010/main" val="0"/>
+              </a:ext>
+            </a:extLst>
+          </a:blip>
+          <a:srcRect/>
+          <a:stretch>
+            <a:fillRect/>
+          </a:stretch>
+        </p:blipFill>
+        <p:spPr bwMode="auto">
+          <a:xfrm>
+            <a:off x="218756" y="568177"/>
+            <a:ext cx="239282" cy="239282"/>
+          </a:xfrm>
+          <a:prstGeom prst="rect">
+            <a:avLst/>
+          </a:prstGeom>
+          <a:noFill/>
+          <a:extLst>
+            <a:ext uri="{909E8E84-426E-40DD-AFC4-6F175D3DCCD1}">
+              <a14:hiddenFill xmlns:a14="http://schemas.microsoft.com/office/drawing/2010/main">
+                <a:solidFill>
+                  <a:srgbClr val="FFFFFF"/>
+                </a:solidFill>
+              </a14:hiddenFill>
+            </a:ext>
+          </a:extLst>
+        </p:spPr>
+      </p:pic>
+    </p:spTree>
+    <p:extLst>
+      <p:ext uri="{BB962C8B-B14F-4D97-AF65-F5344CB8AC3E}">
+        <p14:creationId xmlns:p14="http://schemas.microsoft.com/office/powerpoint/2010/main" val="1684614022"/>
+      </p:ext>
+    </p:extLst>
+  </p:cSld>
+  <p:clrMapOvr>
+    <a:masterClrMapping/>
+  </p:clrMapOvr>
+</p:sld>
+</file>
+
+<file path=ppt/slides/slide6.xml><?xml version="1.0" encoding="utf-8"?>
+<p:sld xmlns:a="http://schemas.openxmlformats.org/drawingml/2006/main" xmlns:r="http://schemas.openxmlformats.org/officeDocument/2006/relationships" xmlns:p="http://schemas.openxmlformats.org/presentationml/2006/main">
+  <p:cSld>
+    <p:spTree>
+      <p:nvGrpSpPr>
+        <p:cNvPr id="1" name=""/>
+        <p:cNvGrpSpPr/>
+        <p:nvPr/>
+      </p:nvGrpSpPr>
+      <p:grpSpPr>
+        <a:xfrm>
+          <a:off x="0" y="0"/>
+          <a:ext cx="0" cy="0"/>
+          <a:chOff x="0" y="0"/>
+          <a:chExt cx="0" cy="0"/>
+        </a:xfrm>
+      </p:grpSpPr>
+      <p:sp>
+        <p:nvSpPr>
+          <p:cNvPr id="2" name="Title 1">
+            <a:extLst>
+              <a:ext uri="{FF2B5EF4-FFF2-40B4-BE49-F238E27FC236}">
+                <a16:creationId xmlns:a16="http://schemas.microsoft.com/office/drawing/2014/main" id="{8994F8C8-26A8-AC0E-F6CC-BC9D61E02A34}"/>
+              </a:ext>
+            </a:extLst>
+          </p:cNvPr>
+          <p:cNvSpPr>
+            <a:spLocks noGrp="1"/>
+          </p:cNvSpPr>
+          <p:nvPr>
+            <p:ph type="title"/>
+          </p:nvPr>
+        </p:nvSpPr>
+        <p:spPr>
+          <a:xfrm>
+            <a:off x="519504" y="-48765"/>
+            <a:ext cx="4881265" cy="617034"/>
+          </a:xfrm>
+          <a:prstGeom prst="rect">
+            <a:avLst/>
+          </a:prstGeom>
+        </p:spPr>
+        <p:txBody>
+          <a:bodyPr/>
+          <a:lstStyle/>
+          <a:p>
+            <a:r>
+              <a:rPr lang="hu-HU" dirty="0"/>
               <a:t>SWOT</a:t>
             </a:r>
           </a:p>
@@ -8654,7 +10615,7 @@
 </p:sld>
 </file>
 
-<file path=ppt/slides/slide6.xml><?xml version="1.0" encoding="utf-8"?>
+<file path=ppt/slides/slide7.xml><?xml version="1.0" encoding="utf-8"?>
 <p:sld xmlns:a="http://schemas.openxmlformats.org/drawingml/2006/main" xmlns:r="http://schemas.openxmlformats.org/officeDocument/2006/relationships" xmlns:p="http://schemas.openxmlformats.org/presentationml/2006/main">
   <p:cSld>
     <p:spTree>
@@ -9218,7 +11179,7 @@
 </p:sld>
 </file>
 
-<file path=ppt/slides/slide7.xml><?xml version="1.0" encoding="utf-8"?>
+<file path=ppt/slides/slide8.xml><?xml version="1.0" encoding="utf-8"?>
 <p:sld xmlns:a="http://schemas.openxmlformats.org/drawingml/2006/main" xmlns:r="http://schemas.openxmlformats.org/officeDocument/2006/relationships" xmlns:p="http://schemas.openxmlformats.org/presentationml/2006/main">
   <p:cSld>
     <p:spTree>
@@ -9604,7 +11565,7 @@
 </p:sld>
 </file>
 
-<file path=ppt/slides/slide8.xml><?xml version="1.0" encoding="utf-8"?>
+<file path=ppt/slides/slide9.xml><?xml version="1.0" encoding="utf-8"?>
 <p:sld xmlns:a="http://schemas.openxmlformats.org/drawingml/2006/main" xmlns:r="http://schemas.openxmlformats.org/officeDocument/2006/relationships" xmlns:p="http://schemas.openxmlformats.org/presentationml/2006/main">
   <p:cSld>
     <p:spTree>
@@ -9976,535 +11937,6 @@
     <p:extLst>
       <p:ext uri="{BB962C8B-B14F-4D97-AF65-F5344CB8AC3E}">
         <p14:creationId xmlns:p14="http://schemas.microsoft.com/office/powerpoint/2010/main" val="735488539"/>
-      </p:ext>
-    </p:extLst>
-  </p:cSld>
-  <p:clrMapOvr>
-    <a:masterClrMapping/>
-  </p:clrMapOvr>
-</p:sld>
-</file>
-
-<file path=ppt/slides/slide9.xml><?xml version="1.0" encoding="utf-8"?>
-<p:sld xmlns:a="http://schemas.openxmlformats.org/drawingml/2006/main" xmlns:r="http://schemas.openxmlformats.org/officeDocument/2006/relationships" xmlns:p="http://schemas.openxmlformats.org/presentationml/2006/main">
-  <p:cSld>
-    <p:spTree>
-      <p:nvGrpSpPr>
-        <p:cNvPr id="1" name=""/>
-        <p:cNvGrpSpPr/>
-        <p:nvPr/>
-      </p:nvGrpSpPr>
-      <p:grpSpPr>
-        <a:xfrm>
-          <a:off x="0" y="0"/>
-          <a:ext cx="0" cy="0"/>
-          <a:chOff x="0" y="0"/>
-          <a:chExt cx="0" cy="0"/>
-        </a:xfrm>
-      </p:grpSpPr>
-      <p:sp>
-        <p:nvSpPr>
-          <p:cNvPr id="2" name="Title 1">
-            <a:extLst>
-              <a:ext uri="{FF2B5EF4-FFF2-40B4-BE49-F238E27FC236}">
-                <a16:creationId xmlns:a16="http://schemas.microsoft.com/office/drawing/2014/main" id="{8994F8C8-26A8-AC0E-F6CC-BC9D61E02A34}"/>
-              </a:ext>
-            </a:extLst>
-          </p:cNvPr>
-          <p:cNvSpPr>
-            <a:spLocks noGrp="1"/>
-          </p:cNvSpPr>
-          <p:nvPr>
-            <p:ph type="title"/>
-          </p:nvPr>
-        </p:nvSpPr>
-        <p:spPr>
-          <a:xfrm>
-            <a:off x="519504" y="-48765"/>
-            <a:ext cx="4881265" cy="617034"/>
-          </a:xfrm>
-          <a:prstGeom prst="rect">
-            <a:avLst/>
-          </a:prstGeom>
-        </p:spPr>
-        <p:txBody>
-          <a:bodyPr/>
-          <a:lstStyle/>
-          <a:p>
-            <a:endParaRPr lang="hu-HU" dirty="0"/>
-          </a:p>
-        </p:txBody>
-      </p:sp>
-      <p:graphicFrame>
-        <p:nvGraphicFramePr>
-          <p:cNvPr id="4" name="Table 6">
-            <a:extLst>
-              <a:ext uri="{FF2B5EF4-FFF2-40B4-BE49-F238E27FC236}">
-                <a16:creationId xmlns:a16="http://schemas.microsoft.com/office/drawing/2014/main" id="{5D80D367-5936-EC2D-0851-6D143797C533}"/>
-              </a:ext>
-            </a:extLst>
-          </p:cNvPr>
-          <p:cNvGraphicFramePr>
-            <a:graphicFrameLocks noGrp="1"/>
-          </p:cNvGraphicFramePr>
-          <p:nvPr>
-            <p:extLst>
-              <p:ext uri="{D42A27DB-BD31-4B8C-83A1-F6EECF244321}">
-                <p14:modId xmlns:p14="http://schemas.microsoft.com/office/powerpoint/2010/main" val="778660966"/>
-              </p:ext>
-            </p:extLst>
-          </p:nvPr>
-        </p:nvGraphicFramePr>
-        <p:xfrm>
-          <a:off x="38738" y="588944"/>
-          <a:ext cx="5581607" cy="6914284"/>
-        </p:xfrm>
-        <a:graphic>
-          <a:graphicData uri="http://schemas.openxmlformats.org/drawingml/2006/table">
-            <a:tbl>
-              <a:tblPr firstRow="1" bandRow="1">
-                <a:tableStyleId>{7E9639D4-E3E2-4D34-9284-5A2195B3D0D7}</a:tableStyleId>
-              </a:tblPr>
-              <a:tblGrid>
-                <a:gridCol w="286935">
-                  <a:extLst>
-                    <a:ext uri="{9D8B030D-6E8A-4147-A177-3AD203B41FA5}">
-                      <a16:colId xmlns:a16="http://schemas.microsoft.com/office/drawing/2014/main" val="3794467028"/>
-                    </a:ext>
-                  </a:extLst>
-                </a:gridCol>
-                <a:gridCol w="3187274">
-                  <a:extLst>
-                    <a:ext uri="{9D8B030D-6E8A-4147-A177-3AD203B41FA5}">
-                      <a16:colId xmlns:a16="http://schemas.microsoft.com/office/drawing/2014/main" val="428365829"/>
-                    </a:ext>
-                  </a:extLst>
-                </a:gridCol>
-                <a:gridCol w="780828">
-                  <a:extLst>
-                    <a:ext uri="{9D8B030D-6E8A-4147-A177-3AD203B41FA5}">
-                      <a16:colId xmlns:a16="http://schemas.microsoft.com/office/drawing/2014/main" val="2657353463"/>
-                    </a:ext>
-                  </a:extLst>
-                </a:gridCol>
-                <a:gridCol w="444990">
-                  <a:extLst>
-                    <a:ext uri="{9D8B030D-6E8A-4147-A177-3AD203B41FA5}">
-                      <a16:colId xmlns:a16="http://schemas.microsoft.com/office/drawing/2014/main" val="615630793"/>
-                    </a:ext>
-                  </a:extLst>
-                </a:gridCol>
-                <a:gridCol w="478572">
-                  <a:extLst>
-                    <a:ext uri="{9D8B030D-6E8A-4147-A177-3AD203B41FA5}">
-                      <a16:colId xmlns:a16="http://schemas.microsoft.com/office/drawing/2014/main" val="4068609821"/>
-                    </a:ext>
-                  </a:extLst>
-                </a:gridCol>
-                <a:gridCol w="403008">
-                  <a:extLst>
-                    <a:ext uri="{9D8B030D-6E8A-4147-A177-3AD203B41FA5}">
-                      <a16:colId xmlns:a16="http://schemas.microsoft.com/office/drawing/2014/main" val="169563680"/>
-                    </a:ext>
-                  </a:extLst>
-                </a:gridCol>
-              </a:tblGrid>
-              <a:tr h="310450">
-                <a:tc>
-                  <a:txBody>
-                    <a:bodyPr/>
-                    <a:lstStyle/>
-                    <a:p>
-                      <a:endParaRPr lang="hu-HU" sz="1200" b="1" dirty="0"/>
-                    </a:p>
-                  </a:txBody>
-                  <a:tcPr marL="120903" marR="120903" marT="60451" marB="60451">
-                    <a:lnR w="12700" cap="flat" cmpd="sng" algn="ctr">
-                      <a:solidFill>
-                        <a:schemeClr val="bg1"/>
-                      </a:solidFill>
-                      <a:prstDash val="solid"/>
-                      <a:round/>
-                      <a:headEnd type="none" w="med" len="med"/>
-                      <a:tailEnd type="none" w="med" len="med"/>
-                    </a:lnR>
-                    <a:solidFill>
-                      <a:srgbClr val="3F4346"/>
-                    </a:solidFill>
-                  </a:tcPr>
-                </a:tc>
-                <a:tc>
-                  <a:txBody>
-                    <a:bodyPr/>
-                    <a:lstStyle/>
-                    <a:p>
-                      <a:r>
-                        <a:rPr lang="hu-HU" sz="1200" b="1" dirty="0"/>
-                        <a:t>TOPIC</a:t>
-                      </a:r>
-                    </a:p>
-                  </a:txBody>
-                  <a:tcPr marL="120903" marR="120903" marT="60451" marB="60451">
-                    <a:lnL w="12700" cap="flat" cmpd="sng" algn="ctr">
-                      <a:solidFill>
-                        <a:schemeClr val="bg1"/>
-                      </a:solidFill>
-                      <a:prstDash val="solid"/>
-                      <a:round/>
-                      <a:headEnd type="none" w="med" len="med"/>
-                      <a:tailEnd type="none" w="med" len="med"/>
-                    </a:lnL>
-                    <a:lnR w="12700" cap="flat" cmpd="sng" algn="ctr">
-                      <a:solidFill>
-                        <a:schemeClr val="bg1"/>
-                      </a:solidFill>
-                      <a:prstDash val="solid"/>
-                      <a:round/>
-                      <a:headEnd type="none" w="med" len="med"/>
-                      <a:tailEnd type="none" w="med" len="med"/>
-                    </a:lnR>
-                    <a:lnT w="12700" cap="flat" cmpd="sng" algn="ctr">
-                      <a:solidFill>
-                        <a:schemeClr val="tx1"/>
-                      </a:solidFill>
-                      <a:prstDash val="solid"/>
-                      <a:round/>
-                      <a:headEnd type="none" w="med" len="med"/>
-                      <a:tailEnd type="none" w="med" len="med"/>
-                    </a:lnT>
-                    <a:lnB w="12700" cap="flat" cmpd="sng" algn="ctr">
-                      <a:solidFill>
-                        <a:schemeClr val="tx1"/>
-                      </a:solidFill>
-                      <a:prstDash val="solid"/>
-                      <a:round/>
-                      <a:headEnd type="none" w="med" len="med"/>
-                      <a:tailEnd type="none" w="med" len="med"/>
-                    </a:lnB>
-                    <a:solidFill>
-                      <a:srgbClr val="3F4346"/>
-                    </a:solidFill>
-                  </a:tcPr>
-                </a:tc>
-                <a:tc>
-                  <a:txBody>
-                    <a:bodyPr/>
-                    <a:lstStyle/>
-                    <a:p>
-                      <a:r>
-                        <a:rPr lang="hu-HU" sz="1200" b="1" dirty="0" err="1"/>
-                        <a:t>Due</a:t>
-                      </a:r>
-                      <a:endParaRPr lang="hu-HU" sz="1200" b="1" dirty="0"/>
-                    </a:p>
-                  </a:txBody>
-                  <a:tcPr marL="120903" marR="120903" marT="60451" marB="60451">
-                    <a:lnL w="12700" cap="flat" cmpd="sng" algn="ctr">
-                      <a:solidFill>
-                        <a:schemeClr val="bg1"/>
-                      </a:solidFill>
-                      <a:prstDash val="solid"/>
-                      <a:round/>
-                      <a:headEnd type="none" w="med" len="med"/>
-                      <a:tailEnd type="none" w="med" len="med"/>
-                    </a:lnL>
-                    <a:lnR w="12700" cap="flat" cmpd="sng" algn="ctr">
-                      <a:solidFill>
-                        <a:schemeClr val="bg1"/>
-                      </a:solidFill>
-                      <a:prstDash val="solid"/>
-                      <a:round/>
-                      <a:headEnd type="none" w="med" len="med"/>
-                      <a:tailEnd type="none" w="med" len="med"/>
-                    </a:lnR>
-                    <a:solidFill>
-                      <a:srgbClr val="3F4346"/>
-                    </a:solidFill>
-                  </a:tcPr>
-                </a:tc>
-                <a:tc>
-                  <a:txBody>
-                    <a:bodyPr/>
-                    <a:lstStyle/>
-                    <a:p>
-                      <a:r>
-                        <a:rPr lang="hu-HU" sz="1200" b="1" dirty="0"/>
-                        <a:t>AA</a:t>
-                      </a:r>
-                    </a:p>
-                  </a:txBody>
-                  <a:tcPr marL="120903" marR="120903" marT="60451" marB="60451">
-                    <a:lnL w="12700" cap="flat" cmpd="sng" algn="ctr">
-                      <a:solidFill>
-                        <a:schemeClr val="bg1"/>
-                      </a:solidFill>
-                      <a:prstDash val="solid"/>
-                      <a:round/>
-                      <a:headEnd type="none" w="med" len="med"/>
-                      <a:tailEnd type="none" w="med" len="med"/>
-                    </a:lnL>
-                    <a:lnR w="12700" cap="flat" cmpd="sng" algn="ctr">
-                      <a:solidFill>
-                        <a:schemeClr val="bg1"/>
-                      </a:solidFill>
-                      <a:prstDash val="solid"/>
-                      <a:round/>
-                      <a:headEnd type="none" w="med" len="med"/>
-                      <a:tailEnd type="none" w="med" len="med"/>
-                    </a:lnR>
-                    <a:solidFill>
-                      <a:srgbClr val="3F4346"/>
-                    </a:solidFill>
-                  </a:tcPr>
-                </a:tc>
-                <a:tc>
-                  <a:txBody>
-                    <a:bodyPr/>
-                    <a:lstStyle/>
-                    <a:p>
-                      <a:r>
-                        <a:rPr lang="hu-HU" sz="1200" b="1" dirty="0" err="1"/>
-                        <a:t>HSz</a:t>
-                      </a:r>
-                      <a:endParaRPr lang="hu-HU" sz="1200" b="1" dirty="0"/>
-                    </a:p>
-                  </a:txBody>
-                  <a:tcPr marL="120903" marR="120903" marT="60451" marB="60451">
-                    <a:lnL w="12700" cap="flat" cmpd="sng" algn="ctr">
-                      <a:solidFill>
-                        <a:schemeClr val="bg1"/>
-                      </a:solidFill>
-                      <a:prstDash val="solid"/>
-                      <a:round/>
-                      <a:headEnd type="none" w="med" len="med"/>
-                      <a:tailEnd type="none" w="med" len="med"/>
-                    </a:lnL>
-                    <a:lnR w="12700" cap="flat" cmpd="sng" algn="ctr">
-                      <a:solidFill>
-                        <a:schemeClr val="bg1"/>
-                      </a:solidFill>
-                      <a:prstDash val="solid"/>
-                      <a:round/>
-                      <a:headEnd type="none" w="med" len="med"/>
-                      <a:tailEnd type="none" w="med" len="med"/>
-                    </a:lnR>
-                    <a:solidFill>
-                      <a:srgbClr val="3F4346"/>
-                    </a:solidFill>
-                  </a:tcPr>
-                </a:tc>
-                <a:tc>
-                  <a:txBody>
-                    <a:bodyPr/>
-                    <a:lstStyle/>
-                    <a:p>
-                      <a:r>
-                        <a:rPr lang="hu-HU" sz="1200" b="1" dirty="0"/>
-                        <a:t>TL</a:t>
-                      </a:r>
-                    </a:p>
-                  </a:txBody>
-                  <a:tcPr marL="120903" marR="120903" marT="60451" marB="60451">
-                    <a:lnL w="12700" cap="flat" cmpd="sng" algn="ctr">
-                      <a:solidFill>
-                        <a:schemeClr val="bg1"/>
-                      </a:solidFill>
-                      <a:prstDash val="solid"/>
-                      <a:round/>
-                      <a:headEnd type="none" w="med" len="med"/>
-                      <a:tailEnd type="none" w="med" len="med"/>
-                    </a:lnL>
-                    <a:solidFill>
-                      <a:srgbClr val="3F4346"/>
-                    </a:solidFill>
-                  </a:tcPr>
-                </a:tc>
-                <a:extLst>
-                  <a:ext uri="{0D108BD9-81ED-4DB2-BD59-A6C34878D82A}">
-                    <a16:rowId xmlns:a16="http://schemas.microsoft.com/office/drawing/2014/main" val="4004125791"/>
-                  </a:ext>
-                </a:extLst>
-              </a:tr>
-              <a:tr h="6603834">
-                <a:tc>
-                  <a:txBody>
-                    <a:bodyPr/>
-                    <a:lstStyle/>
-                    <a:p>
-                      <a:endParaRPr lang="hu-HU" sz="1500" dirty="0"/>
-                    </a:p>
-                  </a:txBody>
-                  <a:tcPr marL="120903" marR="120903" marT="60451" marB="60451">
-                    <a:lnR w="12700" cap="flat" cmpd="sng" algn="ctr">
-                      <a:solidFill>
-                        <a:schemeClr val="tx1"/>
-                      </a:solidFill>
-                      <a:prstDash val="solid"/>
-                      <a:round/>
-                      <a:headEnd type="none" w="med" len="med"/>
-                      <a:tailEnd type="none" w="med" len="med"/>
-                    </a:lnR>
-                  </a:tcPr>
-                </a:tc>
-                <a:tc>
-                  <a:txBody>
-                    <a:bodyPr/>
-                    <a:lstStyle/>
-                    <a:p>
-                      <a:endParaRPr lang="hu-HU" sz="1500" dirty="0"/>
-                    </a:p>
-                  </a:txBody>
-                  <a:tcPr marL="120903" marR="120903" marT="60451" marB="60451">
-                    <a:lnL w="12700" cap="flat" cmpd="sng" algn="ctr">
-                      <a:solidFill>
-                        <a:schemeClr val="tx1"/>
-                      </a:solidFill>
-                      <a:prstDash val="solid"/>
-                      <a:round/>
-                      <a:headEnd type="none" w="med" len="med"/>
-                      <a:tailEnd type="none" w="med" len="med"/>
-                    </a:lnL>
-                    <a:lnR w="12700" cap="flat" cmpd="sng" algn="ctr">
-                      <a:solidFill>
-                        <a:schemeClr val="tx1"/>
-                      </a:solidFill>
-                      <a:prstDash val="solid"/>
-                      <a:round/>
-                      <a:headEnd type="none" w="med" len="med"/>
-                      <a:tailEnd type="none" w="med" len="med"/>
-                    </a:lnR>
-                    <a:lnT w="12700" cap="flat" cmpd="sng" algn="ctr">
-                      <a:solidFill>
-                        <a:schemeClr val="tx1"/>
-                      </a:solidFill>
-                      <a:prstDash val="solid"/>
-                      <a:round/>
-                      <a:headEnd type="none" w="med" len="med"/>
-                      <a:tailEnd type="none" w="med" len="med"/>
-                    </a:lnT>
-                  </a:tcPr>
-                </a:tc>
-                <a:tc>
-                  <a:txBody>
-                    <a:bodyPr/>
-                    <a:lstStyle/>
-                    <a:p>
-                      <a:endParaRPr lang="hu-HU" sz="1500" dirty="0"/>
-                    </a:p>
-                  </a:txBody>
-                  <a:tcPr marL="120903" marR="120903" marT="60451" marB="60451">
-                    <a:lnL w="12700" cap="flat" cmpd="sng" algn="ctr">
-                      <a:solidFill>
-                        <a:schemeClr val="tx1"/>
-                      </a:solidFill>
-                      <a:prstDash val="solid"/>
-                      <a:round/>
-                      <a:headEnd type="none" w="med" len="med"/>
-                      <a:tailEnd type="none" w="med" len="med"/>
-                    </a:lnL>
-                    <a:lnR w="12700" cap="flat" cmpd="sng" algn="ctr">
-                      <a:solidFill>
-                        <a:schemeClr val="tx1"/>
-                      </a:solidFill>
-                      <a:prstDash val="solid"/>
-                      <a:round/>
-                      <a:headEnd type="none" w="med" len="med"/>
-                      <a:tailEnd type="none" w="med" len="med"/>
-                    </a:lnR>
-                  </a:tcPr>
-                </a:tc>
-                <a:tc>
-                  <a:txBody>
-                    <a:bodyPr/>
-                    <a:lstStyle/>
-                    <a:p>
-                      <a:endParaRPr lang="hu-HU" sz="1500" dirty="0"/>
-                    </a:p>
-                  </a:txBody>
-                  <a:tcPr marL="120903" marR="120903" marT="60451" marB="60451">
-                    <a:lnL w="12700" cap="flat" cmpd="sng" algn="ctr">
-                      <a:solidFill>
-                        <a:schemeClr val="tx1"/>
-                      </a:solidFill>
-                      <a:prstDash val="solid"/>
-                      <a:round/>
-                      <a:headEnd type="none" w="med" len="med"/>
-                      <a:tailEnd type="none" w="med" len="med"/>
-                    </a:lnL>
-                    <a:lnR w="12700" cap="flat" cmpd="sng" algn="ctr">
-                      <a:solidFill>
-                        <a:schemeClr val="tx1"/>
-                      </a:solidFill>
-                      <a:prstDash val="solid"/>
-                      <a:round/>
-                      <a:headEnd type="none" w="med" len="med"/>
-                      <a:tailEnd type="none" w="med" len="med"/>
-                    </a:lnR>
-                  </a:tcPr>
-                </a:tc>
-                <a:tc>
-                  <a:txBody>
-                    <a:bodyPr/>
-                    <a:lstStyle/>
-                    <a:p>
-                      <a:endParaRPr lang="hu-HU" sz="1500" dirty="0"/>
-                    </a:p>
-                  </a:txBody>
-                  <a:tcPr marL="120903" marR="120903" marT="60451" marB="60451">
-                    <a:lnL w="12700" cap="flat" cmpd="sng" algn="ctr">
-                      <a:solidFill>
-                        <a:schemeClr val="tx1"/>
-                      </a:solidFill>
-                      <a:prstDash val="solid"/>
-                      <a:round/>
-                      <a:headEnd type="none" w="med" len="med"/>
-                      <a:tailEnd type="none" w="med" len="med"/>
-                    </a:lnL>
-                    <a:lnR w="12700" cap="flat" cmpd="sng" algn="ctr">
-                      <a:solidFill>
-                        <a:schemeClr val="tx1"/>
-                      </a:solidFill>
-                      <a:prstDash val="solid"/>
-                      <a:round/>
-                      <a:headEnd type="none" w="med" len="med"/>
-                      <a:tailEnd type="none" w="med" len="med"/>
-                    </a:lnR>
-                  </a:tcPr>
-                </a:tc>
-                <a:tc>
-                  <a:txBody>
-                    <a:bodyPr/>
-                    <a:lstStyle/>
-                    <a:p>
-                      <a:endParaRPr lang="hu-HU" sz="1500" dirty="0"/>
-                    </a:p>
-                  </a:txBody>
-                  <a:tcPr marL="120903" marR="120903" marT="60451" marB="60451">
-                    <a:lnL w="12700" cap="flat" cmpd="sng" algn="ctr">
-                      <a:solidFill>
-                        <a:schemeClr val="tx1"/>
-                      </a:solidFill>
-                      <a:prstDash val="solid"/>
-                      <a:round/>
-                      <a:headEnd type="none" w="med" len="med"/>
-                      <a:tailEnd type="none" w="med" len="med"/>
-                    </a:lnL>
-                  </a:tcPr>
-                </a:tc>
-                <a:extLst>
-                  <a:ext uri="{0D108BD9-81ED-4DB2-BD59-A6C34878D82A}">
-                    <a16:rowId xmlns:a16="http://schemas.microsoft.com/office/drawing/2014/main" val="1278891506"/>
-                  </a:ext>
-                </a:extLst>
-              </a:tr>
-            </a:tbl>
-          </a:graphicData>
-        </a:graphic>
-      </p:graphicFrame>
-    </p:spTree>
-    <p:extLst>
-      <p:ext uri="{BB962C8B-B14F-4D97-AF65-F5344CB8AC3E}">
-        <p14:creationId xmlns:p14="http://schemas.microsoft.com/office/powerpoint/2010/main" val="2976902371"/>
       </p:ext>
     </p:extLst>
   </p:cSld>
